--- a/WifiCalibration/ppt.pptx
+++ b/WifiCalibration/ppt.pptx
@@ -9,6 +9,7 @@
     <p:sldId id="257" r:id="rId3"/>
     <p:sldId id="258" r:id="rId4"/>
     <p:sldId id="259" r:id="rId5"/>
+    <p:sldId id="260" r:id="rId6"/>
   </p:sldIdLst>
   <p:sldSz cx="9144000" cy="6858000" type="screen4x3"/>
   <p:notesSz cx="6858000" cy="9144000"/>
@@ -288,6 +289,8 @@
           <a:lstStyle/>
           <a:p>
             <a:fld id="{B3E4AB67-3F5E-8B49-90C4-6BC93E9E6DDD}" type="datetimeFigureOut">
+              <a:rPr/>
+              <a:pPr/>
               <a:t>13-6-28</a:t>
             </a:fld>
             <a:endParaRPr kumimoji="1" lang="zh-CN" altLang="en-US"/>
@@ -329,6 +332,8 @@
           <a:lstStyle/>
           <a:p>
             <a:fld id="{88A2A924-D2AB-2C4E-93E1-F0C6E6A5913D}" type="slidenum">
+              <a:rPr/>
+              <a:pPr/>
               <a:t>‹#›</a:t>
             </a:fld>
             <a:endParaRPr kumimoji="1" lang="zh-CN" altLang="en-US"/>
@@ -338,7 +343,7 @@
     </p:spTree>
     <p:extLst>
       <p:ext uri="{BB962C8B-B14F-4D97-AF65-F5344CB8AC3E}">
-        <p14:creationId xmlns:p14="http://schemas.microsoft.com/office/powerpoint/2010/main" val="1339436113"/>
+        <p14:creationId xmlns:p14="http://schemas.microsoft.com/office/powerpoint/2010/main" xmlns="" val="1339436113"/>
       </p:ext>
     </p:extLst>
   </p:cSld>
@@ -454,6 +459,8 @@
           <a:lstStyle/>
           <a:p>
             <a:fld id="{B3E4AB67-3F5E-8B49-90C4-6BC93E9E6DDD}" type="datetimeFigureOut">
+              <a:rPr/>
+              <a:pPr/>
               <a:t>13-6-28</a:t>
             </a:fld>
             <a:endParaRPr kumimoji="1" lang="zh-CN" altLang="en-US"/>
@@ -495,6 +502,8 @@
           <a:lstStyle/>
           <a:p>
             <a:fld id="{88A2A924-D2AB-2C4E-93E1-F0C6E6A5913D}" type="slidenum">
+              <a:rPr/>
+              <a:pPr/>
               <a:t>‹#›</a:t>
             </a:fld>
             <a:endParaRPr kumimoji="1" lang="zh-CN" altLang="en-US"/>
@@ -504,7 +513,7 @@
     </p:spTree>
     <p:extLst>
       <p:ext uri="{BB962C8B-B14F-4D97-AF65-F5344CB8AC3E}">
-        <p14:creationId xmlns:p14="http://schemas.microsoft.com/office/powerpoint/2010/main" val="2977337986"/>
+        <p14:creationId xmlns:p14="http://schemas.microsoft.com/office/powerpoint/2010/main" xmlns="" val="2977337986"/>
       </p:ext>
     </p:extLst>
   </p:cSld>
@@ -630,6 +639,8 @@
           <a:lstStyle/>
           <a:p>
             <a:fld id="{B3E4AB67-3F5E-8B49-90C4-6BC93E9E6DDD}" type="datetimeFigureOut">
+              <a:rPr/>
+              <a:pPr/>
               <a:t>13-6-28</a:t>
             </a:fld>
             <a:endParaRPr kumimoji="1" lang="zh-CN" altLang="en-US"/>
@@ -671,6 +682,8 @@
           <a:lstStyle/>
           <a:p>
             <a:fld id="{88A2A924-D2AB-2C4E-93E1-F0C6E6A5913D}" type="slidenum">
+              <a:rPr/>
+              <a:pPr/>
               <a:t>‹#›</a:t>
             </a:fld>
             <a:endParaRPr kumimoji="1" lang="zh-CN" altLang="en-US"/>
@@ -680,7 +693,7 @@
     </p:spTree>
     <p:extLst>
       <p:ext uri="{BB962C8B-B14F-4D97-AF65-F5344CB8AC3E}">
-        <p14:creationId xmlns:p14="http://schemas.microsoft.com/office/powerpoint/2010/main" val="103099686"/>
+        <p14:creationId xmlns:p14="http://schemas.microsoft.com/office/powerpoint/2010/main" xmlns="" val="103099686"/>
       </p:ext>
     </p:extLst>
   </p:cSld>
@@ -796,6 +809,8 @@
           <a:lstStyle/>
           <a:p>
             <a:fld id="{B3E4AB67-3F5E-8B49-90C4-6BC93E9E6DDD}" type="datetimeFigureOut">
+              <a:rPr/>
+              <a:pPr/>
               <a:t>13-6-28</a:t>
             </a:fld>
             <a:endParaRPr kumimoji="1" lang="zh-CN" altLang="en-US"/>
@@ -837,6 +852,8 @@
           <a:lstStyle/>
           <a:p>
             <a:fld id="{88A2A924-D2AB-2C4E-93E1-F0C6E6A5913D}" type="slidenum">
+              <a:rPr/>
+              <a:pPr/>
               <a:t>‹#›</a:t>
             </a:fld>
             <a:endParaRPr kumimoji="1" lang="zh-CN" altLang="en-US"/>
@@ -846,7 +863,7 @@
     </p:spTree>
     <p:extLst>
       <p:ext uri="{BB962C8B-B14F-4D97-AF65-F5344CB8AC3E}">
-        <p14:creationId xmlns:p14="http://schemas.microsoft.com/office/powerpoint/2010/main" val="3156888097"/>
+        <p14:creationId xmlns:p14="http://schemas.microsoft.com/office/powerpoint/2010/main" xmlns="" val="3156888097"/>
       </p:ext>
     </p:extLst>
   </p:cSld>
@@ -1039,6 +1056,8 @@
           <a:lstStyle/>
           <a:p>
             <a:fld id="{B3E4AB67-3F5E-8B49-90C4-6BC93E9E6DDD}" type="datetimeFigureOut">
+              <a:rPr/>
+              <a:pPr/>
               <a:t>13-6-28</a:t>
             </a:fld>
             <a:endParaRPr kumimoji="1" lang="zh-CN" altLang="en-US"/>
@@ -1080,6 +1099,8 @@
           <a:lstStyle/>
           <a:p>
             <a:fld id="{88A2A924-D2AB-2C4E-93E1-F0C6E6A5913D}" type="slidenum">
+              <a:rPr/>
+              <a:pPr/>
               <a:t>‹#›</a:t>
             </a:fld>
             <a:endParaRPr kumimoji="1" lang="zh-CN" altLang="en-US"/>
@@ -1089,7 +1110,7 @@
     </p:spTree>
     <p:extLst>
       <p:ext uri="{BB962C8B-B14F-4D97-AF65-F5344CB8AC3E}">
-        <p14:creationId xmlns:p14="http://schemas.microsoft.com/office/powerpoint/2010/main" val="3936039205"/>
+        <p14:creationId xmlns:p14="http://schemas.microsoft.com/office/powerpoint/2010/main" xmlns="" val="3936039205"/>
       </p:ext>
     </p:extLst>
   </p:cSld>
@@ -1322,6 +1343,8 @@
           <a:lstStyle/>
           <a:p>
             <a:fld id="{B3E4AB67-3F5E-8B49-90C4-6BC93E9E6DDD}" type="datetimeFigureOut">
+              <a:rPr/>
+              <a:pPr/>
               <a:t>13-6-28</a:t>
             </a:fld>
             <a:endParaRPr kumimoji="1" lang="zh-CN" altLang="en-US"/>
@@ -1363,6 +1386,8 @@
           <a:lstStyle/>
           <a:p>
             <a:fld id="{88A2A924-D2AB-2C4E-93E1-F0C6E6A5913D}" type="slidenum">
+              <a:rPr/>
+              <a:pPr/>
               <a:t>‹#›</a:t>
             </a:fld>
             <a:endParaRPr kumimoji="1" lang="zh-CN" altLang="en-US"/>
@@ -1372,7 +1397,7 @@
     </p:spTree>
     <p:extLst>
       <p:ext uri="{BB962C8B-B14F-4D97-AF65-F5344CB8AC3E}">
-        <p14:creationId xmlns:p14="http://schemas.microsoft.com/office/powerpoint/2010/main" val="889311518"/>
+        <p14:creationId xmlns:p14="http://schemas.microsoft.com/office/powerpoint/2010/main" xmlns="" val="889311518"/>
       </p:ext>
     </p:extLst>
   </p:cSld>
@@ -1739,6 +1764,8 @@
           <a:lstStyle/>
           <a:p>
             <a:fld id="{B3E4AB67-3F5E-8B49-90C4-6BC93E9E6DDD}" type="datetimeFigureOut">
+              <a:rPr/>
+              <a:pPr/>
               <a:t>13-6-28</a:t>
             </a:fld>
             <a:endParaRPr kumimoji="1" lang="zh-CN" altLang="en-US"/>
@@ -1780,6 +1807,8 @@
           <a:lstStyle/>
           <a:p>
             <a:fld id="{88A2A924-D2AB-2C4E-93E1-F0C6E6A5913D}" type="slidenum">
+              <a:rPr/>
+              <a:pPr/>
               <a:t>‹#›</a:t>
             </a:fld>
             <a:endParaRPr kumimoji="1" lang="zh-CN" altLang="en-US"/>
@@ -1789,7 +1818,7 @@
     </p:spTree>
     <p:extLst>
       <p:ext uri="{BB962C8B-B14F-4D97-AF65-F5344CB8AC3E}">
-        <p14:creationId xmlns:p14="http://schemas.microsoft.com/office/powerpoint/2010/main" val="2558586060"/>
+        <p14:creationId xmlns:p14="http://schemas.microsoft.com/office/powerpoint/2010/main" xmlns="" val="2558586060"/>
       </p:ext>
     </p:extLst>
   </p:cSld>
@@ -1854,6 +1883,8 @@
           <a:lstStyle/>
           <a:p>
             <a:fld id="{B3E4AB67-3F5E-8B49-90C4-6BC93E9E6DDD}" type="datetimeFigureOut">
+              <a:rPr/>
+              <a:pPr/>
               <a:t>13-6-28</a:t>
             </a:fld>
             <a:endParaRPr kumimoji="1" lang="zh-CN" altLang="en-US"/>
@@ -1895,6 +1926,8 @@
           <a:lstStyle/>
           <a:p>
             <a:fld id="{88A2A924-D2AB-2C4E-93E1-F0C6E6A5913D}" type="slidenum">
+              <a:rPr/>
+              <a:pPr/>
               <a:t>‹#›</a:t>
             </a:fld>
             <a:endParaRPr kumimoji="1" lang="zh-CN" altLang="en-US"/>
@@ -1904,7 +1937,7 @@
     </p:spTree>
     <p:extLst>
       <p:ext uri="{BB962C8B-B14F-4D97-AF65-F5344CB8AC3E}">
-        <p14:creationId xmlns:p14="http://schemas.microsoft.com/office/powerpoint/2010/main" val="2911007286"/>
+        <p14:creationId xmlns:p14="http://schemas.microsoft.com/office/powerpoint/2010/main" xmlns="" val="2911007286"/>
       </p:ext>
     </p:extLst>
   </p:cSld>
@@ -1947,6 +1980,8 @@
           <a:lstStyle/>
           <a:p>
             <a:fld id="{B3E4AB67-3F5E-8B49-90C4-6BC93E9E6DDD}" type="datetimeFigureOut">
+              <a:rPr/>
+              <a:pPr/>
               <a:t>13-6-28</a:t>
             </a:fld>
             <a:endParaRPr kumimoji="1" lang="zh-CN" altLang="en-US"/>
@@ -1988,6 +2023,8 @@
           <a:lstStyle/>
           <a:p>
             <a:fld id="{88A2A924-D2AB-2C4E-93E1-F0C6E6A5913D}" type="slidenum">
+              <a:rPr/>
+              <a:pPr/>
               <a:t>‹#›</a:t>
             </a:fld>
             <a:endParaRPr kumimoji="1" lang="zh-CN" altLang="en-US"/>
@@ -1997,7 +2034,7 @@
     </p:spTree>
     <p:extLst>
       <p:ext uri="{BB962C8B-B14F-4D97-AF65-F5344CB8AC3E}">
-        <p14:creationId xmlns:p14="http://schemas.microsoft.com/office/powerpoint/2010/main" val="2213381630"/>
+        <p14:creationId xmlns:p14="http://schemas.microsoft.com/office/powerpoint/2010/main" xmlns="" val="2213381630"/>
       </p:ext>
     </p:extLst>
   </p:cSld>
@@ -2220,6 +2257,8 @@
           <a:lstStyle/>
           <a:p>
             <a:fld id="{B3E4AB67-3F5E-8B49-90C4-6BC93E9E6DDD}" type="datetimeFigureOut">
+              <a:rPr/>
+              <a:pPr/>
               <a:t>13-6-28</a:t>
             </a:fld>
             <a:endParaRPr kumimoji="1" lang="zh-CN" altLang="en-US"/>
@@ -2261,6 +2300,8 @@
           <a:lstStyle/>
           <a:p>
             <a:fld id="{88A2A924-D2AB-2C4E-93E1-F0C6E6A5913D}" type="slidenum">
+              <a:rPr/>
+              <a:pPr/>
               <a:t>‹#›</a:t>
             </a:fld>
             <a:endParaRPr kumimoji="1" lang="zh-CN" altLang="en-US"/>
@@ -2270,7 +2311,7 @@
     </p:spTree>
     <p:extLst>
       <p:ext uri="{BB962C8B-B14F-4D97-AF65-F5344CB8AC3E}">
-        <p14:creationId xmlns:p14="http://schemas.microsoft.com/office/powerpoint/2010/main" val="2669296693"/>
+        <p14:creationId xmlns:p14="http://schemas.microsoft.com/office/powerpoint/2010/main" xmlns="" val="2669296693"/>
       </p:ext>
     </p:extLst>
   </p:cSld>
@@ -2470,6 +2511,8 @@
           <a:lstStyle/>
           <a:p>
             <a:fld id="{B3E4AB67-3F5E-8B49-90C4-6BC93E9E6DDD}" type="datetimeFigureOut">
+              <a:rPr/>
+              <a:pPr/>
               <a:t>13-6-28</a:t>
             </a:fld>
             <a:endParaRPr kumimoji="1" lang="zh-CN" altLang="en-US"/>
@@ -2511,6 +2554,8 @@
           <a:lstStyle/>
           <a:p>
             <a:fld id="{88A2A924-D2AB-2C4E-93E1-F0C6E6A5913D}" type="slidenum">
+              <a:rPr/>
+              <a:pPr/>
               <a:t>‹#›</a:t>
             </a:fld>
             <a:endParaRPr kumimoji="1" lang="zh-CN" altLang="en-US"/>
@@ -2520,7 +2565,7 @@
     </p:spTree>
     <p:extLst>
       <p:ext uri="{BB962C8B-B14F-4D97-AF65-F5344CB8AC3E}">
-        <p14:creationId xmlns:p14="http://schemas.microsoft.com/office/powerpoint/2010/main" val="921560976"/>
+        <p14:creationId xmlns:p14="http://schemas.microsoft.com/office/powerpoint/2010/main" xmlns="" val="921560976"/>
       </p:ext>
     </p:extLst>
   </p:cSld>
@@ -2679,6 +2724,8 @@
           </a:lstStyle>
           <a:p>
             <a:fld id="{B3E4AB67-3F5E-8B49-90C4-6BC93E9E6DDD}" type="datetimeFigureOut">
+              <a:rPr/>
+              <a:pPr/>
               <a:t>13-6-28</a:t>
             </a:fld>
             <a:endParaRPr kumimoji="1" lang="zh-CN" altLang="en-US"/>
@@ -2756,6 +2803,8 @@
           </a:lstStyle>
           <a:p>
             <a:fld id="{88A2A924-D2AB-2C4E-93E1-F0C6E6A5913D}" type="slidenum">
+              <a:rPr/>
+              <a:pPr/>
               <a:t>‹#›</a:t>
             </a:fld>
             <a:endParaRPr kumimoji="1" lang="zh-CN" altLang="en-US"/>
@@ -2765,7 +2814,7 @@
     </p:spTree>
     <p:extLst>
       <p:ext uri="{BB962C8B-B14F-4D97-AF65-F5344CB8AC3E}">
-        <p14:creationId xmlns:p14="http://schemas.microsoft.com/office/powerpoint/2010/main" val="772402917"/>
+        <p14:creationId xmlns:p14="http://schemas.microsoft.com/office/powerpoint/2010/main" xmlns="" val="772402917"/>
       </p:ext>
     </p:extLst>
   </p:cSld>
@@ -3436,7 +3485,7 @@
     </p:spTree>
     <p:extLst>
       <p:ext uri="{BB962C8B-B14F-4D97-AF65-F5344CB8AC3E}">
-        <p14:creationId xmlns:p14="http://schemas.microsoft.com/office/powerpoint/2010/main" val="2230234944"/>
+        <p14:creationId xmlns:p14="http://schemas.microsoft.com/office/powerpoint/2010/main" xmlns="" val="2230234944"/>
       </p:ext>
     </p:extLst>
   </p:cSld>
@@ -3963,29 +4012,8 @@
                   <a:schemeClr val="tx1"/>
                 </a:solidFill>
               </a:rPr>
-              <a:t>集中</a:t>
-            </a:r>
-            <a:r>
-              <a:rPr kumimoji="1" lang="zh-CN" altLang="en-US">
-                <a:solidFill>
-                  <a:schemeClr val="tx1"/>
-                </a:solidFill>
-              </a:rPr>
-              <a:t>办公</a:t>
-            </a:r>
-            <a:r>
-              <a:rPr kumimoji="1" lang="zh-CN" altLang="en-US">
-                <a:solidFill>
-                  <a:schemeClr val="tx1"/>
-                </a:solidFill>
-              </a:rPr>
-              <a:t>区</a:t>
-            </a:r>
-            <a:endParaRPr kumimoji="1" lang="zh-CN" altLang="en-US">
-              <a:solidFill>
-                <a:schemeClr val="tx1"/>
-              </a:solidFill>
-            </a:endParaRPr>
+              <a:t>集中办公区</a:t>
+            </a:r>
           </a:p>
         </p:txBody>
       </p:sp>
@@ -4440,11 +4468,6 @@
               </a:rPr>
               <a:t>会议室</a:t>
             </a:r>
-            <a:endParaRPr kumimoji="1" lang="zh-CN" altLang="en-US">
-              <a:solidFill>
-                <a:schemeClr val="tx1"/>
-              </a:solidFill>
-            </a:endParaRPr>
           </a:p>
         </p:txBody>
       </p:sp>
@@ -4513,11 +4536,6 @@
               </a:rPr>
               <a:t>大厅</a:t>
             </a:r>
-            <a:endParaRPr kumimoji="1" lang="zh-CN" altLang="en-US">
-              <a:solidFill>
-                <a:srgbClr val="000000"/>
-              </a:solidFill>
-            </a:endParaRPr>
           </a:p>
         </p:txBody>
       </p:sp>
@@ -4785,7 +4803,7 @@
     </p:spTree>
     <p:extLst>
       <p:ext uri="{BB962C8B-B14F-4D97-AF65-F5344CB8AC3E}">
-        <p14:creationId xmlns:p14="http://schemas.microsoft.com/office/powerpoint/2010/main" val="3872163230"/>
+        <p14:creationId xmlns:p14="http://schemas.microsoft.com/office/powerpoint/2010/main" xmlns="" val="3872163230"/>
       </p:ext>
     </p:extLst>
   </p:cSld>
@@ -6185,7 +6203,7 @@
     </p:spTree>
     <p:extLst>
       <p:ext uri="{BB962C8B-B14F-4D97-AF65-F5344CB8AC3E}">
-        <p14:creationId xmlns:p14="http://schemas.microsoft.com/office/powerpoint/2010/main" val="3010439243"/>
+        <p14:creationId xmlns:p14="http://schemas.microsoft.com/office/powerpoint/2010/main" xmlns="" val="3010439243"/>
       </p:ext>
     </p:extLst>
   </p:cSld>
@@ -6221,7 +6239,7 @@
           <p:nvPr>
             <p:extLst>
               <p:ext uri="{D42A27DB-BD31-4B8C-83A1-F6EECF244321}">
-                <p14:modId xmlns:p14="http://schemas.microsoft.com/office/powerpoint/2010/main" val="3670557893"/>
+                <p14:modId xmlns:p14="http://schemas.microsoft.com/office/powerpoint/2010/main" xmlns="" val="3670557893"/>
               </p:ext>
             </p:extLst>
           </p:nvPr>
@@ -8454,13 +8472,6 @@
                         </a:rPr>
                         <a:t>6</a:t>
                       </a:r>
-                      <a:endParaRPr lang="en-US" altLang="zh-CN" b="0">
-                        <a:solidFill>
-                          <a:srgbClr val="000000"/>
-                        </a:solidFill>
-                        <a:latin typeface="Arial"/>
-                        <a:cs typeface="Arial"/>
-                      </a:endParaRPr>
                     </a:p>
                   </a:txBody>
                   <a:tcPr>
@@ -8716,13 +8727,6 @@
                         </a:rPr>
                         <a:t>...</a:t>
                       </a:r>
-                      <a:endParaRPr lang="en-US" altLang="zh-CN" b="0">
-                        <a:solidFill>
-                          <a:srgbClr val="000000"/>
-                        </a:solidFill>
-                        <a:latin typeface="Arial"/>
-                        <a:cs typeface="Arial"/>
-                      </a:endParaRPr>
                     </a:p>
                   </a:txBody>
                   <a:tcPr>
@@ -9004,13 +9008,6 @@
                         </a:rPr>
                         <a:t>16</a:t>
                       </a:r>
-                      <a:endParaRPr lang="en-US" altLang="zh-CN" b="0">
-                        <a:solidFill>
-                          <a:srgbClr val="000000"/>
-                        </a:solidFill>
-                        <a:latin typeface="Arial"/>
-                        <a:cs typeface="Arial"/>
-                      </a:endParaRPr>
                     </a:p>
                   </a:txBody>
                   <a:tcPr>
@@ -9292,13 +9289,6 @@
                         </a:rPr>
                         <a:t>19</a:t>
                       </a:r>
-                      <a:endParaRPr lang="en-US" altLang="zh-CN" b="0">
-                        <a:solidFill>
-                          <a:srgbClr val="000000"/>
-                        </a:solidFill>
-                        <a:latin typeface="Arial"/>
-                        <a:cs typeface="Arial"/>
-                      </a:endParaRPr>
                     </a:p>
                   </a:txBody>
                   <a:tcPr>
@@ -9570,13 +9560,6 @@
                         </a:rPr>
                         <a:t>...</a:t>
                       </a:r>
-                      <a:endParaRPr lang="en-US" altLang="zh-CN" b="0">
-                        <a:solidFill>
-                          <a:srgbClr val="000000"/>
-                        </a:solidFill>
-                        <a:latin typeface="Arial"/>
-                        <a:cs typeface="Arial"/>
-                      </a:endParaRPr>
                     </a:p>
                   </a:txBody>
                   <a:tcPr>
@@ -9627,9 +9610,661 @@
     </p:spTree>
     <p:extLst>
       <p:ext uri="{BB962C8B-B14F-4D97-AF65-F5344CB8AC3E}">
-        <p14:creationId xmlns:p14="http://schemas.microsoft.com/office/powerpoint/2010/main" val="1675870990"/>
+        <p14:creationId xmlns:p14="http://schemas.microsoft.com/office/powerpoint/2010/main" xmlns="" val="1675870990"/>
       </p:ext>
     </p:extLst>
+  </p:cSld>
+  <p:clrMapOvr>
+    <a:masterClrMapping/>
+  </p:clrMapOvr>
+</p:sld>
+</file>
+
+<file path=ppt/slides/slide5.xml><?xml version="1.0" encoding="utf-8"?>
+<p:sld xmlns:a="http://schemas.openxmlformats.org/drawingml/2006/main" xmlns:r="http://schemas.openxmlformats.org/officeDocument/2006/relationships" xmlns:p="http://schemas.openxmlformats.org/presentationml/2006/main">
+  <p:cSld>
+    <p:spTree>
+      <p:nvGrpSpPr>
+        <p:cNvPr id="1" name=""/>
+        <p:cNvGrpSpPr/>
+        <p:nvPr/>
+      </p:nvGrpSpPr>
+      <p:grpSpPr>
+        <a:xfrm>
+          <a:off x="0" y="0"/>
+          <a:ext cx="0" cy="0"/>
+          <a:chOff x="0" y="0"/>
+          <a:chExt cx="0" cy="0"/>
+        </a:xfrm>
+      </p:grpSpPr>
+      <p:sp>
+        <p:nvSpPr>
+          <p:cNvPr id="4" name="矩形 3"/>
+          <p:cNvSpPr/>
+          <p:nvPr/>
+        </p:nvSpPr>
+        <p:spPr>
+          <a:xfrm>
+            <a:off x="2987565" y="4252804"/>
+            <a:ext cx="2356945" cy="1316421"/>
+          </a:xfrm>
+          <a:prstGeom prst="rect">
+            <a:avLst/>
+          </a:prstGeom>
+          <a:noFill/>
+          <a:ln w="12700">
+            <a:solidFill>
+              <a:schemeClr val="tx1"/>
+            </a:solidFill>
+          </a:ln>
+          <a:effectLst>
+            <a:outerShdw blurRad="50800" dist="50800" dir="5400000" algn="ctr" rotWithShape="0">
+              <a:schemeClr val="bg1"/>
+            </a:outerShdw>
+          </a:effectLst>
+        </p:spPr>
+        <p:style>
+          <a:lnRef idx="1">
+            <a:schemeClr val="accent1"/>
+          </a:lnRef>
+          <a:fillRef idx="3">
+            <a:schemeClr val="accent1"/>
+          </a:fillRef>
+          <a:effectRef idx="2">
+            <a:schemeClr val="accent1"/>
+          </a:effectRef>
+          <a:fontRef idx="minor">
+            <a:schemeClr val="lt1"/>
+          </a:fontRef>
+        </p:style>
+        <p:txBody>
+          <a:bodyPr rtlCol="0" anchor="ctr"/>
+          <a:lstStyle/>
+          <a:p>
+            <a:pPr algn="ctr"/>
+            <a:r>
+              <a:rPr lang="en-US" altLang="zh-CN" sz="4000" smtClean="0">
+                <a:solidFill>
+                  <a:schemeClr val="tx1"/>
+                </a:solidFill>
+                <a:latin typeface="Arial Unicode MS" pitchFamily="34" charset="-122"/>
+                <a:ea typeface="Arial Unicode MS" pitchFamily="34" charset="-122"/>
+                <a:cs typeface="Arial Unicode MS" pitchFamily="34" charset="-122"/>
+              </a:rPr>
+              <a:t>SVM</a:t>
+            </a:r>
+            <a:r>
+              <a:rPr lang="en-US" altLang="zh-CN" smtClean="0">
+                <a:solidFill>
+                  <a:schemeClr val="tx1"/>
+                </a:solidFill>
+                <a:latin typeface="Arial Unicode MS" pitchFamily="34" charset="-122"/>
+                <a:ea typeface="Arial Unicode MS" pitchFamily="34" charset="-122"/>
+                <a:cs typeface="Arial Unicode MS" pitchFamily="34" charset="-122"/>
+              </a:rPr>
+              <a:t>(RBF)</a:t>
+            </a:r>
+            <a:endParaRPr lang="zh-CN" altLang="en-US">
+              <a:solidFill>
+                <a:schemeClr val="tx1"/>
+              </a:solidFill>
+              <a:latin typeface="Arial Unicode MS" pitchFamily="34" charset="-122"/>
+              <a:ea typeface="Arial Unicode MS" pitchFamily="34" charset="-122"/>
+              <a:cs typeface="Arial Unicode MS" pitchFamily="34" charset="-122"/>
+            </a:endParaRPr>
+          </a:p>
+        </p:txBody>
+      </p:sp>
+      <p:sp>
+        <p:nvSpPr>
+          <p:cNvPr id="11" name="TextBox 10"/>
+          <p:cNvSpPr txBox="1"/>
+          <p:nvPr/>
+        </p:nvSpPr>
+        <p:spPr>
+          <a:xfrm>
+            <a:off x="654269" y="4572053"/>
+            <a:ext cx="2017987" cy="369332"/>
+          </a:xfrm>
+          <a:prstGeom prst="rect">
+            <a:avLst/>
+          </a:prstGeom>
+          <a:noFill/>
+          <a:effectLst>
+            <a:outerShdw blurRad="50800" dist="50800" dir="5400000" algn="ctr" rotWithShape="0">
+              <a:schemeClr val="bg1"/>
+            </a:outerShdw>
+          </a:effectLst>
+        </p:spPr>
+        <p:txBody>
+          <a:bodyPr wrap="square" rtlCol="0">
+            <a:spAutoFit/>
+          </a:bodyPr>
+          <a:lstStyle/>
+          <a:p>
+            <a:r>
+              <a:rPr lang="en-US" altLang="zh-CN" smtClean="0"/>
+              <a:t>LP(RSS</a:t>
+            </a:r>
+            <a:r>
+              <a:rPr lang="en-US" altLang="zh-CN" sz="1100" smtClean="0"/>
+              <a:t>1</a:t>
+            </a:r>
+            <a:r>
+              <a:rPr lang="en-US" altLang="zh-CN" smtClean="0"/>
+              <a:t>,RSS</a:t>
+            </a:r>
+            <a:r>
+              <a:rPr lang="en-US" altLang="zh-CN" sz="1100" smtClean="0"/>
+              <a:t>2</a:t>
+            </a:r>
+            <a:r>
+              <a:rPr lang="en-US" altLang="zh-CN" smtClean="0"/>
+              <a:t>,…RSS</a:t>
+            </a:r>
+            <a:r>
+              <a:rPr lang="en-US" altLang="zh-CN" sz="1100" smtClean="0"/>
+              <a:t>n</a:t>
+            </a:r>
+            <a:r>
+              <a:rPr lang="en-US" altLang="zh-CN" smtClean="0"/>
+              <a:t>)</a:t>
+            </a:r>
+            <a:endParaRPr lang="zh-CN" altLang="en-US"/>
+          </a:p>
+        </p:txBody>
+      </p:sp>
+      <p:sp>
+        <p:nvSpPr>
+          <p:cNvPr id="12" name="TextBox 11"/>
+          <p:cNvSpPr txBox="1"/>
+          <p:nvPr/>
+        </p:nvSpPr>
+        <p:spPr>
+          <a:xfrm>
+            <a:off x="5423327" y="4572053"/>
+            <a:ext cx="945931" cy="369332"/>
+          </a:xfrm>
+          <a:prstGeom prst="rect">
+            <a:avLst/>
+          </a:prstGeom>
+          <a:noFill/>
+          <a:effectLst>
+            <a:outerShdw blurRad="50800" dist="50800" dir="5400000" algn="ctr" rotWithShape="0">
+              <a:schemeClr val="bg1"/>
+            </a:outerShdw>
+          </a:effectLst>
+        </p:spPr>
+        <p:txBody>
+          <a:bodyPr wrap="square" rtlCol="0">
+            <a:spAutoFit/>
+          </a:bodyPr>
+          <a:lstStyle/>
+          <a:p>
+            <a:r>
+              <a:rPr lang="en-US" altLang="zh-CN" smtClean="0"/>
+              <a:t>CP </a:t>
+            </a:r>
+            <a:r>
+              <a:rPr lang="en-US" altLang="zh-CN" sz="1400" smtClean="0"/>
+              <a:t>value</a:t>
+            </a:r>
+            <a:endParaRPr lang="zh-CN" altLang="en-US" sz="1400"/>
+          </a:p>
+        </p:txBody>
+      </p:sp>
+      <p:cxnSp>
+        <p:nvCxnSpPr>
+          <p:cNvPr id="14" name="直接箭头连接符 13"/>
+          <p:cNvCxnSpPr/>
+          <p:nvPr/>
+        </p:nvCxnSpPr>
+        <p:spPr>
+          <a:xfrm flipV="1">
+            <a:off x="796159" y="5076547"/>
+            <a:ext cx="2191406" cy="1"/>
+          </a:xfrm>
+          <a:prstGeom prst="straightConnector1">
+            <a:avLst/>
+          </a:prstGeom>
+          <a:ln w="76200">
+            <a:solidFill>
+              <a:schemeClr val="tx1"/>
+            </a:solidFill>
+            <a:tailEnd type="arrow"/>
+          </a:ln>
+          <a:effectLst>
+            <a:outerShdw blurRad="50800" dist="50800" dir="5400000" algn="ctr" rotWithShape="0">
+              <a:schemeClr val="bg1"/>
+            </a:outerShdw>
+          </a:effectLst>
+        </p:spPr>
+        <p:style>
+          <a:lnRef idx="2">
+            <a:schemeClr val="accent1"/>
+          </a:lnRef>
+          <a:fillRef idx="0">
+            <a:schemeClr val="accent1"/>
+          </a:fillRef>
+          <a:effectRef idx="1">
+            <a:schemeClr val="accent1"/>
+          </a:effectRef>
+          <a:fontRef idx="minor">
+            <a:schemeClr val="tx1"/>
+          </a:fontRef>
+        </p:style>
+      </p:cxnSp>
+      <p:cxnSp>
+        <p:nvCxnSpPr>
+          <p:cNvPr id="17" name="直接箭头连接符 16"/>
+          <p:cNvCxnSpPr/>
+          <p:nvPr/>
+        </p:nvCxnSpPr>
+        <p:spPr>
+          <a:xfrm flipV="1">
+            <a:off x="5347189" y="5076547"/>
+            <a:ext cx="1313740" cy="2"/>
+          </a:xfrm>
+          <a:prstGeom prst="straightConnector1">
+            <a:avLst/>
+          </a:prstGeom>
+          <a:ln w="76200">
+            <a:solidFill>
+              <a:schemeClr val="tx1"/>
+            </a:solidFill>
+            <a:tailEnd type="arrow"/>
+          </a:ln>
+          <a:effectLst>
+            <a:outerShdw blurRad="50800" dist="50800" dir="5400000" algn="ctr" rotWithShape="0">
+              <a:schemeClr val="bg1"/>
+            </a:outerShdw>
+          </a:effectLst>
+        </p:spPr>
+        <p:style>
+          <a:lnRef idx="2">
+            <a:schemeClr val="accent1"/>
+          </a:lnRef>
+          <a:fillRef idx="0">
+            <a:schemeClr val="accent1"/>
+          </a:fillRef>
+          <a:effectRef idx="1">
+            <a:schemeClr val="accent1"/>
+          </a:effectRef>
+          <a:fontRef idx="minor">
+            <a:schemeClr val="tx1"/>
+          </a:fontRef>
+        </p:style>
+      </p:cxnSp>
+      <p:sp>
+        <p:nvSpPr>
+          <p:cNvPr id="19" name="矩形 18"/>
+          <p:cNvSpPr/>
+          <p:nvPr/>
+        </p:nvSpPr>
+        <p:spPr>
+          <a:xfrm>
+            <a:off x="4590493" y="2435802"/>
+            <a:ext cx="2356945" cy="1316421"/>
+          </a:xfrm>
+          <a:prstGeom prst="rect">
+            <a:avLst/>
+          </a:prstGeom>
+          <a:noFill/>
+          <a:ln w="12700">
+            <a:solidFill>
+              <a:schemeClr val="tx1"/>
+            </a:solidFill>
+          </a:ln>
+          <a:effectLst>
+            <a:outerShdw blurRad="50800" dist="50800" dir="5400000" algn="ctr" rotWithShape="0">
+              <a:schemeClr val="bg1"/>
+            </a:outerShdw>
+          </a:effectLst>
+        </p:spPr>
+        <p:style>
+          <a:lnRef idx="1">
+            <a:schemeClr val="accent1"/>
+          </a:lnRef>
+          <a:fillRef idx="3">
+            <a:schemeClr val="accent1"/>
+          </a:fillRef>
+          <a:effectRef idx="2">
+            <a:schemeClr val="accent1"/>
+          </a:effectRef>
+          <a:fontRef idx="minor">
+            <a:schemeClr val="lt1"/>
+          </a:fontRef>
+        </p:style>
+        <p:txBody>
+          <a:bodyPr rtlCol="0" anchor="ctr"/>
+          <a:lstStyle/>
+          <a:p>
+            <a:pPr algn="ctr"/>
+            <a:r>
+              <a:rPr lang="en-US" altLang="zh-CN" sz="4000" smtClean="0">
+                <a:solidFill>
+                  <a:schemeClr val="tx1"/>
+                </a:solidFill>
+                <a:latin typeface="Arial Unicode MS" pitchFamily="34" charset="-122"/>
+                <a:ea typeface="Arial Unicode MS" pitchFamily="34" charset="-122"/>
+                <a:cs typeface="Arial Unicode MS" pitchFamily="34" charset="-122"/>
+              </a:rPr>
+              <a:t>SVM</a:t>
+            </a:r>
+            <a:r>
+              <a:rPr lang="en-US" altLang="zh-CN" smtClean="0">
+                <a:solidFill>
+                  <a:schemeClr val="tx1"/>
+                </a:solidFill>
+                <a:latin typeface="Arial Unicode MS" pitchFamily="34" charset="-122"/>
+                <a:ea typeface="Arial Unicode MS" pitchFamily="34" charset="-122"/>
+                <a:cs typeface="Arial Unicode MS" pitchFamily="34" charset="-122"/>
+              </a:rPr>
+              <a:t>(RBF)</a:t>
+            </a:r>
+            <a:endParaRPr lang="zh-CN" altLang="en-US">
+              <a:solidFill>
+                <a:schemeClr val="tx1"/>
+              </a:solidFill>
+              <a:latin typeface="Arial Unicode MS" pitchFamily="34" charset="-122"/>
+              <a:ea typeface="Arial Unicode MS" pitchFamily="34" charset="-122"/>
+              <a:cs typeface="Arial Unicode MS" pitchFamily="34" charset="-122"/>
+            </a:endParaRPr>
+          </a:p>
+        </p:txBody>
+      </p:sp>
+      <p:sp>
+        <p:nvSpPr>
+          <p:cNvPr id="20" name="TextBox 19"/>
+          <p:cNvSpPr txBox="1"/>
+          <p:nvPr/>
+        </p:nvSpPr>
+        <p:spPr>
+          <a:xfrm>
+            <a:off x="796160" y="2435802"/>
+            <a:ext cx="3479026" cy="369332"/>
+          </a:xfrm>
+          <a:prstGeom prst="rect">
+            <a:avLst/>
+          </a:prstGeom>
+          <a:noFill/>
+          <a:effectLst>
+            <a:outerShdw blurRad="50800" dist="50800" dir="5400000" algn="ctr" rotWithShape="0">
+              <a:schemeClr val="bg1"/>
+            </a:outerShdw>
+          </a:effectLst>
+        </p:spPr>
+        <p:txBody>
+          <a:bodyPr wrap="square" rtlCol="0">
+            <a:spAutoFit/>
+          </a:bodyPr>
+          <a:lstStyle/>
+          <a:p>
+            <a:r>
+              <a:rPr lang="en-US" altLang="zh-CN" smtClean="0"/>
+              <a:t>CP</a:t>
+            </a:r>
+            <a:r>
+              <a:rPr lang="en-US" altLang="zh-CN" sz="1100" smtClean="0"/>
+              <a:t>0</a:t>
+            </a:r>
+            <a:r>
+              <a:rPr lang="en-US" altLang="zh-CN" sz="1100" smtClean="0"/>
+              <a:t> </a:t>
+            </a:r>
+            <a:r>
+              <a:rPr lang="en-US" altLang="zh-CN" smtClean="0"/>
+              <a:t>{(mRSS</a:t>
+            </a:r>
+            <a:r>
+              <a:rPr lang="en-US" altLang="zh-CN" sz="1100" smtClean="0"/>
+              <a:t>1</a:t>
+            </a:r>
+            <a:r>
+              <a:rPr lang="en-US" altLang="zh-CN" smtClean="0"/>
+              <a:t>,mRSS</a:t>
+            </a:r>
+            <a:r>
+              <a:rPr lang="en-US" altLang="zh-CN" sz="1100" smtClean="0"/>
+              <a:t>2</a:t>
+            </a:r>
+            <a:r>
+              <a:rPr lang="en-US" altLang="zh-CN" smtClean="0"/>
+              <a:t>,…mRSS</a:t>
+            </a:r>
+            <a:r>
+              <a:rPr lang="en-US" altLang="zh-CN" sz="1100" smtClean="0"/>
+              <a:t>n</a:t>
+            </a:r>
+            <a:r>
+              <a:rPr lang="en-US" altLang="zh-CN" smtClean="0"/>
+              <a:t>), value</a:t>
+            </a:r>
+            <a:r>
+              <a:rPr lang="en-US" altLang="zh-CN" sz="1100" smtClean="0"/>
+              <a:t>0</a:t>
+            </a:r>
+            <a:r>
+              <a:rPr lang="en-US" altLang="zh-CN" smtClean="0"/>
+              <a:t>}</a:t>
+            </a:r>
+            <a:endParaRPr lang="zh-CN" altLang="en-US"/>
+          </a:p>
+        </p:txBody>
+      </p:sp>
+      <p:cxnSp>
+        <p:nvCxnSpPr>
+          <p:cNvPr id="21" name="直接箭头连接符 20"/>
+          <p:cNvCxnSpPr/>
+          <p:nvPr/>
+        </p:nvCxnSpPr>
+        <p:spPr>
+          <a:xfrm>
+            <a:off x="796159" y="3342316"/>
+            <a:ext cx="3794334" cy="1"/>
+          </a:xfrm>
+          <a:prstGeom prst="straightConnector1">
+            <a:avLst/>
+          </a:prstGeom>
+          <a:ln w="76200">
+            <a:solidFill>
+              <a:schemeClr val="tx1"/>
+            </a:solidFill>
+            <a:tailEnd type="arrow"/>
+          </a:ln>
+          <a:effectLst>
+            <a:outerShdw blurRad="50800" dist="50800" dir="5400000" algn="ctr" rotWithShape="0">
+              <a:schemeClr val="bg1"/>
+            </a:outerShdw>
+          </a:effectLst>
+        </p:spPr>
+        <p:style>
+          <a:lnRef idx="2">
+            <a:schemeClr val="accent1"/>
+          </a:lnRef>
+          <a:fillRef idx="0">
+            <a:schemeClr val="accent1"/>
+          </a:fillRef>
+          <a:effectRef idx="1">
+            <a:schemeClr val="accent1"/>
+          </a:effectRef>
+          <a:fontRef idx="minor">
+            <a:schemeClr val="tx1"/>
+          </a:fontRef>
+        </p:style>
+      </p:cxnSp>
+      <p:sp>
+        <p:nvSpPr>
+          <p:cNvPr id="29" name="TextBox 28"/>
+          <p:cNvSpPr txBox="1"/>
+          <p:nvPr/>
+        </p:nvSpPr>
+        <p:spPr>
+          <a:xfrm>
+            <a:off x="796160" y="2805134"/>
+            <a:ext cx="3479026" cy="369332"/>
+          </a:xfrm>
+          <a:prstGeom prst="rect">
+            <a:avLst/>
+          </a:prstGeom>
+          <a:noFill/>
+          <a:effectLst>
+            <a:outerShdw blurRad="50800" dist="50800" dir="5400000" algn="ctr" rotWithShape="0">
+              <a:schemeClr val="bg1"/>
+            </a:outerShdw>
+          </a:effectLst>
+        </p:spPr>
+        <p:txBody>
+          <a:bodyPr wrap="square" rtlCol="0">
+            <a:spAutoFit/>
+          </a:bodyPr>
+          <a:lstStyle/>
+          <a:p>
+            <a:r>
+              <a:rPr lang="en-US" altLang="zh-CN" smtClean="0"/>
+              <a:t>CP</a:t>
+            </a:r>
+            <a:r>
+              <a:rPr lang="en-US" altLang="zh-CN" sz="1100" smtClean="0"/>
+              <a:t>1 </a:t>
+            </a:r>
+            <a:r>
+              <a:rPr lang="en-US" altLang="zh-CN" smtClean="0"/>
+              <a:t>{(mRSS</a:t>
+            </a:r>
+            <a:r>
+              <a:rPr lang="en-US" altLang="zh-CN" sz="1100" smtClean="0"/>
+              <a:t>1</a:t>
+            </a:r>
+            <a:r>
+              <a:rPr lang="en-US" altLang="zh-CN" smtClean="0"/>
+              <a:t>,mRSS</a:t>
+            </a:r>
+            <a:r>
+              <a:rPr lang="en-US" altLang="zh-CN" sz="1100" smtClean="0"/>
+              <a:t>2</a:t>
+            </a:r>
+            <a:r>
+              <a:rPr lang="en-US" altLang="zh-CN" smtClean="0"/>
+              <a:t>,…mRSS</a:t>
+            </a:r>
+            <a:r>
+              <a:rPr lang="en-US" altLang="zh-CN" sz="1100" smtClean="0"/>
+              <a:t>n</a:t>
+            </a:r>
+            <a:r>
+              <a:rPr lang="en-US" altLang="zh-CN" smtClean="0"/>
+              <a:t>), value</a:t>
+            </a:r>
+            <a:r>
+              <a:rPr lang="en-US" altLang="zh-CN" sz="1100" smtClean="0"/>
+              <a:t>1</a:t>
+            </a:r>
+            <a:r>
+              <a:rPr lang="en-US" altLang="zh-CN" smtClean="0"/>
+              <a:t>}</a:t>
+            </a:r>
+            <a:endParaRPr lang="zh-CN" altLang="en-US"/>
+          </a:p>
+        </p:txBody>
+      </p:sp>
+      <p:cxnSp>
+        <p:nvCxnSpPr>
+          <p:cNvPr id="30" name="直接箭头连接符 29"/>
+          <p:cNvCxnSpPr/>
+          <p:nvPr/>
+        </p:nvCxnSpPr>
+        <p:spPr>
+          <a:xfrm rot="16200000" flipH="1">
+            <a:off x="4841338" y="1929951"/>
+            <a:ext cx="1009022" cy="2678"/>
+          </a:xfrm>
+          <a:prstGeom prst="straightConnector1">
+            <a:avLst/>
+          </a:prstGeom>
+          <a:ln w="76200">
+            <a:solidFill>
+              <a:schemeClr val="tx1"/>
+            </a:solidFill>
+            <a:tailEnd type="arrow"/>
+          </a:ln>
+          <a:effectLst>
+            <a:outerShdw blurRad="50800" dist="50800" dir="5400000" algn="ctr" rotWithShape="0">
+              <a:schemeClr val="bg1"/>
+            </a:outerShdw>
+          </a:effectLst>
+        </p:spPr>
+        <p:style>
+          <a:lnRef idx="2">
+            <a:schemeClr val="accent1"/>
+          </a:lnRef>
+          <a:fillRef idx="0">
+            <a:schemeClr val="accent1"/>
+          </a:fillRef>
+          <a:effectRef idx="1">
+            <a:schemeClr val="accent1"/>
+          </a:effectRef>
+          <a:fontRef idx="minor">
+            <a:schemeClr val="tx1"/>
+          </a:fontRef>
+        </p:style>
+      </p:cxnSp>
+      <p:sp>
+        <p:nvSpPr>
+          <p:cNvPr id="34" name="TextBox 33"/>
+          <p:cNvSpPr txBox="1"/>
+          <p:nvPr/>
+        </p:nvSpPr>
+        <p:spPr>
+          <a:xfrm>
+            <a:off x="3734004" y="1057447"/>
+            <a:ext cx="3213434" cy="369332"/>
+          </a:xfrm>
+          <a:prstGeom prst="rect">
+            <a:avLst/>
+          </a:prstGeom>
+          <a:noFill/>
+          <a:effectLst>
+            <a:outerShdw blurRad="50800" dist="50800" dir="5400000" algn="ctr" rotWithShape="0">
+              <a:schemeClr val="bg1"/>
+            </a:outerShdw>
+          </a:effectLst>
+        </p:spPr>
+        <p:txBody>
+          <a:bodyPr wrap="square" rtlCol="0">
+            <a:spAutoFit/>
+          </a:bodyPr>
+          <a:lstStyle/>
+          <a:p>
+            <a:r>
+              <a:rPr lang="zh-CN" altLang="en-US" smtClean="0"/>
+              <a:t>惩罚因子</a:t>
+            </a:r>
+            <a:r>
+              <a:rPr lang="en-US" altLang="zh-CN" smtClean="0"/>
+              <a:t>(</a:t>
+            </a:r>
+            <a:r>
+              <a:rPr lang="zh-CN" altLang="en-US" smtClean="0"/>
+              <a:t>平滑参数</a:t>
+            </a:r>
+            <a:r>
+              <a:rPr lang="en-US" altLang="zh-CN" smtClean="0"/>
+              <a:t>)C, </a:t>
+            </a:r>
+            <a:r>
+              <a:rPr lang="zh-CN" altLang="en-US" smtClean="0"/>
+              <a:t>高斯核</a:t>
+            </a:r>
+            <a:r>
+              <a:rPr lang="az-Cyrl-AZ" altLang="zh-CN" smtClean="0"/>
+              <a:t>б</a:t>
+            </a:r>
+            <a:endParaRPr lang="zh-CN" altLang="en-US"/>
+          </a:p>
+        </p:txBody>
+      </p:sp>
+    </p:spTree>
   </p:cSld>
   <p:clrMapOvr>
     <a:masterClrMapping/>

--- a/WifiCalibration/ppt.pptx
+++ b/WifiCalibration/ppt.pptx
@@ -343,7 +343,7 @@
     </p:spTree>
     <p:extLst>
       <p:ext uri="{BB962C8B-B14F-4D97-AF65-F5344CB8AC3E}">
-        <p14:creationId xmlns:p14="http://schemas.microsoft.com/office/powerpoint/2010/main" xmlns="" val="1339436113"/>
+        <p14:creationId xmlns="" xmlns:p14="http://schemas.microsoft.com/office/powerpoint/2010/main" val="1339436113"/>
       </p:ext>
     </p:extLst>
   </p:cSld>
@@ -513,7 +513,7 @@
     </p:spTree>
     <p:extLst>
       <p:ext uri="{BB962C8B-B14F-4D97-AF65-F5344CB8AC3E}">
-        <p14:creationId xmlns:p14="http://schemas.microsoft.com/office/powerpoint/2010/main" xmlns="" val="2977337986"/>
+        <p14:creationId xmlns="" xmlns:p14="http://schemas.microsoft.com/office/powerpoint/2010/main" val="2977337986"/>
       </p:ext>
     </p:extLst>
   </p:cSld>
@@ -693,7 +693,7 @@
     </p:spTree>
     <p:extLst>
       <p:ext uri="{BB962C8B-B14F-4D97-AF65-F5344CB8AC3E}">
-        <p14:creationId xmlns:p14="http://schemas.microsoft.com/office/powerpoint/2010/main" xmlns="" val="103099686"/>
+        <p14:creationId xmlns="" xmlns:p14="http://schemas.microsoft.com/office/powerpoint/2010/main" val="103099686"/>
       </p:ext>
     </p:extLst>
   </p:cSld>
@@ -863,7 +863,7 @@
     </p:spTree>
     <p:extLst>
       <p:ext uri="{BB962C8B-B14F-4D97-AF65-F5344CB8AC3E}">
-        <p14:creationId xmlns:p14="http://schemas.microsoft.com/office/powerpoint/2010/main" xmlns="" val="3156888097"/>
+        <p14:creationId xmlns="" xmlns:p14="http://schemas.microsoft.com/office/powerpoint/2010/main" val="3156888097"/>
       </p:ext>
     </p:extLst>
   </p:cSld>
@@ -1110,7 +1110,7 @@
     </p:spTree>
     <p:extLst>
       <p:ext uri="{BB962C8B-B14F-4D97-AF65-F5344CB8AC3E}">
-        <p14:creationId xmlns:p14="http://schemas.microsoft.com/office/powerpoint/2010/main" xmlns="" val="3936039205"/>
+        <p14:creationId xmlns="" xmlns:p14="http://schemas.microsoft.com/office/powerpoint/2010/main" val="3936039205"/>
       </p:ext>
     </p:extLst>
   </p:cSld>
@@ -1397,7 +1397,7 @@
     </p:spTree>
     <p:extLst>
       <p:ext uri="{BB962C8B-B14F-4D97-AF65-F5344CB8AC3E}">
-        <p14:creationId xmlns:p14="http://schemas.microsoft.com/office/powerpoint/2010/main" xmlns="" val="889311518"/>
+        <p14:creationId xmlns="" xmlns:p14="http://schemas.microsoft.com/office/powerpoint/2010/main" val="889311518"/>
       </p:ext>
     </p:extLst>
   </p:cSld>
@@ -1818,7 +1818,7 @@
     </p:spTree>
     <p:extLst>
       <p:ext uri="{BB962C8B-B14F-4D97-AF65-F5344CB8AC3E}">
-        <p14:creationId xmlns:p14="http://schemas.microsoft.com/office/powerpoint/2010/main" xmlns="" val="2558586060"/>
+        <p14:creationId xmlns="" xmlns:p14="http://schemas.microsoft.com/office/powerpoint/2010/main" val="2558586060"/>
       </p:ext>
     </p:extLst>
   </p:cSld>
@@ -1937,7 +1937,7 @@
     </p:spTree>
     <p:extLst>
       <p:ext uri="{BB962C8B-B14F-4D97-AF65-F5344CB8AC3E}">
-        <p14:creationId xmlns:p14="http://schemas.microsoft.com/office/powerpoint/2010/main" xmlns="" val="2911007286"/>
+        <p14:creationId xmlns="" xmlns:p14="http://schemas.microsoft.com/office/powerpoint/2010/main" val="2911007286"/>
       </p:ext>
     </p:extLst>
   </p:cSld>
@@ -2034,7 +2034,7 @@
     </p:spTree>
     <p:extLst>
       <p:ext uri="{BB962C8B-B14F-4D97-AF65-F5344CB8AC3E}">
-        <p14:creationId xmlns:p14="http://schemas.microsoft.com/office/powerpoint/2010/main" xmlns="" val="2213381630"/>
+        <p14:creationId xmlns="" xmlns:p14="http://schemas.microsoft.com/office/powerpoint/2010/main" val="2213381630"/>
       </p:ext>
     </p:extLst>
   </p:cSld>
@@ -2311,7 +2311,7 @@
     </p:spTree>
     <p:extLst>
       <p:ext uri="{BB962C8B-B14F-4D97-AF65-F5344CB8AC3E}">
-        <p14:creationId xmlns:p14="http://schemas.microsoft.com/office/powerpoint/2010/main" xmlns="" val="2669296693"/>
+        <p14:creationId xmlns="" xmlns:p14="http://schemas.microsoft.com/office/powerpoint/2010/main" val="2669296693"/>
       </p:ext>
     </p:extLst>
   </p:cSld>
@@ -2565,7 +2565,7 @@
     </p:spTree>
     <p:extLst>
       <p:ext uri="{BB962C8B-B14F-4D97-AF65-F5344CB8AC3E}">
-        <p14:creationId xmlns:p14="http://schemas.microsoft.com/office/powerpoint/2010/main" xmlns="" val="921560976"/>
+        <p14:creationId xmlns="" xmlns:p14="http://schemas.microsoft.com/office/powerpoint/2010/main" val="921560976"/>
       </p:ext>
     </p:extLst>
   </p:cSld>
@@ -2814,7 +2814,7 @@
     </p:spTree>
     <p:extLst>
       <p:ext uri="{BB962C8B-B14F-4D97-AF65-F5344CB8AC3E}">
-        <p14:creationId xmlns:p14="http://schemas.microsoft.com/office/powerpoint/2010/main" xmlns="" val="772402917"/>
+        <p14:creationId xmlns="" xmlns:p14="http://schemas.microsoft.com/office/powerpoint/2010/main" val="772402917"/>
       </p:ext>
     </p:extLst>
   </p:cSld>
@@ -3485,7 +3485,7 @@
     </p:spTree>
     <p:extLst>
       <p:ext uri="{BB962C8B-B14F-4D97-AF65-F5344CB8AC3E}">
-        <p14:creationId xmlns:p14="http://schemas.microsoft.com/office/powerpoint/2010/main" xmlns="" val="2230234944"/>
+        <p14:creationId xmlns="" xmlns:p14="http://schemas.microsoft.com/office/powerpoint/2010/main" val="2230234944"/>
       </p:ext>
     </p:extLst>
   </p:cSld>
@@ -4803,7 +4803,7 @@
     </p:spTree>
     <p:extLst>
       <p:ext uri="{BB962C8B-B14F-4D97-AF65-F5344CB8AC3E}">
-        <p14:creationId xmlns:p14="http://schemas.microsoft.com/office/powerpoint/2010/main" xmlns="" val="3872163230"/>
+        <p14:creationId xmlns="" xmlns:p14="http://schemas.microsoft.com/office/powerpoint/2010/main" val="3872163230"/>
       </p:ext>
     </p:extLst>
   </p:cSld>
@@ -6203,7 +6203,7 @@
     </p:spTree>
     <p:extLst>
       <p:ext uri="{BB962C8B-B14F-4D97-AF65-F5344CB8AC3E}">
-        <p14:creationId xmlns:p14="http://schemas.microsoft.com/office/powerpoint/2010/main" xmlns="" val="3010439243"/>
+        <p14:creationId xmlns="" xmlns:p14="http://schemas.microsoft.com/office/powerpoint/2010/main" val="3010439243"/>
       </p:ext>
     </p:extLst>
   </p:cSld>
@@ -6239,7 +6239,7 @@
           <p:nvPr>
             <p:extLst>
               <p:ext uri="{D42A27DB-BD31-4B8C-83A1-F6EECF244321}">
-                <p14:modId xmlns:p14="http://schemas.microsoft.com/office/powerpoint/2010/main" xmlns="" val="3670557893"/>
+                <p14:modId xmlns="" xmlns:p14="http://schemas.microsoft.com/office/powerpoint/2010/main" val="3670557893"/>
               </p:ext>
             </p:extLst>
           </p:nvPr>
@@ -9610,7 +9610,7 @@
     </p:spTree>
     <p:extLst>
       <p:ext uri="{BB962C8B-B14F-4D97-AF65-F5344CB8AC3E}">
-        <p14:creationId xmlns:p14="http://schemas.microsoft.com/office/powerpoint/2010/main" xmlns="" val="1675870990"/>
+        <p14:creationId xmlns="" xmlns:p14="http://schemas.microsoft.com/office/powerpoint/2010/main" val="1675870990"/>
       </p:ext>
     </p:extLst>
   </p:cSld>
@@ -10006,7 +10006,7 @@
             </a:r>
             <a:r>
               <a:rPr lang="en-US" altLang="zh-CN" sz="1100" smtClean="0"/>
-              <a:t>0</a:t>
+              <a:t>a</a:t>
             </a:r>
             <a:r>
               <a:rPr lang="en-US" altLang="zh-CN" sz="1100" smtClean="0"/>
@@ -10038,11 +10038,15 @@
             </a:r>
             <a:r>
               <a:rPr lang="en-US" altLang="zh-CN" smtClean="0"/>
-              <a:t>), value</a:t>
+              <a:t>), </a:t>
+            </a:r>
+            <a:r>
+              <a:rPr lang="en-US" altLang="zh-CN" smtClean="0"/>
+              <a:t>value</a:t>
             </a:r>
             <a:r>
               <a:rPr lang="en-US" altLang="zh-CN" sz="1100" smtClean="0"/>
-              <a:t>0</a:t>
+              <a:t>a</a:t>
             </a:r>
             <a:r>
               <a:rPr lang="en-US" altLang="zh-CN" smtClean="0"/>
@@ -10126,7 +10130,11 @@
             </a:r>
             <a:r>
               <a:rPr lang="en-US" altLang="zh-CN" sz="1100" smtClean="0"/>
-              <a:t>1 </a:t>
+              <a:t>b</a:t>
+            </a:r>
+            <a:r>
+              <a:rPr lang="en-US" altLang="zh-CN" sz="1100" smtClean="0"/>
+              <a:t> </a:t>
             </a:r>
             <a:r>
               <a:rPr lang="en-US" altLang="zh-CN" smtClean="0"/>
@@ -10154,11 +10162,15 @@
             </a:r>
             <a:r>
               <a:rPr lang="en-US" altLang="zh-CN" smtClean="0"/>
-              <a:t>), value</a:t>
+              <a:t>), </a:t>
+            </a:r>
+            <a:r>
+              <a:rPr lang="en-US" altLang="zh-CN" smtClean="0"/>
+              <a:t>value</a:t>
             </a:r>
             <a:r>
               <a:rPr lang="en-US" altLang="zh-CN" sz="1100" smtClean="0"/>
-              <a:t>1</a:t>
+              <a:t>b</a:t>
             </a:r>
             <a:r>
               <a:rPr lang="en-US" altLang="zh-CN" smtClean="0"/>

--- a/WifiCalibration/ppt.pptx
+++ b/WifiCalibration/ppt.pptx
@@ -10,6 +10,7 @@
     <p:sldId id="258" r:id="rId4"/>
     <p:sldId id="259" r:id="rId5"/>
     <p:sldId id="260" r:id="rId6"/>
+    <p:sldId id="261" r:id="rId7"/>
   </p:sldIdLst>
   <p:sldSz cx="9144000" cy="6858000" type="screen4x3"/>
   <p:notesSz cx="6858000" cy="9144000"/>
@@ -343,7 +344,7 @@
     </p:spTree>
     <p:extLst>
       <p:ext uri="{BB962C8B-B14F-4D97-AF65-F5344CB8AC3E}">
-        <p14:creationId xmlns="" xmlns:p14="http://schemas.microsoft.com/office/powerpoint/2010/main" val="1339436113"/>
+        <p14:creationId xmlns:p14="http://schemas.microsoft.com/office/powerpoint/2010/main" xmlns="" val="1339436113"/>
       </p:ext>
     </p:extLst>
   </p:cSld>
@@ -513,7 +514,7 @@
     </p:spTree>
     <p:extLst>
       <p:ext uri="{BB962C8B-B14F-4D97-AF65-F5344CB8AC3E}">
-        <p14:creationId xmlns="" xmlns:p14="http://schemas.microsoft.com/office/powerpoint/2010/main" val="2977337986"/>
+        <p14:creationId xmlns:p14="http://schemas.microsoft.com/office/powerpoint/2010/main" xmlns="" val="2977337986"/>
       </p:ext>
     </p:extLst>
   </p:cSld>
@@ -693,7 +694,7 @@
     </p:spTree>
     <p:extLst>
       <p:ext uri="{BB962C8B-B14F-4D97-AF65-F5344CB8AC3E}">
-        <p14:creationId xmlns="" xmlns:p14="http://schemas.microsoft.com/office/powerpoint/2010/main" val="103099686"/>
+        <p14:creationId xmlns:p14="http://schemas.microsoft.com/office/powerpoint/2010/main" xmlns="" val="103099686"/>
       </p:ext>
     </p:extLst>
   </p:cSld>
@@ -863,7 +864,7 @@
     </p:spTree>
     <p:extLst>
       <p:ext uri="{BB962C8B-B14F-4D97-AF65-F5344CB8AC3E}">
-        <p14:creationId xmlns="" xmlns:p14="http://schemas.microsoft.com/office/powerpoint/2010/main" val="3156888097"/>
+        <p14:creationId xmlns:p14="http://schemas.microsoft.com/office/powerpoint/2010/main" xmlns="" val="3156888097"/>
       </p:ext>
     </p:extLst>
   </p:cSld>
@@ -1110,7 +1111,7 @@
     </p:spTree>
     <p:extLst>
       <p:ext uri="{BB962C8B-B14F-4D97-AF65-F5344CB8AC3E}">
-        <p14:creationId xmlns="" xmlns:p14="http://schemas.microsoft.com/office/powerpoint/2010/main" val="3936039205"/>
+        <p14:creationId xmlns:p14="http://schemas.microsoft.com/office/powerpoint/2010/main" xmlns="" val="3936039205"/>
       </p:ext>
     </p:extLst>
   </p:cSld>
@@ -1397,7 +1398,7 @@
     </p:spTree>
     <p:extLst>
       <p:ext uri="{BB962C8B-B14F-4D97-AF65-F5344CB8AC3E}">
-        <p14:creationId xmlns="" xmlns:p14="http://schemas.microsoft.com/office/powerpoint/2010/main" val="889311518"/>
+        <p14:creationId xmlns:p14="http://schemas.microsoft.com/office/powerpoint/2010/main" xmlns="" val="889311518"/>
       </p:ext>
     </p:extLst>
   </p:cSld>
@@ -1818,7 +1819,7 @@
     </p:spTree>
     <p:extLst>
       <p:ext uri="{BB962C8B-B14F-4D97-AF65-F5344CB8AC3E}">
-        <p14:creationId xmlns="" xmlns:p14="http://schemas.microsoft.com/office/powerpoint/2010/main" val="2558586060"/>
+        <p14:creationId xmlns:p14="http://schemas.microsoft.com/office/powerpoint/2010/main" xmlns="" val="2558586060"/>
       </p:ext>
     </p:extLst>
   </p:cSld>
@@ -1937,7 +1938,7 @@
     </p:spTree>
     <p:extLst>
       <p:ext uri="{BB962C8B-B14F-4D97-AF65-F5344CB8AC3E}">
-        <p14:creationId xmlns="" xmlns:p14="http://schemas.microsoft.com/office/powerpoint/2010/main" val="2911007286"/>
+        <p14:creationId xmlns:p14="http://schemas.microsoft.com/office/powerpoint/2010/main" xmlns="" val="2911007286"/>
       </p:ext>
     </p:extLst>
   </p:cSld>
@@ -2034,7 +2035,7 @@
     </p:spTree>
     <p:extLst>
       <p:ext uri="{BB962C8B-B14F-4D97-AF65-F5344CB8AC3E}">
-        <p14:creationId xmlns="" xmlns:p14="http://schemas.microsoft.com/office/powerpoint/2010/main" val="2213381630"/>
+        <p14:creationId xmlns:p14="http://schemas.microsoft.com/office/powerpoint/2010/main" xmlns="" val="2213381630"/>
       </p:ext>
     </p:extLst>
   </p:cSld>
@@ -2311,7 +2312,7 @@
     </p:spTree>
     <p:extLst>
       <p:ext uri="{BB962C8B-B14F-4D97-AF65-F5344CB8AC3E}">
-        <p14:creationId xmlns="" xmlns:p14="http://schemas.microsoft.com/office/powerpoint/2010/main" val="2669296693"/>
+        <p14:creationId xmlns:p14="http://schemas.microsoft.com/office/powerpoint/2010/main" xmlns="" val="2669296693"/>
       </p:ext>
     </p:extLst>
   </p:cSld>
@@ -2565,7 +2566,7 @@
     </p:spTree>
     <p:extLst>
       <p:ext uri="{BB962C8B-B14F-4D97-AF65-F5344CB8AC3E}">
-        <p14:creationId xmlns="" xmlns:p14="http://schemas.microsoft.com/office/powerpoint/2010/main" val="921560976"/>
+        <p14:creationId xmlns:p14="http://schemas.microsoft.com/office/powerpoint/2010/main" xmlns="" val="921560976"/>
       </p:ext>
     </p:extLst>
   </p:cSld>
@@ -2814,7 +2815,7 @@
     </p:spTree>
     <p:extLst>
       <p:ext uri="{BB962C8B-B14F-4D97-AF65-F5344CB8AC3E}">
-        <p14:creationId xmlns="" xmlns:p14="http://schemas.microsoft.com/office/powerpoint/2010/main" val="772402917"/>
+        <p14:creationId xmlns:p14="http://schemas.microsoft.com/office/powerpoint/2010/main" xmlns="" val="772402917"/>
       </p:ext>
     </p:extLst>
   </p:cSld>
@@ -3485,7 +3486,7 @@
     </p:spTree>
     <p:extLst>
       <p:ext uri="{BB962C8B-B14F-4D97-AF65-F5344CB8AC3E}">
-        <p14:creationId xmlns="" xmlns:p14="http://schemas.microsoft.com/office/powerpoint/2010/main" val="2230234944"/>
+        <p14:creationId xmlns:p14="http://schemas.microsoft.com/office/powerpoint/2010/main" xmlns="" val="2230234944"/>
       </p:ext>
     </p:extLst>
   </p:cSld>
@@ -4803,7 +4804,7 @@
     </p:spTree>
     <p:extLst>
       <p:ext uri="{BB962C8B-B14F-4D97-AF65-F5344CB8AC3E}">
-        <p14:creationId xmlns="" xmlns:p14="http://schemas.microsoft.com/office/powerpoint/2010/main" val="3872163230"/>
+        <p14:creationId xmlns:p14="http://schemas.microsoft.com/office/powerpoint/2010/main" xmlns="" val="3872163230"/>
       </p:ext>
     </p:extLst>
   </p:cSld>
@@ -6203,7 +6204,7 @@
     </p:spTree>
     <p:extLst>
       <p:ext uri="{BB962C8B-B14F-4D97-AF65-F5344CB8AC3E}">
-        <p14:creationId xmlns="" xmlns:p14="http://schemas.microsoft.com/office/powerpoint/2010/main" val="3010439243"/>
+        <p14:creationId xmlns:p14="http://schemas.microsoft.com/office/powerpoint/2010/main" xmlns="" val="3010439243"/>
       </p:ext>
     </p:extLst>
   </p:cSld>
@@ -6239,7 +6240,7 @@
           <p:nvPr>
             <p:extLst>
               <p:ext uri="{D42A27DB-BD31-4B8C-83A1-F6EECF244321}">
-                <p14:modId xmlns="" xmlns:p14="http://schemas.microsoft.com/office/powerpoint/2010/main" val="3670557893"/>
+                <p14:modId xmlns:p14="http://schemas.microsoft.com/office/powerpoint/2010/main" xmlns="" val="3670557893"/>
               </p:ext>
             </p:extLst>
           </p:nvPr>
@@ -9610,7 +9611,7 @@
     </p:spTree>
     <p:extLst>
       <p:ext uri="{BB962C8B-B14F-4D97-AF65-F5344CB8AC3E}">
-        <p14:creationId xmlns="" xmlns:p14="http://schemas.microsoft.com/office/powerpoint/2010/main" val="1675870990"/>
+        <p14:creationId xmlns:p14="http://schemas.microsoft.com/office/powerpoint/2010/main" xmlns="" val="1675870990"/>
       </p:ext>
     </p:extLst>
   </p:cSld>
@@ -10006,11 +10007,7 @@
             </a:r>
             <a:r>
               <a:rPr lang="en-US" altLang="zh-CN" sz="1100" smtClean="0"/>
-              <a:t>a</a:t>
-            </a:r>
-            <a:r>
-              <a:rPr lang="en-US" altLang="zh-CN" sz="1100" smtClean="0"/>
-              <a:t> </a:t>
+              <a:t>a </a:t>
             </a:r>
             <a:r>
               <a:rPr lang="en-US" altLang="zh-CN" smtClean="0"/>
@@ -10038,11 +10035,7 @@
             </a:r>
             <a:r>
               <a:rPr lang="en-US" altLang="zh-CN" smtClean="0"/>
-              <a:t>), </a:t>
-            </a:r>
-            <a:r>
-              <a:rPr lang="en-US" altLang="zh-CN" smtClean="0"/>
-              <a:t>value</a:t>
+              <a:t>), value</a:t>
             </a:r>
             <a:r>
               <a:rPr lang="en-US" altLang="zh-CN" sz="1100" smtClean="0"/>
@@ -10130,11 +10123,7 @@
             </a:r>
             <a:r>
               <a:rPr lang="en-US" altLang="zh-CN" sz="1100" smtClean="0"/>
-              <a:t>b</a:t>
-            </a:r>
-            <a:r>
-              <a:rPr lang="en-US" altLang="zh-CN" sz="1100" smtClean="0"/>
-              <a:t> </a:t>
+              <a:t>b </a:t>
             </a:r>
             <a:r>
               <a:rPr lang="en-US" altLang="zh-CN" smtClean="0"/>
@@ -10162,11 +10151,7 @@
             </a:r>
             <a:r>
               <a:rPr lang="en-US" altLang="zh-CN" smtClean="0"/>
-              <a:t>), </a:t>
-            </a:r>
-            <a:r>
-              <a:rPr lang="en-US" altLang="zh-CN" smtClean="0"/>
-              <a:t>value</a:t>
+              <a:t>), value</a:t>
             </a:r>
             <a:r>
               <a:rPr lang="en-US" altLang="zh-CN" sz="1100" smtClean="0"/>
@@ -10273,6 +10258,1591 @@
               <a:t>б</a:t>
             </a:r>
             <a:endParaRPr lang="zh-CN" altLang="en-US"/>
+          </a:p>
+        </p:txBody>
+      </p:sp>
+    </p:spTree>
+  </p:cSld>
+  <p:clrMapOvr>
+    <a:masterClrMapping/>
+  </p:clrMapOvr>
+</p:sld>
+</file>
+
+<file path=ppt/slides/slide6.xml><?xml version="1.0" encoding="utf-8"?>
+<p:sld xmlns:a="http://schemas.openxmlformats.org/drawingml/2006/main" xmlns:r="http://schemas.openxmlformats.org/officeDocument/2006/relationships" xmlns:p="http://schemas.openxmlformats.org/presentationml/2006/main">
+  <p:cSld>
+    <p:spTree>
+      <p:nvGrpSpPr>
+        <p:cNvPr id="1" name=""/>
+        <p:cNvGrpSpPr/>
+        <p:nvPr/>
+      </p:nvGrpSpPr>
+      <p:grpSpPr>
+        <a:xfrm>
+          <a:off x="0" y="0"/>
+          <a:ext cx="0" cy="0"/>
+          <a:chOff x="0" y="0"/>
+          <a:chExt cx="0" cy="0"/>
+        </a:xfrm>
+      </p:grpSpPr>
+      <p:cxnSp>
+        <p:nvCxnSpPr>
+          <p:cNvPr id="5" name="直接箭头连接符 4"/>
+          <p:cNvCxnSpPr/>
+          <p:nvPr/>
+        </p:nvCxnSpPr>
+        <p:spPr>
+          <a:xfrm>
+            <a:off x="1702676" y="4871545"/>
+            <a:ext cx="6455979" cy="7883"/>
+          </a:xfrm>
+          <a:prstGeom prst="straightConnector1">
+            <a:avLst/>
+          </a:prstGeom>
+          <a:ln>
+            <a:solidFill>
+              <a:schemeClr val="tx1"/>
+            </a:solidFill>
+            <a:tailEnd type="arrow"/>
+          </a:ln>
+          <a:effectLst/>
+        </p:spPr>
+        <p:style>
+          <a:lnRef idx="2">
+            <a:schemeClr val="accent1"/>
+          </a:lnRef>
+          <a:fillRef idx="0">
+            <a:schemeClr val="accent1"/>
+          </a:fillRef>
+          <a:effectRef idx="1">
+            <a:schemeClr val="accent1"/>
+          </a:effectRef>
+          <a:fontRef idx="minor">
+            <a:schemeClr val="tx1"/>
+          </a:fontRef>
+        </p:style>
+      </p:cxnSp>
+      <p:cxnSp>
+        <p:nvCxnSpPr>
+          <p:cNvPr id="6" name="直接箭头连接符 5"/>
+          <p:cNvCxnSpPr/>
+          <p:nvPr/>
+        </p:nvCxnSpPr>
+        <p:spPr>
+          <a:xfrm rot="5400000" flipH="1" flipV="1">
+            <a:off x="-107305" y="3066001"/>
+            <a:ext cx="5044163" cy="1588"/>
+          </a:xfrm>
+          <a:prstGeom prst="straightConnector1">
+            <a:avLst/>
+          </a:prstGeom>
+          <a:ln>
+            <a:solidFill>
+              <a:schemeClr val="tx1"/>
+            </a:solidFill>
+            <a:tailEnd type="arrow"/>
+          </a:ln>
+          <a:effectLst/>
+        </p:spPr>
+        <p:style>
+          <a:lnRef idx="2">
+            <a:schemeClr val="accent1"/>
+          </a:lnRef>
+          <a:fillRef idx="0">
+            <a:schemeClr val="accent1"/>
+          </a:fillRef>
+          <a:effectRef idx="1">
+            <a:schemeClr val="accent1"/>
+          </a:effectRef>
+          <a:fontRef idx="minor">
+            <a:schemeClr val="tx1"/>
+          </a:fontRef>
+        </p:style>
+      </p:cxnSp>
+      <p:cxnSp>
+        <p:nvCxnSpPr>
+          <p:cNvPr id="11" name="直接连接符 10"/>
+          <p:cNvCxnSpPr/>
+          <p:nvPr/>
+        </p:nvCxnSpPr>
+        <p:spPr>
+          <a:xfrm>
+            <a:off x="3854669" y="544713"/>
+            <a:ext cx="2869324" cy="2860639"/>
+          </a:xfrm>
+          <a:prstGeom prst="line">
+            <a:avLst/>
+          </a:prstGeom>
+          <a:ln>
+            <a:solidFill>
+              <a:schemeClr val="tx1"/>
+            </a:solidFill>
+            <a:prstDash val="dash"/>
+          </a:ln>
+          <a:effectLst/>
+        </p:spPr>
+        <p:style>
+          <a:lnRef idx="2">
+            <a:schemeClr val="accent1"/>
+          </a:lnRef>
+          <a:fillRef idx="0">
+            <a:schemeClr val="accent1"/>
+          </a:fillRef>
+          <a:effectRef idx="1">
+            <a:schemeClr val="accent1"/>
+          </a:effectRef>
+          <a:fontRef idx="minor">
+            <a:schemeClr val="tx1"/>
+          </a:fontRef>
+        </p:style>
+      </p:cxnSp>
+      <p:cxnSp>
+        <p:nvCxnSpPr>
+          <p:cNvPr id="12" name="直接连接符 11"/>
+          <p:cNvCxnSpPr/>
+          <p:nvPr/>
+        </p:nvCxnSpPr>
+        <p:spPr>
+          <a:xfrm>
+            <a:off x="3392195" y="1059731"/>
+            <a:ext cx="2869324" cy="2860639"/>
+          </a:xfrm>
+          <a:prstGeom prst="line">
+            <a:avLst/>
+          </a:prstGeom>
+          <a:ln>
+            <a:solidFill>
+              <a:schemeClr val="tx1"/>
+            </a:solidFill>
+          </a:ln>
+          <a:effectLst/>
+        </p:spPr>
+        <p:style>
+          <a:lnRef idx="2">
+            <a:schemeClr val="accent1"/>
+          </a:lnRef>
+          <a:fillRef idx="0">
+            <a:schemeClr val="accent1"/>
+          </a:fillRef>
+          <a:effectRef idx="1">
+            <a:schemeClr val="accent1"/>
+          </a:effectRef>
+          <a:fontRef idx="minor">
+            <a:schemeClr val="tx1"/>
+          </a:fontRef>
+        </p:style>
+      </p:cxnSp>
+      <p:cxnSp>
+        <p:nvCxnSpPr>
+          <p:cNvPr id="13" name="直接连接符 12"/>
+          <p:cNvCxnSpPr/>
+          <p:nvPr/>
+        </p:nvCxnSpPr>
+        <p:spPr>
+          <a:xfrm>
+            <a:off x="2898189" y="1543217"/>
+            <a:ext cx="2869324" cy="2860639"/>
+          </a:xfrm>
+          <a:prstGeom prst="line">
+            <a:avLst/>
+          </a:prstGeom>
+          <a:ln>
+            <a:solidFill>
+              <a:schemeClr val="tx1"/>
+            </a:solidFill>
+            <a:prstDash val="dash"/>
+          </a:ln>
+          <a:effectLst/>
+        </p:spPr>
+        <p:style>
+          <a:lnRef idx="2">
+            <a:schemeClr val="accent1"/>
+          </a:lnRef>
+          <a:fillRef idx="0">
+            <a:schemeClr val="accent1"/>
+          </a:fillRef>
+          <a:effectRef idx="1">
+            <a:schemeClr val="accent1"/>
+          </a:effectRef>
+          <a:fontRef idx="minor">
+            <a:schemeClr val="tx1"/>
+          </a:fontRef>
+        </p:style>
+      </p:cxnSp>
+      <p:sp>
+        <p:nvSpPr>
+          <p:cNvPr id="17" name="椭圆 16"/>
+          <p:cNvSpPr/>
+          <p:nvPr/>
+        </p:nvSpPr>
+        <p:spPr>
+          <a:xfrm>
+            <a:off x="2898189" y="2617076"/>
+            <a:ext cx="105142" cy="110358"/>
+          </a:xfrm>
+          <a:prstGeom prst="ellipse">
+            <a:avLst/>
+          </a:prstGeom>
+          <a:solidFill>
+            <a:schemeClr val="tx1"/>
+          </a:solidFill>
+          <a:ln>
+            <a:solidFill>
+              <a:schemeClr val="tx1"/>
+            </a:solidFill>
+          </a:ln>
+          <a:effectLst/>
+        </p:spPr>
+        <p:style>
+          <a:lnRef idx="1">
+            <a:schemeClr val="accent1"/>
+          </a:lnRef>
+          <a:fillRef idx="3">
+            <a:schemeClr val="accent1"/>
+          </a:fillRef>
+          <a:effectRef idx="2">
+            <a:schemeClr val="accent1"/>
+          </a:effectRef>
+          <a:fontRef idx="minor">
+            <a:schemeClr val="lt1"/>
+          </a:fontRef>
+        </p:style>
+        <p:txBody>
+          <a:bodyPr rtlCol="0" anchor="ctr"/>
+          <a:lstStyle/>
+          <a:p>
+            <a:pPr algn="ctr"/>
+            <a:endParaRPr lang="zh-CN" altLang="en-US"/>
+          </a:p>
+        </p:txBody>
+      </p:sp>
+      <p:sp>
+        <p:nvSpPr>
+          <p:cNvPr id="18" name="椭圆 17"/>
+          <p:cNvSpPr/>
+          <p:nvPr/>
+        </p:nvSpPr>
+        <p:spPr>
+          <a:xfrm>
+            <a:off x="3460531" y="2695916"/>
+            <a:ext cx="105142" cy="110358"/>
+          </a:xfrm>
+          <a:prstGeom prst="ellipse">
+            <a:avLst/>
+          </a:prstGeom>
+          <a:solidFill>
+            <a:schemeClr val="tx1"/>
+          </a:solidFill>
+          <a:ln>
+            <a:solidFill>
+              <a:schemeClr val="tx1"/>
+            </a:solidFill>
+          </a:ln>
+          <a:effectLst/>
+        </p:spPr>
+        <p:style>
+          <a:lnRef idx="1">
+            <a:schemeClr val="accent1"/>
+          </a:lnRef>
+          <a:fillRef idx="3">
+            <a:schemeClr val="accent1"/>
+          </a:fillRef>
+          <a:effectRef idx="2">
+            <a:schemeClr val="accent1"/>
+          </a:effectRef>
+          <a:fontRef idx="minor">
+            <a:schemeClr val="lt1"/>
+          </a:fontRef>
+        </p:style>
+        <p:txBody>
+          <a:bodyPr rtlCol="0" anchor="ctr"/>
+          <a:lstStyle/>
+          <a:p>
+            <a:pPr algn="ctr"/>
+            <a:endParaRPr lang="zh-CN" altLang="en-US"/>
+          </a:p>
+        </p:txBody>
+      </p:sp>
+      <p:sp>
+        <p:nvSpPr>
+          <p:cNvPr id="19" name="椭圆 18"/>
+          <p:cNvSpPr/>
+          <p:nvPr/>
+        </p:nvSpPr>
+        <p:spPr>
+          <a:xfrm>
+            <a:off x="3460531" y="2104697"/>
+            <a:ext cx="105142" cy="110358"/>
+          </a:xfrm>
+          <a:prstGeom prst="ellipse">
+            <a:avLst/>
+          </a:prstGeom>
+          <a:solidFill>
+            <a:schemeClr val="tx1"/>
+          </a:solidFill>
+          <a:ln>
+            <a:solidFill>
+              <a:schemeClr val="tx1"/>
+            </a:solidFill>
+          </a:ln>
+          <a:effectLst/>
+        </p:spPr>
+        <p:style>
+          <a:lnRef idx="1">
+            <a:schemeClr val="accent1"/>
+          </a:lnRef>
+          <a:fillRef idx="3">
+            <a:schemeClr val="accent1"/>
+          </a:fillRef>
+          <a:effectRef idx="2">
+            <a:schemeClr val="accent1"/>
+          </a:effectRef>
+          <a:fontRef idx="minor">
+            <a:schemeClr val="lt1"/>
+          </a:fontRef>
+        </p:style>
+        <p:txBody>
+          <a:bodyPr rtlCol="0" anchor="ctr"/>
+          <a:lstStyle/>
+          <a:p>
+            <a:pPr algn="ctr"/>
+            <a:endParaRPr lang="zh-CN" altLang="en-US"/>
+          </a:p>
+        </p:txBody>
+      </p:sp>
+      <p:sp>
+        <p:nvSpPr>
+          <p:cNvPr id="20" name="椭圆 19"/>
+          <p:cNvSpPr/>
+          <p:nvPr/>
+        </p:nvSpPr>
+        <p:spPr>
+          <a:xfrm>
+            <a:off x="2793047" y="3628697"/>
+            <a:ext cx="105142" cy="110358"/>
+          </a:xfrm>
+          <a:prstGeom prst="ellipse">
+            <a:avLst/>
+          </a:prstGeom>
+          <a:solidFill>
+            <a:schemeClr val="tx1"/>
+          </a:solidFill>
+          <a:ln>
+            <a:solidFill>
+              <a:schemeClr val="tx1"/>
+            </a:solidFill>
+          </a:ln>
+          <a:effectLst/>
+        </p:spPr>
+        <p:style>
+          <a:lnRef idx="1">
+            <a:schemeClr val="accent1"/>
+          </a:lnRef>
+          <a:fillRef idx="3">
+            <a:schemeClr val="accent1"/>
+          </a:fillRef>
+          <a:effectRef idx="2">
+            <a:schemeClr val="accent1"/>
+          </a:effectRef>
+          <a:fontRef idx="minor">
+            <a:schemeClr val="lt1"/>
+          </a:fontRef>
+        </p:style>
+        <p:txBody>
+          <a:bodyPr rtlCol="0" anchor="ctr"/>
+          <a:lstStyle/>
+          <a:p>
+            <a:pPr algn="ctr"/>
+            <a:endParaRPr lang="zh-CN" altLang="en-US"/>
+          </a:p>
+        </p:txBody>
+      </p:sp>
+      <p:sp>
+        <p:nvSpPr>
+          <p:cNvPr id="21" name="椭圆 20"/>
+          <p:cNvSpPr/>
+          <p:nvPr/>
+        </p:nvSpPr>
+        <p:spPr>
+          <a:xfrm>
+            <a:off x="3181911" y="3281855"/>
+            <a:ext cx="105142" cy="110358"/>
+          </a:xfrm>
+          <a:prstGeom prst="ellipse">
+            <a:avLst/>
+          </a:prstGeom>
+          <a:solidFill>
+            <a:schemeClr val="tx1"/>
+          </a:solidFill>
+          <a:ln>
+            <a:solidFill>
+              <a:schemeClr val="tx1"/>
+            </a:solidFill>
+          </a:ln>
+          <a:effectLst/>
+        </p:spPr>
+        <p:style>
+          <a:lnRef idx="1">
+            <a:schemeClr val="accent1"/>
+          </a:lnRef>
+          <a:fillRef idx="3">
+            <a:schemeClr val="accent1"/>
+          </a:fillRef>
+          <a:effectRef idx="2">
+            <a:schemeClr val="accent1"/>
+          </a:effectRef>
+          <a:fontRef idx="minor">
+            <a:schemeClr val="lt1"/>
+          </a:fontRef>
+        </p:style>
+        <p:txBody>
+          <a:bodyPr rtlCol="0" anchor="ctr"/>
+          <a:lstStyle/>
+          <a:p>
+            <a:pPr algn="ctr"/>
+            <a:endParaRPr lang="zh-CN" altLang="en-US"/>
+          </a:p>
+        </p:txBody>
+      </p:sp>
+      <p:sp>
+        <p:nvSpPr>
+          <p:cNvPr id="22" name="椭圆 21"/>
+          <p:cNvSpPr/>
+          <p:nvPr/>
+        </p:nvSpPr>
+        <p:spPr>
+          <a:xfrm>
+            <a:off x="4317047" y="2963918"/>
+            <a:ext cx="105142" cy="110358"/>
+          </a:xfrm>
+          <a:prstGeom prst="ellipse">
+            <a:avLst/>
+          </a:prstGeom>
+          <a:solidFill>
+            <a:schemeClr val="tx1"/>
+          </a:solidFill>
+          <a:ln>
+            <a:solidFill>
+              <a:schemeClr val="tx1"/>
+            </a:solidFill>
+          </a:ln>
+          <a:effectLst/>
+        </p:spPr>
+        <p:style>
+          <a:lnRef idx="1">
+            <a:schemeClr val="accent1"/>
+          </a:lnRef>
+          <a:fillRef idx="3">
+            <a:schemeClr val="accent1"/>
+          </a:fillRef>
+          <a:effectRef idx="2">
+            <a:schemeClr val="accent1"/>
+          </a:effectRef>
+          <a:fontRef idx="minor">
+            <a:schemeClr val="lt1"/>
+          </a:fontRef>
+        </p:style>
+        <p:txBody>
+          <a:bodyPr rtlCol="0" anchor="ctr"/>
+          <a:lstStyle/>
+          <a:p>
+            <a:pPr algn="ctr"/>
+            <a:endParaRPr lang="zh-CN" altLang="en-US"/>
+          </a:p>
+        </p:txBody>
+      </p:sp>
+      <p:sp>
+        <p:nvSpPr>
+          <p:cNvPr id="23" name="椭圆 22"/>
+          <p:cNvSpPr/>
+          <p:nvPr/>
+        </p:nvSpPr>
+        <p:spPr>
+          <a:xfrm>
+            <a:off x="3355389" y="3739055"/>
+            <a:ext cx="105142" cy="110358"/>
+          </a:xfrm>
+          <a:prstGeom prst="ellipse">
+            <a:avLst/>
+          </a:prstGeom>
+          <a:solidFill>
+            <a:schemeClr val="tx1"/>
+          </a:solidFill>
+          <a:ln>
+            <a:solidFill>
+              <a:schemeClr val="tx1"/>
+            </a:solidFill>
+          </a:ln>
+          <a:effectLst/>
+        </p:spPr>
+        <p:style>
+          <a:lnRef idx="1">
+            <a:schemeClr val="accent1"/>
+          </a:lnRef>
+          <a:fillRef idx="3">
+            <a:schemeClr val="accent1"/>
+          </a:fillRef>
+          <a:effectRef idx="2">
+            <a:schemeClr val="accent1"/>
+          </a:effectRef>
+          <a:fontRef idx="minor">
+            <a:schemeClr val="lt1"/>
+          </a:fontRef>
+        </p:style>
+        <p:txBody>
+          <a:bodyPr rtlCol="0" anchor="ctr"/>
+          <a:lstStyle/>
+          <a:p>
+            <a:pPr algn="ctr"/>
+            <a:endParaRPr lang="zh-CN" altLang="en-US"/>
+          </a:p>
+        </p:txBody>
+      </p:sp>
+      <p:sp>
+        <p:nvSpPr>
+          <p:cNvPr id="24" name="椭圆 23"/>
+          <p:cNvSpPr/>
+          <p:nvPr/>
+        </p:nvSpPr>
+        <p:spPr>
+          <a:xfrm>
+            <a:off x="3802098" y="3350173"/>
+            <a:ext cx="105142" cy="110358"/>
+          </a:xfrm>
+          <a:prstGeom prst="ellipse">
+            <a:avLst/>
+          </a:prstGeom>
+          <a:solidFill>
+            <a:schemeClr val="tx1"/>
+          </a:solidFill>
+          <a:ln>
+            <a:solidFill>
+              <a:schemeClr val="tx1"/>
+            </a:solidFill>
+          </a:ln>
+          <a:effectLst/>
+        </p:spPr>
+        <p:style>
+          <a:lnRef idx="1">
+            <a:schemeClr val="accent1"/>
+          </a:lnRef>
+          <a:fillRef idx="3">
+            <a:schemeClr val="accent1"/>
+          </a:fillRef>
+          <a:effectRef idx="2">
+            <a:schemeClr val="accent1"/>
+          </a:effectRef>
+          <a:fontRef idx="minor">
+            <a:schemeClr val="lt1"/>
+          </a:fontRef>
+        </p:style>
+        <p:txBody>
+          <a:bodyPr rtlCol="0" anchor="ctr"/>
+          <a:lstStyle/>
+          <a:p>
+            <a:pPr algn="ctr"/>
+            <a:endParaRPr lang="zh-CN" altLang="en-US"/>
+          </a:p>
+        </p:txBody>
+      </p:sp>
+      <p:sp>
+        <p:nvSpPr>
+          <p:cNvPr id="25" name="椭圆 24"/>
+          <p:cNvSpPr/>
+          <p:nvPr/>
+        </p:nvSpPr>
+        <p:spPr>
+          <a:xfrm>
+            <a:off x="3749527" y="4020208"/>
+            <a:ext cx="105142" cy="110358"/>
+          </a:xfrm>
+          <a:prstGeom prst="ellipse">
+            <a:avLst/>
+          </a:prstGeom>
+          <a:solidFill>
+            <a:schemeClr val="tx1"/>
+          </a:solidFill>
+          <a:ln>
+            <a:solidFill>
+              <a:schemeClr val="tx1"/>
+            </a:solidFill>
+          </a:ln>
+          <a:effectLst/>
+        </p:spPr>
+        <p:style>
+          <a:lnRef idx="1">
+            <a:schemeClr val="accent1"/>
+          </a:lnRef>
+          <a:fillRef idx="3">
+            <a:schemeClr val="accent1"/>
+          </a:fillRef>
+          <a:effectRef idx="2">
+            <a:schemeClr val="accent1"/>
+          </a:effectRef>
+          <a:fontRef idx="minor">
+            <a:schemeClr val="lt1"/>
+          </a:fontRef>
+        </p:style>
+        <p:txBody>
+          <a:bodyPr rtlCol="0" anchor="ctr"/>
+          <a:lstStyle/>
+          <a:p>
+            <a:pPr algn="ctr"/>
+            <a:endParaRPr lang="zh-CN" altLang="en-US"/>
+          </a:p>
+        </p:txBody>
+      </p:sp>
+      <p:sp>
+        <p:nvSpPr>
+          <p:cNvPr id="26" name="椭圆 25"/>
+          <p:cNvSpPr/>
+          <p:nvPr/>
+        </p:nvSpPr>
+        <p:spPr>
+          <a:xfrm>
+            <a:off x="4059659" y="3683876"/>
+            <a:ext cx="105142" cy="110358"/>
+          </a:xfrm>
+          <a:prstGeom prst="ellipse">
+            <a:avLst/>
+          </a:prstGeom>
+          <a:solidFill>
+            <a:schemeClr val="tx1"/>
+          </a:solidFill>
+          <a:ln>
+            <a:solidFill>
+              <a:schemeClr val="tx1"/>
+            </a:solidFill>
+          </a:ln>
+          <a:effectLst/>
+        </p:spPr>
+        <p:style>
+          <a:lnRef idx="1">
+            <a:schemeClr val="accent1"/>
+          </a:lnRef>
+          <a:fillRef idx="3">
+            <a:schemeClr val="accent1"/>
+          </a:fillRef>
+          <a:effectRef idx="2">
+            <a:schemeClr val="accent1"/>
+          </a:effectRef>
+          <a:fontRef idx="minor">
+            <a:schemeClr val="lt1"/>
+          </a:fontRef>
+        </p:style>
+        <p:txBody>
+          <a:bodyPr rtlCol="0" anchor="ctr"/>
+          <a:lstStyle/>
+          <a:p>
+            <a:pPr algn="ctr"/>
+            <a:endParaRPr lang="zh-CN" altLang="en-US"/>
+          </a:p>
+        </p:txBody>
+      </p:sp>
+      <p:sp>
+        <p:nvSpPr>
+          <p:cNvPr id="27" name="椭圆 26"/>
+          <p:cNvSpPr/>
+          <p:nvPr/>
+        </p:nvSpPr>
+        <p:spPr>
+          <a:xfrm>
+            <a:off x="4007088" y="2935013"/>
+            <a:ext cx="105142" cy="110358"/>
+          </a:xfrm>
+          <a:prstGeom prst="ellipse">
+            <a:avLst/>
+          </a:prstGeom>
+          <a:solidFill>
+            <a:schemeClr val="tx1"/>
+          </a:solidFill>
+          <a:ln>
+            <a:solidFill>
+              <a:schemeClr val="tx1"/>
+            </a:solidFill>
+          </a:ln>
+          <a:effectLst/>
+        </p:spPr>
+        <p:style>
+          <a:lnRef idx="1">
+            <a:schemeClr val="accent1"/>
+          </a:lnRef>
+          <a:fillRef idx="3">
+            <a:schemeClr val="accent1"/>
+          </a:fillRef>
+          <a:effectRef idx="2">
+            <a:schemeClr val="accent1"/>
+          </a:effectRef>
+          <a:fontRef idx="minor">
+            <a:schemeClr val="lt1"/>
+          </a:fontRef>
+        </p:style>
+        <p:txBody>
+          <a:bodyPr rtlCol="0" anchor="ctr"/>
+          <a:lstStyle/>
+          <a:p>
+            <a:pPr algn="ctr"/>
+            <a:endParaRPr lang="zh-CN" altLang="en-US"/>
+          </a:p>
+        </p:txBody>
+      </p:sp>
+      <p:sp>
+        <p:nvSpPr>
+          <p:cNvPr id="29" name="椭圆 28"/>
+          <p:cNvSpPr/>
+          <p:nvPr/>
+        </p:nvSpPr>
+        <p:spPr>
+          <a:xfrm>
+            <a:off x="4621847" y="4075387"/>
+            <a:ext cx="105142" cy="110358"/>
+          </a:xfrm>
+          <a:prstGeom prst="ellipse">
+            <a:avLst/>
+          </a:prstGeom>
+          <a:solidFill>
+            <a:schemeClr val="tx1"/>
+          </a:solidFill>
+          <a:ln>
+            <a:solidFill>
+              <a:schemeClr val="tx1"/>
+            </a:solidFill>
+          </a:ln>
+          <a:effectLst/>
+        </p:spPr>
+        <p:style>
+          <a:lnRef idx="1">
+            <a:schemeClr val="accent1"/>
+          </a:lnRef>
+          <a:fillRef idx="3">
+            <a:schemeClr val="accent1"/>
+          </a:fillRef>
+          <a:effectRef idx="2">
+            <a:schemeClr val="accent1"/>
+          </a:effectRef>
+          <a:fontRef idx="minor">
+            <a:schemeClr val="lt1"/>
+          </a:fontRef>
+        </p:style>
+        <p:txBody>
+          <a:bodyPr rtlCol="0" anchor="ctr"/>
+          <a:lstStyle/>
+          <a:p>
+            <a:pPr algn="ctr"/>
+            <a:endParaRPr lang="zh-CN" altLang="en-US"/>
+          </a:p>
+        </p:txBody>
+      </p:sp>
+      <p:sp>
+        <p:nvSpPr>
+          <p:cNvPr id="30" name="椭圆 29"/>
+          <p:cNvSpPr/>
+          <p:nvPr/>
+        </p:nvSpPr>
+        <p:spPr>
+          <a:xfrm>
+            <a:off x="5954105" y="2640737"/>
+            <a:ext cx="105142" cy="110358"/>
+          </a:xfrm>
+          <a:prstGeom prst="ellipse">
+            <a:avLst/>
+          </a:prstGeom>
+          <a:solidFill>
+            <a:schemeClr val="bg1"/>
+          </a:solidFill>
+          <a:ln w="12700">
+            <a:solidFill>
+              <a:schemeClr val="tx1"/>
+            </a:solidFill>
+          </a:ln>
+          <a:effectLst/>
+        </p:spPr>
+        <p:style>
+          <a:lnRef idx="1">
+            <a:schemeClr val="accent1"/>
+          </a:lnRef>
+          <a:fillRef idx="3">
+            <a:schemeClr val="accent1"/>
+          </a:fillRef>
+          <a:effectRef idx="2">
+            <a:schemeClr val="accent1"/>
+          </a:effectRef>
+          <a:fontRef idx="minor">
+            <a:schemeClr val="lt1"/>
+          </a:fontRef>
+        </p:style>
+        <p:txBody>
+          <a:bodyPr rtlCol="0" anchor="ctr"/>
+          <a:lstStyle/>
+          <a:p>
+            <a:pPr algn="ctr"/>
+            <a:endParaRPr lang="zh-CN" altLang="en-US"/>
+          </a:p>
+        </p:txBody>
+      </p:sp>
+      <p:sp>
+        <p:nvSpPr>
+          <p:cNvPr id="31" name="椭圆 30"/>
+          <p:cNvSpPr/>
+          <p:nvPr/>
+        </p:nvSpPr>
+        <p:spPr>
+          <a:xfrm>
+            <a:off x="5005552" y="1682480"/>
+            <a:ext cx="105142" cy="110358"/>
+          </a:xfrm>
+          <a:prstGeom prst="ellipse">
+            <a:avLst/>
+          </a:prstGeom>
+          <a:solidFill>
+            <a:schemeClr val="bg1"/>
+          </a:solidFill>
+          <a:ln w="12700">
+            <a:solidFill>
+              <a:schemeClr val="tx1"/>
+            </a:solidFill>
+          </a:ln>
+          <a:effectLst/>
+        </p:spPr>
+        <p:style>
+          <a:lnRef idx="1">
+            <a:schemeClr val="accent1"/>
+          </a:lnRef>
+          <a:fillRef idx="3">
+            <a:schemeClr val="accent1"/>
+          </a:fillRef>
+          <a:effectRef idx="2">
+            <a:schemeClr val="accent1"/>
+          </a:effectRef>
+          <a:fontRef idx="minor">
+            <a:schemeClr val="lt1"/>
+          </a:fontRef>
+        </p:style>
+        <p:txBody>
+          <a:bodyPr rtlCol="0" anchor="ctr"/>
+          <a:lstStyle/>
+          <a:p>
+            <a:pPr algn="ctr"/>
+            <a:endParaRPr lang="zh-CN" altLang="en-US"/>
+          </a:p>
+        </p:txBody>
+      </p:sp>
+      <p:sp>
+        <p:nvSpPr>
+          <p:cNvPr id="32" name="椭圆 31"/>
+          <p:cNvSpPr/>
+          <p:nvPr/>
+        </p:nvSpPr>
+        <p:spPr>
+          <a:xfrm>
+            <a:off x="4952981" y="1253358"/>
+            <a:ext cx="105142" cy="110358"/>
+          </a:xfrm>
+          <a:prstGeom prst="ellipse">
+            <a:avLst/>
+          </a:prstGeom>
+          <a:solidFill>
+            <a:schemeClr val="bg1"/>
+          </a:solidFill>
+          <a:ln w="12700">
+            <a:solidFill>
+              <a:schemeClr val="tx1"/>
+            </a:solidFill>
+          </a:ln>
+          <a:effectLst/>
+        </p:spPr>
+        <p:style>
+          <a:lnRef idx="1">
+            <a:schemeClr val="accent1"/>
+          </a:lnRef>
+          <a:fillRef idx="3">
+            <a:schemeClr val="accent1"/>
+          </a:fillRef>
+          <a:effectRef idx="2">
+            <a:schemeClr val="accent1"/>
+          </a:effectRef>
+          <a:fontRef idx="minor">
+            <a:schemeClr val="lt1"/>
+          </a:fontRef>
+        </p:style>
+        <p:txBody>
+          <a:bodyPr rtlCol="0" anchor="ctr"/>
+          <a:lstStyle/>
+          <a:p>
+            <a:pPr algn="ctr"/>
+            <a:endParaRPr lang="zh-CN" altLang="en-US"/>
+          </a:p>
+        </p:txBody>
+      </p:sp>
+      <p:sp>
+        <p:nvSpPr>
+          <p:cNvPr id="33" name="椭圆 32"/>
+          <p:cNvSpPr/>
+          <p:nvPr/>
+        </p:nvSpPr>
+        <p:spPr>
+          <a:xfrm>
+            <a:off x="4516705" y="1198179"/>
+            <a:ext cx="105142" cy="110358"/>
+          </a:xfrm>
+          <a:prstGeom prst="ellipse">
+            <a:avLst/>
+          </a:prstGeom>
+          <a:solidFill>
+            <a:schemeClr val="bg1"/>
+          </a:solidFill>
+          <a:ln w="12700">
+            <a:solidFill>
+              <a:schemeClr val="tx1"/>
+            </a:solidFill>
+          </a:ln>
+          <a:effectLst/>
+        </p:spPr>
+        <p:style>
+          <a:lnRef idx="1">
+            <a:schemeClr val="accent1"/>
+          </a:lnRef>
+          <a:fillRef idx="3">
+            <a:schemeClr val="accent1"/>
+          </a:fillRef>
+          <a:effectRef idx="2">
+            <a:schemeClr val="accent1"/>
+          </a:effectRef>
+          <a:fontRef idx="minor">
+            <a:schemeClr val="lt1"/>
+          </a:fontRef>
+        </p:style>
+        <p:txBody>
+          <a:bodyPr rtlCol="0" anchor="ctr"/>
+          <a:lstStyle/>
+          <a:p>
+            <a:pPr algn="ctr"/>
+            <a:endParaRPr lang="zh-CN" altLang="en-US"/>
+          </a:p>
+        </p:txBody>
+      </p:sp>
+      <p:sp>
+        <p:nvSpPr>
+          <p:cNvPr id="34" name="椭圆 33"/>
+          <p:cNvSpPr/>
+          <p:nvPr/>
+        </p:nvSpPr>
+        <p:spPr>
+          <a:xfrm>
+            <a:off x="6046076" y="1883981"/>
+            <a:ext cx="105142" cy="110358"/>
+          </a:xfrm>
+          <a:prstGeom prst="ellipse">
+            <a:avLst/>
+          </a:prstGeom>
+          <a:solidFill>
+            <a:schemeClr val="bg1"/>
+          </a:solidFill>
+          <a:ln w="12700">
+            <a:solidFill>
+              <a:schemeClr val="tx1"/>
+            </a:solidFill>
+          </a:ln>
+          <a:effectLst/>
+        </p:spPr>
+        <p:style>
+          <a:lnRef idx="1">
+            <a:schemeClr val="accent1"/>
+          </a:lnRef>
+          <a:fillRef idx="3">
+            <a:schemeClr val="accent1"/>
+          </a:fillRef>
+          <a:effectRef idx="2">
+            <a:schemeClr val="accent1"/>
+          </a:effectRef>
+          <a:fontRef idx="minor">
+            <a:schemeClr val="lt1"/>
+          </a:fontRef>
+        </p:style>
+        <p:txBody>
+          <a:bodyPr rtlCol="0" anchor="ctr"/>
+          <a:lstStyle/>
+          <a:p>
+            <a:pPr algn="ctr"/>
+            <a:endParaRPr lang="zh-CN" altLang="en-US"/>
+          </a:p>
+        </p:txBody>
+      </p:sp>
+      <p:sp>
+        <p:nvSpPr>
+          <p:cNvPr id="35" name="椭圆 34"/>
+          <p:cNvSpPr/>
+          <p:nvPr/>
+        </p:nvSpPr>
+        <p:spPr>
+          <a:xfrm>
+            <a:off x="5662371" y="1994339"/>
+            <a:ext cx="105142" cy="110358"/>
+          </a:xfrm>
+          <a:prstGeom prst="ellipse">
+            <a:avLst/>
+          </a:prstGeom>
+          <a:solidFill>
+            <a:schemeClr val="bg1"/>
+          </a:solidFill>
+          <a:ln w="12700">
+            <a:solidFill>
+              <a:schemeClr val="tx1"/>
+            </a:solidFill>
+          </a:ln>
+          <a:effectLst/>
+        </p:spPr>
+        <p:style>
+          <a:lnRef idx="1">
+            <a:schemeClr val="accent1"/>
+          </a:lnRef>
+          <a:fillRef idx="3">
+            <a:schemeClr val="accent1"/>
+          </a:fillRef>
+          <a:effectRef idx="2">
+            <a:schemeClr val="accent1"/>
+          </a:effectRef>
+          <a:fontRef idx="minor">
+            <a:schemeClr val="lt1"/>
+          </a:fontRef>
+        </p:style>
+        <p:txBody>
+          <a:bodyPr rtlCol="0" anchor="ctr"/>
+          <a:lstStyle/>
+          <a:p>
+            <a:pPr algn="ctr"/>
+            <a:endParaRPr lang="zh-CN" altLang="en-US"/>
+          </a:p>
+        </p:txBody>
+      </p:sp>
+      <p:sp>
+        <p:nvSpPr>
+          <p:cNvPr id="36" name="椭圆 35"/>
+          <p:cNvSpPr/>
+          <p:nvPr/>
+        </p:nvSpPr>
+        <p:spPr>
+          <a:xfrm>
+            <a:off x="5565228" y="1253358"/>
+            <a:ext cx="105142" cy="110358"/>
+          </a:xfrm>
+          <a:prstGeom prst="ellipse">
+            <a:avLst/>
+          </a:prstGeom>
+          <a:solidFill>
+            <a:schemeClr val="bg1"/>
+          </a:solidFill>
+          <a:ln w="12700">
+            <a:solidFill>
+              <a:schemeClr val="tx1"/>
+            </a:solidFill>
+          </a:ln>
+          <a:effectLst/>
+        </p:spPr>
+        <p:style>
+          <a:lnRef idx="1">
+            <a:schemeClr val="accent1"/>
+          </a:lnRef>
+          <a:fillRef idx="3">
+            <a:schemeClr val="accent1"/>
+          </a:fillRef>
+          <a:effectRef idx="2">
+            <a:schemeClr val="accent1"/>
+          </a:effectRef>
+          <a:fontRef idx="minor">
+            <a:schemeClr val="lt1"/>
+          </a:fontRef>
+        </p:style>
+        <p:txBody>
+          <a:bodyPr rtlCol="0" anchor="ctr"/>
+          <a:lstStyle/>
+          <a:p>
+            <a:pPr algn="ctr"/>
+            <a:endParaRPr lang="zh-CN" altLang="en-US"/>
+          </a:p>
+        </p:txBody>
+      </p:sp>
+      <p:sp>
+        <p:nvSpPr>
+          <p:cNvPr id="37" name="椭圆 36"/>
+          <p:cNvSpPr/>
+          <p:nvPr/>
+        </p:nvSpPr>
+        <p:spPr>
+          <a:xfrm>
+            <a:off x="6261519" y="1572122"/>
+            <a:ext cx="105142" cy="110358"/>
+          </a:xfrm>
+          <a:prstGeom prst="ellipse">
+            <a:avLst/>
+          </a:prstGeom>
+          <a:solidFill>
+            <a:schemeClr val="bg1"/>
+          </a:solidFill>
+          <a:ln w="12700">
+            <a:solidFill>
+              <a:schemeClr val="tx1"/>
+            </a:solidFill>
+          </a:ln>
+          <a:effectLst/>
+        </p:spPr>
+        <p:style>
+          <a:lnRef idx="1">
+            <a:schemeClr val="accent1"/>
+          </a:lnRef>
+          <a:fillRef idx="3">
+            <a:schemeClr val="accent1"/>
+          </a:fillRef>
+          <a:effectRef idx="2">
+            <a:schemeClr val="accent1"/>
+          </a:effectRef>
+          <a:fontRef idx="minor">
+            <a:schemeClr val="lt1"/>
+          </a:fontRef>
+        </p:style>
+        <p:txBody>
+          <a:bodyPr rtlCol="0" anchor="ctr"/>
+          <a:lstStyle/>
+          <a:p>
+            <a:pPr algn="ctr"/>
+            <a:endParaRPr lang="zh-CN" altLang="en-US"/>
+          </a:p>
+        </p:txBody>
+      </p:sp>
+      <p:sp>
+        <p:nvSpPr>
+          <p:cNvPr id="38" name="椭圆 37"/>
+          <p:cNvSpPr/>
+          <p:nvPr/>
+        </p:nvSpPr>
+        <p:spPr>
+          <a:xfrm>
+            <a:off x="6461138" y="949373"/>
+            <a:ext cx="105142" cy="110358"/>
+          </a:xfrm>
+          <a:prstGeom prst="ellipse">
+            <a:avLst/>
+          </a:prstGeom>
+          <a:solidFill>
+            <a:schemeClr val="bg1"/>
+          </a:solidFill>
+          <a:ln w="12700">
+            <a:solidFill>
+              <a:schemeClr val="tx1"/>
+            </a:solidFill>
+          </a:ln>
+          <a:effectLst/>
+        </p:spPr>
+        <p:style>
+          <a:lnRef idx="1">
+            <a:schemeClr val="accent1"/>
+          </a:lnRef>
+          <a:fillRef idx="3">
+            <a:schemeClr val="accent1"/>
+          </a:fillRef>
+          <a:effectRef idx="2">
+            <a:schemeClr val="accent1"/>
+          </a:effectRef>
+          <a:fontRef idx="minor">
+            <a:schemeClr val="lt1"/>
+          </a:fontRef>
+        </p:style>
+        <p:txBody>
+          <a:bodyPr rtlCol="0" anchor="ctr"/>
+          <a:lstStyle/>
+          <a:p>
+            <a:pPr algn="ctr"/>
+            <a:endParaRPr lang="zh-CN" altLang="en-US"/>
+          </a:p>
+        </p:txBody>
+      </p:sp>
+      <p:sp>
+        <p:nvSpPr>
+          <p:cNvPr id="39" name="椭圆 38"/>
+          <p:cNvSpPr/>
+          <p:nvPr/>
+        </p:nvSpPr>
+        <p:spPr>
+          <a:xfrm>
+            <a:off x="6408567" y="2325413"/>
+            <a:ext cx="105142" cy="110358"/>
+          </a:xfrm>
+          <a:prstGeom prst="ellipse">
+            <a:avLst/>
+          </a:prstGeom>
+          <a:solidFill>
+            <a:schemeClr val="bg1"/>
+          </a:solidFill>
+          <a:ln w="12700">
+            <a:solidFill>
+              <a:schemeClr val="tx1"/>
+            </a:solidFill>
+          </a:ln>
+          <a:effectLst/>
+        </p:spPr>
+        <p:style>
+          <a:lnRef idx="1">
+            <a:schemeClr val="accent1"/>
+          </a:lnRef>
+          <a:fillRef idx="3">
+            <a:schemeClr val="accent1"/>
+          </a:fillRef>
+          <a:effectRef idx="2">
+            <a:schemeClr val="accent1"/>
+          </a:effectRef>
+          <a:fontRef idx="minor">
+            <a:schemeClr val="lt1"/>
+          </a:fontRef>
+        </p:style>
+        <p:txBody>
+          <a:bodyPr rtlCol="0" anchor="ctr"/>
+          <a:lstStyle/>
+          <a:p>
+            <a:pPr algn="ctr"/>
+            <a:endParaRPr lang="zh-CN" altLang="en-US"/>
+          </a:p>
+        </p:txBody>
+      </p:sp>
+      <p:sp>
+        <p:nvSpPr>
+          <p:cNvPr id="40" name="椭圆 39"/>
+          <p:cNvSpPr/>
+          <p:nvPr/>
+        </p:nvSpPr>
+        <p:spPr>
+          <a:xfrm>
+            <a:off x="5460086" y="783836"/>
+            <a:ext cx="105142" cy="110358"/>
+          </a:xfrm>
+          <a:prstGeom prst="ellipse">
+            <a:avLst/>
+          </a:prstGeom>
+          <a:solidFill>
+            <a:schemeClr val="bg1"/>
+          </a:solidFill>
+          <a:ln w="12700">
+            <a:solidFill>
+              <a:schemeClr val="tx1"/>
+            </a:solidFill>
+          </a:ln>
+          <a:effectLst/>
+        </p:spPr>
+        <p:style>
+          <a:lnRef idx="1">
+            <a:schemeClr val="accent1"/>
+          </a:lnRef>
+          <a:fillRef idx="3">
+            <a:schemeClr val="accent1"/>
+          </a:fillRef>
+          <a:effectRef idx="2">
+            <a:schemeClr val="accent1"/>
+          </a:effectRef>
+          <a:fontRef idx="minor">
+            <a:schemeClr val="lt1"/>
+          </a:fontRef>
+        </p:style>
+        <p:txBody>
+          <a:bodyPr rtlCol="0" anchor="ctr"/>
+          <a:lstStyle/>
+          <a:p>
+            <a:pPr algn="ctr"/>
+            <a:endParaRPr lang="zh-CN" altLang="en-US"/>
+          </a:p>
+        </p:txBody>
+      </p:sp>
+      <p:sp>
+        <p:nvSpPr>
+          <p:cNvPr id="41" name="椭圆 40"/>
+          <p:cNvSpPr/>
+          <p:nvPr/>
+        </p:nvSpPr>
+        <p:spPr>
+          <a:xfrm>
+            <a:off x="6952593" y="1572122"/>
+            <a:ext cx="105142" cy="110358"/>
+          </a:xfrm>
+          <a:prstGeom prst="ellipse">
+            <a:avLst/>
+          </a:prstGeom>
+          <a:solidFill>
+            <a:schemeClr val="bg1"/>
+          </a:solidFill>
+          <a:ln w="12700">
+            <a:solidFill>
+              <a:schemeClr val="tx1"/>
+            </a:solidFill>
+          </a:ln>
+          <a:effectLst/>
+        </p:spPr>
+        <p:style>
+          <a:lnRef idx="1">
+            <a:schemeClr val="accent1"/>
+          </a:lnRef>
+          <a:fillRef idx="3">
+            <a:schemeClr val="accent1"/>
+          </a:fillRef>
+          <a:effectRef idx="2">
+            <a:schemeClr val="accent1"/>
+          </a:effectRef>
+          <a:fontRef idx="minor">
+            <a:schemeClr val="lt1"/>
+          </a:fontRef>
+        </p:style>
+        <p:txBody>
+          <a:bodyPr rtlCol="0" anchor="ctr"/>
+          <a:lstStyle/>
+          <a:p>
+            <a:pPr algn="ctr"/>
+            <a:endParaRPr lang="zh-CN" altLang="en-US"/>
+          </a:p>
+        </p:txBody>
+      </p:sp>
+      <p:sp>
+        <p:nvSpPr>
+          <p:cNvPr id="43" name="线形标注 1(带强调线) 42"/>
+          <p:cNvSpPr/>
+          <p:nvPr/>
+        </p:nvSpPr>
+        <p:spPr>
+          <a:xfrm>
+            <a:off x="7181191" y="3206480"/>
+            <a:ext cx="1269125" cy="532575"/>
+          </a:xfrm>
+          <a:prstGeom prst="accentCallout1">
+            <a:avLst>
+              <a:gd name="adj1" fmla="val 11350"/>
+              <a:gd name="adj2" fmla="val 1605"/>
+              <a:gd name="adj3" fmla="val -97677"/>
+              <a:gd name="adj4" fmla="val -91750"/>
+            </a:avLst>
+          </a:prstGeom>
+          <a:noFill/>
+          <a:ln>
+            <a:solidFill>
+              <a:schemeClr val="tx1"/>
+            </a:solidFill>
+          </a:ln>
+          <a:effectLst/>
+        </p:spPr>
+        <p:style>
+          <a:lnRef idx="1">
+            <a:schemeClr val="accent1"/>
+          </a:lnRef>
+          <a:fillRef idx="3">
+            <a:schemeClr val="accent1"/>
+          </a:fillRef>
+          <a:effectRef idx="2">
+            <a:schemeClr val="accent1"/>
+          </a:effectRef>
+          <a:fontRef idx="minor">
+            <a:schemeClr val="lt1"/>
+          </a:fontRef>
+        </p:style>
+        <p:txBody>
+          <a:bodyPr rtlCol="0" anchor="ctr"/>
+          <a:lstStyle/>
+          <a:p>
+            <a:pPr algn="ctr"/>
+            <a:r>
+              <a:rPr lang="zh-CN" altLang="en-US" smtClean="0">
+                <a:solidFill>
+                  <a:schemeClr val="tx1"/>
+                </a:solidFill>
+              </a:rPr>
+              <a:t>支持向量</a:t>
+            </a:r>
+            <a:endParaRPr lang="zh-CN" altLang="en-US">
+              <a:solidFill>
+                <a:schemeClr val="tx1"/>
+              </a:solidFill>
+            </a:endParaRPr>
+          </a:p>
+        </p:txBody>
+      </p:sp>
+      <p:cxnSp>
+        <p:nvCxnSpPr>
+          <p:cNvPr id="45" name="直接箭头连接符 44"/>
+          <p:cNvCxnSpPr/>
+          <p:nvPr/>
+        </p:nvCxnSpPr>
+        <p:spPr>
+          <a:xfrm flipV="1">
+            <a:off x="5517873" y="3679445"/>
+            <a:ext cx="499280" cy="451121"/>
+          </a:xfrm>
+          <a:prstGeom prst="straightConnector1">
+            <a:avLst/>
+          </a:prstGeom>
+          <a:ln>
+            <a:solidFill>
+              <a:schemeClr val="tx1"/>
+            </a:solidFill>
+            <a:headEnd type="arrow"/>
+            <a:tailEnd type="arrow"/>
+          </a:ln>
+          <a:effectLst/>
+        </p:spPr>
+        <p:style>
+          <a:lnRef idx="2">
+            <a:schemeClr val="accent1"/>
+          </a:lnRef>
+          <a:fillRef idx="0">
+            <a:schemeClr val="accent1"/>
+          </a:fillRef>
+          <a:effectRef idx="1">
+            <a:schemeClr val="accent1"/>
+          </a:effectRef>
+          <a:fontRef idx="minor">
+            <a:schemeClr val="tx1"/>
+          </a:fontRef>
+        </p:style>
+      </p:cxnSp>
+      <p:sp>
+        <p:nvSpPr>
+          <p:cNvPr id="48" name="线形标注 1(带强调线) 47"/>
+          <p:cNvSpPr/>
+          <p:nvPr/>
+        </p:nvSpPr>
+        <p:spPr>
+          <a:xfrm>
+            <a:off x="6723991" y="4020208"/>
+            <a:ext cx="1434664" cy="612648"/>
+          </a:xfrm>
+          <a:prstGeom prst="accentCallout1">
+            <a:avLst>
+              <a:gd name="adj1" fmla="val 18750"/>
+              <a:gd name="adj2" fmla="val -8333"/>
+              <a:gd name="adj3" fmla="val -17454"/>
+              <a:gd name="adj4" fmla="val -67378"/>
+            </a:avLst>
+          </a:prstGeom>
+          <a:noFill/>
+          <a:ln>
+            <a:solidFill>
+              <a:schemeClr val="tx1"/>
+            </a:solidFill>
+          </a:ln>
+          <a:effectLst/>
+        </p:spPr>
+        <p:style>
+          <a:lnRef idx="1">
+            <a:schemeClr val="accent1"/>
+          </a:lnRef>
+          <a:fillRef idx="3">
+            <a:schemeClr val="accent1"/>
+          </a:fillRef>
+          <a:effectRef idx="2">
+            <a:schemeClr val="accent1"/>
+          </a:effectRef>
+          <a:fontRef idx="minor">
+            <a:schemeClr val="lt1"/>
+          </a:fontRef>
+        </p:style>
+        <p:txBody>
+          <a:bodyPr rtlCol="0" anchor="ctr"/>
+          <a:lstStyle/>
+          <a:p>
+            <a:pPr algn="ctr"/>
+            <a:r>
+              <a:rPr lang="en-US" altLang="zh-CN" sz="2400" smtClean="0">
+                <a:solidFill>
+                  <a:schemeClr val="tx1"/>
+                </a:solidFill>
+              </a:rPr>
+              <a:t>m</a:t>
+            </a:r>
+            <a:r>
+              <a:rPr lang="en-US" sz="2400" smtClean="0">
+                <a:solidFill>
+                  <a:schemeClr val="tx1"/>
+                </a:solidFill>
+              </a:rPr>
+              <a:t>argin </a:t>
+            </a:r>
+            <a:r>
+              <a:rPr lang="en-US" altLang="zh-CN" sz="2400" smtClean="0">
+                <a:solidFill>
+                  <a:schemeClr val="tx1"/>
+                </a:solidFill>
+              </a:rPr>
+              <a:t>b</a:t>
+            </a:r>
+            <a:endParaRPr lang="zh-CN" altLang="en-US" sz="2400">
+              <a:solidFill>
+                <a:schemeClr val="tx1"/>
+              </a:solidFill>
+            </a:endParaRPr>
+          </a:p>
+        </p:txBody>
+      </p:sp>
+      <p:sp>
+        <p:nvSpPr>
+          <p:cNvPr id="50" name="TextBox 49"/>
+          <p:cNvSpPr txBox="1"/>
+          <p:nvPr/>
+        </p:nvSpPr>
+        <p:spPr>
+          <a:xfrm>
+            <a:off x="7591100" y="4847892"/>
+            <a:ext cx="520262" cy="584775"/>
+          </a:xfrm>
+          <a:prstGeom prst="rect">
+            <a:avLst/>
+          </a:prstGeom>
+          <a:noFill/>
+          <a:effectLst/>
+        </p:spPr>
+        <p:txBody>
+          <a:bodyPr wrap="square" rtlCol="0">
+            <a:spAutoFit/>
+          </a:bodyPr>
+          <a:lstStyle/>
+          <a:p>
+            <a:r>
+              <a:rPr lang="en-US" altLang="zh-CN" sz="3200" smtClean="0"/>
+              <a:t>X</a:t>
+            </a:r>
+            <a:r>
+              <a:rPr lang="en-US" altLang="zh-CN" sz="1400" smtClean="0"/>
+              <a:t>2</a:t>
+            </a:r>
+            <a:endParaRPr lang="zh-CN" altLang="en-US" sz="1400"/>
+          </a:p>
+        </p:txBody>
+      </p:sp>
+      <p:sp>
+        <p:nvSpPr>
+          <p:cNvPr id="51" name="TextBox 50"/>
+          <p:cNvSpPr txBox="1"/>
+          <p:nvPr/>
+        </p:nvSpPr>
+        <p:spPr>
+          <a:xfrm>
+            <a:off x="1964667" y="577435"/>
+            <a:ext cx="520262" cy="584775"/>
+          </a:xfrm>
+          <a:prstGeom prst="rect">
+            <a:avLst/>
+          </a:prstGeom>
+          <a:noFill/>
+          <a:effectLst/>
+        </p:spPr>
+        <p:txBody>
+          <a:bodyPr wrap="square" rtlCol="0">
+            <a:spAutoFit/>
+          </a:bodyPr>
+          <a:lstStyle/>
+          <a:p>
+            <a:r>
+              <a:rPr lang="en-US" altLang="zh-CN" sz="3200" smtClean="0"/>
+              <a:t>X</a:t>
+            </a:r>
+            <a:r>
+              <a:rPr lang="en-US" altLang="zh-CN" sz="1400" smtClean="0"/>
+              <a:t>1</a:t>
+            </a:r>
+            <a:endParaRPr lang="zh-CN" altLang="en-US" sz="1400"/>
           </a:p>
         </p:txBody>
       </p:sp>

--- a/WifiCalibration/ppt.pptx
+++ b/WifiCalibration/ppt.pptx
@@ -11,6 +11,7 @@
     <p:sldId id="259" r:id="rId5"/>
     <p:sldId id="260" r:id="rId6"/>
     <p:sldId id="261" r:id="rId7"/>
+    <p:sldId id="262" r:id="rId8"/>
   </p:sldIdLst>
   <p:sldSz cx="9144000" cy="6858000" type="screen4x3"/>
   <p:notesSz cx="6858000" cy="9144000"/>
@@ -11846,6 +11847,813 @@
           </a:p>
         </p:txBody>
       </p:sp>
+    </p:spTree>
+  </p:cSld>
+  <p:clrMapOvr>
+    <a:masterClrMapping/>
+  </p:clrMapOvr>
+</p:sld>
+</file>
+
+<file path=ppt/slides/slide7.xml><?xml version="1.0" encoding="utf-8"?>
+<p:sld xmlns:a="http://schemas.openxmlformats.org/drawingml/2006/main" xmlns:r="http://schemas.openxmlformats.org/officeDocument/2006/relationships" xmlns:p="http://schemas.openxmlformats.org/presentationml/2006/main">
+  <p:cSld>
+    <p:spTree>
+      <p:nvGrpSpPr>
+        <p:cNvPr id="1" name=""/>
+        <p:cNvGrpSpPr/>
+        <p:nvPr/>
+      </p:nvGrpSpPr>
+      <p:grpSpPr>
+        <a:xfrm>
+          <a:off x="0" y="0"/>
+          <a:ext cx="0" cy="0"/>
+          <a:chOff x="0" y="0"/>
+          <a:chExt cx="0" cy="0"/>
+        </a:xfrm>
+      </p:grpSpPr>
+      <p:sp>
+        <p:nvSpPr>
+          <p:cNvPr id="6" name="矩形 5"/>
+          <p:cNvSpPr/>
+          <p:nvPr/>
+        </p:nvSpPr>
+        <p:spPr>
+          <a:xfrm>
+            <a:off x="3421077" y="717348"/>
+            <a:ext cx="2286000" cy="457200"/>
+          </a:xfrm>
+          <a:prstGeom prst="rect">
+            <a:avLst/>
+          </a:prstGeom>
+          <a:solidFill>
+            <a:schemeClr val="bg1"/>
+          </a:solidFill>
+          <a:ln w="12700">
+            <a:solidFill>
+              <a:schemeClr val="tx1"/>
+            </a:solidFill>
+          </a:ln>
+          <a:effectLst/>
+        </p:spPr>
+        <p:style>
+          <a:lnRef idx="1">
+            <a:schemeClr val="accent1"/>
+          </a:lnRef>
+          <a:fillRef idx="3">
+            <a:schemeClr val="accent1"/>
+          </a:fillRef>
+          <a:effectRef idx="2">
+            <a:schemeClr val="accent1"/>
+          </a:effectRef>
+          <a:fontRef idx="minor">
+            <a:schemeClr val="lt1"/>
+          </a:fontRef>
+        </p:style>
+        <p:txBody>
+          <a:bodyPr rtlCol="0" anchor="ctr"/>
+          <a:lstStyle/>
+          <a:p>
+            <a:pPr algn="ctr"/>
+            <a:r>
+              <a:rPr lang="zh-CN" altLang="en-US" smtClean="0">
+                <a:solidFill>
+                  <a:schemeClr val="tx1"/>
+                </a:solidFill>
+              </a:rPr>
+              <a:t>确定 </a:t>
+            </a:r>
+            <a:r>
+              <a:rPr lang="en-US" altLang="zh-CN" smtClean="0">
+                <a:solidFill>
+                  <a:schemeClr val="tx1"/>
+                </a:solidFill>
+              </a:rPr>
+              <a:t>CR</a:t>
+            </a:r>
+            <a:r>
+              <a:rPr lang="zh-CN" altLang="en-US" smtClean="0">
+                <a:solidFill>
+                  <a:schemeClr val="tx1"/>
+                </a:solidFill>
+              </a:rPr>
+              <a:t>、</a:t>
+            </a:r>
+            <a:r>
+              <a:rPr lang="en-US" altLang="zh-CN" smtClean="0">
+                <a:solidFill>
+                  <a:schemeClr val="tx1"/>
+                </a:solidFill>
+              </a:rPr>
+              <a:t>Value</a:t>
+            </a:r>
+            <a:r>
+              <a:rPr lang="zh-CN" altLang="en-US" smtClean="0">
+                <a:solidFill>
+                  <a:schemeClr val="tx1"/>
+                </a:solidFill>
+              </a:rPr>
+              <a:t>、</a:t>
+            </a:r>
+            <a:r>
+              <a:rPr lang="en-US" altLang="zh-CN" smtClean="0">
+                <a:solidFill>
+                  <a:schemeClr val="tx1"/>
+                </a:solidFill>
+              </a:rPr>
+              <a:t>CP</a:t>
+            </a:r>
+            <a:endParaRPr lang="zh-CN" altLang="en-US">
+              <a:solidFill>
+                <a:schemeClr val="tx1"/>
+              </a:solidFill>
+            </a:endParaRPr>
+          </a:p>
+        </p:txBody>
+      </p:sp>
+      <p:sp>
+        <p:nvSpPr>
+          <p:cNvPr id="7" name="矩形 6"/>
+          <p:cNvSpPr/>
+          <p:nvPr/>
+        </p:nvSpPr>
+        <p:spPr>
+          <a:xfrm>
+            <a:off x="2687980" y="1417787"/>
+            <a:ext cx="3752195" cy="457200"/>
+          </a:xfrm>
+          <a:prstGeom prst="rect">
+            <a:avLst/>
+          </a:prstGeom>
+          <a:solidFill>
+            <a:schemeClr val="bg1"/>
+          </a:solidFill>
+          <a:ln w="12700">
+            <a:solidFill>
+              <a:schemeClr val="tx1"/>
+            </a:solidFill>
+          </a:ln>
+          <a:effectLst/>
+        </p:spPr>
+        <p:style>
+          <a:lnRef idx="1">
+            <a:schemeClr val="accent1"/>
+          </a:lnRef>
+          <a:fillRef idx="3">
+            <a:schemeClr val="accent1"/>
+          </a:fillRef>
+          <a:effectRef idx="2">
+            <a:schemeClr val="accent1"/>
+          </a:effectRef>
+          <a:fontRef idx="minor">
+            <a:schemeClr val="lt1"/>
+          </a:fontRef>
+        </p:style>
+        <p:txBody>
+          <a:bodyPr rtlCol="0" anchor="ctr"/>
+          <a:lstStyle/>
+          <a:p>
+            <a:pPr algn="ctr"/>
+            <a:r>
+              <a:rPr lang="zh-CN" altLang="en-US" smtClean="0">
+                <a:solidFill>
+                  <a:schemeClr val="tx1"/>
+                </a:solidFill>
+              </a:rPr>
+              <a:t>收集各个</a:t>
+            </a:r>
+            <a:r>
+              <a:rPr lang="en-US" altLang="zh-CN" smtClean="0">
+                <a:solidFill>
+                  <a:schemeClr val="tx1"/>
+                </a:solidFill>
+              </a:rPr>
+              <a:t>Value</a:t>
+            </a:r>
+            <a:r>
+              <a:rPr lang="zh-CN" altLang="en-US" smtClean="0">
+                <a:solidFill>
+                  <a:schemeClr val="tx1"/>
+                </a:solidFill>
+              </a:rPr>
+              <a:t>上的定位区域数据</a:t>
+            </a:r>
+            <a:endParaRPr lang="zh-CN" altLang="en-US">
+              <a:solidFill>
+                <a:schemeClr val="tx1"/>
+              </a:solidFill>
+            </a:endParaRPr>
+          </a:p>
+        </p:txBody>
+      </p:sp>
+      <p:sp>
+        <p:nvSpPr>
+          <p:cNvPr id="8" name="矩形 7"/>
+          <p:cNvSpPr/>
+          <p:nvPr/>
+        </p:nvSpPr>
+        <p:spPr>
+          <a:xfrm>
+            <a:off x="3756095" y="2118226"/>
+            <a:ext cx="1615965" cy="457200"/>
+          </a:xfrm>
+          <a:prstGeom prst="rect">
+            <a:avLst/>
+          </a:prstGeom>
+          <a:solidFill>
+            <a:schemeClr val="bg1"/>
+          </a:solidFill>
+          <a:ln w="12700">
+            <a:solidFill>
+              <a:schemeClr val="tx1"/>
+            </a:solidFill>
+          </a:ln>
+          <a:effectLst/>
+        </p:spPr>
+        <p:style>
+          <a:lnRef idx="1">
+            <a:schemeClr val="accent1"/>
+          </a:lnRef>
+          <a:fillRef idx="3">
+            <a:schemeClr val="accent1"/>
+          </a:fillRef>
+          <a:effectRef idx="2">
+            <a:schemeClr val="accent1"/>
+          </a:effectRef>
+          <a:fontRef idx="minor">
+            <a:schemeClr val="lt1"/>
+          </a:fontRef>
+        </p:style>
+        <p:txBody>
+          <a:bodyPr rtlCol="0" anchor="ctr"/>
+          <a:lstStyle/>
+          <a:p>
+            <a:pPr algn="ctr"/>
+            <a:r>
+              <a:rPr lang="zh-CN" altLang="en-US" smtClean="0">
+                <a:solidFill>
+                  <a:schemeClr val="tx1"/>
+                </a:solidFill>
+              </a:rPr>
+              <a:t>生成校准数据</a:t>
+            </a:r>
+            <a:endParaRPr lang="zh-CN" altLang="en-US">
+              <a:solidFill>
+                <a:schemeClr val="tx1"/>
+              </a:solidFill>
+            </a:endParaRPr>
+          </a:p>
+        </p:txBody>
+      </p:sp>
+      <p:sp>
+        <p:nvSpPr>
+          <p:cNvPr id="9" name="矩形 8"/>
+          <p:cNvSpPr/>
+          <p:nvPr/>
+        </p:nvSpPr>
+        <p:spPr>
+          <a:xfrm>
+            <a:off x="2624918" y="2818665"/>
+            <a:ext cx="3878319" cy="457200"/>
+          </a:xfrm>
+          <a:prstGeom prst="rect">
+            <a:avLst/>
+          </a:prstGeom>
+          <a:solidFill>
+            <a:schemeClr val="bg1"/>
+          </a:solidFill>
+          <a:ln w="12700">
+            <a:solidFill>
+              <a:schemeClr val="tx1"/>
+            </a:solidFill>
+          </a:ln>
+          <a:effectLst/>
+        </p:spPr>
+        <p:style>
+          <a:lnRef idx="1">
+            <a:schemeClr val="accent1"/>
+          </a:lnRef>
+          <a:fillRef idx="3">
+            <a:schemeClr val="accent1"/>
+          </a:fillRef>
+          <a:effectRef idx="2">
+            <a:schemeClr val="accent1"/>
+          </a:effectRef>
+          <a:fontRef idx="minor">
+            <a:schemeClr val="lt1"/>
+          </a:fontRef>
+        </p:style>
+        <p:txBody>
+          <a:bodyPr rtlCol="0" anchor="ctr"/>
+          <a:lstStyle/>
+          <a:p>
+            <a:pPr algn="ctr"/>
+            <a:r>
+              <a:rPr lang="zh-CN" altLang="en-US" smtClean="0">
+                <a:solidFill>
+                  <a:schemeClr val="tx1"/>
+                </a:solidFill>
+              </a:rPr>
+              <a:t>接收移动终端设备发送的待定位数据</a:t>
+            </a:r>
+            <a:endParaRPr lang="zh-CN" altLang="en-US">
+              <a:solidFill>
+                <a:schemeClr val="tx1"/>
+              </a:solidFill>
+            </a:endParaRPr>
+          </a:p>
+        </p:txBody>
+      </p:sp>
+      <p:sp>
+        <p:nvSpPr>
+          <p:cNvPr id="10" name="矩形 9"/>
+          <p:cNvSpPr/>
+          <p:nvPr/>
+        </p:nvSpPr>
+        <p:spPr>
+          <a:xfrm>
+            <a:off x="1442505" y="3519104"/>
+            <a:ext cx="6243145" cy="457200"/>
+          </a:xfrm>
+          <a:prstGeom prst="rect">
+            <a:avLst/>
+          </a:prstGeom>
+          <a:solidFill>
+            <a:schemeClr val="bg1"/>
+          </a:solidFill>
+          <a:ln w="12700">
+            <a:solidFill>
+              <a:schemeClr val="tx1"/>
+            </a:solidFill>
+          </a:ln>
+          <a:effectLst/>
+        </p:spPr>
+        <p:style>
+          <a:lnRef idx="1">
+            <a:schemeClr val="accent1"/>
+          </a:lnRef>
+          <a:fillRef idx="3">
+            <a:schemeClr val="accent1"/>
+          </a:fillRef>
+          <a:effectRef idx="2">
+            <a:schemeClr val="accent1"/>
+          </a:effectRef>
+          <a:fontRef idx="minor">
+            <a:schemeClr val="lt1"/>
+          </a:fontRef>
+        </p:style>
+        <p:txBody>
+          <a:bodyPr rtlCol="0" anchor="ctr"/>
+          <a:lstStyle/>
+          <a:p>
+            <a:pPr algn="ctr"/>
+            <a:r>
+              <a:rPr lang="zh-CN" altLang="en-US" smtClean="0">
+                <a:solidFill>
+                  <a:schemeClr val="tx1"/>
+                </a:solidFill>
+              </a:rPr>
+              <a:t>计算</a:t>
+            </a:r>
+            <a:r>
+              <a:rPr lang="en-US" altLang="zh-CN" smtClean="0">
+                <a:solidFill>
+                  <a:schemeClr val="tx1"/>
+                </a:solidFill>
+              </a:rPr>
+              <a:t>LP</a:t>
+            </a:r>
+            <a:r>
+              <a:rPr lang="zh-CN" altLang="en-US" smtClean="0">
+                <a:solidFill>
+                  <a:schemeClr val="tx1"/>
+                </a:solidFill>
+              </a:rPr>
+              <a:t>出现在各个</a:t>
+            </a:r>
+            <a:r>
+              <a:rPr lang="en-US" altLang="zh-CN" smtClean="0">
+                <a:solidFill>
+                  <a:schemeClr val="tx1"/>
+                </a:solidFill>
+              </a:rPr>
+              <a:t>Value</a:t>
+            </a:r>
+            <a:r>
+              <a:rPr lang="zh-CN" altLang="en-US" smtClean="0">
+                <a:solidFill>
+                  <a:schemeClr val="tx1"/>
+                </a:solidFill>
+              </a:rPr>
+              <a:t>上的概率，得到概率最大的两个</a:t>
+            </a:r>
+            <a:r>
+              <a:rPr lang="en-US" altLang="zh-CN" smtClean="0">
+                <a:solidFill>
+                  <a:schemeClr val="tx1"/>
+                </a:solidFill>
+              </a:rPr>
+              <a:t>Value</a:t>
+            </a:r>
+            <a:endParaRPr lang="zh-CN" altLang="en-US">
+              <a:solidFill>
+                <a:schemeClr val="tx1"/>
+              </a:solidFill>
+            </a:endParaRPr>
+          </a:p>
+        </p:txBody>
+      </p:sp>
+      <p:sp>
+        <p:nvSpPr>
+          <p:cNvPr id="11" name="矩形 10"/>
+          <p:cNvSpPr/>
+          <p:nvPr/>
+        </p:nvSpPr>
+        <p:spPr>
+          <a:xfrm>
+            <a:off x="1816937" y="4219543"/>
+            <a:ext cx="5494281" cy="457200"/>
+          </a:xfrm>
+          <a:prstGeom prst="rect">
+            <a:avLst/>
+          </a:prstGeom>
+          <a:solidFill>
+            <a:schemeClr val="bg1"/>
+          </a:solidFill>
+          <a:ln w="12700">
+            <a:solidFill>
+              <a:schemeClr val="tx1"/>
+            </a:solidFill>
+          </a:ln>
+          <a:effectLst/>
+        </p:spPr>
+        <p:style>
+          <a:lnRef idx="1">
+            <a:schemeClr val="accent1"/>
+          </a:lnRef>
+          <a:fillRef idx="3">
+            <a:schemeClr val="accent1"/>
+          </a:fillRef>
+          <a:effectRef idx="2">
+            <a:schemeClr val="accent1"/>
+          </a:effectRef>
+          <a:fontRef idx="minor">
+            <a:schemeClr val="lt1"/>
+          </a:fontRef>
+        </p:style>
+        <p:txBody>
+          <a:bodyPr rtlCol="0" anchor="ctr"/>
+          <a:lstStyle/>
+          <a:p>
+            <a:pPr algn="ctr"/>
+            <a:r>
+              <a:rPr lang="zh-CN" altLang="en-US" smtClean="0">
+                <a:solidFill>
+                  <a:schemeClr val="tx1"/>
+                </a:solidFill>
+              </a:rPr>
+              <a:t>将得到的两个</a:t>
+            </a:r>
+            <a:r>
+              <a:rPr lang="en-US" altLang="zh-CN" smtClean="0">
+                <a:solidFill>
+                  <a:schemeClr val="tx1"/>
+                </a:solidFill>
+              </a:rPr>
+              <a:t>Value</a:t>
+            </a:r>
+            <a:r>
+              <a:rPr lang="zh-CN" altLang="en-US" smtClean="0">
+                <a:solidFill>
+                  <a:schemeClr val="tx1"/>
+                </a:solidFill>
+              </a:rPr>
+              <a:t>对应的校准数据输入</a:t>
+            </a:r>
+            <a:r>
+              <a:rPr lang="en-US" altLang="zh-CN" smtClean="0">
+                <a:solidFill>
+                  <a:schemeClr val="tx1"/>
+                </a:solidFill>
+              </a:rPr>
+              <a:t>SVM</a:t>
+            </a:r>
+            <a:r>
+              <a:rPr lang="zh-CN" altLang="en-US" smtClean="0">
+                <a:solidFill>
+                  <a:schemeClr val="tx1"/>
+                </a:solidFill>
+              </a:rPr>
+              <a:t>进行训练</a:t>
+            </a:r>
+            <a:endParaRPr lang="zh-CN" altLang="en-US">
+              <a:solidFill>
+                <a:schemeClr val="tx1"/>
+              </a:solidFill>
+            </a:endParaRPr>
+          </a:p>
+        </p:txBody>
+      </p:sp>
+      <p:sp>
+        <p:nvSpPr>
+          <p:cNvPr id="12" name="矩形 11"/>
+          <p:cNvSpPr/>
+          <p:nvPr/>
+        </p:nvSpPr>
+        <p:spPr>
+          <a:xfrm>
+            <a:off x="1816937" y="4919982"/>
+            <a:ext cx="5494281" cy="457200"/>
+          </a:xfrm>
+          <a:prstGeom prst="rect">
+            <a:avLst/>
+          </a:prstGeom>
+          <a:solidFill>
+            <a:schemeClr val="bg1"/>
+          </a:solidFill>
+          <a:ln w="12700">
+            <a:solidFill>
+              <a:schemeClr val="tx1"/>
+            </a:solidFill>
+          </a:ln>
+          <a:effectLst/>
+        </p:spPr>
+        <p:style>
+          <a:lnRef idx="1">
+            <a:schemeClr val="accent1"/>
+          </a:lnRef>
+          <a:fillRef idx="3">
+            <a:schemeClr val="accent1"/>
+          </a:fillRef>
+          <a:effectRef idx="2">
+            <a:schemeClr val="accent1"/>
+          </a:effectRef>
+          <a:fontRef idx="minor">
+            <a:schemeClr val="lt1"/>
+          </a:fontRef>
+        </p:style>
+        <p:txBody>
+          <a:bodyPr rtlCol="0" anchor="ctr"/>
+          <a:lstStyle/>
+          <a:p>
+            <a:pPr algn="ctr"/>
+            <a:r>
+              <a:rPr lang="zh-CN" altLang="en-US" smtClean="0">
+                <a:solidFill>
+                  <a:schemeClr val="tx1"/>
+                </a:solidFill>
+              </a:rPr>
+              <a:t>将待定位数据输入</a:t>
+            </a:r>
+            <a:r>
+              <a:rPr lang="en-US" altLang="zh-CN" smtClean="0">
+                <a:solidFill>
+                  <a:schemeClr val="tx1"/>
+                </a:solidFill>
+              </a:rPr>
+              <a:t>SVM</a:t>
+            </a:r>
+            <a:r>
+              <a:rPr lang="zh-CN" altLang="en-US" smtClean="0">
+                <a:solidFill>
+                  <a:schemeClr val="tx1"/>
+                </a:solidFill>
+              </a:rPr>
+              <a:t>进行计算，得到最终定位结果</a:t>
+            </a:r>
+            <a:endParaRPr lang="zh-CN" altLang="en-US">
+              <a:solidFill>
+                <a:schemeClr val="tx1"/>
+              </a:solidFill>
+            </a:endParaRPr>
+          </a:p>
+        </p:txBody>
+      </p:sp>
+      <p:cxnSp>
+        <p:nvCxnSpPr>
+          <p:cNvPr id="15" name="直接箭头连接符 14"/>
+          <p:cNvCxnSpPr>
+            <a:stCxn id="6" idx="2"/>
+            <a:endCxn id="7" idx="0"/>
+          </p:cNvCxnSpPr>
+          <p:nvPr/>
+        </p:nvCxnSpPr>
+        <p:spPr>
+          <a:xfrm rot="16200000" flipH="1">
+            <a:off x="4442458" y="1296166"/>
+            <a:ext cx="243239" cy="1"/>
+          </a:xfrm>
+          <a:prstGeom prst="straightConnector1">
+            <a:avLst/>
+          </a:prstGeom>
+          <a:ln>
+            <a:solidFill>
+              <a:schemeClr val="tx1"/>
+            </a:solidFill>
+            <a:tailEnd type="arrow"/>
+          </a:ln>
+          <a:effectLst/>
+        </p:spPr>
+        <p:style>
+          <a:lnRef idx="2">
+            <a:schemeClr val="accent1"/>
+          </a:lnRef>
+          <a:fillRef idx="0">
+            <a:schemeClr val="accent1"/>
+          </a:fillRef>
+          <a:effectRef idx="1">
+            <a:schemeClr val="accent1"/>
+          </a:effectRef>
+          <a:fontRef idx="minor">
+            <a:schemeClr val="tx1"/>
+          </a:fontRef>
+        </p:style>
+      </p:cxnSp>
+      <p:cxnSp>
+        <p:nvCxnSpPr>
+          <p:cNvPr id="16" name="直接箭头连接符 15"/>
+          <p:cNvCxnSpPr/>
+          <p:nvPr/>
+        </p:nvCxnSpPr>
+        <p:spPr>
+          <a:xfrm rot="16200000" flipH="1">
+            <a:off x="4442459" y="1996606"/>
+            <a:ext cx="243239" cy="1"/>
+          </a:xfrm>
+          <a:prstGeom prst="straightConnector1">
+            <a:avLst/>
+          </a:prstGeom>
+          <a:ln>
+            <a:solidFill>
+              <a:schemeClr val="tx1"/>
+            </a:solidFill>
+            <a:tailEnd type="arrow"/>
+          </a:ln>
+          <a:effectLst/>
+        </p:spPr>
+        <p:style>
+          <a:lnRef idx="2">
+            <a:schemeClr val="accent1"/>
+          </a:lnRef>
+          <a:fillRef idx="0">
+            <a:schemeClr val="accent1"/>
+          </a:fillRef>
+          <a:effectRef idx="1">
+            <a:schemeClr val="accent1"/>
+          </a:effectRef>
+          <a:fontRef idx="minor">
+            <a:schemeClr val="tx1"/>
+          </a:fontRef>
+        </p:style>
+      </p:cxnSp>
+      <p:cxnSp>
+        <p:nvCxnSpPr>
+          <p:cNvPr id="17" name="直接箭头连接符 16"/>
+          <p:cNvCxnSpPr/>
+          <p:nvPr/>
+        </p:nvCxnSpPr>
+        <p:spPr>
+          <a:xfrm rot="16200000" flipH="1">
+            <a:off x="4442460" y="2697045"/>
+            <a:ext cx="243239" cy="1"/>
+          </a:xfrm>
+          <a:prstGeom prst="straightConnector1">
+            <a:avLst/>
+          </a:prstGeom>
+          <a:ln>
+            <a:solidFill>
+              <a:schemeClr val="tx1"/>
+            </a:solidFill>
+            <a:tailEnd type="arrow"/>
+          </a:ln>
+          <a:effectLst/>
+        </p:spPr>
+        <p:style>
+          <a:lnRef idx="2">
+            <a:schemeClr val="accent1"/>
+          </a:lnRef>
+          <a:fillRef idx="0">
+            <a:schemeClr val="accent1"/>
+          </a:fillRef>
+          <a:effectRef idx="1">
+            <a:schemeClr val="accent1"/>
+          </a:effectRef>
+          <a:fontRef idx="minor">
+            <a:schemeClr val="tx1"/>
+          </a:fontRef>
+        </p:style>
+      </p:cxnSp>
+      <p:cxnSp>
+        <p:nvCxnSpPr>
+          <p:cNvPr id="18" name="直接箭头连接符 17"/>
+          <p:cNvCxnSpPr/>
+          <p:nvPr/>
+        </p:nvCxnSpPr>
+        <p:spPr>
+          <a:xfrm rot="16200000" flipH="1">
+            <a:off x="4442461" y="3397484"/>
+            <a:ext cx="243239" cy="1"/>
+          </a:xfrm>
+          <a:prstGeom prst="straightConnector1">
+            <a:avLst/>
+          </a:prstGeom>
+          <a:ln>
+            <a:solidFill>
+              <a:schemeClr val="tx1"/>
+            </a:solidFill>
+            <a:tailEnd type="arrow"/>
+          </a:ln>
+          <a:effectLst/>
+        </p:spPr>
+        <p:style>
+          <a:lnRef idx="2">
+            <a:schemeClr val="accent1"/>
+          </a:lnRef>
+          <a:fillRef idx="0">
+            <a:schemeClr val="accent1"/>
+          </a:fillRef>
+          <a:effectRef idx="1">
+            <a:schemeClr val="accent1"/>
+          </a:effectRef>
+          <a:fontRef idx="minor">
+            <a:schemeClr val="tx1"/>
+          </a:fontRef>
+        </p:style>
+      </p:cxnSp>
+      <p:cxnSp>
+        <p:nvCxnSpPr>
+          <p:cNvPr id="19" name="直接箭头连接符 18"/>
+          <p:cNvCxnSpPr/>
+          <p:nvPr/>
+        </p:nvCxnSpPr>
+        <p:spPr>
+          <a:xfrm rot="16200000" flipH="1">
+            <a:off x="4442462" y="4097923"/>
+            <a:ext cx="243239" cy="1"/>
+          </a:xfrm>
+          <a:prstGeom prst="straightConnector1">
+            <a:avLst/>
+          </a:prstGeom>
+          <a:ln>
+            <a:solidFill>
+              <a:schemeClr val="tx1"/>
+            </a:solidFill>
+            <a:tailEnd type="arrow"/>
+          </a:ln>
+          <a:effectLst/>
+        </p:spPr>
+        <p:style>
+          <a:lnRef idx="2">
+            <a:schemeClr val="accent1"/>
+          </a:lnRef>
+          <a:fillRef idx="0">
+            <a:schemeClr val="accent1"/>
+          </a:fillRef>
+          <a:effectRef idx="1">
+            <a:schemeClr val="accent1"/>
+          </a:effectRef>
+          <a:fontRef idx="minor">
+            <a:schemeClr val="tx1"/>
+          </a:fontRef>
+        </p:style>
+      </p:cxnSp>
+      <p:cxnSp>
+        <p:nvCxnSpPr>
+          <p:cNvPr id="20" name="直接箭头连接符 19"/>
+          <p:cNvCxnSpPr/>
+          <p:nvPr/>
+        </p:nvCxnSpPr>
+        <p:spPr>
+          <a:xfrm rot="16200000" flipH="1">
+            <a:off x="4442457" y="4798362"/>
+            <a:ext cx="243239" cy="1"/>
+          </a:xfrm>
+          <a:prstGeom prst="straightConnector1">
+            <a:avLst/>
+          </a:prstGeom>
+          <a:ln>
+            <a:solidFill>
+              <a:schemeClr val="tx1"/>
+            </a:solidFill>
+            <a:tailEnd type="arrow"/>
+          </a:ln>
+          <a:effectLst/>
+        </p:spPr>
+        <p:style>
+          <a:lnRef idx="2">
+            <a:schemeClr val="accent1"/>
+          </a:lnRef>
+          <a:fillRef idx="0">
+            <a:schemeClr val="accent1"/>
+          </a:fillRef>
+          <a:effectRef idx="1">
+            <a:schemeClr val="accent1"/>
+          </a:effectRef>
+          <a:fontRef idx="minor">
+            <a:schemeClr val="tx1"/>
+          </a:fontRef>
+        </p:style>
+      </p:cxnSp>
     </p:spTree>
   </p:cSld>
   <p:clrMapOvr>

--- a/WifiCalibration/ppt.pptx
+++ b/WifiCalibration/ppt.pptx
@@ -345,7 +345,7 @@
     </p:spTree>
     <p:extLst>
       <p:ext uri="{BB962C8B-B14F-4D97-AF65-F5344CB8AC3E}">
-        <p14:creationId xmlns:p14="http://schemas.microsoft.com/office/powerpoint/2010/main" xmlns="" val="1339436113"/>
+        <p14:creationId xmlns="" xmlns:p14="http://schemas.microsoft.com/office/powerpoint/2010/main" val="1339436113"/>
       </p:ext>
     </p:extLst>
   </p:cSld>
@@ -515,7 +515,7 @@
     </p:spTree>
     <p:extLst>
       <p:ext uri="{BB962C8B-B14F-4D97-AF65-F5344CB8AC3E}">
-        <p14:creationId xmlns:p14="http://schemas.microsoft.com/office/powerpoint/2010/main" xmlns="" val="2977337986"/>
+        <p14:creationId xmlns="" xmlns:p14="http://schemas.microsoft.com/office/powerpoint/2010/main" val="2977337986"/>
       </p:ext>
     </p:extLst>
   </p:cSld>
@@ -695,7 +695,7 @@
     </p:spTree>
     <p:extLst>
       <p:ext uri="{BB962C8B-B14F-4D97-AF65-F5344CB8AC3E}">
-        <p14:creationId xmlns:p14="http://schemas.microsoft.com/office/powerpoint/2010/main" xmlns="" val="103099686"/>
+        <p14:creationId xmlns="" xmlns:p14="http://schemas.microsoft.com/office/powerpoint/2010/main" val="103099686"/>
       </p:ext>
     </p:extLst>
   </p:cSld>
@@ -865,7 +865,7 @@
     </p:spTree>
     <p:extLst>
       <p:ext uri="{BB962C8B-B14F-4D97-AF65-F5344CB8AC3E}">
-        <p14:creationId xmlns:p14="http://schemas.microsoft.com/office/powerpoint/2010/main" xmlns="" val="3156888097"/>
+        <p14:creationId xmlns="" xmlns:p14="http://schemas.microsoft.com/office/powerpoint/2010/main" val="3156888097"/>
       </p:ext>
     </p:extLst>
   </p:cSld>
@@ -1112,7 +1112,7 @@
     </p:spTree>
     <p:extLst>
       <p:ext uri="{BB962C8B-B14F-4D97-AF65-F5344CB8AC3E}">
-        <p14:creationId xmlns:p14="http://schemas.microsoft.com/office/powerpoint/2010/main" xmlns="" val="3936039205"/>
+        <p14:creationId xmlns="" xmlns:p14="http://schemas.microsoft.com/office/powerpoint/2010/main" val="3936039205"/>
       </p:ext>
     </p:extLst>
   </p:cSld>
@@ -1399,7 +1399,7 @@
     </p:spTree>
     <p:extLst>
       <p:ext uri="{BB962C8B-B14F-4D97-AF65-F5344CB8AC3E}">
-        <p14:creationId xmlns:p14="http://schemas.microsoft.com/office/powerpoint/2010/main" xmlns="" val="889311518"/>
+        <p14:creationId xmlns="" xmlns:p14="http://schemas.microsoft.com/office/powerpoint/2010/main" val="889311518"/>
       </p:ext>
     </p:extLst>
   </p:cSld>
@@ -1820,7 +1820,7 @@
     </p:spTree>
     <p:extLst>
       <p:ext uri="{BB962C8B-B14F-4D97-AF65-F5344CB8AC3E}">
-        <p14:creationId xmlns:p14="http://schemas.microsoft.com/office/powerpoint/2010/main" xmlns="" val="2558586060"/>
+        <p14:creationId xmlns="" xmlns:p14="http://schemas.microsoft.com/office/powerpoint/2010/main" val="2558586060"/>
       </p:ext>
     </p:extLst>
   </p:cSld>
@@ -1939,7 +1939,7 @@
     </p:spTree>
     <p:extLst>
       <p:ext uri="{BB962C8B-B14F-4D97-AF65-F5344CB8AC3E}">
-        <p14:creationId xmlns:p14="http://schemas.microsoft.com/office/powerpoint/2010/main" xmlns="" val="2911007286"/>
+        <p14:creationId xmlns="" xmlns:p14="http://schemas.microsoft.com/office/powerpoint/2010/main" val="2911007286"/>
       </p:ext>
     </p:extLst>
   </p:cSld>
@@ -2036,7 +2036,7 @@
     </p:spTree>
     <p:extLst>
       <p:ext uri="{BB962C8B-B14F-4D97-AF65-F5344CB8AC3E}">
-        <p14:creationId xmlns:p14="http://schemas.microsoft.com/office/powerpoint/2010/main" xmlns="" val="2213381630"/>
+        <p14:creationId xmlns="" xmlns:p14="http://schemas.microsoft.com/office/powerpoint/2010/main" val="2213381630"/>
       </p:ext>
     </p:extLst>
   </p:cSld>
@@ -2313,7 +2313,7 @@
     </p:spTree>
     <p:extLst>
       <p:ext uri="{BB962C8B-B14F-4D97-AF65-F5344CB8AC3E}">
-        <p14:creationId xmlns:p14="http://schemas.microsoft.com/office/powerpoint/2010/main" xmlns="" val="2669296693"/>
+        <p14:creationId xmlns="" xmlns:p14="http://schemas.microsoft.com/office/powerpoint/2010/main" val="2669296693"/>
       </p:ext>
     </p:extLst>
   </p:cSld>
@@ -2567,7 +2567,7 @@
     </p:spTree>
     <p:extLst>
       <p:ext uri="{BB962C8B-B14F-4D97-AF65-F5344CB8AC3E}">
-        <p14:creationId xmlns:p14="http://schemas.microsoft.com/office/powerpoint/2010/main" xmlns="" val="921560976"/>
+        <p14:creationId xmlns="" xmlns:p14="http://schemas.microsoft.com/office/powerpoint/2010/main" val="921560976"/>
       </p:ext>
     </p:extLst>
   </p:cSld>
@@ -2816,7 +2816,7 @@
     </p:spTree>
     <p:extLst>
       <p:ext uri="{BB962C8B-B14F-4D97-AF65-F5344CB8AC3E}">
-        <p14:creationId xmlns:p14="http://schemas.microsoft.com/office/powerpoint/2010/main" xmlns="" val="772402917"/>
+        <p14:creationId xmlns="" xmlns:p14="http://schemas.microsoft.com/office/powerpoint/2010/main" val="772402917"/>
       </p:ext>
     </p:extLst>
   </p:cSld>
@@ -3487,7 +3487,7 @@
     </p:spTree>
     <p:extLst>
       <p:ext uri="{BB962C8B-B14F-4D97-AF65-F5344CB8AC3E}">
-        <p14:creationId xmlns:p14="http://schemas.microsoft.com/office/powerpoint/2010/main" xmlns="" val="2230234944"/>
+        <p14:creationId xmlns="" xmlns:p14="http://schemas.microsoft.com/office/powerpoint/2010/main" val="2230234944"/>
       </p:ext>
     </p:extLst>
   </p:cSld>
@@ -4805,7 +4805,7 @@
     </p:spTree>
     <p:extLst>
       <p:ext uri="{BB962C8B-B14F-4D97-AF65-F5344CB8AC3E}">
-        <p14:creationId xmlns:p14="http://schemas.microsoft.com/office/powerpoint/2010/main" xmlns="" val="3872163230"/>
+        <p14:creationId xmlns="" xmlns:p14="http://schemas.microsoft.com/office/powerpoint/2010/main" val="3872163230"/>
       </p:ext>
     </p:extLst>
   </p:cSld>
@@ -6205,7 +6205,7 @@
     </p:spTree>
     <p:extLst>
       <p:ext uri="{BB962C8B-B14F-4D97-AF65-F5344CB8AC3E}">
-        <p14:creationId xmlns:p14="http://schemas.microsoft.com/office/powerpoint/2010/main" xmlns="" val="3010439243"/>
+        <p14:creationId xmlns="" xmlns:p14="http://schemas.microsoft.com/office/powerpoint/2010/main" val="3010439243"/>
       </p:ext>
     </p:extLst>
   </p:cSld>
@@ -6241,7 +6241,7 @@
           <p:nvPr>
             <p:extLst>
               <p:ext uri="{D42A27DB-BD31-4B8C-83A1-F6EECF244321}">
-                <p14:modId xmlns:p14="http://schemas.microsoft.com/office/powerpoint/2010/main" xmlns="" val="3670557893"/>
+                <p14:modId xmlns="" xmlns:p14="http://schemas.microsoft.com/office/powerpoint/2010/main" val="3670557893"/>
               </p:ext>
             </p:extLst>
           </p:nvPr>
@@ -9612,7 +9612,7 @@
     </p:spTree>
     <p:extLst>
       <p:ext uri="{BB962C8B-B14F-4D97-AF65-F5344CB8AC3E}">
-        <p14:creationId xmlns:p14="http://schemas.microsoft.com/office/powerpoint/2010/main" xmlns="" val="1675870990"/>
+        <p14:creationId xmlns="" xmlns:p14="http://schemas.microsoft.com/office/powerpoint/2010/main" val="1675870990"/>
       </p:ext>
     </p:extLst>
   </p:cSld>
@@ -9905,7 +9905,7 @@
         </p:nvSpPr>
         <p:spPr>
           <a:xfrm>
-            <a:off x="4590493" y="2435802"/>
+            <a:off x="4590493" y="1458310"/>
             <a:ext cx="2356945" cy="1316421"/>
           </a:xfrm>
           <a:prstGeom prst="rect">
@@ -9983,7 +9983,7 @@
         </p:nvSpPr>
         <p:spPr>
           <a:xfrm>
-            <a:off x="796160" y="2435802"/>
+            <a:off x="796160" y="1458310"/>
             <a:ext cx="3479026" cy="369332"/>
           </a:xfrm>
           <a:prstGeom prst="rect">
@@ -10058,7 +10058,7 @@
         </p:nvCxnSpPr>
         <p:spPr>
           <a:xfrm>
-            <a:off x="796159" y="3342316"/>
+            <a:off x="796159" y="2364824"/>
             <a:ext cx="3794334" cy="1"/>
           </a:xfrm>
           <a:prstGeom prst="straightConnector1">
@@ -10099,7 +10099,7 @@
         </p:nvSpPr>
         <p:spPr>
           <a:xfrm>
-            <a:off x="796160" y="2805134"/>
+            <a:off x="796160" y="1827642"/>
             <a:ext cx="3479026" cy="369332"/>
           </a:xfrm>
           <a:prstGeom prst="rect">
@@ -10174,7 +10174,7 @@
         </p:nvCxnSpPr>
         <p:spPr>
           <a:xfrm rot="16200000" flipH="1">
-            <a:off x="4841338" y="1929951"/>
+            <a:off x="4841338" y="952459"/>
             <a:ext cx="1009022" cy="2678"/>
           </a:xfrm>
           <a:prstGeom prst="straightConnector1">
@@ -10215,8 +10215,8 @@
         </p:nvSpPr>
         <p:spPr>
           <a:xfrm>
-            <a:off x="3734004" y="1057447"/>
-            <a:ext cx="3213434" cy="369332"/>
+            <a:off x="4855779" y="79955"/>
+            <a:ext cx="1008993" cy="369332"/>
           </a:xfrm>
           <a:prstGeom prst="rect">
             <a:avLst/>
@@ -10234,29 +10234,99 @@
           </a:bodyPr>
           <a:lstStyle/>
           <a:p>
+            <a:pPr algn="ctr"/>
+            <a:r>
+              <a:rPr lang="zh-CN" altLang="en-US" smtClean="0"/>
+              <a:t>高斯</a:t>
+            </a:r>
+            <a:r>
+              <a:rPr lang="zh-CN" altLang="en-US" smtClean="0"/>
+              <a:t>核</a:t>
+            </a:r>
+            <a:r>
+              <a:rPr lang="az-Cyrl-AZ" altLang="zh-CN" smtClean="0"/>
+              <a:t>б</a:t>
+            </a:r>
+            <a:endParaRPr lang="zh-CN" altLang="en-US"/>
+          </a:p>
+        </p:txBody>
+      </p:sp>
+      <p:cxnSp>
+        <p:nvCxnSpPr>
+          <p:cNvPr id="13" name="直接箭头连接符 12"/>
+          <p:cNvCxnSpPr/>
+          <p:nvPr/>
+        </p:nvCxnSpPr>
+        <p:spPr>
+          <a:xfrm rot="5400000">
+            <a:off x="3735894" y="3915788"/>
+            <a:ext cx="674032" cy="1"/>
+          </a:xfrm>
+          <a:prstGeom prst="straightConnector1">
+            <a:avLst/>
+          </a:prstGeom>
+          <a:ln w="76200">
+            <a:solidFill>
+              <a:schemeClr val="tx1"/>
+            </a:solidFill>
+            <a:tailEnd type="arrow"/>
+          </a:ln>
+          <a:effectLst>
+            <a:outerShdw blurRad="50800" dist="50800" dir="5400000" algn="ctr" rotWithShape="0">
+              <a:schemeClr val="bg1"/>
+            </a:outerShdw>
+          </a:effectLst>
+        </p:spPr>
+        <p:style>
+          <a:lnRef idx="2">
+            <a:schemeClr val="accent1"/>
+          </a:lnRef>
+          <a:fillRef idx="0">
+            <a:schemeClr val="accent1"/>
+          </a:fillRef>
+          <a:effectRef idx="1">
+            <a:schemeClr val="accent1"/>
+          </a:effectRef>
+          <a:fontRef idx="minor">
+            <a:schemeClr val="tx1"/>
+          </a:fontRef>
+        </p:style>
+      </p:cxnSp>
+      <p:sp>
+        <p:nvSpPr>
+          <p:cNvPr id="15" name="TextBox 14"/>
+          <p:cNvSpPr txBox="1"/>
+          <p:nvPr/>
+        </p:nvSpPr>
+        <p:spPr>
+          <a:xfrm>
+            <a:off x="3455372" y="3209440"/>
+            <a:ext cx="1242750" cy="369332"/>
+          </a:xfrm>
+          <a:prstGeom prst="rect">
+            <a:avLst/>
+          </a:prstGeom>
+          <a:noFill/>
+          <a:effectLst>
+            <a:outerShdw blurRad="50800" dist="50800" dir="5400000" algn="ctr" rotWithShape="0">
+              <a:schemeClr val="bg1"/>
+            </a:outerShdw>
+          </a:effectLst>
+        </p:spPr>
+        <p:txBody>
+          <a:bodyPr wrap="square" rtlCol="0">
+            <a:spAutoFit/>
+          </a:bodyPr>
+          <a:lstStyle/>
+          <a:p>
+            <a:pPr algn="ctr"/>
             <a:r>
               <a:rPr lang="zh-CN" altLang="en-US" smtClean="0"/>
               <a:t>惩罚因子</a:t>
             </a:r>
             <a:r>
               <a:rPr lang="en-US" altLang="zh-CN" smtClean="0"/>
-              <a:t>(</a:t>
-            </a:r>
-            <a:r>
-              <a:rPr lang="zh-CN" altLang="en-US" smtClean="0"/>
-              <a:t>平滑参数</a:t>
-            </a:r>
-            <a:r>
-              <a:rPr lang="en-US" altLang="zh-CN" smtClean="0"/>
-              <a:t>)C, </a:t>
-            </a:r>
-            <a:r>
-              <a:rPr lang="zh-CN" altLang="en-US" smtClean="0"/>
-              <a:t>高斯核</a:t>
-            </a:r>
-            <a:r>
-              <a:rPr lang="az-Cyrl-AZ" altLang="zh-CN" smtClean="0"/>
-              <a:t>б</a:t>
+              <a:t>C</a:t>
             </a:r>
             <a:endParaRPr lang="zh-CN" altLang="en-US"/>
           </a:p>

--- a/WifiCalibration/ppt.pptx
+++ b/WifiCalibration/ppt.pptx
@@ -12,6 +12,13 @@
     <p:sldId id="260" r:id="rId6"/>
     <p:sldId id="261" r:id="rId7"/>
     <p:sldId id="262" r:id="rId8"/>
+    <p:sldId id="263" r:id="rId9"/>
+    <p:sldId id="264" r:id="rId10"/>
+    <p:sldId id="265" r:id="rId11"/>
+    <p:sldId id="266" r:id="rId12"/>
+    <p:sldId id="267" r:id="rId13"/>
+    <p:sldId id="268" r:id="rId14"/>
+    <p:sldId id="269" r:id="rId15"/>
   </p:sldIdLst>
   <p:sldSz cx="9144000" cy="6858000" type="screen4x3"/>
   <p:notesSz cx="6858000" cy="9144000"/>
@@ -345,7 +352,7 @@
     </p:spTree>
     <p:extLst>
       <p:ext uri="{BB962C8B-B14F-4D97-AF65-F5344CB8AC3E}">
-        <p14:creationId xmlns="" xmlns:p14="http://schemas.microsoft.com/office/powerpoint/2010/main" val="1339436113"/>
+        <p14:creationId xmlns:p14="http://schemas.microsoft.com/office/powerpoint/2010/main" xmlns="" val="1339436113"/>
       </p:ext>
     </p:extLst>
   </p:cSld>
@@ -515,7 +522,7 @@
     </p:spTree>
     <p:extLst>
       <p:ext uri="{BB962C8B-B14F-4D97-AF65-F5344CB8AC3E}">
-        <p14:creationId xmlns="" xmlns:p14="http://schemas.microsoft.com/office/powerpoint/2010/main" val="2977337986"/>
+        <p14:creationId xmlns:p14="http://schemas.microsoft.com/office/powerpoint/2010/main" xmlns="" val="2977337986"/>
       </p:ext>
     </p:extLst>
   </p:cSld>
@@ -695,7 +702,7 @@
     </p:spTree>
     <p:extLst>
       <p:ext uri="{BB962C8B-B14F-4D97-AF65-F5344CB8AC3E}">
-        <p14:creationId xmlns="" xmlns:p14="http://schemas.microsoft.com/office/powerpoint/2010/main" val="103099686"/>
+        <p14:creationId xmlns:p14="http://schemas.microsoft.com/office/powerpoint/2010/main" xmlns="" val="103099686"/>
       </p:ext>
     </p:extLst>
   </p:cSld>
@@ -865,7 +872,7 @@
     </p:spTree>
     <p:extLst>
       <p:ext uri="{BB962C8B-B14F-4D97-AF65-F5344CB8AC3E}">
-        <p14:creationId xmlns="" xmlns:p14="http://schemas.microsoft.com/office/powerpoint/2010/main" val="3156888097"/>
+        <p14:creationId xmlns:p14="http://schemas.microsoft.com/office/powerpoint/2010/main" xmlns="" val="3156888097"/>
       </p:ext>
     </p:extLst>
   </p:cSld>
@@ -1112,7 +1119,7 @@
     </p:spTree>
     <p:extLst>
       <p:ext uri="{BB962C8B-B14F-4D97-AF65-F5344CB8AC3E}">
-        <p14:creationId xmlns="" xmlns:p14="http://schemas.microsoft.com/office/powerpoint/2010/main" val="3936039205"/>
+        <p14:creationId xmlns:p14="http://schemas.microsoft.com/office/powerpoint/2010/main" xmlns="" val="3936039205"/>
       </p:ext>
     </p:extLst>
   </p:cSld>
@@ -1399,7 +1406,7 @@
     </p:spTree>
     <p:extLst>
       <p:ext uri="{BB962C8B-B14F-4D97-AF65-F5344CB8AC3E}">
-        <p14:creationId xmlns="" xmlns:p14="http://schemas.microsoft.com/office/powerpoint/2010/main" val="889311518"/>
+        <p14:creationId xmlns:p14="http://schemas.microsoft.com/office/powerpoint/2010/main" xmlns="" val="889311518"/>
       </p:ext>
     </p:extLst>
   </p:cSld>
@@ -1820,7 +1827,7 @@
     </p:spTree>
     <p:extLst>
       <p:ext uri="{BB962C8B-B14F-4D97-AF65-F5344CB8AC3E}">
-        <p14:creationId xmlns="" xmlns:p14="http://schemas.microsoft.com/office/powerpoint/2010/main" val="2558586060"/>
+        <p14:creationId xmlns:p14="http://schemas.microsoft.com/office/powerpoint/2010/main" xmlns="" val="2558586060"/>
       </p:ext>
     </p:extLst>
   </p:cSld>
@@ -1939,7 +1946,7 @@
     </p:spTree>
     <p:extLst>
       <p:ext uri="{BB962C8B-B14F-4D97-AF65-F5344CB8AC3E}">
-        <p14:creationId xmlns="" xmlns:p14="http://schemas.microsoft.com/office/powerpoint/2010/main" val="2911007286"/>
+        <p14:creationId xmlns:p14="http://schemas.microsoft.com/office/powerpoint/2010/main" xmlns="" val="2911007286"/>
       </p:ext>
     </p:extLst>
   </p:cSld>
@@ -2036,7 +2043,7 @@
     </p:spTree>
     <p:extLst>
       <p:ext uri="{BB962C8B-B14F-4D97-AF65-F5344CB8AC3E}">
-        <p14:creationId xmlns="" xmlns:p14="http://schemas.microsoft.com/office/powerpoint/2010/main" val="2213381630"/>
+        <p14:creationId xmlns:p14="http://schemas.microsoft.com/office/powerpoint/2010/main" xmlns="" val="2213381630"/>
       </p:ext>
     </p:extLst>
   </p:cSld>
@@ -2313,7 +2320,7 @@
     </p:spTree>
     <p:extLst>
       <p:ext uri="{BB962C8B-B14F-4D97-AF65-F5344CB8AC3E}">
-        <p14:creationId xmlns="" xmlns:p14="http://schemas.microsoft.com/office/powerpoint/2010/main" val="2669296693"/>
+        <p14:creationId xmlns:p14="http://schemas.microsoft.com/office/powerpoint/2010/main" xmlns="" val="2669296693"/>
       </p:ext>
     </p:extLst>
   </p:cSld>
@@ -2567,7 +2574,7 @@
     </p:spTree>
     <p:extLst>
       <p:ext uri="{BB962C8B-B14F-4D97-AF65-F5344CB8AC3E}">
-        <p14:creationId xmlns="" xmlns:p14="http://schemas.microsoft.com/office/powerpoint/2010/main" val="921560976"/>
+        <p14:creationId xmlns:p14="http://schemas.microsoft.com/office/powerpoint/2010/main" xmlns="" val="921560976"/>
       </p:ext>
     </p:extLst>
   </p:cSld>
@@ -2816,7 +2823,7 @@
     </p:spTree>
     <p:extLst>
       <p:ext uri="{BB962C8B-B14F-4D97-AF65-F5344CB8AC3E}">
-        <p14:creationId xmlns="" xmlns:p14="http://schemas.microsoft.com/office/powerpoint/2010/main" val="772402917"/>
+        <p14:creationId xmlns:p14="http://schemas.microsoft.com/office/powerpoint/2010/main" xmlns="" val="772402917"/>
       </p:ext>
     </p:extLst>
   </p:cSld>
@@ -3487,9 +3494,6705 @@
     </p:spTree>
     <p:extLst>
       <p:ext uri="{BB962C8B-B14F-4D97-AF65-F5344CB8AC3E}">
-        <p14:creationId xmlns="" xmlns:p14="http://schemas.microsoft.com/office/powerpoint/2010/main" val="2230234944"/>
+        <p14:creationId xmlns:p14="http://schemas.microsoft.com/office/powerpoint/2010/main" xmlns="" val="2230234944"/>
       </p:ext>
     </p:extLst>
+  </p:cSld>
+  <p:clrMapOvr>
+    <a:masterClrMapping/>
+  </p:clrMapOvr>
+</p:sld>
+</file>
+
+<file path=ppt/slides/slide10.xml><?xml version="1.0" encoding="utf-8"?>
+<p:sld xmlns:a="http://schemas.openxmlformats.org/drawingml/2006/main" xmlns:r="http://schemas.openxmlformats.org/officeDocument/2006/relationships" xmlns:p="http://schemas.openxmlformats.org/presentationml/2006/main">
+  <p:cSld>
+    <p:spTree>
+      <p:nvGrpSpPr>
+        <p:cNvPr id="1" name=""/>
+        <p:cNvGrpSpPr/>
+        <p:nvPr/>
+      </p:nvGrpSpPr>
+      <p:grpSpPr>
+        <a:xfrm>
+          <a:off x="0" y="0"/>
+          <a:ext cx="0" cy="0"/>
+          <a:chOff x="0" y="0"/>
+          <a:chExt cx="0" cy="0"/>
+        </a:xfrm>
+      </p:grpSpPr>
+      <p:sp>
+        <p:nvSpPr>
+          <p:cNvPr id="4" name="矩形 3"/>
+          <p:cNvSpPr/>
+          <p:nvPr/>
+        </p:nvSpPr>
+        <p:spPr>
+          <a:xfrm>
+            <a:off x="1395248" y="677917"/>
+            <a:ext cx="6164318" cy="4895193"/>
+          </a:xfrm>
+          <a:prstGeom prst="rect">
+            <a:avLst/>
+          </a:prstGeom>
+          <a:noFill/>
+          <a:ln w="12700">
+            <a:solidFill>
+              <a:schemeClr val="tx1"/>
+            </a:solidFill>
+            <a:prstDash val="solid"/>
+          </a:ln>
+          <a:effectLst/>
+        </p:spPr>
+        <p:style>
+          <a:lnRef idx="1">
+            <a:schemeClr val="accent1"/>
+          </a:lnRef>
+          <a:fillRef idx="3">
+            <a:schemeClr val="accent1"/>
+          </a:fillRef>
+          <a:effectRef idx="2">
+            <a:schemeClr val="accent1"/>
+          </a:effectRef>
+          <a:fontRef idx="minor">
+            <a:schemeClr val="lt1"/>
+          </a:fontRef>
+        </p:style>
+        <p:txBody>
+          <a:bodyPr rtlCol="0" anchor="ctr"/>
+          <a:lstStyle/>
+          <a:p>
+            <a:pPr algn="ctr"/>
+            <a:endParaRPr lang="zh-CN" altLang="en-US"/>
+          </a:p>
+        </p:txBody>
+      </p:sp>
+      <p:sp>
+        <p:nvSpPr>
+          <p:cNvPr id="35" name="椭圆 34"/>
+          <p:cNvSpPr/>
+          <p:nvPr/>
+        </p:nvSpPr>
+        <p:spPr>
+          <a:xfrm>
+            <a:off x="1440516" y="784331"/>
+            <a:ext cx="496800" cy="496614"/>
+          </a:xfrm>
+          <a:prstGeom prst="ellipse">
+            <a:avLst/>
+          </a:prstGeom>
+          <a:gradFill flip="none" rotWithShape="1">
+            <a:gsLst>
+              <a:gs pos="0">
+                <a:schemeClr val="tx1">
+                  <a:alpha val="90000"/>
+                </a:schemeClr>
+              </a:gs>
+              <a:gs pos="100000">
+                <a:schemeClr val="bg1"/>
+              </a:gs>
+            </a:gsLst>
+            <a:path path="shape">
+              <a:fillToRect l="50000" t="50000" r="50000" b="50000"/>
+            </a:path>
+            <a:tileRect/>
+          </a:gradFill>
+          <a:ln w="0">
+            <a:noFill/>
+            <a:prstDash val="sysDot"/>
+          </a:ln>
+          <a:effectLst/>
+        </p:spPr>
+        <p:style>
+          <a:lnRef idx="1">
+            <a:schemeClr val="accent1"/>
+          </a:lnRef>
+          <a:fillRef idx="3">
+            <a:schemeClr val="accent1"/>
+          </a:fillRef>
+          <a:effectRef idx="2">
+            <a:schemeClr val="accent1"/>
+          </a:effectRef>
+          <a:fontRef idx="minor">
+            <a:schemeClr val="lt1"/>
+          </a:fontRef>
+        </p:style>
+        <p:txBody>
+          <a:bodyPr rtlCol="0" anchor="ctr"/>
+          <a:lstStyle/>
+          <a:p>
+            <a:pPr algn="ctr"/>
+            <a:endParaRPr lang="zh-CN" altLang="en-US"/>
+          </a:p>
+        </p:txBody>
+      </p:sp>
+      <p:sp>
+        <p:nvSpPr>
+          <p:cNvPr id="36" name="椭圆 35"/>
+          <p:cNvSpPr/>
+          <p:nvPr/>
+        </p:nvSpPr>
+        <p:spPr>
+          <a:xfrm>
+            <a:off x="1440516" y="1618062"/>
+            <a:ext cx="496800" cy="496614"/>
+          </a:xfrm>
+          <a:prstGeom prst="ellipse">
+            <a:avLst/>
+          </a:prstGeom>
+          <a:gradFill flip="none" rotWithShape="1">
+            <a:gsLst>
+              <a:gs pos="0">
+                <a:schemeClr val="tx1">
+                  <a:alpha val="90000"/>
+                </a:schemeClr>
+              </a:gs>
+              <a:gs pos="100000">
+                <a:schemeClr val="bg1"/>
+              </a:gs>
+            </a:gsLst>
+            <a:path path="shape">
+              <a:fillToRect l="50000" t="50000" r="50000" b="50000"/>
+            </a:path>
+            <a:tileRect/>
+          </a:gradFill>
+          <a:ln w="0">
+            <a:noFill/>
+            <a:prstDash val="sysDot"/>
+          </a:ln>
+          <a:effectLst/>
+        </p:spPr>
+        <p:style>
+          <a:lnRef idx="1">
+            <a:schemeClr val="accent1"/>
+          </a:lnRef>
+          <a:fillRef idx="3">
+            <a:schemeClr val="accent1"/>
+          </a:fillRef>
+          <a:effectRef idx="2">
+            <a:schemeClr val="accent1"/>
+          </a:effectRef>
+          <a:fontRef idx="minor">
+            <a:schemeClr val="lt1"/>
+          </a:fontRef>
+        </p:style>
+        <p:txBody>
+          <a:bodyPr rtlCol="0" anchor="ctr"/>
+          <a:lstStyle/>
+          <a:p>
+            <a:pPr algn="ctr"/>
+            <a:endParaRPr lang="zh-CN" altLang="en-US"/>
+          </a:p>
+        </p:txBody>
+      </p:sp>
+      <p:sp>
+        <p:nvSpPr>
+          <p:cNvPr id="37" name="椭圆 36"/>
+          <p:cNvSpPr/>
+          <p:nvPr/>
+        </p:nvSpPr>
+        <p:spPr>
+          <a:xfrm>
+            <a:off x="1440516" y="2451793"/>
+            <a:ext cx="496800" cy="496614"/>
+          </a:xfrm>
+          <a:prstGeom prst="ellipse">
+            <a:avLst/>
+          </a:prstGeom>
+          <a:gradFill flip="none" rotWithShape="1">
+            <a:gsLst>
+              <a:gs pos="0">
+                <a:schemeClr val="tx1">
+                  <a:alpha val="90000"/>
+                </a:schemeClr>
+              </a:gs>
+              <a:gs pos="100000">
+                <a:schemeClr val="bg1"/>
+              </a:gs>
+            </a:gsLst>
+            <a:path path="shape">
+              <a:fillToRect l="50000" t="50000" r="50000" b="50000"/>
+            </a:path>
+            <a:tileRect/>
+          </a:gradFill>
+          <a:ln w="0">
+            <a:noFill/>
+            <a:prstDash val="sysDot"/>
+          </a:ln>
+          <a:effectLst/>
+        </p:spPr>
+        <p:style>
+          <a:lnRef idx="1">
+            <a:schemeClr val="accent1"/>
+          </a:lnRef>
+          <a:fillRef idx="3">
+            <a:schemeClr val="accent1"/>
+          </a:fillRef>
+          <a:effectRef idx="2">
+            <a:schemeClr val="accent1"/>
+          </a:effectRef>
+          <a:fontRef idx="minor">
+            <a:schemeClr val="lt1"/>
+          </a:fontRef>
+        </p:style>
+        <p:txBody>
+          <a:bodyPr rtlCol="0" anchor="ctr"/>
+          <a:lstStyle/>
+          <a:p>
+            <a:pPr algn="ctr"/>
+            <a:endParaRPr lang="zh-CN" altLang="en-US"/>
+          </a:p>
+        </p:txBody>
+      </p:sp>
+      <p:sp>
+        <p:nvSpPr>
+          <p:cNvPr id="38" name="椭圆 37"/>
+          <p:cNvSpPr/>
+          <p:nvPr/>
+        </p:nvSpPr>
+        <p:spPr>
+          <a:xfrm>
+            <a:off x="1440516" y="3285524"/>
+            <a:ext cx="496800" cy="496614"/>
+          </a:xfrm>
+          <a:prstGeom prst="ellipse">
+            <a:avLst/>
+          </a:prstGeom>
+          <a:gradFill flip="none" rotWithShape="1">
+            <a:gsLst>
+              <a:gs pos="0">
+                <a:schemeClr val="tx1">
+                  <a:alpha val="90000"/>
+                </a:schemeClr>
+              </a:gs>
+              <a:gs pos="100000">
+                <a:schemeClr val="bg1"/>
+              </a:gs>
+            </a:gsLst>
+            <a:path path="shape">
+              <a:fillToRect l="50000" t="50000" r="50000" b="50000"/>
+            </a:path>
+            <a:tileRect/>
+          </a:gradFill>
+          <a:ln w="0">
+            <a:noFill/>
+            <a:prstDash val="sysDot"/>
+          </a:ln>
+          <a:effectLst/>
+        </p:spPr>
+        <p:style>
+          <a:lnRef idx="1">
+            <a:schemeClr val="accent1"/>
+          </a:lnRef>
+          <a:fillRef idx="3">
+            <a:schemeClr val="accent1"/>
+          </a:fillRef>
+          <a:effectRef idx="2">
+            <a:schemeClr val="accent1"/>
+          </a:effectRef>
+          <a:fontRef idx="minor">
+            <a:schemeClr val="lt1"/>
+          </a:fontRef>
+        </p:style>
+        <p:txBody>
+          <a:bodyPr rtlCol="0" anchor="ctr"/>
+          <a:lstStyle/>
+          <a:p>
+            <a:pPr algn="ctr"/>
+            <a:endParaRPr lang="zh-CN" altLang="en-US"/>
+          </a:p>
+        </p:txBody>
+      </p:sp>
+      <p:sp>
+        <p:nvSpPr>
+          <p:cNvPr id="39" name="椭圆 38"/>
+          <p:cNvSpPr/>
+          <p:nvPr/>
+        </p:nvSpPr>
+        <p:spPr>
+          <a:xfrm>
+            <a:off x="1440516" y="4119255"/>
+            <a:ext cx="496800" cy="496614"/>
+          </a:xfrm>
+          <a:prstGeom prst="ellipse">
+            <a:avLst/>
+          </a:prstGeom>
+          <a:gradFill flip="none" rotWithShape="1">
+            <a:gsLst>
+              <a:gs pos="0">
+                <a:schemeClr val="tx1">
+                  <a:alpha val="90000"/>
+                </a:schemeClr>
+              </a:gs>
+              <a:gs pos="100000">
+                <a:schemeClr val="bg1"/>
+              </a:gs>
+            </a:gsLst>
+            <a:path path="shape">
+              <a:fillToRect l="50000" t="50000" r="50000" b="50000"/>
+            </a:path>
+            <a:tileRect/>
+          </a:gradFill>
+          <a:ln w="0">
+            <a:noFill/>
+            <a:prstDash val="sysDot"/>
+          </a:ln>
+          <a:effectLst/>
+        </p:spPr>
+        <p:style>
+          <a:lnRef idx="1">
+            <a:schemeClr val="accent1"/>
+          </a:lnRef>
+          <a:fillRef idx="3">
+            <a:schemeClr val="accent1"/>
+          </a:fillRef>
+          <a:effectRef idx="2">
+            <a:schemeClr val="accent1"/>
+          </a:effectRef>
+          <a:fontRef idx="minor">
+            <a:schemeClr val="lt1"/>
+          </a:fontRef>
+        </p:style>
+        <p:txBody>
+          <a:bodyPr rtlCol="0" anchor="ctr"/>
+          <a:lstStyle/>
+          <a:p>
+            <a:pPr algn="ctr"/>
+            <a:endParaRPr lang="zh-CN" altLang="en-US"/>
+          </a:p>
+        </p:txBody>
+      </p:sp>
+      <p:sp>
+        <p:nvSpPr>
+          <p:cNvPr id="40" name="椭圆 39"/>
+          <p:cNvSpPr/>
+          <p:nvPr/>
+        </p:nvSpPr>
+        <p:spPr>
+          <a:xfrm>
+            <a:off x="1440516" y="4952987"/>
+            <a:ext cx="496800" cy="496614"/>
+          </a:xfrm>
+          <a:prstGeom prst="ellipse">
+            <a:avLst/>
+          </a:prstGeom>
+          <a:gradFill flip="none" rotWithShape="1">
+            <a:gsLst>
+              <a:gs pos="0">
+                <a:schemeClr val="tx1">
+                  <a:alpha val="90000"/>
+                </a:schemeClr>
+              </a:gs>
+              <a:gs pos="100000">
+                <a:schemeClr val="bg1"/>
+              </a:gs>
+            </a:gsLst>
+            <a:path path="shape">
+              <a:fillToRect l="50000" t="50000" r="50000" b="50000"/>
+            </a:path>
+            <a:tileRect/>
+          </a:gradFill>
+          <a:ln w="0">
+            <a:noFill/>
+            <a:prstDash val="sysDot"/>
+          </a:ln>
+          <a:effectLst/>
+        </p:spPr>
+        <p:style>
+          <a:lnRef idx="1">
+            <a:schemeClr val="accent1"/>
+          </a:lnRef>
+          <a:fillRef idx="3">
+            <a:schemeClr val="accent1"/>
+          </a:fillRef>
+          <a:effectRef idx="2">
+            <a:schemeClr val="accent1"/>
+          </a:effectRef>
+          <a:fontRef idx="minor">
+            <a:schemeClr val="lt1"/>
+          </a:fontRef>
+        </p:style>
+        <p:txBody>
+          <a:bodyPr rtlCol="0" anchor="ctr"/>
+          <a:lstStyle/>
+          <a:p>
+            <a:pPr algn="ctr"/>
+            <a:endParaRPr lang="zh-CN" altLang="en-US"/>
+          </a:p>
+        </p:txBody>
+      </p:sp>
+      <p:sp>
+        <p:nvSpPr>
+          <p:cNvPr id="41" name="椭圆 40"/>
+          <p:cNvSpPr/>
+          <p:nvPr/>
+        </p:nvSpPr>
+        <p:spPr>
+          <a:xfrm>
+            <a:off x="2221601" y="784331"/>
+            <a:ext cx="496800" cy="496614"/>
+          </a:xfrm>
+          <a:prstGeom prst="ellipse">
+            <a:avLst/>
+          </a:prstGeom>
+          <a:gradFill flip="none" rotWithShape="1">
+            <a:gsLst>
+              <a:gs pos="0">
+                <a:schemeClr val="tx1">
+                  <a:alpha val="90000"/>
+                </a:schemeClr>
+              </a:gs>
+              <a:gs pos="100000">
+                <a:schemeClr val="bg1"/>
+              </a:gs>
+            </a:gsLst>
+            <a:path path="shape">
+              <a:fillToRect l="50000" t="50000" r="50000" b="50000"/>
+            </a:path>
+            <a:tileRect/>
+          </a:gradFill>
+          <a:ln w="0">
+            <a:noFill/>
+            <a:prstDash val="sysDot"/>
+          </a:ln>
+          <a:effectLst/>
+        </p:spPr>
+        <p:style>
+          <a:lnRef idx="1">
+            <a:schemeClr val="accent1"/>
+          </a:lnRef>
+          <a:fillRef idx="3">
+            <a:schemeClr val="accent1"/>
+          </a:fillRef>
+          <a:effectRef idx="2">
+            <a:schemeClr val="accent1"/>
+          </a:effectRef>
+          <a:fontRef idx="minor">
+            <a:schemeClr val="lt1"/>
+          </a:fontRef>
+        </p:style>
+        <p:txBody>
+          <a:bodyPr rtlCol="0" anchor="ctr"/>
+          <a:lstStyle/>
+          <a:p>
+            <a:pPr algn="ctr"/>
+            <a:endParaRPr lang="zh-CN" altLang="en-US"/>
+          </a:p>
+        </p:txBody>
+      </p:sp>
+      <p:sp>
+        <p:nvSpPr>
+          <p:cNvPr id="42" name="椭圆 41"/>
+          <p:cNvSpPr/>
+          <p:nvPr/>
+        </p:nvSpPr>
+        <p:spPr>
+          <a:xfrm>
+            <a:off x="2221601" y="1618062"/>
+            <a:ext cx="496800" cy="496614"/>
+          </a:xfrm>
+          <a:prstGeom prst="ellipse">
+            <a:avLst/>
+          </a:prstGeom>
+          <a:gradFill flip="none" rotWithShape="1">
+            <a:gsLst>
+              <a:gs pos="0">
+                <a:schemeClr val="tx1">
+                  <a:alpha val="90000"/>
+                </a:schemeClr>
+              </a:gs>
+              <a:gs pos="100000">
+                <a:schemeClr val="bg1"/>
+              </a:gs>
+            </a:gsLst>
+            <a:path path="shape">
+              <a:fillToRect l="50000" t="50000" r="50000" b="50000"/>
+            </a:path>
+            <a:tileRect/>
+          </a:gradFill>
+          <a:ln w="0">
+            <a:noFill/>
+            <a:prstDash val="sysDot"/>
+          </a:ln>
+          <a:effectLst/>
+        </p:spPr>
+        <p:style>
+          <a:lnRef idx="1">
+            <a:schemeClr val="accent1"/>
+          </a:lnRef>
+          <a:fillRef idx="3">
+            <a:schemeClr val="accent1"/>
+          </a:fillRef>
+          <a:effectRef idx="2">
+            <a:schemeClr val="accent1"/>
+          </a:effectRef>
+          <a:fontRef idx="minor">
+            <a:schemeClr val="lt1"/>
+          </a:fontRef>
+        </p:style>
+        <p:txBody>
+          <a:bodyPr rtlCol="0" anchor="ctr"/>
+          <a:lstStyle/>
+          <a:p>
+            <a:pPr algn="ctr"/>
+            <a:endParaRPr lang="zh-CN" altLang="en-US"/>
+          </a:p>
+        </p:txBody>
+      </p:sp>
+      <p:sp>
+        <p:nvSpPr>
+          <p:cNvPr id="43" name="椭圆 42"/>
+          <p:cNvSpPr/>
+          <p:nvPr/>
+        </p:nvSpPr>
+        <p:spPr>
+          <a:xfrm>
+            <a:off x="2221601" y="2451793"/>
+            <a:ext cx="496800" cy="496614"/>
+          </a:xfrm>
+          <a:prstGeom prst="ellipse">
+            <a:avLst/>
+          </a:prstGeom>
+          <a:gradFill flip="none" rotWithShape="1">
+            <a:gsLst>
+              <a:gs pos="0">
+                <a:schemeClr val="tx1">
+                  <a:alpha val="90000"/>
+                </a:schemeClr>
+              </a:gs>
+              <a:gs pos="100000">
+                <a:schemeClr val="bg1"/>
+              </a:gs>
+            </a:gsLst>
+            <a:path path="shape">
+              <a:fillToRect l="50000" t="50000" r="50000" b="50000"/>
+            </a:path>
+            <a:tileRect/>
+          </a:gradFill>
+          <a:ln w="0">
+            <a:noFill/>
+            <a:prstDash val="sysDot"/>
+          </a:ln>
+          <a:effectLst/>
+        </p:spPr>
+        <p:style>
+          <a:lnRef idx="1">
+            <a:schemeClr val="accent1"/>
+          </a:lnRef>
+          <a:fillRef idx="3">
+            <a:schemeClr val="accent1"/>
+          </a:fillRef>
+          <a:effectRef idx="2">
+            <a:schemeClr val="accent1"/>
+          </a:effectRef>
+          <a:fontRef idx="minor">
+            <a:schemeClr val="lt1"/>
+          </a:fontRef>
+        </p:style>
+        <p:txBody>
+          <a:bodyPr rtlCol="0" anchor="ctr"/>
+          <a:lstStyle/>
+          <a:p>
+            <a:pPr algn="ctr"/>
+            <a:endParaRPr lang="zh-CN" altLang="en-US"/>
+          </a:p>
+        </p:txBody>
+      </p:sp>
+      <p:sp>
+        <p:nvSpPr>
+          <p:cNvPr id="44" name="椭圆 43"/>
+          <p:cNvSpPr/>
+          <p:nvPr/>
+        </p:nvSpPr>
+        <p:spPr>
+          <a:xfrm>
+            <a:off x="2221601" y="3285524"/>
+            <a:ext cx="496800" cy="496614"/>
+          </a:xfrm>
+          <a:prstGeom prst="ellipse">
+            <a:avLst/>
+          </a:prstGeom>
+          <a:gradFill flip="none" rotWithShape="1">
+            <a:gsLst>
+              <a:gs pos="0">
+                <a:schemeClr val="tx1">
+                  <a:alpha val="90000"/>
+                </a:schemeClr>
+              </a:gs>
+              <a:gs pos="100000">
+                <a:schemeClr val="bg1"/>
+              </a:gs>
+            </a:gsLst>
+            <a:path path="shape">
+              <a:fillToRect l="50000" t="50000" r="50000" b="50000"/>
+            </a:path>
+            <a:tileRect/>
+          </a:gradFill>
+          <a:ln w="0">
+            <a:noFill/>
+            <a:prstDash val="sysDot"/>
+          </a:ln>
+          <a:effectLst/>
+        </p:spPr>
+        <p:style>
+          <a:lnRef idx="1">
+            <a:schemeClr val="accent1"/>
+          </a:lnRef>
+          <a:fillRef idx="3">
+            <a:schemeClr val="accent1"/>
+          </a:fillRef>
+          <a:effectRef idx="2">
+            <a:schemeClr val="accent1"/>
+          </a:effectRef>
+          <a:fontRef idx="minor">
+            <a:schemeClr val="lt1"/>
+          </a:fontRef>
+        </p:style>
+        <p:txBody>
+          <a:bodyPr rtlCol="0" anchor="ctr"/>
+          <a:lstStyle/>
+          <a:p>
+            <a:pPr algn="ctr"/>
+            <a:endParaRPr lang="zh-CN" altLang="en-US"/>
+          </a:p>
+        </p:txBody>
+      </p:sp>
+      <p:sp>
+        <p:nvSpPr>
+          <p:cNvPr id="45" name="椭圆 44"/>
+          <p:cNvSpPr/>
+          <p:nvPr/>
+        </p:nvSpPr>
+        <p:spPr>
+          <a:xfrm>
+            <a:off x="2221601" y="4119255"/>
+            <a:ext cx="496800" cy="496614"/>
+          </a:xfrm>
+          <a:prstGeom prst="ellipse">
+            <a:avLst/>
+          </a:prstGeom>
+          <a:gradFill flip="none" rotWithShape="1">
+            <a:gsLst>
+              <a:gs pos="0">
+                <a:schemeClr val="tx1">
+                  <a:alpha val="90000"/>
+                </a:schemeClr>
+              </a:gs>
+              <a:gs pos="100000">
+                <a:schemeClr val="bg1"/>
+              </a:gs>
+            </a:gsLst>
+            <a:path path="shape">
+              <a:fillToRect l="50000" t="50000" r="50000" b="50000"/>
+            </a:path>
+            <a:tileRect/>
+          </a:gradFill>
+          <a:ln w="0">
+            <a:noFill/>
+            <a:prstDash val="sysDot"/>
+          </a:ln>
+          <a:effectLst/>
+        </p:spPr>
+        <p:style>
+          <a:lnRef idx="1">
+            <a:schemeClr val="accent1"/>
+          </a:lnRef>
+          <a:fillRef idx="3">
+            <a:schemeClr val="accent1"/>
+          </a:fillRef>
+          <a:effectRef idx="2">
+            <a:schemeClr val="accent1"/>
+          </a:effectRef>
+          <a:fontRef idx="minor">
+            <a:schemeClr val="lt1"/>
+          </a:fontRef>
+        </p:style>
+        <p:txBody>
+          <a:bodyPr rtlCol="0" anchor="ctr"/>
+          <a:lstStyle/>
+          <a:p>
+            <a:pPr algn="ctr"/>
+            <a:endParaRPr lang="zh-CN" altLang="en-US"/>
+          </a:p>
+        </p:txBody>
+      </p:sp>
+      <p:sp>
+        <p:nvSpPr>
+          <p:cNvPr id="46" name="椭圆 45"/>
+          <p:cNvSpPr/>
+          <p:nvPr/>
+        </p:nvSpPr>
+        <p:spPr>
+          <a:xfrm>
+            <a:off x="2221601" y="4952987"/>
+            <a:ext cx="496800" cy="496614"/>
+          </a:xfrm>
+          <a:prstGeom prst="ellipse">
+            <a:avLst/>
+          </a:prstGeom>
+          <a:gradFill flip="none" rotWithShape="1">
+            <a:gsLst>
+              <a:gs pos="0">
+                <a:schemeClr val="tx1">
+                  <a:alpha val="90000"/>
+                </a:schemeClr>
+              </a:gs>
+              <a:gs pos="100000">
+                <a:schemeClr val="bg1"/>
+              </a:gs>
+            </a:gsLst>
+            <a:path path="shape">
+              <a:fillToRect l="50000" t="50000" r="50000" b="50000"/>
+            </a:path>
+            <a:tileRect/>
+          </a:gradFill>
+          <a:ln w="0">
+            <a:noFill/>
+            <a:prstDash val="sysDot"/>
+          </a:ln>
+          <a:effectLst/>
+        </p:spPr>
+        <p:style>
+          <a:lnRef idx="1">
+            <a:schemeClr val="accent1"/>
+          </a:lnRef>
+          <a:fillRef idx="3">
+            <a:schemeClr val="accent1"/>
+          </a:fillRef>
+          <a:effectRef idx="2">
+            <a:schemeClr val="accent1"/>
+          </a:effectRef>
+          <a:fontRef idx="minor">
+            <a:schemeClr val="lt1"/>
+          </a:fontRef>
+        </p:style>
+        <p:txBody>
+          <a:bodyPr rtlCol="0" anchor="ctr"/>
+          <a:lstStyle/>
+          <a:p>
+            <a:pPr algn="ctr"/>
+            <a:endParaRPr lang="zh-CN" altLang="en-US"/>
+          </a:p>
+        </p:txBody>
+      </p:sp>
+      <p:sp>
+        <p:nvSpPr>
+          <p:cNvPr id="47" name="椭圆 46"/>
+          <p:cNvSpPr/>
+          <p:nvPr/>
+        </p:nvSpPr>
+        <p:spPr>
+          <a:xfrm>
+            <a:off x="3002686" y="784331"/>
+            <a:ext cx="496800" cy="496614"/>
+          </a:xfrm>
+          <a:prstGeom prst="ellipse">
+            <a:avLst/>
+          </a:prstGeom>
+          <a:gradFill flip="none" rotWithShape="1">
+            <a:gsLst>
+              <a:gs pos="0">
+                <a:schemeClr val="tx1">
+                  <a:alpha val="90000"/>
+                </a:schemeClr>
+              </a:gs>
+              <a:gs pos="100000">
+                <a:schemeClr val="bg1"/>
+              </a:gs>
+            </a:gsLst>
+            <a:path path="shape">
+              <a:fillToRect l="50000" t="50000" r="50000" b="50000"/>
+            </a:path>
+            <a:tileRect/>
+          </a:gradFill>
+          <a:ln w="0">
+            <a:noFill/>
+            <a:prstDash val="sysDot"/>
+          </a:ln>
+          <a:effectLst/>
+        </p:spPr>
+        <p:style>
+          <a:lnRef idx="1">
+            <a:schemeClr val="accent1"/>
+          </a:lnRef>
+          <a:fillRef idx="3">
+            <a:schemeClr val="accent1"/>
+          </a:fillRef>
+          <a:effectRef idx="2">
+            <a:schemeClr val="accent1"/>
+          </a:effectRef>
+          <a:fontRef idx="minor">
+            <a:schemeClr val="lt1"/>
+          </a:fontRef>
+        </p:style>
+        <p:txBody>
+          <a:bodyPr rtlCol="0" anchor="ctr"/>
+          <a:lstStyle/>
+          <a:p>
+            <a:pPr algn="ctr"/>
+            <a:endParaRPr lang="zh-CN" altLang="en-US"/>
+          </a:p>
+        </p:txBody>
+      </p:sp>
+      <p:sp>
+        <p:nvSpPr>
+          <p:cNvPr id="48" name="椭圆 47"/>
+          <p:cNvSpPr/>
+          <p:nvPr/>
+        </p:nvSpPr>
+        <p:spPr>
+          <a:xfrm>
+            <a:off x="3002686" y="1618062"/>
+            <a:ext cx="496800" cy="496614"/>
+          </a:xfrm>
+          <a:prstGeom prst="ellipse">
+            <a:avLst/>
+          </a:prstGeom>
+          <a:gradFill flip="none" rotWithShape="1">
+            <a:gsLst>
+              <a:gs pos="0">
+                <a:schemeClr val="tx1">
+                  <a:alpha val="90000"/>
+                </a:schemeClr>
+              </a:gs>
+              <a:gs pos="100000">
+                <a:schemeClr val="bg1"/>
+              </a:gs>
+            </a:gsLst>
+            <a:path path="shape">
+              <a:fillToRect l="50000" t="50000" r="50000" b="50000"/>
+            </a:path>
+            <a:tileRect/>
+          </a:gradFill>
+          <a:ln w="0">
+            <a:noFill/>
+            <a:prstDash val="sysDot"/>
+          </a:ln>
+          <a:effectLst/>
+        </p:spPr>
+        <p:style>
+          <a:lnRef idx="1">
+            <a:schemeClr val="accent1"/>
+          </a:lnRef>
+          <a:fillRef idx="3">
+            <a:schemeClr val="accent1"/>
+          </a:fillRef>
+          <a:effectRef idx="2">
+            <a:schemeClr val="accent1"/>
+          </a:effectRef>
+          <a:fontRef idx="minor">
+            <a:schemeClr val="lt1"/>
+          </a:fontRef>
+        </p:style>
+        <p:txBody>
+          <a:bodyPr rtlCol="0" anchor="ctr"/>
+          <a:lstStyle/>
+          <a:p>
+            <a:pPr algn="ctr"/>
+            <a:endParaRPr lang="zh-CN" altLang="en-US"/>
+          </a:p>
+        </p:txBody>
+      </p:sp>
+      <p:sp>
+        <p:nvSpPr>
+          <p:cNvPr id="49" name="椭圆 48"/>
+          <p:cNvSpPr/>
+          <p:nvPr/>
+        </p:nvSpPr>
+        <p:spPr>
+          <a:xfrm>
+            <a:off x="3002686" y="2451793"/>
+            <a:ext cx="496800" cy="496614"/>
+          </a:xfrm>
+          <a:prstGeom prst="ellipse">
+            <a:avLst/>
+          </a:prstGeom>
+          <a:gradFill flip="none" rotWithShape="1">
+            <a:gsLst>
+              <a:gs pos="0">
+                <a:schemeClr val="tx1">
+                  <a:alpha val="90000"/>
+                </a:schemeClr>
+              </a:gs>
+              <a:gs pos="100000">
+                <a:schemeClr val="bg1"/>
+              </a:gs>
+            </a:gsLst>
+            <a:path path="shape">
+              <a:fillToRect l="50000" t="50000" r="50000" b="50000"/>
+            </a:path>
+            <a:tileRect/>
+          </a:gradFill>
+          <a:ln w="0">
+            <a:noFill/>
+            <a:prstDash val="sysDot"/>
+          </a:ln>
+          <a:effectLst/>
+        </p:spPr>
+        <p:style>
+          <a:lnRef idx="1">
+            <a:schemeClr val="accent1"/>
+          </a:lnRef>
+          <a:fillRef idx="3">
+            <a:schemeClr val="accent1"/>
+          </a:fillRef>
+          <a:effectRef idx="2">
+            <a:schemeClr val="accent1"/>
+          </a:effectRef>
+          <a:fontRef idx="minor">
+            <a:schemeClr val="lt1"/>
+          </a:fontRef>
+        </p:style>
+        <p:txBody>
+          <a:bodyPr rtlCol="0" anchor="ctr"/>
+          <a:lstStyle/>
+          <a:p>
+            <a:pPr algn="ctr"/>
+            <a:endParaRPr lang="zh-CN" altLang="en-US"/>
+          </a:p>
+        </p:txBody>
+      </p:sp>
+      <p:sp>
+        <p:nvSpPr>
+          <p:cNvPr id="50" name="椭圆 49"/>
+          <p:cNvSpPr/>
+          <p:nvPr/>
+        </p:nvSpPr>
+        <p:spPr>
+          <a:xfrm>
+            <a:off x="3002686" y="3285524"/>
+            <a:ext cx="496800" cy="496614"/>
+          </a:xfrm>
+          <a:prstGeom prst="ellipse">
+            <a:avLst/>
+          </a:prstGeom>
+          <a:gradFill flip="none" rotWithShape="1">
+            <a:gsLst>
+              <a:gs pos="0">
+                <a:schemeClr val="tx1">
+                  <a:alpha val="90000"/>
+                </a:schemeClr>
+              </a:gs>
+              <a:gs pos="100000">
+                <a:schemeClr val="bg1"/>
+              </a:gs>
+            </a:gsLst>
+            <a:path path="shape">
+              <a:fillToRect l="50000" t="50000" r="50000" b="50000"/>
+            </a:path>
+            <a:tileRect/>
+          </a:gradFill>
+          <a:ln w="0">
+            <a:noFill/>
+            <a:prstDash val="sysDot"/>
+          </a:ln>
+          <a:effectLst/>
+        </p:spPr>
+        <p:style>
+          <a:lnRef idx="1">
+            <a:schemeClr val="accent1"/>
+          </a:lnRef>
+          <a:fillRef idx="3">
+            <a:schemeClr val="accent1"/>
+          </a:fillRef>
+          <a:effectRef idx="2">
+            <a:schemeClr val="accent1"/>
+          </a:effectRef>
+          <a:fontRef idx="minor">
+            <a:schemeClr val="lt1"/>
+          </a:fontRef>
+        </p:style>
+        <p:txBody>
+          <a:bodyPr rtlCol="0" anchor="ctr"/>
+          <a:lstStyle/>
+          <a:p>
+            <a:pPr algn="ctr"/>
+            <a:endParaRPr lang="zh-CN" altLang="en-US"/>
+          </a:p>
+        </p:txBody>
+      </p:sp>
+      <p:sp>
+        <p:nvSpPr>
+          <p:cNvPr id="51" name="椭圆 50"/>
+          <p:cNvSpPr/>
+          <p:nvPr/>
+        </p:nvSpPr>
+        <p:spPr>
+          <a:xfrm>
+            <a:off x="3002686" y="4119255"/>
+            <a:ext cx="496800" cy="496614"/>
+          </a:xfrm>
+          <a:prstGeom prst="ellipse">
+            <a:avLst/>
+          </a:prstGeom>
+          <a:gradFill flip="none" rotWithShape="1">
+            <a:gsLst>
+              <a:gs pos="0">
+                <a:schemeClr val="tx1">
+                  <a:alpha val="90000"/>
+                </a:schemeClr>
+              </a:gs>
+              <a:gs pos="100000">
+                <a:schemeClr val="bg1"/>
+              </a:gs>
+            </a:gsLst>
+            <a:path path="shape">
+              <a:fillToRect l="50000" t="50000" r="50000" b="50000"/>
+            </a:path>
+            <a:tileRect/>
+          </a:gradFill>
+          <a:ln w="0">
+            <a:noFill/>
+            <a:prstDash val="sysDot"/>
+          </a:ln>
+          <a:effectLst/>
+        </p:spPr>
+        <p:style>
+          <a:lnRef idx="1">
+            <a:schemeClr val="accent1"/>
+          </a:lnRef>
+          <a:fillRef idx="3">
+            <a:schemeClr val="accent1"/>
+          </a:fillRef>
+          <a:effectRef idx="2">
+            <a:schemeClr val="accent1"/>
+          </a:effectRef>
+          <a:fontRef idx="minor">
+            <a:schemeClr val="lt1"/>
+          </a:fontRef>
+        </p:style>
+        <p:txBody>
+          <a:bodyPr rtlCol="0" anchor="ctr"/>
+          <a:lstStyle/>
+          <a:p>
+            <a:pPr algn="ctr"/>
+            <a:endParaRPr lang="zh-CN" altLang="en-US"/>
+          </a:p>
+        </p:txBody>
+      </p:sp>
+      <p:sp>
+        <p:nvSpPr>
+          <p:cNvPr id="52" name="椭圆 51"/>
+          <p:cNvSpPr/>
+          <p:nvPr/>
+        </p:nvSpPr>
+        <p:spPr>
+          <a:xfrm>
+            <a:off x="3002686" y="4952987"/>
+            <a:ext cx="496800" cy="496614"/>
+          </a:xfrm>
+          <a:prstGeom prst="ellipse">
+            <a:avLst/>
+          </a:prstGeom>
+          <a:gradFill flip="none" rotWithShape="1">
+            <a:gsLst>
+              <a:gs pos="0">
+                <a:schemeClr val="tx1">
+                  <a:alpha val="90000"/>
+                </a:schemeClr>
+              </a:gs>
+              <a:gs pos="100000">
+                <a:schemeClr val="bg1"/>
+              </a:gs>
+            </a:gsLst>
+            <a:path path="shape">
+              <a:fillToRect l="50000" t="50000" r="50000" b="50000"/>
+            </a:path>
+            <a:tileRect/>
+          </a:gradFill>
+          <a:ln w="0">
+            <a:noFill/>
+            <a:prstDash val="sysDot"/>
+          </a:ln>
+          <a:effectLst/>
+        </p:spPr>
+        <p:style>
+          <a:lnRef idx="1">
+            <a:schemeClr val="accent1"/>
+          </a:lnRef>
+          <a:fillRef idx="3">
+            <a:schemeClr val="accent1"/>
+          </a:fillRef>
+          <a:effectRef idx="2">
+            <a:schemeClr val="accent1"/>
+          </a:effectRef>
+          <a:fontRef idx="minor">
+            <a:schemeClr val="lt1"/>
+          </a:fontRef>
+        </p:style>
+        <p:txBody>
+          <a:bodyPr rtlCol="0" anchor="ctr"/>
+          <a:lstStyle/>
+          <a:p>
+            <a:pPr algn="ctr"/>
+            <a:endParaRPr lang="zh-CN" altLang="en-US"/>
+          </a:p>
+        </p:txBody>
+      </p:sp>
+      <p:sp>
+        <p:nvSpPr>
+          <p:cNvPr id="53" name="椭圆 52"/>
+          <p:cNvSpPr/>
+          <p:nvPr/>
+        </p:nvSpPr>
+        <p:spPr>
+          <a:xfrm>
+            <a:off x="3783771" y="784331"/>
+            <a:ext cx="496800" cy="496614"/>
+          </a:xfrm>
+          <a:prstGeom prst="ellipse">
+            <a:avLst/>
+          </a:prstGeom>
+          <a:gradFill flip="none" rotWithShape="1">
+            <a:gsLst>
+              <a:gs pos="0">
+                <a:schemeClr val="tx1">
+                  <a:alpha val="90000"/>
+                </a:schemeClr>
+              </a:gs>
+              <a:gs pos="100000">
+                <a:schemeClr val="bg1"/>
+              </a:gs>
+            </a:gsLst>
+            <a:path path="shape">
+              <a:fillToRect l="50000" t="50000" r="50000" b="50000"/>
+            </a:path>
+            <a:tileRect/>
+          </a:gradFill>
+          <a:ln w="0">
+            <a:noFill/>
+            <a:prstDash val="sysDot"/>
+          </a:ln>
+          <a:effectLst/>
+        </p:spPr>
+        <p:style>
+          <a:lnRef idx="1">
+            <a:schemeClr val="accent1"/>
+          </a:lnRef>
+          <a:fillRef idx="3">
+            <a:schemeClr val="accent1"/>
+          </a:fillRef>
+          <a:effectRef idx="2">
+            <a:schemeClr val="accent1"/>
+          </a:effectRef>
+          <a:fontRef idx="minor">
+            <a:schemeClr val="lt1"/>
+          </a:fontRef>
+        </p:style>
+        <p:txBody>
+          <a:bodyPr rtlCol="0" anchor="ctr"/>
+          <a:lstStyle/>
+          <a:p>
+            <a:pPr algn="ctr"/>
+            <a:endParaRPr lang="zh-CN" altLang="en-US"/>
+          </a:p>
+        </p:txBody>
+      </p:sp>
+      <p:sp>
+        <p:nvSpPr>
+          <p:cNvPr id="54" name="椭圆 53"/>
+          <p:cNvSpPr/>
+          <p:nvPr/>
+        </p:nvSpPr>
+        <p:spPr>
+          <a:xfrm>
+            <a:off x="3783771" y="1618062"/>
+            <a:ext cx="496800" cy="496614"/>
+          </a:xfrm>
+          <a:prstGeom prst="ellipse">
+            <a:avLst/>
+          </a:prstGeom>
+          <a:gradFill flip="none" rotWithShape="1">
+            <a:gsLst>
+              <a:gs pos="0">
+                <a:schemeClr val="tx1">
+                  <a:alpha val="90000"/>
+                </a:schemeClr>
+              </a:gs>
+              <a:gs pos="100000">
+                <a:schemeClr val="bg1"/>
+              </a:gs>
+            </a:gsLst>
+            <a:path path="shape">
+              <a:fillToRect l="50000" t="50000" r="50000" b="50000"/>
+            </a:path>
+            <a:tileRect/>
+          </a:gradFill>
+          <a:ln w="0">
+            <a:noFill/>
+            <a:prstDash val="sysDot"/>
+          </a:ln>
+          <a:effectLst/>
+        </p:spPr>
+        <p:style>
+          <a:lnRef idx="1">
+            <a:schemeClr val="accent1"/>
+          </a:lnRef>
+          <a:fillRef idx="3">
+            <a:schemeClr val="accent1"/>
+          </a:fillRef>
+          <a:effectRef idx="2">
+            <a:schemeClr val="accent1"/>
+          </a:effectRef>
+          <a:fontRef idx="minor">
+            <a:schemeClr val="lt1"/>
+          </a:fontRef>
+        </p:style>
+        <p:txBody>
+          <a:bodyPr rtlCol="0" anchor="ctr"/>
+          <a:lstStyle/>
+          <a:p>
+            <a:pPr algn="ctr"/>
+            <a:endParaRPr lang="zh-CN" altLang="en-US"/>
+          </a:p>
+        </p:txBody>
+      </p:sp>
+      <p:sp>
+        <p:nvSpPr>
+          <p:cNvPr id="55" name="椭圆 54"/>
+          <p:cNvSpPr/>
+          <p:nvPr/>
+        </p:nvSpPr>
+        <p:spPr>
+          <a:xfrm>
+            <a:off x="3783771" y="2451793"/>
+            <a:ext cx="496800" cy="496614"/>
+          </a:xfrm>
+          <a:prstGeom prst="ellipse">
+            <a:avLst/>
+          </a:prstGeom>
+          <a:gradFill flip="none" rotWithShape="1">
+            <a:gsLst>
+              <a:gs pos="0">
+                <a:schemeClr val="tx1">
+                  <a:alpha val="90000"/>
+                </a:schemeClr>
+              </a:gs>
+              <a:gs pos="100000">
+                <a:schemeClr val="bg1"/>
+              </a:gs>
+            </a:gsLst>
+            <a:path path="shape">
+              <a:fillToRect l="50000" t="50000" r="50000" b="50000"/>
+            </a:path>
+            <a:tileRect/>
+          </a:gradFill>
+          <a:ln w="0">
+            <a:noFill/>
+            <a:prstDash val="sysDot"/>
+          </a:ln>
+          <a:effectLst/>
+        </p:spPr>
+        <p:style>
+          <a:lnRef idx="1">
+            <a:schemeClr val="accent1"/>
+          </a:lnRef>
+          <a:fillRef idx="3">
+            <a:schemeClr val="accent1"/>
+          </a:fillRef>
+          <a:effectRef idx="2">
+            <a:schemeClr val="accent1"/>
+          </a:effectRef>
+          <a:fontRef idx="minor">
+            <a:schemeClr val="lt1"/>
+          </a:fontRef>
+        </p:style>
+        <p:txBody>
+          <a:bodyPr rtlCol="0" anchor="ctr"/>
+          <a:lstStyle/>
+          <a:p>
+            <a:pPr algn="ctr"/>
+            <a:endParaRPr lang="zh-CN" altLang="en-US"/>
+          </a:p>
+        </p:txBody>
+      </p:sp>
+      <p:sp>
+        <p:nvSpPr>
+          <p:cNvPr id="56" name="椭圆 55"/>
+          <p:cNvSpPr/>
+          <p:nvPr/>
+        </p:nvSpPr>
+        <p:spPr>
+          <a:xfrm>
+            <a:off x="3783771" y="3285524"/>
+            <a:ext cx="496800" cy="496614"/>
+          </a:xfrm>
+          <a:prstGeom prst="ellipse">
+            <a:avLst/>
+          </a:prstGeom>
+          <a:gradFill flip="none" rotWithShape="1">
+            <a:gsLst>
+              <a:gs pos="0">
+                <a:schemeClr val="tx1">
+                  <a:alpha val="90000"/>
+                </a:schemeClr>
+              </a:gs>
+              <a:gs pos="100000">
+                <a:schemeClr val="bg1"/>
+              </a:gs>
+            </a:gsLst>
+            <a:path path="shape">
+              <a:fillToRect l="50000" t="50000" r="50000" b="50000"/>
+            </a:path>
+            <a:tileRect/>
+          </a:gradFill>
+          <a:ln w="0">
+            <a:noFill/>
+            <a:prstDash val="sysDot"/>
+          </a:ln>
+          <a:effectLst/>
+        </p:spPr>
+        <p:style>
+          <a:lnRef idx="1">
+            <a:schemeClr val="accent1"/>
+          </a:lnRef>
+          <a:fillRef idx="3">
+            <a:schemeClr val="accent1"/>
+          </a:fillRef>
+          <a:effectRef idx="2">
+            <a:schemeClr val="accent1"/>
+          </a:effectRef>
+          <a:fontRef idx="minor">
+            <a:schemeClr val="lt1"/>
+          </a:fontRef>
+        </p:style>
+        <p:txBody>
+          <a:bodyPr rtlCol="0" anchor="ctr"/>
+          <a:lstStyle/>
+          <a:p>
+            <a:pPr algn="ctr"/>
+            <a:endParaRPr lang="zh-CN" altLang="en-US"/>
+          </a:p>
+        </p:txBody>
+      </p:sp>
+      <p:sp>
+        <p:nvSpPr>
+          <p:cNvPr id="57" name="椭圆 56"/>
+          <p:cNvSpPr/>
+          <p:nvPr/>
+        </p:nvSpPr>
+        <p:spPr>
+          <a:xfrm>
+            <a:off x="3783771" y="4119255"/>
+            <a:ext cx="496800" cy="496614"/>
+          </a:xfrm>
+          <a:prstGeom prst="ellipse">
+            <a:avLst/>
+          </a:prstGeom>
+          <a:gradFill flip="none" rotWithShape="1">
+            <a:gsLst>
+              <a:gs pos="0">
+                <a:schemeClr val="tx1">
+                  <a:alpha val="90000"/>
+                </a:schemeClr>
+              </a:gs>
+              <a:gs pos="100000">
+                <a:schemeClr val="bg1"/>
+              </a:gs>
+            </a:gsLst>
+            <a:path path="shape">
+              <a:fillToRect l="50000" t="50000" r="50000" b="50000"/>
+            </a:path>
+            <a:tileRect/>
+          </a:gradFill>
+          <a:ln w="0">
+            <a:noFill/>
+            <a:prstDash val="sysDot"/>
+          </a:ln>
+          <a:effectLst/>
+        </p:spPr>
+        <p:style>
+          <a:lnRef idx="1">
+            <a:schemeClr val="accent1"/>
+          </a:lnRef>
+          <a:fillRef idx="3">
+            <a:schemeClr val="accent1"/>
+          </a:fillRef>
+          <a:effectRef idx="2">
+            <a:schemeClr val="accent1"/>
+          </a:effectRef>
+          <a:fontRef idx="minor">
+            <a:schemeClr val="lt1"/>
+          </a:fontRef>
+        </p:style>
+        <p:txBody>
+          <a:bodyPr rtlCol="0" anchor="ctr"/>
+          <a:lstStyle/>
+          <a:p>
+            <a:pPr algn="ctr"/>
+            <a:endParaRPr lang="zh-CN" altLang="en-US"/>
+          </a:p>
+        </p:txBody>
+      </p:sp>
+      <p:sp>
+        <p:nvSpPr>
+          <p:cNvPr id="58" name="椭圆 57"/>
+          <p:cNvSpPr/>
+          <p:nvPr/>
+        </p:nvSpPr>
+        <p:spPr>
+          <a:xfrm>
+            <a:off x="3783771" y="4952987"/>
+            <a:ext cx="496800" cy="496614"/>
+          </a:xfrm>
+          <a:prstGeom prst="ellipse">
+            <a:avLst/>
+          </a:prstGeom>
+          <a:gradFill flip="none" rotWithShape="1">
+            <a:gsLst>
+              <a:gs pos="0">
+                <a:schemeClr val="tx1">
+                  <a:alpha val="90000"/>
+                </a:schemeClr>
+              </a:gs>
+              <a:gs pos="100000">
+                <a:schemeClr val="bg1"/>
+              </a:gs>
+            </a:gsLst>
+            <a:path path="shape">
+              <a:fillToRect l="50000" t="50000" r="50000" b="50000"/>
+            </a:path>
+            <a:tileRect/>
+          </a:gradFill>
+          <a:ln w="0">
+            <a:noFill/>
+            <a:prstDash val="sysDot"/>
+          </a:ln>
+          <a:effectLst/>
+        </p:spPr>
+        <p:style>
+          <a:lnRef idx="1">
+            <a:schemeClr val="accent1"/>
+          </a:lnRef>
+          <a:fillRef idx="3">
+            <a:schemeClr val="accent1"/>
+          </a:fillRef>
+          <a:effectRef idx="2">
+            <a:schemeClr val="accent1"/>
+          </a:effectRef>
+          <a:fontRef idx="minor">
+            <a:schemeClr val="lt1"/>
+          </a:fontRef>
+        </p:style>
+        <p:txBody>
+          <a:bodyPr rtlCol="0" anchor="ctr"/>
+          <a:lstStyle/>
+          <a:p>
+            <a:pPr algn="ctr"/>
+            <a:endParaRPr lang="zh-CN" altLang="en-US"/>
+          </a:p>
+        </p:txBody>
+      </p:sp>
+      <p:sp>
+        <p:nvSpPr>
+          <p:cNvPr id="59" name="椭圆 58"/>
+          <p:cNvSpPr/>
+          <p:nvPr/>
+        </p:nvSpPr>
+        <p:spPr>
+          <a:xfrm>
+            <a:off x="4564856" y="784331"/>
+            <a:ext cx="496800" cy="496614"/>
+          </a:xfrm>
+          <a:prstGeom prst="ellipse">
+            <a:avLst/>
+          </a:prstGeom>
+          <a:gradFill flip="none" rotWithShape="1">
+            <a:gsLst>
+              <a:gs pos="0">
+                <a:schemeClr val="tx1">
+                  <a:alpha val="90000"/>
+                </a:schemeClr>
+              </a:gs>
+              <a:gs pos="100000">
+                <a:schemeClr val="bg1"/>
+              </a:gs>
+            </a:gsLst>
+            <a:path path="shape">
+              <a:fillToRect l="50000" t="50000" r="50000" b="50000"/>
+            </a:path>
+            <a:tileRect/>
+          </a:gradFill>
+          <a:ln w="0">
+            <a:noFill/>
+            <a:prstDash val="sysDot"/>
+          </a:ln>
+          <a:effectLst/>
+        </p:spPr>
+        <p:style>
+          <a:lnRef idx="1">
+            <a:schemeClr val="accent1"/>
+          </a:lnRef>
+          <a:fillRef idx="3">
+            <a:schemeClr val="accent1"/>
+          </a:fillRef>
+          <a:effectRef idx="2">
+            <a:schemeClr val="accent1"/>
+          </a:effectRef>
+          <a:fontRef idx="minor">
+            <a:schemeClr val="lt1"/>
+          </a:fontRef>
+        </p:style>
+        <p:txBody>
+          <a:bodyPr rtlCol="0" anchor="ctr"/>
+          <a:lstStyle/>
+          <a:p>
+            <a:pPr algn="ctr"/>
+            <a:endParaRPr lang="zh-CN" altLang="en-US"/>
+          </a:p>
+        </p:txBody>
+      </p:sp>
+      <p:sp>
+        <p:nvSpPr>
+          <p:cNvPr id="60" name="椭圆 59"/>
+          <p:cNvSpPr/>
+          <p:nvPr/>
+        </p:nvSpPr>
+        <p:spPr>
+          <a:xfrm>
+            <a:off x="4564856" y="1618062"/>
+            <a:ext cx="496800" cy="496614"/>
+          </a:xfrm>
+          <a:prstGeom prst="ellipse">
+            <a:avLst/>
+          </a:prstGeom>
+          <a:gradFill flip="none" rotWithShape="1">
+            <a:gsLst>
+              <a:gs pos="0">
+                <a:schemeClr val="tx1">
+                  <a:alpha val="90000"/>
+                </a:schemeClr>
+              </a:gs>
+              <a:gs pos="100000">
+                <a:schemeClr val="bg1"/>
+              </a:gs>
+            </a:gsLst>
+            <a:path path="shape">
+              <a:fillToRect l="50000" t="50000" r="50000" b="50000"/>
+            </a:path>
+            <a:tileRect/>
+          </a:gradFill>
+          <a:ln w="0">
+            <a:noFill/>
+            <a:prstDash val="sysDot"/>
+          </a:ln>
+          <a:effectLst/>
+        </p:spPr>
+        <p:style>
+          <a:lnRef idx="1">
+            <a:schemeClr val="accent1"/>
+          </a:lnRef>
+          <a:fillRef idx="3">
+            <a:schemeClr val="accent1"/>
+          </a:fillRef>
+          <a:effectRef idx="2">
+            <a:schemeClr val="accent1"/>
+          </a:effectRef>
+          <a:fontRef idx="minor">
+            <a:schemeClr val="lt1"/>
+          </a:fontRef>
+        </p:style>
+        <p:txBody>
+          <a:bodyPr rtlCol="0" anchor="ctr"/>
+          <a:lstStyle/>
+          <a:p>
+            <a:pPr algn="ctr"/>
+            <a:endParaRPr lang="zh-CN" altLang="en-US"/>
+          </a:p>
+        </p:txBody>
+      </p:sp>
+      <p:sp>
+        <p:nvSpPr>
+          <p:cNvPr id="61" name="椭圆 60"/>
+          <p:cNvSpPr/>
+          <p:nvPr/>
+        </p:nvSpPr>
+        <p:spPr>
+          <a:xfrm>
+            <a:off x="4564856" y="2451793"/>
+            <a:ext cx="496800" cy="496614"/>
+          </a:xfrm>
+          <a:prstGeom prst="ellipse">
+            <a:avLst/>
+          </a:prstGeom>
+          <a:gradFill flip="none" rotWithShape="1">
+            <a:gsLst>
+              <a:gs pos="0">
+                <a:schemeClr val="tx1">
+                  <a:alpha val="90000"/>
+                </a:schemeClr>
+              </a:gs>
+              <a:gs pos="100000">
+                <a:schemeClr val="bg1"/>
+              </a:gs>
+            </a:gsLst>
+            <a:path path="shape">
+              <a:fillToRect l="50000" t="50000" r="50000" b="50000"/>
+            </a:path>
+            <a:tileRect/>
+          </a:gradFill>
+          <a:ln w="0">
+            <a:noFill/>
+            <a:prstDash val="sysDot"/>
+          </a:ln>
+          <a:effectLst/>
+        </p:spPr>
+        <p:style>
+          <a:lnRef idx="1">
+            <a:schemeClr val="accent1"/>
+          </a:lnRef>
+          <a:fillRef idx="3">
+            <a:schemeClr val="accent1"/>
+          </a:fillRef>
+          <a:effectRef idx="2">
+            <a:schemeClr val="accent1"/>
+          </a:effectRef>
+          <a:fontRef idx="minor">
+            <a:schemeClr val="lt1"/>
+          </a:fontRef>
+        </p:style>
+        <p:txBody>
+          <a:bodyPr rtlCol="0" anchor="ctr"/>
+          <a:lstStyle/>
+          <a:p>
+            <a:pPr algn="ctr"/>
+            <a:endParaRPr lang="zh-CN" altLang="en-US"/>
+          </a:p>
+        </p:txBody>
+      </p:sp>
+      <p:sp>
+        <p:nvSpPr>
+          <p:cNvPr id="62" name="椭圆 61"/>
+          <p:cNvSpPr/>
+          <p:nvPr/>
+        </p:nvSpPr>
+        <p:spPr>
+          <a:xfrm>
+            <a:off x="4564856" y="3285524"/>
+            <a:ext cx="496800" cy="496614"/>
+          </a:xfrm>
+          <a:prstGeom prst="ellipse">
+            <a:avLst/>
+          </a:prstGeom>
+          <a:gradFill flip="none" rotWithShape="1">
+            <a:gsLst>
+              <a:gs pos="0">
+                <a:schemeClr val="tx1">
+                  <a:alpha val="90000"/>
+                </a:schemeClr>
+              </a:gs>
+              <a:gs pos="100000">
+                <a:schemeClr val="bg1"/>
+              </a:gs>
+            </a:gsLst>
+            <a:path path="shape">
+              <a:fillToRect l="50000" t="50000" r="50000" b="50000"/>
+            </a:path>
+            <a:tileRect/>
+          </a:gradFill>
+          <a:ln w="0">
+            <a:noFill/>
+            <a:prstDash val="sysDot"/>
+          </a:ln>
+          <a:effectLst/>
+        </p:spPr>
+        <p:style>
+          <a:lnRef idx="1">
+            <a:schemeClr val="accent1"/>
+          </a:lnRef>
+          <a:fillRef idx="3">
+            <a:schemeClr val="accent1"/>
+          </a:fillRef>
+          <a:effectRef idx="2">
+            <a:schemeClr val="accent1"/>
+          </a:effectRef>
+          <a:fontRef idx="minor">
+            <a:schemeClr val="lt1"/>
+          </a:fontRef>
+        </p:style>
+        <p:txBody>
+          <a:bodyPr rtlCol="0" anchor="ctr"/>
+          <a:lstStyle/>
+          <a:p>
+            <a:pPr algn="ctr"/>
+            <a:endParaRPr lang="zh-CN" altLang="en-US"/>
+          </a:p>
+        </p:txBody>
+      </p:sp>
+      <p:sp>
+        <p:nvSpPr>
+          <p:cNvPr id="63" name="椭圆 62"/>
+          <p:cNvSpPr/>
+          <p:nvPr/>
+        </p:nvSpPr>
+        <p:spPr>
+          <a:xfrm>
+            <a:off x="4564856" y="4119255"/>
+            <a:ext cx="496800" cy="496614"/>
+          </a:xfrm>
+          <a:prstGeom prst="ellipse">
+            <a:avLst/>
+          </a:prstGeom>
+          <a:gradFill flip="none" rotWithShape="1">
+            <a:gsLst>
+              <a:gs pos="0">
+                <a:schemeClr val="tx1">
+                  <a:alpha val="90000"/>
+                </a:schemeClr>
+              </a:gs>
+              <a:gs pos="100000">
+                <a:schemeClr val="bg1"/>
+              </a:gs>
+            </a:gsLst>
+            <a:path path="shape">
+              <a:fillToRect l="50000" t="50000" r="50000" b="50000"/>
+            </a:path>
+            <a:tileRect/>
+          </a:gradFill>
+          <a:ln w="0">
+            <a:noFill/>
+            <a:prstDash val="sysDot"/>
+          </a:ln>
+          <a:effectLst/>
+        </p:spPr>
+        <p:style>
+          <a:lnRef idx="1">
+            <a:schemeClr val="accent1"/>
+          </a:lnRef>
+          <a:fillRef idx="3">
+            <a:schemeClr val="accent1"/>
+          </a:fillRef>
+          <a:effectRef idx="2">
+            <a:schemeClr val="accent1"/>
+          </a:effectRef>
+          <a:fontRef idx="minor">
+            <a:schemeClr val="lt1"/>
+          </a:fontRef>
+        </p:style>
+        <p:txBody>
+          <a:bodyPr rtlCol="0" anchor="ctr"/>
+          <a:lstStyle/>
+          <a:p>
+            <a:pPr algn="ctr"/>
+            <a:endParaRPr lang="zh-CN" altLang="en-US"/>
+          </a:p>
+        </p:txBody>
+      </p:sp>
+      <p:sp>
+        <p:nvSpPr>
+          <p:cNvPr id="64" name="椭圆 63"/>
+          <p:cNvSpPr/>
+          <p:nvPr/>
+        </p:nvSpPr>
+        <p:spPr>
+          <a:xfrm>
+            <a:off x="4564856" y="4952987"/>
+            <a:ext cx="496800" cy="496614"/>
+          </a:xfrm>
+          <a:prstGeom prst="ellipse">
+            <a:avLst/>
+          </a:prstGeom>
+          <a:gradFill flip="none" rotWithShape="1">
+            <a:gsLst>
+              <a:gs pos="0">
+                <a:schemeClr val="tx1">
+                  <a:alpha val="90000"/>
+                </a:schemeClr>
+              </a:gs>
+              <a:gs pos="100000">
+                <a:schemeClr val="bg1"/>
+              </a:gs>
+            </a:gsLst>
+            <a:path path="shape">
+              <a:fillToRect l="50000" t="50000" r="50000" b="50000"/>
+            </a:path>
+            <a:tileRect/>
+          </a:gradFill>
+          <a:ln w="0">
+            <a:noFill/>
+            <a:prstDash val="sysDot"/>
+          </a:ln>
+          <a:effectLst/>
+        </p:spPr>
+        <p:style>
+          <a:lnRef idx="1">
+            <a:schemeClr val="accent1"/>
+          </a:lnRef>
+          <a:fillRef idx="3">
+            <a:schemeClr val="accent1"/>
+          </a:fillRef>
+          <a:effectRef idx="2">
+            <a:schemeClr val="accent1"/>
+          </a:effectRef>
+          <a:fontRef idx="minor">
+            <a:schemeClr val="lt1"/>
+          </a:fontRef>
+        </p:style>
+        <p:txBody>
+          <a:bodyPr rtlCol="0" anchor="ctr"/>
+          <a:lstStyle/>
+          <a:p>
+            <a:pPr algn="ctr"/>
+            <a:endParaRPr lang="zh-CN" altLang="en-US"/>
+          </a:p>
+        </p:txBody>
+      </p:sp>
+      <p:sp>
+        <p:nvSpPr>
+          <p:cNvPr id="65" name="椭圆 64"/>
+          <p:cNvSpPr/>
+          <p:nvPr/>
+        </p:nvSpPr>
+        <p:spPr>
+          <a:xfrm>
+            <a:off x="5345941" y="784331"/>
+            <a:ext cx="496800" cy="496614"/>
+          </a:xfrm>
+          <a:prstGeom prst="ellipse">
+            <a:avLst/>
+          </a:prstGeom>
+          <a:gradFill flip="none" rotWithShape="1">
+            <a:gsLst>
+              <a:gs pos="0">
+                <a:schemeClr val="tx1">
+                  <a:alpha val="90000"/>
+                </a:schemeClr>
+              </a:gs>
+              <a:gs pos="100000">
+                <a:schemeClr val="bg1"/>
+              </a:gs>
+            </a:gsLst>
+            <a:path path="shape">
+              <a:fillToRect l="50000" t="50000" r="50000" b="50000"/>
+            </a:path>
+            <a:tileRect/>
+          </a:gradFill>
+          <a:ln w="0">
+            <a:noFill/>
+            <a:prstDash val="sysDot"/>
+          </a:ln>
+          <a:effectLst/>
+        </p:spPr>
+        <p:style>
+          <a:lnRef idx="1">
+            <a:schemeClr val="accent1"/>
+          </a:lnRef>
+          <a:fillRef idx="3">
+            <a:schemeClr val="accent1"/>
+          </a:fillRef>
+          <a:effectRef idx="2">
+            <a:schemeClr val="accent1"/>
+          </a:effectRef>
+          <a:fontRef idx="minor">
+            <a:schemeClr val="lt1"/>
+          </a:fontRef>
+        </p:style>
+        <p:txBody>
+          <a:bodyPr rtlCol="0" anchor="ctr"/>
+          <a:lstStyle/>
+          <a:p>
+            <a:pPr algn="ctr"/>
+            <a:endParaRPr lang="zh-CN" altLang="en-US"/>
+          </a:p>
+        </p:txBody>
+      </p:sp>
+      <p:sp>
+        <p:nvSpPr>
+          <p:cNvPr id="66" name="椭圆 65"/>
+          <p:cNvSpPr/>
+          <p:nvPr/>
+        </p:nvSpPr>
+        <p:spPr>
+          <a:xfrm>
+            <a:off x="5345941" y="1618062"/>
+            <a:ext cx="496800" cy="496614"/>
+          </a:xfrm>
+          <a:prstGeom prst="ellipse">
+            <a:avLst/>
+          </a:prstGeom>
+          <a:gradFill flip="none" rotWithShape="1">
+            <a:gsLst>
+              <a:gs pos="0">
+                <a:schemeClr val="tx1">
+                  <a:alpha val="90000"/>
+                </a:schemeClr>
+              </a:gs>
+              <a:gs pos="100000">
+                <a:schemeClr val="bg1"/>
+              </a:gs>
+            </a:gsLst>
+            <a:path path="shape">
+              <a:fillToRect l="50000" t="50000" r="50000" b="50000"/>
+            </a:path>
+            <a:tileRect/>
+          </a:gradFill>
+          <a:ln w="0">
+            <a:noFill/>
+            <a:prstDash val="sysDot"/>
+          </a:ln>
+          <a:effectLst/>
+        </p:spPr>
+        <p:style>
+          <a:lnRef idx="1">
+            <a:schemeClr val="accent1"/>
+          </a:lnRef>
+          <a:fillRef idx="3">
+            <a:schemeClr val="accent1"/>
+          </a:fillRef>
+          <a:effectRef idx="2">
+            <a:schemeClr val="accent1"/>
+          </a:effectRef>
+          <a:fontRef idx="minor">
+            <a:schemeClr val="lt1"/>
+          </a:fontRef>
+        </p:style>
+        <p:txBody>
+          <a:bodyPr rtlCol="0" anchor="ctr"/>
+          <a:lstStyle/>
+          <a:p>
+            <a:pPr algn="ctr"/>
+            <a:endParaRPr lang="zh-CN" altLang="en-US"/>
+          </a:p>
+        </p:txBody>
+      </p:sp>
+      <p:sp>
+        <p:nvSpPr>
+          <p:cNvPr id="67" name="椭圆 66"/>
+          <p:cNvSpPr/>
+          <p:nvPr/>
+        </p:nvSpPr>
+        <p:spPr>
+          <a:xfrm>
+            <a:off x="5345941" y="2451793"/>
+            <a:ext cx="496800" cy="496614"/>
+          </a:xfrm>
+          <a:prstGeom prst="ellipse">
+            <a:avLst/>
+          </a:prstGeom>
+          <a:gradFill flip="none" rotWithShape="1">
+            <a:gsLst>
+              <a:gs pos="0">
+                <a:schemeClr val="tx1">
+                  <a:alpha val="90000"/>
+                </a:schemeClr>
+              </a:gs>
+              <a:gs pos="100000">
+                <a:schemeClr val="bg1"/>
+              </a:gs>
+            </a:gsLst>
+            <a:path path="shape">
+              <a:fillToRect l="50000" t="50000" r="50000" b="50000"/>
+            </a:path>
+            <a:tileRect/>
+          </a:gradFill>
+          <a:ln w="0">
+            <a:noFill/>
+            <a:prstDash val="sysDot"/>
+          </a:ln>
+          <a:effectLst/>
+        </p:spPr>
+        <p:style>
+          <a:lnRef idx="1">
+            <a:schemeClr val="accent1"/>
+          </a:lnRef>
+          <a:fillRef idx="3">
+            <a:schemeClr val="accent1"/>
+          </a:fillRef>
+          <a:effectRef idx="2">
+            <a:schemeClr val="accent1"/>
+          </a:effectRef>
+          <a:fontRef idx="minor">
+            <a:schemeClr val="lt1"/>
+          </a:fontRef>
+        </p:style>
+        <p:txBody>
+          <a:bodyPr rtlCol="0" anchor="ctr"/>
+          <a:lstStyle/>
+          <a:p>
+            <a:pPr algn="ctr"/>
+            <a:endParaRPr lang="zh-CN" altLang="en-US"/>
+          </a:p>
+        </p:txBody>
+      </p:sp>
+      <p:sp>
+        <p:nvSpPr>
+          <p:cNvPr id="68" name="椭圆 67"/>
+          <p:cNvSpPr/>
+          <p:nvPr/>
+        </p:nvSpPr>
+        <p:spPr>
+          <a:xfrm>
+            <a:off x="5345941" y="3285524"/>
+            <a:ext cx="496800" cy="496614"/>
+          </a:xfrm>
+          <a:prstGeom prst="ellipse">
+            <a:avLst/>
+          </a:prstGeom>
+          <a:gradFill flip="none" rotWithShape="1">
+            <a:gsLst>
+              <a:gs pos="0">
+                <a:schemeClr val="tx1">
+                  <a:alpha val="90000"/>
+                </a:schemeClr>
+              </a:gs>
+              <a:gs pos="100000">
+                <a:schemeClr val="bg1"/>
+              </a:gs>
+            </a:gsLst>
+            <a:path path="shape">
+              <a:fillToRect l="50000" t="50000" r="50000" b="50000"/>
+            </a:path>
+            <a:tileRect/>
+          </a:gradFill>
+          <a:ln w="0">
+            <a:noFill/>
+            <a:prstDash val="sysDot"/>
+          </a:ln>
+          <a:effectLst/>
+        </p:spPr>
+        <p:style>
+          <a:lnRef idx="1">
+            <a:schemeClr val="accent1"/>
+          </a:lnRef>
+          <a:fillRef idx="3">
+            <a:schemeClr val="accent1"/>
+          </a:fillRef>
+          <a:effectRef idx="2">
+            <a:schemeClr val="accent1"/>
+          </a:effectRef>
+          <a:fontRef idx="minor">
+            <a:schemeClr val="lt1"/>
+          </a:fontRef>
+        </p:style>
+        <p:txBody>
+          <a:bodyPr rtlCol="0" anchor="ctr"/>
+          <a:lstStyle/>
+          <a:p>
+            <a:pPr algn="ctr"/>
+            <a:endParaRPr lang="zh-CN" altLang="en-US"/>
+          </a:p>
+        </p:txBody>
+      </p:sp>
+      <p:sp>
+        <p:nvSpPr>
+          <p:cNvPr id="69" name="椭圆 68"/>
+          <p:cNvSpPr/>
+          <p:nvPr/>
+        </p:nvSpPr>
+        <p:spPr>
+          <a:xfrm>
+            <a:off x="5345941" y="4119255"/>
+            <a:ext cx="496800" cy="496614"/>
+          </a:xfrm>
+          <a:prstGeom prst="ellipse">
+            <a:avLst/>
+          </a:prstGeom>
+          <a:gradFill flip="none" rotWithShape="1">
+            <a:gsLst>
+              <a:gs pos="0">
+                <a:schemeClr val="tx1">
+                  <a:alpha val="90000"/>
+                </a:schemeClr>
+              </a:gs>
+              <a:gs pos="100000">
+                <a:schemeClr val="bg1"/>
+              </a:gs>
+            </a:gsLst>
+            <a:path path="shape">
+              <a:fillToRect l="50000" t="50000" r="50000" b="50000"/>
+            </a:path>
+            <a:tileRect/>
+          </a:gradFill>
+          <a:ln w="0">
+            <a:noFill/>
+            <a:prstDash val="sysDot"/>
+          </a:ln>
+          <a:effectLst/>
+        </p:spPr>
+        <p:style>
+          <a:lnRef idx="1">
+            <a:schemeClr val="accent1"/>
+          </a:lnRef>
+          <a:fillRef idx="3">
+            <a:schemeClr val="accent1"/>
+          </a:fillRef>
+          <a:effectRef idx="2">
+            <a:schemeClr val="accent1"/>
+          </a:effectRef>
+          <a:fontRef idx="minor">
+            <a:schemeClr val="lt1"/>
+          </a:fontRef>
+        </p:style>
+        <p:txBody>
+          <a:bodyPr rtlCol="0" anchor="ctr"/>
+          <a:lstStyle/>
+          <a:p>
+            <a:pPr algn="ctr"/>
+            <a:endParaRPr lang="zh-CN" altLang="en-US"/>
+          </a:p>
+        </p:txBody>
+      </p:sp>
+      <p:sp>
+        <p:nvSpPr>
+          <p:cNvPr id="70" name="椭圆 69"/>
+          <p:cNvSpPr/>
+          <p:nvPr/>
+        </p:nvSpPr>
+        <p:spPr>
+          <a:xfrm>
+            <a:off x="5345941" y="4952987"/>
+            <a:ext cx="496800" cy="496614"/>
+          </a:xfrm>
+          <a:prstGeom prst="ellipse">
+            <a:avLst/>
+          </a:prstGeom>
+          <a:gradFill flip="none" rotWithShape="1">
+            <a:gsLst>
+              <a:gs pos="0">
+                <a:schemeClr val="tx1">
+                  <a:alpha val="90000"/>
+                </a:schemeClr>
+              </a:gs>
+              <a:gs pos="100000">
+                <a:schemeClr val="bg1"/>
+              </a:gs>
+            </a:gsLst>
+            <a:path path="shape">
+              <a:fillToRect l="50000" t="50000" r="50000" b="50000"/>
+            </a:path>
+            <a:tileRect/>
+          </a:gradFill>
+          <a:ln w="0">
+            <a:noFill/>
+            <a:prstDash val="sysDot"/>
+          </a:ln>
+          <a:effectLst/>
+        </p:spPr>
+        <p:style>
+          <a:lnRef idx="1">
+            <a:schemeClr val="accent1"/>
+          </a:lnRef>
+          <a:fillRef idx="3">
+            <a:schemeClr val="accent1"/>
+          </a:fillRef>
+          <a:effectRef idx="2">
+            <a:schemeClr val="accent1"/>
+          </a:effectRef>
+          <a:fontRef idx="minor">
+            <a:schemeClr val="lt1"/>
+          </a:fontRef>
+        </p:style>
+        <p:txBody>
+          <a:bodyPr rtlCol="0" anchor="ctr"/>
+          <a:lstStyle/>
+          <a:p>
+            <a:pPr algn="ctr"/>
+            <a:endParaRPr lang="zh-CN" altLang="en-US"/>
+          </a:p>
+        </p:txBody>
+      </p:sp>
+      <p:sp>
+        <p:nvSpPr>
+          <p:cNvPr id="71" name="椭圆 70"/>
+          <p:cNvSpPr/>
+          <p:nvPr/>
+        </p:nvSpPr>
+        <p:spPr>
+          <a:xfrm>
+            <a:off x="6127026" y="784331"/>
+            <a:ext cx="496800" cy="496614"/>
+          </a:xfrm>
+          <a:prstGeom prst="ellipse">
+            <a:avLst/>
+          </a:prstGeom>
+          <a:gradFill flip="none" rotWithShape="1">
+            <a:gsLst>
+              <a:gs pos="0">
+                <a:schemeClr val="tx1">
+                  <a:alpha val="90000"/>
+                </a:schemeClr>
+              </a:gs>
+              <a:gs pos="100000">
+                <a:schemeClr val="bg1"/>
+              </a:gs>
+            </a:gsLst>
+            <a:path path="shape">
+              <a:fillToRect l="50000" t="50000" r="50000" b="50000"/>
+            </a:path>
+            <a:tileRect/>
+          </a:gradFill>
+          <a:ln w="0">
+            <a:noFill/>
+            <a:prstDash val="sysDot"/>
+          </a:ln>
+          <a:effectLst/>
+        </p:spPr>
+        <p:style>
+          <a:lnRef idx="1">
+            <a:schemeClr val="accent1"/>
+          </a:lnRef>
+          <a:fillRef idx="3">
+            <a:schemeClr val="accent1"/>
+          </a:fillRef>
+          <a:effectRef idx="2">
+            <a:schemeClr val="accent1"/>
+          </a:effectRef>
+          <a:fontRef idx="minor">
+            <a:schemeClr val="lt1"/>
+          </a:fontRef>
+        </p:style>
+        <p:txBody>
+          <a:bodyPr rtlCol="0" anchor="ctr"/>
+          <a:lstStyle/>
+          <a:p>
+            <a:pPr algn="ctr"/>
+            <a:endParaRPr lang="zh-CN" altLang="en-US"/>
+          </a:p>
+        </p:txBody>
+      </p:sp>
+      <p:sp>
+        <p:nvSpPr>
+          <p:cNvPr id="72" name="椭圆 71"/>
+          <p:cNvSpPr/>
+          <p:nvPr/>
+        </p:nvSpPr>
+        <p:spPr>
+          <a:xfrm>
+            <a:off x="6127026" y="1618062"/>
+            <a:ext cx="496800" cy="496614"/>
+          </a:xfrm>
+          <a:prstGeom prst="ellipse">
+            <a:avLst/>
+          </a:prstGeom>
+          <a:gradFill flip="none" rotWithShape="1">
+            <a:gsLst>
+              <a:gs pos="0">
+                <a:schemeClr val="tx1">
+                  <a:alpha val="90000"/>
+                </a:schemeClr>
+              </a:gs>
+              <a:gs pos="100000">
+                <a:schemeClr val="bg1"/>
+              </a:gs>
+            </a:gsLst>
+            <a:path path="shape">
+              <a:fillToRect l="50000" t="50000" r="50000" b="50000"/>
+            </a:path>
+            <a:tileRect/>
+          </a:gradFill>
+          <a:ln w="0">
+            <a:noFill/>
+            <a:prstDash val="sysDot"/>
+          </a:ln>
+          <a:effectLst/>
+        </p:spPr>
+        <p:style>
+          <a:lnRef idx="1">
+            <a:schemeClr val="accent1"/>
+          </a:lnRef>
+          <a:fillRef idx="3">
+            <a:schemeClr val="accent1"/>
+          </a:fillRef>
+          <a:effectRef idx="2">
+            <a:schemeClr val="accent1"/>
+          </a:effectRef>
+          <a:fontRef idx="minor">
+            <a:schemeClr val="lt1"/>
+          </a:fontRef>
+        </p:style>
+        <p:txBody>
+          <a:bodyPr rtlCol="0" anchor="ctr"/>
+          <a:lstStyle/>
+          <a:p>
+            <a:pPr algn="ctr"/>
+            <a:endParaRPr lang="zh-CN" altLang="en-US"/>
+          </a:p>
+        </p:txBody>
+      </p:sp>
+      <p:sp>
+        <p:nvSpPr>
+          <p:cNvPr id="73" name="椭圆 72"/>
+          <p:cNvSpPr/>
+          <p:nvPr/>
+        </p:nvSpPr>
+        <p:spPr>
+          <a:xfrm>
+            <a:off x="6127026" y="2451793"/>
+            <a:ext cx="496800" cy="496614"/>
+          </a:xfrm>
+          <a:prstGeom prst="ellipse">
+            <a:avLst/>
+          </a:prstGeom>
+          <a:gradFill flip="none" rotWithShape="1">
+            <a:gsLst>
+              <a:gs pos="0">
+                <a:schemeClr val="tx1">
+                  <a:alpha val="90000"/>
+                </a:schemeClr>
+              </a:gs>
+              <a:gs pos="100000">
+                <a:schemeClr val="bg1"/>
+              </a:gs>
+            </a:gsLst>
+            <a:path path="shape">
+              <a:fillToRect l="50000" t="50000" r="50000" b="50000"/>
+            </a:path>
+            <a:tileRect/>
+          </a:gradFill>
+          <a:ln w="0">
+            <a:noFill/>
+            <a:prstDash val="sysDot"/>
+          </a:ln>
+          <a:effectLst/>
+        </p:spPr>
+        <p:style>
+          <a:lnRef idx="1">
+            <a:schemeClr val="accent1"/>
+          </a:lnRef>
+          <a:fillRef idx="3">
+            <a:schemeClr val="accent1"/>
+          </a:fillRef>
+          <a:effectRef idx="2">
+            <a:schemeClr val="accent1"/>
+          </a:effectRef>
+          <a:fontRef idx="minor">
+            <a:schemeClr val="lt1"/>
+          </a:fontRef>
+        </p:style>
+        <p:txBody>
+          <a:bodyPr rtlCol="0" anchor="ctr"/>
+          <a:lstStyle/>
+          <a:p>
+            <a:pPr algn="ctr"/>
+            <a:endParaRPr lang="zh-CN" altLang="en-US"/>
+          </a:p>
+        </p:txBody>
+      </p:sp>
+      <p:sp>
+        <p:nvSpPr>
+          <p:cNvPr id="74" name="椭圆 73"/>
+          <p:cNvSpPr/>
+          <p:nvPr/>
+        </p:nvSpPr>
+        <p:spPr>
+          <a:xfrm>
+            <a:off x="6127026" y="3285524"/>
+            <a:ext cx="496800" cy="496614"/>
+          </a:xfrm>
+          <a:prstGeom prst="ellipse">
+            <a:avLst/>
+          </a:prstGeom>
+          <a:gradFill flip="none" rotWithShape="1">
+            <a:gsLst>
+              <a:gs pos="0">
+                <a:schemeClr val="tx1">
+                  <a:alpha val="90000"/>
+                </a:schemeClr>
+              </a:gs>
+              <a:gs pos="100000">
+                <a:schemeClr val="bg1"/>
+              </a:gs>
+            </a:gsLst>
+            <a:path path="shape">
+              <a:fillToRect l="50000" t="50000" r="50000" b="50000"/>
+            </a:path>
+            <a:tileRect/>
+          </a:gradFill>
+          <a:ln w="0">
+            <a:noFill/>
+            <a:prstDash val="sysDot"/>
+          </a:ln>
+          <a:effectLst/>
+        </p:spPr>
+        <p:style>
+          <a:lnRef idx="1">
+            <a:schemeClr val="accent1"/>
+          </a:lnRef>
+          <a:fillRef idx="3">
+            <a:schemeClr val="accent1"/>
+          </a:fillRef>
+          <a:effectRef idx="2">
+            <a:schemeClr val="accent1"/>
+          </a:effectRef>
+          <a:fontRef idx="minor">
+            <a:schemeClr val="lt1"/>
+          </a:fontRef>
+        </p:style>
+        <p:txBody>
+          <a:bodyPr rtlCol="0" anchor="ctr"/>
+          <a:lstStyle/>
+          <a:p>
+            <a:pPr algn="ctr"/>
+            <a:endParaRPr lang="zh-CN" altLang="en-US"/>
+          </a:p>
+        </p:txBody>
+      </p:sp>
+      <p:sp>
+        <p:nvSpPr>
+          <p:cNvPr id="75" name="椭圆 74"/>
+          <p:cNvSpPr/>
+          <p:nvPr/>
+        </p:nvSpPr>
+        <p:spPr>
+          <a:xfrm>
+            <a:off x="6127026" y="4119255"/>
+            <a:ext cx="496800" cy="496614"/>
+          </a:xfrm>
+          <a:prstGeom prst="ellipse">
+            <a:avLst/>
+          </a:prstGeom>
+          <a:gradFill flip="none" rotWithShape="1">
+            <a:gsLst>
+              <a:gs pos="0">
+                <a:schemeClr val="tx1">
+                  <a:alpha val="90000"/>
+                </a:schemeClr>
+              </a:gs>
+              <a:gs pos="100000">
+                <a:schemeClr val="bg1"/>
+              </a:gs>
+            </a:gsLst>
+            <a:path path="shape">
+              <a:fillToRect l="50000" t="50000" r="50000" b="50000"/>
+            </a:path>
+            <a:tileRect/>
+          </a:gradFill>
+          <a:ln w="0">
+            <a:noFill/>
+            <a:prstDash val="sysDot"/>
+          </a:ln>
+          <a:effectLst/>
+        </p:spPr>
+        <p:style>
+          <a:lnRef idx="1">
+            <a:schemeClr val="accent1"/>
+          </a:lnRef>
+          <a:fillRef idx="3">
+            <a:schemeClr val="accent1"/>
+          </a:fillRef>
+          <a:effectRef idx="2">
+            <a:schemeClr val="accent1"/>
+          </a:effectRef>
+          <a:fontRef idx="minor">
+            <a:schemeClr val="lt1"/>
+          </a:fontRef>
+        </p:style>
+        <p:txBody>
+          <a:bodyPr rtlCol="0" anchor="ctr"/>
+          <a:lstStyle/>
+          <a:p>
+            <a:pPr algn="ctr"/>
+            <a:endParaRPr lang="zh-CN" altLang="en-US"/>
+          </a:p>
+        </p:txBody>
+      </p:sp>
+      <p:sp>
+        <p:nvSpPr>
+          <p:cNvPr id="76" name="椭圆 75"/>
+          <p:cNvSpPr/>
+          <p:nvPr/>
+        </p:nvSpPr>
+        <p:spPr>
+          <a:xfrm>
+            <a:off x="6127026" y="4952987"/>
+            <a:ext cx="496800" cy="496614"/>
+          </a:xfrm>
+          <a:prstGeom prst="ellipse">
+            <a:avLst/>
+          </a:prstGeom>
+          <a:gradFill flip="none" rotWithShape="1">
+            <a:gsLst>
+              <a:gs pos="0">
+                <a:schemeClr val="tx1">
+                  <a:alpha val="90000"/>
+                </a:schemeClr>
+              </a:gs>
+              <a:gs pos="100000">
+                <a:schemeClr val="bg1"/>
+              </a:gs>
+            </a:gsLst>
+            <a:path path="shape">
+              <a:fillToRect l="50000" t="50000" r="50000" b="50000"/>
+            </a:path>
+            <a:tileRect/>
+          </a:gradFill>
+          <a:ln w="0">
+            <a:noFill/>
+            <a:prstDash val="sysDot"/>
+          </a:ln>
+          <a:effectLst/>
+        </p:spPr>
+        <p:style>
+          <a:lnRef idx="1">
+            <a:schemeClr val="accent1"/>
+          </a:lnRef>
+          <a:fillRef idx="3">
+            <a:schemeClr val="accent1"/>
+          </a:fillRef>
+          <a:effectRef idx="2">
+            <a:schemeClr val="accent1"/>
+          </a:effectRef>
+          <a:fontRef idx="minor">
+            <a:schemeClr val="lt1"/>
+          </a:fontRef>
+        </p:style>
+        <p:txBody>
+          <a:bodyPr rtlCol="0" anchor="ctr"/>
+          <a:lstStyle/>
+          <a:p>
+            <a:pPr algn="ctr"/>
+            <a:endParaRPr lang="zh-CN" altLang="en-US"/>
+          </a:p>
+        </p:txBody>
+      </p:sp>
+      <p:sp>
+        <p:nvSpPr>
+          <p:cNvPr id="77" name="椭圆 76"/>
+          <p:cNvSpPr/>
+          <p:nvPr/>
+        </p:nvSpPr>
+        <p:spPr>
+          <a:xfrm>
+            <a:off x="6908110" y="784331"/>
+            <a:ext cx="496800" cy="496614"/>
+          </a:xfrm>
+          <a:prstGeom prst="ellipse">
+            <a:avLst/>
+          </a:prstGeom>
+          <a:gradFill flip="none" rotWithShape="1">
+            <a:gsLst>
+              <a:gs pos="0">
+                <a:schemeClr val="tx1">
+                  <a:alpha val="90000"/>
+                </a:schemeClr>
+              </a:gs>
+              <a:gs pos="100000">
+                <a:schemeClr val="bg1"/>
+              </a:gs>
+            </a:gsLst>
+            <a:path path="shape">
+              <a:fillToRect l="50000" t="50000" r="50000" b="50000"/>
+            </a:path>
+            <a:tileRect/>
+          </a:gradFill>
+          <a:ln w="0">
+            <a:noFill/>
+            <a:prstDash val="sysDot"/>
+          </a:ln>
+          <a:effectLst/>
+        </p:spPr>
+        <p:style>
+          <a:lnRef idx="1">
+            <a:schemeClr val="accent1"/>
+          </a:lnRef>
+          <a:fillRef idx="3">
+            <a:schemeClr val="accent1"/>
+          </a:fillRef>
+          <a:effectRef idx="2">
+            <a:schemeClr val="accent1"/>
+          </a:effectRef>
+          <a:fontRef idx="minor">
+            <a:schemeClr val="lt1"/>
+          </a:fontRef>
+        </p:style>
+        <p:txBody>
+          <a:bodyPr rtlCol="0" anchor="ctr"/>
+          <a:lstStyle/>
+          <a:p>
+            <a:pPr algn="ctr"/>
+            <a:endParaRPr lang="zh-CN" altLang="en-US"/>
+          </a:p>
+        </p:txBody>
+      </p:sp>
+      <p:sp>
+        <p:nvSpPr>
+          <p:cNvPr id="78" name="椭圆 77"/>
+          <p:cNvSpPr/>
+          <p:nvPr/>
+        </p:nvSpPr>
+        <p:spPr>
+          <a:xfrm>
+            <a:off x="6908110" y="1618062"/>
+            <a:ext cx="496800" cy="496614"/>
+          </a:xfrm>
+          <a:prstGeom prst="ellipse">
+            <a:avLst/>
+          </a:prstGeom>
+          <a:gradFill flip="none" rotWithShape="1">
+            <a:gsLst>
+              <a:gs pos="0">
+                <a:schemeClr val="tx1">
+                  <a:alpha val="90000"/>
+                </a:schemeClr>
+              </a:gs>
+              <a:gs pos="100000">
+                <a:schemeClr val="bg1"/>
+              </a:gs>
+            </a:gsLst>
+            <a:path path="shape">
+              <a:fillToRect l="50000" t="50000" r="50000" b="50000"/>
+            </a:path>
+            <a:tileRect/>
+          </a:gradFill>
+          <a:ln w="0">
+            <a:noFill/>
+            <a:prstDash val="sysDot"/>
+          </a:ln>
+          <a:effectLst/>
+        </p:spPr>
+        <p:style>
+          <a:lnRef idx="1">
+            <a:schemeClr val="accent1"/>
+          </a:lnRef>
+          <a:fillRef idx="3">
+            <a:schemeClr val="accent1"/>
+          </a:fillRef>
+          <a:effectRef idx="2">
+            <a:schemeClr val="accent1"/>
+          </a:effectRef>
+          <a:fontRef idx="minor">
+            <a:schemeClr val="lt1"/>
+          </a:fontRef>
+        </p:style>
+        <p:txBody>
+          <a:bodyPr rtlCol="0" anchor="ctr"/>
+          <a:lstStyle/>
+          <a:p>
+            <a:pPr algn="ctr"/>
+            <a:endParaRPr lang="zh-CN" altLang="en-US"/>
+          </a:p>
+        </p:txBody>
+      </p:sp>
+      <p:sp>
+        <p:nvSpPr>
+          <p:cNvPr id="79" name="椭圆 78"/>
+          <p:cNvSpPr/>
+          <p:nvPr/>
+        </p:nvSpPr>
+        <p:spPr>
+          <a:xfrm>
+            <a:off x="6908110" y="2451793"/>
+            <a:ext cx="496800" cy="496614"/>
+          </a:xfrm>
+          <a:prstGeom prst="ellipse">
+            <a:avLst/>
+          </a:prstGeom>
+          <a:gradFill flip="none" rotWithShape="1">
+            <a:gsLst>
+              <a:gs pos="0">
+                <a:schemeClr val="tx1">
+                  <a:alpha val="90000"/>
+                </a:schemeClr>
+              </a:gs>
+              <a:gs pos="100000">
+                <a:schemeClr val="bg1"/>
+              </a:gs>
+            </a:gsLst>
+            <a:path path="shape">
+              <a:fillToRect l="50000" t="50000" r="50000" b="50000"/>
+            </a:path>
+            <a:tileRect/>
+          </a:gradFill>
+          <a:ln w="0">
+            <a:noFill/>
+            <a:prstDash val="sysDot"/>
+          </a:ln>
+          <a:effectLst/>
+        </p:spPr>
+        <p:style>
+          <a:lnRef idx="1">
+            <a:schemeClr val="accent1"/>
+          </a:lnRef>
+          <a:fillRef idx="3">
+            <a:schemeClr val="accent1"/>
+          </a:fillRef>
+          <a:effectRef idx="2">
+            <a:schemeClr val="accent1"/>
+          </a:effectRef>
+          <a:fontRef idx="minor">
+            <a:schemeClr val="lt1"/>
+          </a:fontRef>
+        </p:style>
+        <p:txBody>
+          <a:bodyPr rtlCol="0" anchor="ctr"/>
+          <a:lstStyle/>
+          <a:p>
+            <a:pPr algn="ctr"/>
+            <a:endParaRPr lang="zh-CN" altLang="en-US"/>
+          </a:p>
+        </p:txBody>
+      </p:sp>
+      <p:sp>
+        <p:nvSpPr>
+          <p:cNvPr id="80" name="椭圆 79"/>
+          <p:cNvSpPr/>
+          <p:nvPr/>
+        </p:nvSpPr>
+        <p:spPr>
+          <a:xfrm>
+            <a:off x="6908110" y="3285524"/>
+            <a:ext cx="496800" cy="496614"/>
+          </a:xfrm>
+          <a:prstGeom prst="ellipse">
+            <a:avLst/>
+          </a:prstGeom>
+          <a:gradFill flip="none" rotWithShape="1">
+            <a:gsLst>
+              <a:gs pos="0">
+                <a:schemeClr val="tx1">
+                  <a:alpha val="90000"/>
+                </a:schemeClr>
+              </a:gs>
+              <a:gs pos="100000">
+                <a:schemeClr val="bg1"/>
+              </a:gs>
+            </a:gsLst>
+            <a:path path="shape">
+              <a:fillToRect l="50000" t="50000" r="50000" b="50000"/>
+            </a:path>
+            <a:tileRect/>
+          </a:gradFill>
+          <a:ln w="0">
+            <a:noFill/>
+            <a:prstDash val="sysDot"/>
+          </a:ln>
+          <a:effectLst/>
+        </p:spPr>
+        <p:style>
+          <a:lnRef idx="1">
+            <a:schemeClr val="accent1"/>
+          </a:lnRef>
+          <a:fillRef idx="3">
+            <a:schemeClr val="accent1"/>
+          </a:fillRef>
+          <a:effectRef idx="2">
+            <a:schemeClr val="accent1"/>
+          </a:effectRef>
+          <a:fontRef idx="minor">
+            <a:schemeClr val="lt1"/>
+          </a:fontRef>
+        </p:style>
+        <p:txBody>
+          <a:bodyPr rtlCol="0" anchor="ctr"/>
+          <a:lstStyle/>
+          <a:p>
+            <a:pPr algn="ctr"/>
+            <a:endParaRPr lang="zh-CN" altLang="en-US"/>
+          </a:p>
+        </p:txBody>
+      </p:sp>
+      <p:sp>
+        <p:nvSpPr>
+          <p:cNvPr id="81" name="椭圆 80"/>
+          <p:cNvSpPr/>
+          <p:nvPr/>
+        </p:nvSpPr>
+        <p:spPr>
+          <a:xfrm>
+            <a:off x="6908110" y="4119255"/>
+            <a:ext cx="496800" cy="496614"/>
+          </a:xfrm>
+          <a:prstGeom prst="ellipse">
+            <a:avLst/>
+          </a:prstGeom>
+          <a:gradFill flip="none" rotWithShape="1">
+            <a:gsLst>
+              <a:gs pos="0">
+                <a:schemeClr val="tx1">
+                  <a:alpha val="90000"/>
+                </a:schemeClr>
+              </a:gs>
+              <a:gs pos="100000">
+                <a:schemeClr val="bg1"/>
+              </a:gs>
+            </a:gsLst>
+            <a:path path="shape">
+              <a:fillToRect l="50000" t="50000" r="50000" b="50000"/>
+            </a:path>
+            <a:tileRect/>
+          </a:gradFill>
+          <a:ln w="0">
+            <a:noFill/>
+            <a:prstDash val="sysDot"/>
+          </a:ln>
+          <a:effectLst/>
+        </p:spPr>
+        <p:style>
+          <a:lnRef idx="1">
+            <a:schemeClr val="accent1"/>
+          </a:lnRef>
+          <a:fillRef idx="3">
+            <a:schemeClr val="accent1"/>
+          </a:fillRef>
+          <a:effectRef idx="2">
+            <a:schemeClr val="accent1"/>
+          </a:effectRef>
+          <a:fontRef idx="minor">
+            <a:schemeClr val="lt1"/>
+          </a:fontRef>
+        </p:style>
+        <p:txBody>
+          <a:bodyPr rtlCol="0" anchor="ctr"/>
+          <a:lstStyle/>
+          <a:p>
+            <a:pPr algn="ctr"/>
+            <a:endParaRPr lang="zh-CN" altLang="en-US"/>
+          </a:p>
+        </p:txBody>
+      </p:sp>
+      <p:sp>
+        <p:nvSpPr>
+          <p:cNvPr id="82" name="椭圆 81"/>
+          <p:cNvSpPr/>
+          <p:nvPr/>
+        </p:nvSpPr>
+        <p:spPr>
+          <a:xfrm>
+            <a:off x="6908110" y="4952987"/>
+            <a:ext cx="496800" cy="496614"/>
+          </a:xfrm>
+          <a:prstGeom prst="ellipse">
+            <a:avLst/>
+          </a:prstGeom>
+          <a:gradFill flip="none" rotWithShape="1">
+            <a:gsLst>
+              <a:gs pos="0">
+                <a:schemeClr val="tx1">
+                  <a:alpha val="90000"/>
+                </a:schemeClr>
+              </a:gs>
+              <a:gs pos="100000">
+                <a:schemeClr val="bg1"/>
+              </a:gs>
+            </a:gsLst>
+            <a:path path="shape">
+              <a:fillToRect l="50000" t="50000" r="50000" b="50000"/>
+            </a:path>
+            <a:tileRect/>
+          </a:gradFill>
+          <a:ln w="0">
+            <a:noFill/>
+            <a:prstDash val="sysDot"/>
+          </a:ln>
+          <a:effectLst/>
+        </p:spPr>
+        <p:style>
+          <a:lnRef idx="1">
+            <a:schemeClr val="accent1"/>
+          </a:lnRef>
+          <a:fillRef idx="3">
+            <a:schemeClr val="accent1"/>
+          </a:fillRef>
+          <a:effectRef idx="2">
+            <a:schemeClr val="accent1"/>
+          </a:effectRef>
+          <a:fontRef idx="minor">
+            <a:schemeClr val="lt1"/>
+          </a:fontRef>
+        </p:style>
+        <p:txBody>
+          <a:bodyPr rtlCol="0" anchor="ctr"/>
+          <a:lstStyle/>
+          <a:p>
+            <a:pPr algn="ctr"/>
+            <a:endParaRPr lang="zh-CN" altLang="en-US"/>
+          </a:p>
+        </p:txBody>
+      </p:sp>
+      <p:sp>
+        <p:nvSpPr>
+          <p:cNvPr id="83" name="椭圆 82"/>
+          <p:cNvSpPr/>
+          <p:nvPr/>
+        </p:nvSpPr>
+        <p:spPr>
+          <a:xfrm>
+            <a:off x="5061656" y="3135497"/>
+            <a:ext cx="149772" cy="150027"/>
+          </a:xfrm>
+          <a:prstGeom prst="ellipse">
+            <a:avLst/>
+          </a:prstGeom>
+          <a:solidFill>
+            <a:schemeClr val="tx1"/>
+          </a:solidFill>
+          <a:ln w="0">
+            <a:solidFill>
+              <a:schemeClr val="tx1"/>
+            </a:solidFill>
+            <a:prstDash val="sysDot"/>
+          </a:ln>
+          <a:effectLst/>
+        </p:spPr>
+        <p:style>
+          <a:lnRef idx="1">
+            <a:schemeClr val="accent1"/>
+          </a:lnRef>
+          <a:fillRef idx="3">
+            <a:schemeClr val="accent1"/>
+          </a:fillRef>
+          <a:effectRef idx="2">
+            <a:schemeClr val="accent1"/>
+          </a:effectRef>
+          <a:fontRef idx="minor">
+            <a:schemeClr val="lt1"/>
+          </a:fontRef>
+        </p:style>
+        <p:txBody>
+          <a:bodyPr rtlCol="0" anchor="ctr"/>
+          <a:lstStyle/>
+          <a:p>
+            <a:pPr algn="ctr"/>
+            <a:endParaRPr lang="zh-CN" altLang="en-US"/>
+          </a:p>
+        </p:txBody>
+      </p:sp>
+      <p:cxnSp>
+        <p:nvCxnSpPr>
+          <p:cNvPr id="85" name="直接连接符 84"/>
+          <p:cNvCxnSpPr/>
+          <p:nvPr/>
+        </p:nvCxnSpPr>
+        <p:spPr>
+          <a:xfrm rot="16200000" flipH="1">
+            <a:off x="4758610" y="2808839"/>
+            <a:ext cx="406384" cy="259342"/>
+          </a:xfrm>
+          <a:prstGeom prst="line">
+            <a:avLst/>
+          </a:prstGeom>
+          <a:ln>
+            <a:solidFill>
+              <a:schemeClr val="tx1"/>
+            </a:solidFill>
+            <a:prstDash val="sysDot"/>
+          </a:ln>
+          <a:effectLst/>
+        </p:spPr>
+        <p:style>
+          <a:lnRef idx="2">
+            <a:schemeClr val="accent1"/>
+          </a:lnRef>
+          <a:fillRef idx="0">
+            <a:schemeClr val="accent1"/>
+          </a:fillRef>
+          <a:effectRef idx="1">
+            <a:schemeClr val="accent1"/>
+          </a:effectRef>
+          <a:fontRef idx="minor">
+            <a:schemeClr val="tx1"/>
+          </a:fontRef>
+        </p:style>
+      </p:cxnSp>
+      <p:cxnSp>
+        <p:nvCxnSpPr>
+          <p:cNvPr id="86" name="直接连接符 85"/>
+          <p:cNvCxnSpPr>
+            <a:endCxn id="83" idx="3"/>
+          </p:cNvCxnSpPr>
+          <p:nvPr/>
+        </p:nvCxnSpPr>
+        <p:spPr>
+          <a:xfrm rot="5400000" flipH="1" flipV="1">
+            <a:off x="4819958" y="3275727"/>
+            <a:ext cx="275805" cy="251459"/>
+          </a:xfrm>
+          <a:prstGeom prst="line">
+            <a:avLst/>
+          </a:prstGeom>
+          <a:ln>
+            <a:solidFill>
+              <a:schemeClr val="tx1"/>
+            </a:solidFill>
+            <a:prstDash val="sysDot"/>
+          </a:ln>
+          <a:effectLst/>
+        </p:spPr>
+        <p:style>
+          <a:lnRef idx="2">
+            <a:schemeClr val="accent1"/>
+          </a:lnRef>
+          <a:fillRef idx="0">
+            <a:schemeClr val="accent1"/>
+          </a:fillRef>
+          <a:effectRef idx="1">
+            <a:schemeClr val="accent1"/>
+          </a:effectRef>
+          <a:fontRef idx="minor">
+            <a:schemeClr val="tx1"/>
+          </a:fontRef>
+        </p:style>
+      </p:cxnSp>
+      <p:cxnSp>
+        <p:nvCxnSpPr>
+          <p:cNvPr id="89" name="直接连接符 88"/>
+          <p:cNvCxnSpPr>
+            <a:stCxn id="83" idx="7"/>
+          </p:cNvCxnSpPr>
+          <p:nvPr/>
+        </p:nvCxnSpPr>
+        <p:spPr>
+          <a:xfrm rot="5400000" flipH="1" flipV="1">
+            <a:off x="5174167" y="2734879"/>
+            <a:ext cx="437916" cy="407263"/>
+          </a:xfrm>
+          <a:prstGeom prst="line">
+            <a:avLst/>
+          </a:prstGeom>
+          <a:ln>
+            <a:solidFill>
+              <a:schemeClr val="tx1"/>
+            </a:solidFill>
+            <a:prstDash val="sysDot"/>
+          </a:ln>
+          <a:effectLst/>
+        </p:spPr>
+        <p:style>
+          <a:lnRef idx="2">
+            <a:schemeClr val="accent1"/>
+          </a:lnRef>
+          <a:fillRef idx="0">
+            <a:schemeClr val="accent1"/>
+          </a:fillRef>
+          <a:effectRef idx="1">
+            <a:schemeClr val="accent1"/>
+          </a:effectRef>
+          <a:fontRef idx="minor">
+            <a:schemeClr val="tx1"/>
+          </a:fontRef>
+        </p:style>
+      </p:cxnSp>
+      <p:cxnSp>
+        <p:nvCxnSpPr>
+          <p:cNvPr id="98" name="直接连接符 97"/>
+          <p:cNvCxnSpPr>
+            <a:stCxn id="83" idx="5"/>
+          </p:cNvCxnSpPr>
+          <p:nvPr/>
+        </p:nvCxnSpPr>
+        <p:spPr>
+          <a:xfrm rot="16200000" flipH="1">
+            <a:off x="5255224" y="3197823"/>
+            <a:ext cx="275805" cy="407264"/>
+          </a:xfrm>
+          <a:prstGeom prst="line">
+            <a:avLst/>
+          </a:prstGeom>
+          <a:ln>
+            <a:solidFill>
+              <a:schemeClr val="tx1"/>
+            </a:solidFill>
+            <a:prstDash val="sysDot"/>
+          </a:ln>
+          <a:effectLst/>
+        </p:spPr>
+        <p:style>
+          <a:lnRef idx="2">
+            <a:schemeClr val="accent1"/>
+          </a:lnRef>
+          <a:fillRef idx="0">
+            <a:schemeClr val="accent1"/>
+          </a:fillRef>
+          <a:effectRef idx="1">
+            <a:schemeClr val="accent1"/>
+          </a:effectRef>
+          <a:fontRef idx="minor">
+            <a:schemeClr val="tx1"/>
+          </a:fontRef>
+        </p:style>
+      </p:cxnSp>
+      <p:sp>
+        <p:nvSpPr>
+          <p:cNvPr id="101" name="线形标注 1(带强调线) 100"/>
+          <p:cNvSpPr/>
+          <p:nvPr/>
+        </p:nvSpPr>
+        <p:spPr>
+          <a:xfrm>
+            <a:off x="5637784" y="3080316"/>
+            <a:ext cx="1645886" cy="128055"/>
+          </a:xfrm>
+          <a:prstGeom prst="accentCallout1">
+            <a:avLst>
+              <a:gd name="adj1" fmla="val 18750"/>
+              <a:gd name="adj2" fmla="val 6035"/>
+              <a:gd name="adj3" fmla="val 100188"/>
+              <a:gd name="adj4" fmla="val -29712"/>
+            </a:avLst>
+          </a:prstGeom>
+          <a:solidFill>
+            <a:schemeClr val="bg1"/>
+          </a:solidFill>
+          <a:ln w="12700">
+            <a:solidFill>
+              <a:schemeClr val="tx1"/>
+            </a:solidFill>
+            <a:prstDash val="solid"/>
+          </a:ln>
+          <a:effectLst/>
+        </p:spPr>
+        <p:style>
+          <a:lnRef idx="1">
+            <a:schemeClr val="accent1"/>
+          </a:lnRef>
+          <a:fillRef idx="3">
+            <a:schemeClr val="accent1"/>
+          </a:fillRef>
+          <a:effectRef idx="2">
+            <a:schemeClr val="accent1"/>
+          </a:effectRef>
+          <a:fontRef idx="minor">
+            <a:schemeClr val="lt1"/>
+          </a:fontRef>
+        </p:style>
+        <p:txBody>
+          <a:bodyPr rtlCol="0" anchor="ctr"/>
+          <a:lstStyle/>
+          <a:p>
+            <a:pPr algn="ctr"/>
+            <a:r>
+              <a:rPr lang="zh-CN" altLang="en-US" smtClean="0">
+                <a:solidFill>
+                  <a:schemeClr val="tx1"/>
+                </a:solidFill>
+              </a:rPr>
+              <a:t>移动终端设备</a:t>
+            </a:r>
+            <a:endParaRPr lang="zh-CN" altLang="en-US">
+              <a:solidFill>
+                <a:schemeClr val="tx1"/>
+              </a:solidFill>
+            </a:endParaRPr>
+          </a:p>
+        </p:txBody>
+      </p:sp>
+      <p:sp>
+        <p:nvSpPr>
+          <p:cNvPr id="102" name="线形标注 1(带强调线) 101"/>
+          <p:cNvSpPr/>
+          <p:nvPr/>
+        </p:nvSpPr>
+        <p:spPr>
+          <a:xfrm>
+            <a:off x="1716599" y="252248"/>
+            <a:ext cx="781085" cy="315311"/>
+          </a:xfrm>
+          <a:prstGeom prst="accentCallout1">
+            <a:avLst>
+              <a:gd name="adj1" fmla="val 38750"/>
+              <a:gd name="adj2" fmla="val 16897"/>
+              <a:gd name="adj3" fmla="val 242500"/>
+              <a:gd name="adj4" fmla="val -4020"/>
+            </a:avLst>
+          </a:prstGeom>
+          <a:solidFill>
+            <a:schemeClr val="bg1"/>
+          </a:solidFill>
+          <a:ln w="12700">
+            <a:solidFill>
+              <a:schemeClr val="tx1"/>
+            </a:solidFill>
+            <a:prstDash val="solid"/>
+          </a:ln>
+          <a:effectLst/>
+        </p:spPr>
+        <p:style>
+          <a:lnRef idx="1">
+            <a:schemeClr val="accent1"/>
+          </a:lnRef>
+          <a:fillRef idx="3">
+            <a:schemeClr val="accent1"/>
+          </a:fillRef>
+          <a:effectRef idx="2">
+            <a:schemeClr val="accent1"/>
+          </a:effectRef>
+          <a:fontRef idx="minor">
+            <a:schemeClr val="lt1"/>
+          </a:fontRef>
+        </p:style>
+        <p:txBody>
+          <a:bodyPr rtlCol="0" anchor="ctr"/>
+          <a:lstStyle/>
+          <a:p>
+            <a:pPr algn="ctr"/>
+            <a:r>
+              <a:rPr lang="en-US" altLang="zh-CN" smtClean="0">
+                <a:solidFill>
+                  <a:schemeClr val="tx1"/>
+                </a:solidFill>
+              </a:rPr>
+              <a:t>AP1</a:t>
+            </a:r>
+            <a:endParaRPr lang="zh-CN" altLang="en-US">
+              <a:solidFill>
+                <a:schemeClr val="tx1"/>
+              </a:solidFill>
+            </a:endParaRPr>
+          </a:p>
+        </p:txBody>
+      </p:sp>
+      <p:sp>
+        <p:nvSpPr>
+          <p:cNvPr id="104" name="线形标注 1(带强调线) 103"/>
+          <p:cNvSpPr/>
+          <p:nvPr/>
+        </p:nvSpPr>
+        <p:spPr>
+          <a:xfrm>
+            <a:off x="7609486" y="5134290"/>
+            <a:ext cx="781085" cy="315311"/>
+          </a:xfrm>
+          <a:prstGeom prst="accentCallout1">
+            <a:avLst>
+              <a:gd name="adj1" fmla="val 38750"/>
+              <a:gd name="adj2" fmla="val 16897"/>
+              <a:gd name="adj3" fmla="val 27500"/>
+              <a:gd name="adj4" fmla="val -51453"/>
+            </a:avLst>
+          </a:prstGeom>
+          <a:solidFill>
+            <a:schemeClr val="bg1"/>
+          </a:solidFill>
+          <a:ln w="12700">
+            <a:solidFill>
+              <a:schemeClr val="tx1"/>
+            </a:solidFill>
+            <a:prstDash val="solid"/>
+          </a:ln>
+          <a:effectLst/>
+        </p:spPr>
+        <p:style>
+          <a:lnRef idx="1">
+            <a:schemeClr val="accent1"/>
+          </a:lnRef>
+          <a:fillRef idx="3">
+            <a:schemeClr val="accent1"/>
+          </a:fillRef>
+          <a:effectRef idx="2">
+            <a:schemeClr val="accent1"/>
+          </a:effectRef>
+          <a:fontRef idx="minor">
+            <a:schemeClr val="lt1"/>
+          </a:fontRef>
+        </p:style>
+        <p:txBody>
+          <a:bodyPr rtlCol="0" anchor="ctr"/>
+          <a:lstStyle/>
+          <a:p>
+            <a:pPr algn="ctr"/>
+            <a:r>
+              <a:rPr lang="en-US" altLang="zh-CN" smtClean="0">
+                <a:solidFill>
+                  <a:schemeClr val="tx1"/>
+                </a:solidFill>
+              </a:rPr>
+              <a:t>APn</a:t>
+            </a:r>
+            <a:endParaRPr lang="zh-CN" altLang="en-US">
+              <a:solidFill>
+                <a:schemeClr val="tx1"/>
+              </a:solidFill>
+            </a:endParaRPr>
+          </a:p>
+        </p:txBody>
+      </p:sp>
+    </p:spTree>
+  </p:cSld>
+  <p:clrMapOvr>
+    <a:masterClrMapping/>
+  </p:clrMapOvr>
+</p:sld>
+</file>
+
+<file path=ppt/slides/slide11.xml><?xml version="1.0" encoding="utf-8"?>
+<p:sld xmlns:a="http://schemas.openxmlformats.org/drawingml/2006/main" xmlns:r="http://schemas.openxmlformats.org/officeDocument/2006/relationships" xmlns:p="http://schemas.openxmlformats.org/presentationml/2006/main">
+  <p:cSld>
+    <p:spTree>
+      <p:nvGrpSpPr>
+        <p:cNvPr id="1" name=""/>
+        <p:cNvGrpSpPr/>
+        <p:nvPr/>
+      </p:nvGrpSpPr>
+      <p:grpSpPr>
+        <a:xfrm>
+          <a:off x="0" y="0"/>
+          <a:ext cx="0" cy="0"/>
+          <a:chOff x="0" y="0"/>
+          <a:chExt cx="0" cy="0"/>
+        </a:xfrm>
+      </p:grpSpPr>
+      <p:cxnSp>
+        <p:nvCxnSpPr>
+          <p:cNvPr id="5" name="直接连接符 4"/>
+          <p:cNvCxnSpPr/>
+          <p:nvPr/>
+        </p:nvCxnSpPr>
+        <p:spPr>
+          <a:xfrm rot="16200000" flipH="1">
+            <a:off x="504517" y="3547247"/>
+            <a:ext cx="4493163" cy="15768"/>
+          </a:xfrm>
+          <a:prstGeom prst="line">
+            <a:avLst/>
+          </a:prstGeom>
+          <a:ln w="38100">
+            <a:solidFill>
+              <a:schemeClr val="tx1"/>
+            </a:solidFill>
+            <a:headEnd type="none" w="med" len="med"/>
+            <a:tailEnd type="arrow" w="med" len="med"/>
+          </a:ln>
+          <a:effectLst/>
+        </p:spPr>
+        <p:style>
+          <a:lnRef idx="2">
+            <a:schemeClr val="accent1"/>
+          </a:lnRef>
+          <a:fillRef idx="0">
+            <a:schemeClr val="accent1"/>
+          </a:fillRef>
+          <a:effectRef idx="1">
+            <a:schemeClr val="accent1"/>
+          </a:effectRef>
+          <a:fontRef idx="minor">
+            <a:schemeClr val="tx1"/>
+          </a:fontRef>
+        </p:style>
+      </p:cxnSp>
+      <p:cxnSp>
+        <p:nvCxnSpPr>
+          <p:cNvPr id="6" name="直接连接符 5"/>
+          <p:cNvCxnSpPr/>
+          <p:nvPr/>
+        </p:nvCxnSpPr>
+        <p:spPr>
+          <a:xfrm rot="16200000" flipH="1">
+            <a:off x="3728563" y="3547249"/>
+            <a:ext cx="4493165" cy="15766"/>
+          </a:xfrm>
+          <a:prstGeom prst="line">
+            <a:avLst/>
+          </a:prstGeom>
+          <a:ln w="38100">
+            <a:solidFill>
+              <a:schemeClr val="tx1"/>
+            </a:solidFill>
+            <a:headEnd type="none" w="med" len="med"/>
+            <a:tailEnd type="arrow" w="med" len="med"/>
+          </a:ln>
+          <a:effectLst/>
+        </p:spPr>
+        <p:style>
+          <a:lnRef idx="2">
+            <a:schemeClr val="accent1"/>
+          </a:lnRef>
+          <a:fillRef idx="0">
+            <a:schemeClr val="accent1"/>
+          </a:fillRef>
+          <a:effectRef idx="1">
+            <a:schemeClr val="accent1"/>
+          </a:effectRef>
+          <a:fontRef idx="minor">
+            <a:schemeClr val="tx1"/>
+          </a:fontRef>
+        </p:style>
+      </p:cxnSp>
+      <p:sp>
+        <p:nvSpPr>
+          <p:cNvPr id="7" name="TextBox 6"/>
+          <p:cNvSpPr txBox="1"/>
+          <p:nvPr/>
+        </p:nvSpPr>
+        <p:spPr>
+          <a:xfrm>
+            <a:off x="1962809" y="914408"/>
+            <a:ext cx="1576551" cy="369332"/>
+          </a:xfrm>
+          <a:prstGeom prst="rect">
+            <a:avLst/>
+          </a:prstGeom>
+          <a:noFill/>
+          <a:effectLst/>
+        </p:spPr>
+        <p:txBody>
+          <a:bodyPr wrap="square" rtlCol="0">
+            <a:spAutoFit/>
+          </a:bodyPr>
+          <a:lstStyle/>
+          <a:p>
+            <a:pPr algn="ctr"/>
+            <a:r>
+              <a:rPr lang="zh-CN" altLang="en-US" smtClean="0"/>
+              <a:t>移动终端设备</a:t>
+            </a:r>
+            <a:endParaRPr lang="zh-CN" altLang="en-US"/>
+          </a:p>
+        </p:txBody>
+      </p:sp>
+      <p:sp>
+        <p:nvSpPr>
+          <p:cNvPr id="8" name="TextBox 7"/>
+          <p:cNvSpPr txBox="1"/>
+          <p:nvPr/>
+        </p:nvSpPr>
+        <p:spPr>
+          <a:xfrm>
+            <a:off x="5486409" y="922291"/>
+            <a:ext cx="969579" cy="369332"/>
+          </a:xfrm>
+          <a:prstGeom prst="rect">
+            <a:avLst/>
+          </a:prstGeom>
+          <a:noFill/>
+          <a:effectLst/>
+        </p:spPr>
+        <p:txBody>
+          <a:bodyPr wrap="square" rtlCol="0">
+            <a:spAutoFit/>
+          </a:bodyPr>
+          <a:lstStyle/>
+          <a:p>
+            <a:pPr algn="ctr"/>
+            <a:r>
+              <a:rPr lang="zh-CN" altLang="en-US" smtClean="0"/>
+              <a:t>服务器</a:t>
+            </a:r>
+            <a:endParaRPr lang="zh-CN" altLang="en-US"/>
+          </a:p>
+        </p:txBody>
+      </p:sp>
+      <p:cxnSp>
+        <p:nvCxnSpPr>
+          <p:cNvPr id="10" name="直接箭头连接符 9"/>
+          <p:cNvCxnSpPr/>
+          <p:nvPr/>
+        </p:nvCxnSpPr>
+        <p:spPr>
+          <a:xfrm>
+            <a:off x="2758980" y="1418897"/>
+            <a:ext cx="3208281" cy="299544"/>
+          </a:xfrm>
+          <a:prstGeom prst="straightConnector1">
+            <a:avLst/>
+          </a:prstGeom>
+          <a:ln>
+            <a:solidFill>
+              <a:schemeClr val="tx1"/>
+            </a:solidFill>
+            <a:tailEnd type="arrow"/>
+          </a:ln>
+          <a:effectLst/>
+        </p:spPr>
+        <p:style>
+          <a:lnRef idx="2">
+            <a:schemeClr val="accent1"/>
+          </a:lnRef>
+          <a:fillRef idx="0">
+            <a:schemeClr val="accent1"/>
+          </a:fillRef>
+          <a:effectRef idx="1">
+            <a:schemeClr val="accent1"/>
+          </a:effectRef>
+          <a:fontRef idx="minor">
+            <a:schemeClr val="tx1"/>
+          </a:fontRef>
+        </p:style>
+      </p:cxnSp>
+      <p:cxnSp>
+        <p:nvCxnSpPr>
+          <p:cNvPr id="11" name="直接箭头连接符 10"/>
+          <p:cNvCxnSpPr/>
+          <p:nvPr/>
+        </p:nvCxnSpPr>
+        <p:spPr>
+          <a:xfrm>
+            <a:off x="2774747" y="1571297"/>
+            <a:ext cx="3208281" cy="299544"/>
+          </a:xfrm>
+          <a:prstGeom prst="straightConnector1">
+            <a:avLst/>
+          </a:prstGeom>
+          <a:ln>
+            <a:solidFill>
+              <a:schemeClr val="tx1"/>
+            </a:solidFill>
+            <a:tailEnd type="arrow"/>
+          </a:ln>
+          <a:effectLst/>
+        </p:spPr>
+        <p:style>
+          <a:lnRef idx="2">
+            <a:schemeClr val="accent1"/>
+          </a:lnRef>
+          <a:fillRef idx="0">
+            <a:schemeClr val="accent1"/>
+          </a:fillRef>
+          <a:effectRef idx="1">
+            <a:schemeClr val="accent1"/>
+          </a:effectRef>
+          <a:fontRef idx="minor">
+            <a:schemeClr val="tx1"/>
+          </a:fontRef>
+        </p:style>
+      </p:cxnSp>
+      <p:cxnSp>
+        <p:nvCxnSpPr>
+          <p:cNvPr id="12" name="直接箭头连接符 11"/>
+          <p:cNvCxnSpPr/>
+          <p:nvPr/>
+        </p:nvCxnSpPr>
+        <p:spPr>
+          <a:xfrm>
+            <a:off x="2774747" y="1721069"/>
+            <a:ext cx="3208281" cy="299544"/>
+          </a:xfrm>
+          <a:prstGeom prst="straightConnector1">
+            <a:avLst/>
+          </a:prstGeom>
+          <a:ln>
+            <a:solidFill>
+              <a:schemeClr val="tx1"/>
+            </a:solidFill>
+            <a:tailEnd type="arrow"/>
+          </a:ln>
+          <a:effectLst/>
+        </p:spPr>
+        <p:style>
+          <a:lnRef idx="2">
+            <a:schemeClr val="accent1"/>
+          </a:lnRef>
+          <a:fillRef idx="0">
+            <a:schemeClr val="accent1"/>
+          </a:fillRef>
+          <a:effectRef idx="1">
+            <a:schemeClr val="accent1"/>
+          </a:effectRef>
+          <a:fontRef idx="minor">
+            <a:schemeClr val="tx1"/>
+          </a:fontRef>
+        </p:style>
+      </p:cxnSp>
+      <p:cxnSp>
+        <p:nvCxnSpPr>
+          <p:cNvPr id="13" name="直接箭头连接符 12"/>
+          <p:cNvCxnSpPr/>
+          <p:nvPr/>
+        </p:nvCxnSpPr>
+        <p:spPr>
+          <a:xfrm>
+            <a:off x="2774747" y="2243970"/>
+            <a:ext cx="3208281" cy="299544"/>
+          </a:xfrm>
+          <a:prstGeom prst="straightConnector1">
+            <a:avLst/>
+          </a:prstGeom>
+          <a:ln>
+            <a:solidFill>
+              <a:schemeClr val="tx1"/>
+            </a:solidFill>
+            <a:tailEnd type="arrow"/>
+          </a:ln>
+          <a:effectLst/>
+        </p:spPr>
+        <p:style>
+          <a:lnRef idx="2">
+            <a:schemeClr val="accent1"/>
+          </a:lnRef>
+          <a:fillRef idx="0">
+            <a:schemeClr val="accent1"/>
+          </a:fillRef>
+          <a:effectRef idx="1">
+            <a:schemeClr val="accent1"/>
+          </a:effectRef>
+          <a:fontRef idx="minor">
+            <a:schemeClr val="tx1"/>
+          </a:fontRef>
+        </p:style>
+      </p:cxnSp>
+      <p:cxnSp>
+        <p:nvCxnSpPr>
+          <p:cNvPr id="16" name="直接连接符 15"/>
+          <p:cNvCxnSpPr/>
+          <p:nvPr/>
+        </p:nvCxnSpPr>
+        <p:spPr>
+          <a:xfrm rot="5400000">
+            <a:off x="3954517" y="2125717"/>
+            <a:ext cx="509752" cy="1588"/>
+          </a:xfrm>
+          <a:prstGeom prst="line">
+            <a:avLst/>
+          </a:prstGeom>
+          <a:ln>
+            <a:solidFill>
+              <a:schemeClr val="tx1"/>
+            </a:solidFill>
+            <a:prstDash val="sysDot"/>
+          </a:ln>
+          <a:effectLst/>
+        </p:spPr>
+        <p:style>
+          <a:lnRef idx="2">
+            <a:schemeClr val="accent1"/>
+          </a:lnRef>
+          <a:fillRef idx="0">
+            <a:schemeClr val="accent1"/>
+          </a:fillRef>
+          <a:effectRef idx="1">
+            <a:schemeClr val="accent1"/>
+          </a:effectRef>
+          <a:fontRef idx="minor">
+            <a:schemeClr val="tx1"/>
+          </a:fontRef>
+        </p:style>
+      </p:cxnSp>
+      <p:cxnSp>
+        <p:nvCxnSpPr>
+          <p:cNvPr id="18" name="直接箭头连接符 17"/>
+          <p:cNvCxnSpPr/>
+          <p:nvPr/>
+        </p:nvCxnSpPr>
+        <p:spPr>
+          <a:xfrm>
+            <a:off x="2758980" y="3925633"/>
+            <a:ext cx="3208281" cy="331076"/>
+          </a:xfrm>
+          <a:prstGeom prst="straightConnector1">
+            <a:avLst/>
+          </a:prstGeom>
+          <a:ln>
+            <a:solidFill>
+              <a:schemeClr val="tx1"/>
+            </a:solidFill>
+            <a:tailEnd type="arrow"/>
+          </a:ln>
+          <a:effectLst/>
+        </p:spPr>
+        <p:style>
+          <a:lnRef idx="2">
+            <a:schemeClr val="accent1"/>
+          </a:lnRef>
+          <a:fillRef idx="0">
+            <a:schemeClr val="accent1"/>
+          </a:fillRef>
+          <a:effectRef idx="1">
+            <a:schemeClr val="accent1"/>
+          </a:effectRef>
+          <a:fontRef idx="minor">
+            <a:schemeClr val="tx1"/>
+          </a:fontRef>
+        </p:style>
+      </p:cxnSp>
+      <p:cxnSp>
+        <p:nvCxnSpPr>
+          <p:cNvPr id="20" name="直接箭头连接符 19"/>
+          <p:cNvCxnSpPr/>
+          <p:nvPr/>
+        </p:nvCxnSpPr>
+        <p:spPr>
+          <a:xfrm rot="10800000" flipV="1">
+            <a:off x="2743213" y="4784854"/>
+            <a:ext cx="3224048" cy="331076"/>
+          </a:xfrm>
+          <a:prstGeom prst="straightConnector1">
+            <a:avLst/>
+          </a:prstGeom>
+          <a:ln>
+            <a:solidFill>
+              <a:schemeClr val="tx1"/>
+            </a:solidFill>
+            <a:tailEnd type="arrow"/>
+          </a:ln>
+          <a:effectLst/>
+        </p:spPr>
+        <p:style>
+          <a:lnRef idx="2">
+            <a:schemeClr val="accent1"/>
+          </a:lnRef>
+          <a:fillRef idx="0">
+            <a:schemeClr val="accent1"/>
+          </a:fillRef>
+          <a:effectRef idx="1">
+            <a:schemeClr val="accent1"/>
+          </a:effectRef>
+          <a:fontRef idx="minor">
+            <a:schemeClr val="tx1"/>
+          </a:fontRef>
+        </p:style>
+      </p:cxnSp>
+      <p:sp>
+        <p:nvSpPr>
+          <p:cNvPr id="23" name="右大括号 22"/>
+          <p:cNvSpPr/>
+          <p:nvPr/>
+        </p:nvSpPr>
+        <p:spPr>
+          <a:xfrm>
+            <a:off x="6014560" y="1718441"/>
+            <a:ext cx="212820" cy="825073"/>
+          </a:xfrm>
+          <a:prstGeom prst="rightBrace">
+            <a:avLst>
+              <a:gd name="adj1" fmla="val 37964"/>
+              <a:gd name="adj2" fmla="val 50000"/>
+            </a:avLst>
+          </a:prstGeom>
+          <a:ln w="12700">
+            <a:solidFill>
+              <a:schemeClr val="tx1"/>
+            </a:solidFill>
+          </a:ln>
+          <a:effectLst/>
+        </p:spPr>
+        <p:style>
+          <a:lnRef idx="2">
+            <a:schemeClr val="accent1"/>
+          </a:lnRef>
+          <a:fillRef idx="0">
+            <a:schemeClr val="accent1"/>
+          </a:fillRef>
+          <a:effectRef idx="1">
+            <a:schemeClr val="accent1"/>
+          </a:effectRef>
+          <a:fontRef idx="minor">
+            <a:schemeClr val="tx1"/>
+          </a:fontRef>
+        </p:style>
+        <p:txBody>
+          <a:bodyPr rtlCol="0" anchor="ctr"/>
+          <a:lstStyle/>
+          <a:p>
+            <a:pPr algn="ctr"/>
+            <a:endParaRPr lang="zh-CN" altLang="en-US"/>
+          </a:p>
+        </p:txBody>
+      </p:sp>
+      <p:sp>
+        <p:nvSpPr>
+          <p:cNvPr id="24" name="左大括号 23"/>
+          <p:cNvSpPr/>
+          <p:nvPr/>
+        </p:nvSpPr>
+        <p:spPr>
+          <a:xfrm>
+            <a:off x="2475192" y="1394104"/>
+            <a:ext cx="204951" cy="849866"/>
+          </a:xfrm>
+          <a:prstGeom prst="leftBrace">
+            <a:avLst>
+              <a:gd name="adj1" fmla="val 33333"/>
+              <a:gd name="adj2" fmla="val 49179"/>
+            </a:avLst>
+          </a:prstGeom>
+          <a:ln w="12700">
+            <a:solidFill>
+              <a:schemeClr val="tx1"/>
+            </a:solidFill>
+          </a:ln>
+          <a:effectLst/>
+        </p:spPr>
+        <p:style>
+          <a:lnRef idx="2">
+            <a:schemeClr val="accent1"/>
+          </a:lnRef>
+          <a:fillRef idx="0">
+            <a:schemeClr val="accent1"/>
+          </a:fillRef>
+          <a:effectRef idx="1">
+            <a:schemeClr val="accent1"/>
+          </a:effectRef>
+          <a:fontRef idx="minor">
+            <a:schemeClr val="tx1"/>
+          </a:fontRef>
+        </p:style>
+        <p:txBody>
+          <a:bodyPr rtlCol="0" anchor="ctr"/>
+          <a:lstStyle/>
+          <a:p>
+            <a:pPr algn="ctr"/>
+            <a:endParaRPr lang="zh-CN" altLang="en-US"/>
+          </a:p>
+        </p:txBody>
+      </p:sp>
+      <p:sp>
+        <p:nvSpPr>
+          <p:cNvPr id="25" name="右大括号 24"/>
+          <p:cNvSpPr/>
+          <p:nvPr/>
+        </p:nvSpPr>
+        <p:spPr>
+          <a:xfrm>
+            <a:off x="6014560" y="2672265"/>
+            <a:ext cx="212820" cy="1466183"/>
+          </a:xfrm>
+          <a:prstGeom prst="rightBrace">
+            <a:avLst>
+              <a:gd name="adj1" fmla="val 37964"/>
+              <a:gd name="adj2" fmla="val 50000"/>
+            </a:avLst>
+          </a:prstGeom>
+          <a:ln w="12700">
+            <a:solidFill>
+              <a:schemeClr val="tx1"/>
+            </a:solidFill>
+          </a:ln>
+          <a:effectLst/>
+        </p:spPr>
+        <p:style>
+          <a:lnRef idx="2">
+            <a:schemeClr val="accent1"/>
+          </a:lnRef>
+          <a:fillRef idx="0">
+            <a:schemeClr val="accent1"/>
+          </a:fillRef>
+          <a:effectRef idx="1">
+            <a:schemeClr val="accent1"/>
+          </a:effectRef>
+          <a:fontRef idx="minor">
+            <a:schemeClr val="tx1"/>
+          </a:fontRef>
+        </p:style>
+        <p:txBody>
+          <a:bodyPr rtlCol="0" anchor="ctr"/>
+          <a:lstStyle/>
+          <a:p>
+            <a:pPr algn="ctr"/>
+            <a:endParaRPr lang="zh-CN" altLang="en-US"/>
+          </a:p>
+        </p:txBody>
+      </p:sp>
+      <p:sp>
+        <p:nvSpPr>
+          <p:cNvPr id="26" name="右大括号 25"/>
+          <p:cNvSpPr/>
+          <p:nvPr/>
+        </p:nvSpPr>
+        <p:spPr>
+          <a:xfrm>
+            <a:off x="6022443" y="4256709"/>
+            <a:ext cx="204937" cy="528145"/>
+          </a:xfrm>
+          <a:prstGeom prst="rightBrace">
+            <a:avLst>
+              <a:gd name="adj1" fmla="val 37964"/>
+              <a:gd name="adj2" fmla="val 50000"/>
+            </a:avLst>
+          </a:prstGeom>
+          <a:ln w="12700">
+            <a:solidFill>
+              <a:schemeClr val="tx1"/>
+            </a:solidFill>
+          </a:ln>
+          <a:effectLst/>
+        </p:spPr>
+        <p:style>
+          <a:lnRef idx="2">
+            <a:schemeClr val="accent1"/>
+          </a:lnRef>
+          <a:fillRef idx="0">
+            <a:schemeClr val="accent1"/>
+          </a:fillRef>
+          <a:effectRef idx="1">
+            <a:schemeClr val="accent1"/>
+          </a:effectRef>
+          <a:fontRef idx="minor">
+            <a:schemeClr val="tx1"/>
+          </a:fontRef>
+        </p:style>
+        <p:txBody>
+          <a:bodyPr rtlCol="0" anchor="ctr"/>
+          <a:lstStyle/>
+          <a:p>
+            <a:pPr algn="ctr"/>
+            <a:endParaRPr lang="zh-CN" altLang="en-US"/>
+          </a:p>
+        </p:txBody>
+      </p:sp>
+      <p:sp>
+        <p:nvSpPr>
+          <p:cNvPr id="27" name="TextBox 26"/>
+          <p:cNvSpPr txBox="1"/>
+          <p:nvPr/>
+        </p:nvSpPr>
+        <p:spPr>
+          <a:xfrm>
+            <a:off x="961698" y="1401987"/>
+            <a:ext cx="1663271" cy="830997"/>
+          </a:xfrm>
+          <a:prstGeom prst="rect">
+            <a:avLst/>
+          </a:prstGeom>
+          <a:noFill/>
+          <a:effectLst/>
+        </p:spPr>
+        <p:txBody>
+          <a:bodyPr wrap="square" rtlCol="0">
+            <a:spAutoFit/>
+          </a:bodyPr>
+          <a:lstStyle/>
+          <a:p>
+            <a:r>
+              <a:rPr lang="zh-CN" altLang="en-US" sz="1200" smtClean="0"/>
+              <a:t>在每个</a:t>
+            </a:r>
+            <a:r>
+              <a:rPr lang="en-US" altLang="zh-CN" sz="1200" smtClean="0"/>
+              <a:t>CP</a:t>
+            </a:r>
+            <a:r>
+              <a:rPr lang="zh-CN" altLang="en-US" sz="1200" smtClean="0"/>
+              <a:t>上收集多组</a:t>
+            </a:r>
+            <a:r>
+              <a:rPr lang="en-US" altLang="zh-CN" sz="1200" smtClean="0"/>
+              <a:t>AP</a:t>
+            </a:r>
+            <a:r>
+              <a:rPr lang="zh-CN" altLang="en-US" sz="1200" smtClean="0"/>
+              <a:t>信息，并连同</a:t>
+            </a:r>
+            <a:r>
+              <a:rPr lang="en-US" altLang="zh-CN" sz="1200" smtClean="0"/>
+              <a:t>CP</a:t>
+            </a:r>
+            <a:r>
+              <a:rPr lang="zh-CN" altLang="en-US" sz="1200" smtClean="0"/>
+              <a:t>所处的区域</a:t>
+            </a:r>
+            <a:r>
+              <a:rPr lang="en-US" altLang="zh-CN" sz="1200" smtClean="0"/>
+              <a:t>ID</a:t>
+            </a:r>
+            <a:r>
+              <a:rPr lang="zh-CN" altLang="en-US" sz="1200" smtClean="0"/>
+              <a:t>一并发送到服务器端数据库</a:t>
+            </a:r>
+            <a:endParaRPr lang="zh-CN" altLang="en-US" sz="1200"/>
+          </a:p>
+        </p:txBody>
+      </p:sp>
+      <p:sp>
+        <p:nvSpPr>
+          <p:cNvPr id="28" name="TextBox 27"/>
+          <p:cNvSpPr txBox="1"/>
+          <p:nvPr/>
+        </p:nvSpPr>
+        <p:spPr>
+          <a:xfrm>
+            <a:off x="6180082" y="1618590"/>
+            <a:ext cx="1600199" cy="1015663"/>
+          </a:xfrm>
+          <a:prstGeom prst="rect">
+            <a:avLst/>
+          </a:prstGeom>
+          <a:noFill/>
+          <a:effectLst/>
+        </p:spPr>
+        <p:txBody>
+          <a:bodyPr wrap="square" rtlCol="0">
+            <a:spAutoFit/>
+          </a:bodyPr>
+          <a:lstStyle/>
+          <a:p>
+            <a:r>
+              <a:rPr lang="zh-CN" altLang="en-US" sz="1200" smtClean="0"/>
+              <a:t>将接收到的数据根据</a:t>
+            </a:r>
+            <a:r>
+              <a:rPr lang="en-US" altLang="zh-CN" sz="1200" smtClean="0"/>
+              <a:t>CP</a:t>
+            </a:r>
+            <a:r>
+              <a:rPr lang="zh-CN" altLang="en-US" sz="1200" smtClean="0"/>
+              <a:t>所处的区域</a:t>
+            </a:r>
+            <a:r>
+              <a:rPr lang="en-US" altLang="zh-CN" sz="1200" smtClean="0"/>
+              <a:t>ID</a:t>
+            </a:r>
+            <a:r>
+              <a:rPr lang="zh-CN" altLang="en-US" sz="1200" smtClean="0"/>
+              <a:t>保存至数据库形成定位区域数据表，区域</a:t>
+            </a:r>
+            <a:r>
+              <a:rPr lang="en-US" altLang="zh-CN" sz="1200" smtClean="0"/>
+              <a:t>ID</a:t>
+            </a:r>
+            <a:r>
+              <a:rPr lang="zh-CN" altLang="en-US" sz="1200" smtClean="0"/>
+              <a:t>为数据查询依据</a:t>
+            </a:r>
+            <a:endParaRPr lang="zh-CN" altLang="en-US" sz="1200"/>
+          </a:p>
+        </p:txBody>
+      </p:sp>
+      <p:sp>
+        <p:nvSpPr>
+          <p:cNvPr id="29" name="TextBox 28"/>
+          <p:cNvSpPr txBox="1"/>
+          <p:nvPr/>
+        </p:nvSpPr>
+        <p:spPr>
+          <a:xfrm>
+            <a:off x="6180082" y="3074285"/>
+            <a:ext cx="1663261" cy="646331"/>
+          </a:xfrm>
+          <a:prstGeom prst="rect">
+            <a:avLst/>
+          </a:prstGeom>
+          <a:noFill/>
+          <a:effectLst/>
+        </p:spPr>
+        <p:txBody>
+          <a:bodyPr wrap="square" rtlCol="0">
+            <a:spAutoFit/>
+          </a:bodyPr>
+          <a:lstStyle/>
+          <a:p>
+            <a:r>
+              <a:rPr lang="zh-CN" altLang="en-US" sz="1200" smtClean="0"/>
+              <a:t>根据定位为区域数据表为基础，计算生成校准数据表</a:t>
+            </a:r>
+            <a:endParaRPr lang="zh-CN" altLang="en-US" sz="1200"/>
+          </a:p>
+        </p:txBody>
+      </p:sp>
+      <p:sp>
+        <p:nvSpPr>
+          <p:cNvPr id="30" name="TextBox 29"/>
+          <p:cNvSpPr txBox="1"/>
+          <p:nvPr/>
+        </p:nvSpPr>
+        <p:spPr>
+          <a:xfrm>
+            <a:off x="1537143" y="3783680"/>
+            <a:ext cx="1292777" cy="276999"/>
+          </a:xfrm>
+          <a:prstGeom prst="rect">
+            <a:avLst/>
+          </a:prstGeom>
+          <a:noFill/>
+          <a:effectLst/>
+        </p:spPr>
+        <p:txBody>
+          <a:bodyPr wrap="square" rtlCol="0">
+            <a:spAutoFit/>
+          </a:bodyPr>
+          <a:lstStyle/>
+          <a:p>
+            <a:r>
+              <a:rPr lang="zh-CN" altLang="en-US" sz="1200" smtClean="0"/>
+              <a:t>发送待定位数据</a:t>
+            </a:r>
+            <a:endParaRPr lang="zh-CN" altLang="en-US" sz="1200"/>
+          </a:p>
+        </p:txBody>
+      </p:sp>
+      <p:sp>
+        <p:nvSpPr>
+          <p:cNvPr id="31" name="TextBox 30"/>
+          <p:cNvSpPr txBox="1"/>
+          <p:nvPr/>
+        </p:nvSpPr>
+        <p:spPr>
+          <a:xfrm>
+            <a:off x="6180082" y="3831027"/>
+            <a:ext cx="2711670" cy="1384995"/>
+          </a:xfrm>
+          <a:prstGeom prst="rect">
+            <a:avLst/>
+          </a:prstGeom>
+          <a:noFill/>
+          <a:effectLst/>
+        </p:spPr>
+        <p:txBody>
+          <a:bodyPr wrap="square" rtlCol="0">
+            <a:spAutoFit/>
+          </a:bodyPr>
+          <a:lstStyle/>
+          <a:p>
+            <a:r>
+              <a:rPr lang="zh-CN" altLang="en-US" sz="1200" smtClean="0"/>
+              <a:t>先根据校准数据表和待定位数据，计算出移动终端设备出现概率最大的两个区域的区域</a:t>
+            </a:r>
+            <a:r>
+              <a:rPr lang="en-US" altLang="zh-CN" sz="1200" smtClean="0"/>
+              <a:t>ID</a:t>
+            </a:r>
+            <a:r>
+              <a:rPr lang="zh-CN" altLang="en-US" sz="1200" smtClean="0"/>
+              <a:t>。再根据这两个</a:t>
+            </a:r>
+            <a:r>
+              <a:rPr lang="en-US" altLang="zh-CN" sz="1200" smtClean="0"/>
+              <a:t>ID</a:t>
+            </a:r>
+            <a:r>
+              <a:rPr lang="zh-CN" altLang="en-US" sz="1200" smtClean="0"/>
+              <a:t>从</a:t>
+            </a:r>
+            <a:r>
+              <a:rPr lang="zh-CN" altLang="en-US" sz="1200" smtClean="0"/>
+              <a:t>数据库中查找出两组区域向量，并用这两组向量训练</a:t>
+            </a:r>
+            <a:r>
+              <a:rPr lang="en-US" altLang="zh-CN" sz="1200" smtClean="0"/>
+              <a:t>SVM</a:t>
+            </a:r>
+            <a:r>
+              <a:rPr lang="zh-CN" altLang="en-US" sz="1200" smtClean="0"/>
+              <a:t>。最后将待定位数据输入</a:t>
+            </a:r>
+            <a:r>
+              <a:rPr lang="en-US" altLang="zh-CN" sz="1200" smtClean="0"/>
+              <a:t>SVM</a:t>
+            </a:r>
+            <a:r>
+              <a:rPr lang="zh-CN" altLang="en-US" sz="1200" smtClean="0"/>
+              <a:t>，计算出移动终端设备所在的区域</a:t>
+            </a:r>
+            <a:r>
+              <a:rPr lang="en-US" altLang="zh-CN" sz="1200" smtClean="0"/>
+              <a:t>ID</a:t>
+            </a:r>
+            <a:r>
+              <a:rPr lang="zh-CN" altLang="en-US" sz="1200" smtClean="0"/>
+              <a:t>，发送给移动终端设备。</a:t>
+            </a:r>
+            <a:endParaRPr lang="zh-CN" altLang="en-US" sz="1200"/>
+          </a:p>
+        </p:txBody>
+      </p:sp>
+      <p:sp>
+        <p:nvSpPr>
+          <p:cNvPr id="32" name="TextBox 31"/>
+          <p:cNvSpPr txBox="1"/>
+          <p:nvPr/>
+        </p:nvSpPr>
+        <p:spPr>
+          <a:xfrm>
+            <a:off x="1095703" y="4796122"/>
+            <a:ext cx="1718451" cy="646331"/>
+          </a:xfrm>
+          <a:prstGeom prst="rect">
+            <a:avLst/>
+          </a:prstGeom>
+          <a:noFill/>
+          <a:effectLst/>
+        </p:spPr>
+        <p:txBody>
+          <a:bodyPr wrap="square" rtlCol="0">
+            <a:spAutoFit/>
+          </a:bodyPr>
+          <a:lstStyle/>
+          <a:p>
+            <a:r>
+              <a:rPr lang="zh-CN" altLang="en-US" sz="1200" smtClean="0"/>
+              <a:t>接收到服务器发送来的区域</a:t>
+            </a:r>
+            <a:r>
+              <a:rPr lang="en-US" altLang="zh-CN" sz="1200" smtClean="0"/>
+              <a:t>ID</a:t>
+            </a:r>
+            <a:r>
+              <a:rPr lang="zh-CN" altLang="en-US" sz="1200" smtClean="0"/>
+              <a:t>，并显示为本移动终端设备的所在位置</a:t>
+            </a:r>
+            <a:endParaRPr lang="zh-CN" altLang="en-US" sz="1200"/>
+          </a:p>
+        </p:txBody>
+      </p:sp>
+    </p:spTree>
+  </p:cSld>
+  <p:clrMapOvr>
+    <a:masterClrMapping/>
+  </p:clrMapOvr>
+</p:sld>
+</file>
+
+<file path=ppt/slides/slide12.xml><?xml version="1.0" encoding="utf-8"?>
+<p:sld xmlns:a="http://schemas.openxmlformats.org/drawingml/2006/main" xmlns:r="http://schemas.openxmlformats.org/officeDocument/2006/relationships" xmlns:p="http://schemas.openxmlformats.org/presentationml/2006/main">
+  <p:cSld>
+    <p:spTree>
+      <p:nvGrpSpPr>
+        <p:cNvPr id="1" name=""/>
+        <p:cNvGrpSpPr/>
+        <p:nvPr/>
+      </p:nvGrpSpPr>
+      <p:grpSpPr>
+        <a:xfrm>
+          <a:off x="0" y="0"/>
+          <a:ext cx="0" cy="0"/>
+          <a:chOff x="0" y="0"/>
+          <a:chExt cx="0" cy="0"/>
+        </a:xfrm>
+      </p:grpSpPr>
+      <p:sp>
+        <p:nvSpPr>
+          <p:cNvPr id="4" name="圆角矩形 3"/>
+          <p:cNvSpPr/>
+          <p:nvPr/>
+        </p:nvSpPr>
+        <p:spPr>
+          <a:xfrm>
+            <a:off x="3309170" y="577752"/>
+            <a:ext cx="1718442" cy="599089"/>
+          </a:xfrm>
+          <a:prstGeom prst="roundRect">
+            <a:avLst/>
+          </a:prstGeom>
+          <a:solidFill>
+            <a:schemeClr val="bg1"/>
+          </a:solidFill>
+          <a:ln w="12700">
+            <a:solidFill>
+              <a:schemeClr val="tx1"/>
+            </a:solidFill>
+            <a:prstDash val="solid"/>
+          </a:ln>
+          <a:effectLst/>
+        </p:spPr>
+        <p:style>
+          <a:lnRef idx="1">
+            <a:schemeClr val="accent1"/>
+          </a:lnRef>
+          <a:fillRef idx="3">
+            <a:schemeClr val="accent1"/>
+          </a:fillRef>
+          <a:effectRef idx="2">
+            <a:schemeClr val="accent1"/>
+          </a:effectRef>
+          <a:fontRef idx="minor">
+            <a:schemeClr val="lt1"/>
+          </a:fontRef>
+        </p:style>
+        <p:txBody>
+          <a:bodyPr rtlCol="0" anchor="ctr"/>
+          <a:lstStyle/>
+          <a:p>
+            <a:pPr algn="ctr"/>
+            <a:r>
+              <a:rPr lang="zh-CN" altLang="en-US" sz="1400" smtClean="0">
+                <a:solidFill>
+                  <a:schemeClr val="tx1"/>
+                </a:solidFill>
+              </a:rPr>
+              <a:t>开启移动终端设备</a:t>
+            </a:r>
+            <a:r>
+              <a:rPr lang="en-US" altLang="zh-CN" sz="1400" smtClean="0">
+                <a:solidFill>
+                  <a:schemeClr val="tx1"/>
+                </a:solidFill>
+              </a:rPr>
+              <a:t>AP</a:t>
+            </a:r>
+            <a:r>
+              <a:rPr lang="zh-CN" altLang="en-US" sz="1400" smtClean="0">
+                <a:solidFill>
+                  <a:schemeClr val="tx1"/>
+                </a:solidFill>
+              </a:rPr>
+              <a:t>探测功能</a:t>
+            </a:r>
+            <a:endParaRPr lang="zh-CN" altLang="en-US" sz="1400">
+              <a:solidFill>
+                <a:schemeClr val="tx1"/>
+              </a:solidFill>
+            </a:endParaRPr>
+          </a:p>
+        </p:txBody>
+      </p:sp>
+      <p:sp>
+        <p:nvSpPr>
+          <p:cNvPr id="5" name="矩形 4"/>
+          <p:cNvSpPr/>
+          <p:nvPr/>
+        </p:nvSpPr>
+        <p:spPr>
+          <a:xfrm>
+            <a:off x="3276660" y="1629067"/>
+            <a:ext cx="1783462" cy="613662"/>
+          </a:xfrm>
+          <a:prstGeom prst="rect">
+            <a:avLst/>
+          </a:prstGeom>
+          <a:solidFill>
+            <a:schemeClr val="bg1"/>
+          </a:solidFill>
+          <a:ln w="12700">
+            <a:solidFill>
+              <a:schemeClr val="tx1"/>
+            </a:solidFill>
+            <a:prstDash val="solid"/>
+          </a:ln>
+          <a:effectLst/>
+        </p:spPr>
+        <p:style>
+          <a:lnRef idx="1">
+            <a:schemeClr val="accent1"/>
+          </a:lnRef>
+          <a:fillRef idx="3">
+            <a:schemeClr val="accent1"/>
+          </a:fillRef>
+          <a:effectRef idx="2">
+            <a:schemeClr val="accent1"/>
+          </a:effectRef>
+          <a:fontRef idx="minor">
+            <a:schemeClr val="lt1"/>
+          </a:fontRef>
+        </p:style>
+        <p:txBody>
+          <a:bodyPr rtlCol="0" anchor="ctr"/>
+          <a:lstStyle/>
+          <a:p>
+            <a:pPr algn="ctr"/>
+            <a:r>
+              <a:rPr lang="zh-CN" altLang="en-US" sz="1400" smtClean="0">
+                <a:solidFill>
+                  <a:schemeClr val="tx1"/>
+                </a:solidFill>
+              </a:rPr>
+              <a:t>在一个</a:t>
+            </a:r>
+            <a:r>
+              <a:rPr lang="en-US" altLang="zh-CN" sz="1400" smtClean="0">
+                <a:solidFill>
+                  <a:schemeClr val="tx1"/>
+                </a:solidFill>
+              </a:rPr>
+              <a:t>CP</a:t>
+            </a:r>
+            <a:r>
+              <a:rPr lang="zh-CN" altLang="en-US" sz="1400" smtClean="0">
+                <a:solidFill>
+                  <a:schemeClr val="tx1"/>
+                </a:solidFill>
+              </a:rPr>
+              <a:t>上探测接收</a:t>
+            </a:r>
+            <a:r>
+              <a:rPr lang="en-US" altLang="zh-CN" sz="1400" smtClean="0">
+                <a:solidFill>
+                  <a:schemeClr val="tx1"/>
+                </a:solidFill>
+              </a:rPr>
+              <a:t>AP</a:t>
+            </a:r>
+            <a:r>
+              <a:rPr lang="zh-CN" altLang="en-US" sz="1400" smtClean="0">
+                <a:solidFill>
+                  <a:schemeClr val="tx1"/>
+                </a:solidFill>
+              </a:rPr>
+              <a:t>数据一次</a:t>
+            </a:r>
+            <a:endParaRPr lang="zh-CN" altLang="en-US" sz="1400">
+              <a:solidFill>
+                <a:schemeClr val="tx1"/>
+              </a:solidFill>
+            </a:endParaRPr>
+          </a:p>
+        </p:txBody>
+      </p:sp>
+      <p:sp>
+        <p:nvSpPr>
+          <p:cNvPr id="6" name="菱形 5"/>
+          <p:cNvSpPr/>
+          <p:nvPr/>
+        </p:nvSpPr>
+        <p:spPr>
+          <a:xfrm>
+            <a:off x="2882296" y="3871347"/>
+            <a:ext cx="2572190" cy="1365139"/>
+          </a:xfrm>
+          <a:prstGeom prst="diamond">
+            <a:avLst/>
+          </a:prstGeom>
+          <a:solidFill>
+            <a:schemeClr val="bg1"/>
+          </a:solidFill>
+          <a:ln w="12700">
+            <a:solidFill>
+              <a:schemeClr val="tx1"/>
+            </a:solidFill>
+            <a:prstDash val="solid"/>
+          </a:ln>
+          <a:effectLst/>
+        </p:spPr>
+        <p:style>
+          <a:lnRef idx="1">
+            <a:schemeClr val="accent1"/>
+          </a:lnRef>
+          <a:fillRef idx="3">
+            <a:schemeClr val="accent1"/>
+          </a:fillRef>
+          <a:effectRef idx="2">
+            <a:schemeClr val="accent1"/>
+          </a:effectRef>
+          <a:fontRef idx="minor">
+            <a:schemeClr val="lt1"/>
+          </a:fontRef>
+        </p:style>
+        <p:txBody>
+          <a:bodyPr rtlCol="0" anchor="ctr"/>
+          <a:lstStyle/>
+          <a:p>
+            <a:pPr algn="ctr"/>
+            <a:r>
+              <a:rPr lang="zh-CN" altLang="en-US" sz="1400" smtClean="0">
+                <a:solidFill>
+                  <a:schemeClr val="tx1"/>
+                </a:solidFill>
+              </a:rPr>
+              <a:t>将移动终端设备移动至下一个</a:t>
+            </a:r>
+            <a:r>
+              <a:rPr lang="en-US" altLang="zh-CN" sz="1400" smtClean="0">
+                <a:solidFill>
+                  <a:schemeClr val="tx1"/>
+                </a:solidFill>
+              </a:rPr>
+              <a:t>CP</a:t>
+            </a:r>
+            <a:endParaRPr lang="zh-CN" altLang="en-US" sz="1400">
+              <a:solidFill>
+                <a:schemeClr val="tx1"/>
+              </a:solidFill>
+            </a:endParaRPr>
+          </a:p>
+        </p:txBody>
+      </p:sp>
+      <p:cxnSp>
+        <p:nvCxnSpPr>
+          <p:cNvPr id="8" name="直接箭头连接符 7"/>
+          <p:cNvCxnSpPr>
+            <a:stCxn id="4" idx="2"/>
+            <a:endCxn id="5" idx="0"/>
+          </p:cNvCxnSpPr>
+          <p:nvPr/>
+        </p:nvCxnSpPr>
+        <p:spPr>
+          <a:xfrm rot="5400000">
+            <a:off x="3942278" y="1402954"/>
+            <a:ext cx="452226" cy="1588"/>
+          </a:xfrm>
+          <a:prstGeom prst="straightConnector1">
+            <a:avLst/>
+          </a:prstGeom>
+          <a:ln w="12700">
+            <a:solidFill>
+              <a:schemeClr val="tx1"/>
+            </a:solidFill>
+            <a:tailEnd type="arrow"/>
+          </a:ln>
+          <a:effectLst/>
+        </p:spPr>
+        <p:style>
+          <a:lnRef idx="2">
+            <a:schemeClr val="accent1"/>
+          </a:lnRef>
+          <a:fillRef idx="0">
+            <a:schemeClr val="accent1"/>
+          </a:fillRef>
+          <a:effectRef idx="1">
+            <a:schemeClr val="accent1"/>
+          </a:effectRef>
+          <a:fontRef idx="minor">
+            <a:schemeClr val="tx1"/>
+          </a:fontRef>
+        </p:style>
+      </p:cxnSp>
+      <p:cxnSp>
+        <p:nvCxnSpPr>
+          <p:cNvPr id="12" name="形状 11"/>
+          <p:cNvCxnSpPr>
+            <a:stCxn id="6" idx="1"/>
+          </p:cNvCxnSpPr>
+          <p:nvPr/>
+        </p:nvCxnSpPr>
+        <p:spPr>
+          <a:xfrm rot="10800000" flipH="1">
+            <a:off x="2882296" y="1389679"/>
+            <a:ext cx="1283220" cy="3164238"/>
+          </a:xfrm>
+          <a:prstGeom prst="bentConnector4">
+            <a:avLst>
+              <a:gd name="adj1" fmla="val -17815"/>
+              <a:gd name="adj2" fmla="val 100033"/>
+            </a:avLst>
+          </a:prstGeom>
+          <a:ln w="12700">
+            <a:solidFill>
+              <a:schemeClr val="tx1"/>
+            </a:solidFill>
+            <a:tailEnd type="arrow"/>
+          </a:ln>
+          <a:effectLst/>
+        </p:spPr>
+        <p:style>
+          <a:lnRef idx="2">
+            <a:schemeClr val="accent1"/>
+          </a:lnRef>
+          <a:fillRef idx="0">
+            <a:schemeClr val="accent1"/>
+          </a:fillRef>
+          <a:effectRef idx="1">
+            <a:schemeClr val="accent1"/>
+          </a:effectRef>
+          <a:fontRef idx="minor">
+            <a:schemeClr val="tx1"/>
+          </a:fontRef>
+        </p:style>
+      </p:cxnSp>
+      <p:cxnSp>
+        <p:nvCxnSpPr>
+          <p:cNvPr id="22" name="直接箭头连接符 21"/>
+          <p:cNvCxnSpPr/>
+          <p:nvPr/>
+        </p:nvCxnSpPr>
+        <p:spPr>
+          <a:xfrm rot="5400000">
+            <a:off x="3942280" y="5462599"/>
+            <a:ext cx="452226" cy="1"/>
+          </a:xfrm>
+          <a:prstGeom prst="straightConnector1">
+            <a:avLst/>
+          </a:prstGeom>
+          <a:ln w="12700">
+            <a:solidFill>
+              <a:schemeClr val="tx1"/>
+            </a:solidFill>
+            <a:tailEnd type="arrow"/>
+          </a:ln>
+          <a:effectLst/>
+        </p:spPr>
+        <p:style>
+          <a:lnRef idx="2">
+            <a:schemeClr val="accent1"/>
+          </a:lnRef>
+          <a:fillRef idx="0">
+            <a:schemeClr val="accent1"/>
+          </a:fillRef>
+          <a:effectRef idx="1">
+            <a:schemeClr val="accent1"/>
+          </a:effectRef>
+          <a:fontRef idx="minor">
+            <a:schemeClr val="tx1"/>
+          </a:fontRef>
+        </p:style>
+      </p:cxnSp>
+      <p:sp>
+        <p:nvSpPr>
+          <p:cNvPr id="23" name="椭圆 22"/>
+          <p:cNvSpPr/>
+          <p:nvPr/>
+        </p:nvSpPr>
+        <p:spPr>
+          <a:xfrm>
+            <a:off x="3792824" y="5688713"/>
+            <a:ext cx="751134" cy="730008"/>
+          </a:xfrm>
+          <a:prstGeom prst="ellipse">
+            <a:avLst/>
+          </a:prstGeom>
+          <a:solidFill>
+            <a:schemeClr val="bg1"/>
+          </a:solidFill>
+          <a:ln w="12700">
+            <a:solidFill>
+              <a:schemeClr val="tx1"/>
+            </a:solidFill>
+            <a:prstDash val="solid"/>
+          </a:ln>
+          <a:effectLst/>
+        </p:spPr>
+        <p:style>
+          <a:lnRef idx="1">
+            <a:schemeClr val="accent1"/>
+          </a:lnRef>
+          <a:fillRef idx="3">
+            <a:schemeClr val="accent1"/>
+          </a:fillRef>
+          <a:effectRef idx="2">
+            <a:schemeClr val="accent1"/>
+          </a:effectRef>
+          <a:fontRef idx="minor">
+            <a:schemeClr val="lt1"/>
+          </a:fontRef>
+        </p:style>
+        <p:txBody>
+          <a:bodyPr rtlCol="0" anchor="ctr"/>
+          <a:lstStyle/>
+          <a:p>
+            <a:pPr algn="ctr"/>
+            <a:r>
+              <a:rPr lang="zh-CN" altLang="en-US" sz="1200" smtClean="0">
+                <a:solidFill>
+                  <a:schemeClr val="tx1"/>
+                </a:solidFill>
+              </a:rPr>
+              <a:t>结束</a:t>
+            </a:r>
+            <a:endParaRPr lang="zh-CN" altLang="en-US" sz="1200">
+              <a:solidFill>
+                <a:schemeClr val="tx1"/>
+              </a:solidFill>
+            </a:endParaRPr>
+          </a:p>
+        </p:txBody>
+      </p:sp>
+      <p:sp>
+        <p:nvSpPr>
+          <p:cNvPr id="40" name="矩形 39"/>
+          <p:cNvSpPr/>
+          <p:nvPr/>
+        </p:nvSpPr>
+        <p:spPr>
+          <a:xfrm>
+            <a:off x="3276660" y="2622979"/>
+            <a:ext cx="1783462" cy="738778"/>
+          </a:xfrm>
+          <a:prstGeom prst="rect">
+            <a:avLst/>
+          </a:prstGeom>
+          <a:solidFill>
+            <a:schemeClr val="bg1"/>
+          </a:solidFill>
+          <a:ln w="12700">
+            <a:solidFill>
+              <a:schemeClr val="tx1"/>
+            </a:solidFill>
+            <a:prstDash val="solid"/>
+          </a:ln>
+          <a:effectLst/>
+        </p:spPr>
+        <p:style>
+          <a:lnRef idx="1">
+            <a:schemeClr val="accent1"/>
+          </a:lnRef>
+          <a:fillRef idx="3">
+            <a:schemeClr val="accent1"/>
+          </a:fillRef>
+          <a:effectRef idx="2">
+            <a:schemeClr val="accent1"/>
+          </a:effectRef>
+          <a:fontRef idx="minor">
+            <a:schemeClr val="lt1"/>
+          </a:fontRef>
+        </p:style>
+        <p:txBody>
+          <a:bodyPr rtlCol="0" anchor="ctr"/>
+          <a:lstStyle/>
+          <a:p>
+            <a:pPr algn="ctr"/>
+            <a:r>
+              <a:rPr lang="zh-CN" altLang="en-US" sz="1400" smtClean="0">
+                <a:solidFill>
+                  <a:schemeClr val="tx1"/>
+                </a:solidFill>
+              </a:rPr>
+              <a:t>将一组</a:t>
+            </a:r>
+            <a:r>
+              <a:rPr lang="en-US" altLang="zh-CN" sz="1400" smtClean="0">
+                <a:solidFill>
+                  <a:schemeClr val="tx1"/>
+                </a:solidFill>
+              </a:rPr>
+              <a:t>AP</a:t>
+            </a:r>
+            <a:r>
+              <a:rPr lang="zh-CN" altLang="en-US" sz="1400" smtClean="0">
+                <a:solidFill>
+                  <a:schemeClr val="tx1"/>
+                </a:solidFill>
+              </a:rPr>
+              <a:t>数据连同</a:t>
+            </a:r>
+            <a:r>
+              <a:rPr lang="en-US" altLang="zh-CN" sz="1400" smtClean="0">
+                <a:solidFill>
+                  <a:schemeClr val="tx1"/>
+                </a:solidFill>
+              </a:rPr>
+              <a:t>CP</a:t>
+            </a:r>
+            <a:r>
+              <a:rPr lang="zh-CN" altLang="en-US" sz="1400" smtClean="0">
+                <a:solidFill>
+                  <a:schemeClr val="tx1"/>
+                </a:solidFill>
+              </a:rPr>
+              <a:t>所在区域</a:t>
+            </a:r>
+            <a:r>
+              <a:rPr lang="en-US" altLang="zh-CN" sz="1400" smtClean="0">
+                <a:solidFill>
+                  <a:schemeClr val="tx1"/>
+                </a:solidFill>
+              </a:rPr>
+              <a:t>ID</a:t>
+            </a:r>
+            <a:r>
+              <a:rPr lang="zh-CN" altLang="en-US" sz="1400" smtClean="0">
+                <a:solidFill>
+                  <a:schemeClr val="tx1"/>
+                </a:solidFill>
+              </a:rPr>
+              <a:t>上传至服务器数据库</a:t>
+            </a:r>
+            <a:endParaRPr lang="zh-CN" altLang="en-US" sz="1400">
+              <a:solidFill>
+                <a:schemeClr val="tx1"/>
+              </a:solidFill>
+            </a:endParaRPr>
+          </a:p>
+        </p:txBody>
+      </p:sp>
+      <p:cxnSp>
+        <p:nvCxnSpPr>
+          <p:cNvPr id="42" name="直接箭头连接符 41"/>
+          <p:cNvCxnSpPr>
+            <a:stCxn id="40" idx="2"/>
+            <a:endCxn id="6" idx="0"/>
+          </p:cNvCxnSpPr>
+          <p:nvPr/>
+        </p:nvCxnSpPr>
+        <p:spPr>
+          <a:xfrm rot="5400000">
+            <a:off x="3913596" y="3616552"/>
+            <a:ext cx="509590" cy="1588"/>
+          </a:xfrm>
+          <a:prstGeom prst="straightConnector1">
+            <a:avLst/>
+          </a:prstGeom>
+          <a:ln w="12700">
+            <a:solidFill>
+              <a:schemeClr val="tx1"/>
+            </a:solidFill>
+            <a:tailEnd type="arrow"/>
+          </a:ln>
+          <a:effectLst/>
+        </p:spPr>
+        <p:style>
+          <a:lnRef idx="2">
+            <a:schemeClr val="accent1"/>
+          </a:lnRef>
+          <a:fillRef idx="0">
+            <a:schemeClr val="accent1"/>
+          </a:fillRef>
+          <a:effectRef idx="1">
+            <a:schemeClr val="accent1"/>
+          </a:effectRef>
+          <a:fontRef idx="minor">
+            <a:schemeClr val="tx1"/>
+          </a:fontRef>
+        </p:style>
+      </p:cxnSp>
+      <p:cxnSp>
+        <p:nvCxnSpPr>
+          <p:cNvPr id="45" name="直接箭头连接符 44"/>
+          <p:cNvCxnSpPr>
+            <a:stCxn id="5" idx="2"/>
+          </p:cNvCxnSpPr>
+          <p:nvPr/>
+        </p:nvCxnSpPr>
+        <p:spPr>
+          <a:xfrm rot="16200000" flipH="1">
+            <a:off x="3978267" y="2432853"/>
+            <a:ext cx="380250" cy="2"/>
+          </a:xfrm>
+          <a:prstGeom prst="straightConnector1">
+            <a:avLst/>
+          </a:prstGeom>
+          <a:ln w="12700">
+            <a:solidFill>
+              <a:schemeClr val="tx1"/>
+            </a:solidFill>
+            <a:tailEnd type="arrow"/>
+          </a:ln>
+          <a:effectLst/>
+        </p:spPr>
+        <p:style>
+          <a:lnRef idx="2">
+            <a:schemeClr val="accent1"/>
+          </a:lnRef>
+          <a:fillRef idx="0">
+            <a:schemeClr val="accent1"/>
+          </a:fillRef>
+          <a:effectRef idx="1">
+            <a:schemeClr val="accent1"/>
+          </a:effectRef>
+          <a:fontRef idx="minor">
+            <a:schemeClr val="tx1"/>
+          </a:fontRef>
+        </p:style>
+      </p:cxnSp>
+      <p:cxnSp>
+        <p:nvCxnSpPr>
+          <p:cNvPr id="47" name="形状 46"/>
+          <p:cNvCxnSpPr>
+            <a:stCxn id="40" idx="3"/>
+          </p:cNvCxnSpPr>
+          <p:nvPr/>
+        </p:nvCxnSpPr>
+        <p:spPr>
+          <a:xfrm flipH="1" flipV="1">
+            <a:off x="4169186" y="1389679"/>
+            <a:ext cx="890936" cy="1602689"/>
+          </a:xfrm>
+          <a:prstGeom prst="bentConnector4">
+            <a:avLst>
+              <a:gd name="adj1" fmla="val -25658"/>
+              <a:gd name="adj2" fmla="val 100050"/>
+            </a:avLst>
+          </a:prstGeom>
+          <a:ln w="12700">
+            <a:solidFill>
+              <a:schemeClr val="tx1"/>
+            </a:solidFill>
+            <a:tailEnd type="arrow"/>
+          </a:ln>
+          <a:effectLst/>
+        </p:spPr>
+        <p:style>
+          <a:lnRef idx="2">
+            <a:schemeClr val="accent1"/>
+          </a:lnRef>
+          <a:fillRef idx="0">
+            <a:schemeClr val="accent1"/>
+          </a:fillRef>
+          <a:effectRef idx="1">
+            <a:schemeClr val="accent1"/>
+          </a:effectRef>
+          <a:fontRef idx="minor">
+            <a:schemeClr val="tx1"/>
+          </a:fontRef>
+        </p:style>
+      </p:cxnSp>
+      <p:sp>
+        <p:nvSpPr>
+          <p:cNvPr id="60" name="TextBox 59"/>
+          <p:cNvSpPr txBox="1"/>
+          <p:nvPr/>
+        </p:nvSpPr>
+        <p:spPr>
+          <a:xfrm>
+            <a:off x="5262254" y="2305484"/>
+            <a:ext cx="806845" cy="276999"/>
+          </a:xfrm>
+          <a:prstGeom prst="rect">
+            <a:avLst/>
+          </a:prstGeom>
+          <a:noFill/>
+          <a:effectLst/>
+        </p:spPr>
+        <p:txBody>
+          <a:bodyPr wrap="square" rtlCol="0">
+            <a:spAutoFit/>
+          </a:bodyPr>
+          <a:lstStyle/>
+          <a:p>
+            <a:r>
+              <a:rPr lang="zh-CN" altLang="en-US" sz="1200" smtClean="0"/>
+              <a:t>重复多次</a:t>
+            </a:r>
+            <a:endParaRPr lang="zh-CN" altLang="en-US" sz="1200"/>
+          </a:p>
+        </p:txBody>
+      </p:sp>
+      <p:sp>
+        <p:nvSpPr>
+          <p:cNvPr id="65" name="TextBox 64"/>
+          <p:cNvSpPr txBox="1"/>
+          <p:nvPr/>
+        </p:nvSpPr>
+        <p:spPr>
+          <a:xfrm>
+            <a:off x="2600061" y="4246140"/>
+            <a:ext cx="282235" cy="307777"/>
+          </a:xfrm>
+          <a:prstGeom prst="rect">
+            <a:avLst/>
+          </a:prstGeom>
+          <a:noFill/>
+          <a:effectLst/>
+        </p:spPr>
+        <p:txBody>
+          <a:bodyPr wrap="square" rtlCol="0">
+            <a:spAutoFit/>
+          </a:bodyPr>
+          <a:lstStyle/>
+          <a:p>
+            <a:r>
+              <a:rPr lang="zh-CN" altLang="en-US" sz="1400" smtClean="0"/>
+              <a:t>有</a:t>
+            </a:r>
+            <a:endParaRPr lang="zh-CN" altLang="en-US" sz="1400"/>
+          </a:p>
+        </p:txBody>
+      </p:sp>
+      <p:sp>
+        <p:nvSpPr>
+          <p:cNvPr id="67" name="TextBox 66"/>
+          <p:cNvSpPr txBox="1"/>
+          <p:nvPr/>
+        </p:nvSpPr>
+        <p:spPr>
+          <a:xfrm>
+            <a:off x="4119419" y="5272346"/>
+            <a:ext cx="282235" cy="307777"/>
+          </a:xfrm>
+          <a:prstGeom prst="rect">
+            <a:avLst/>
+          </a:prstGeom>
+          <a:noFill/>
+          <a:effectLst/>
+        </p:spPr>
+        <p:txBody>
+          <a:bodyPr wrap="square" rtlCol="0">
+            <a:spAutoFit/>
+          </a:bodyPr>
+          <a:lstStyle/>
+          <a:p>
+            <a:r>
+              <a:rPr lang="zh-CN" altLang="en-US" sz="1400" smtClean="0"/>
+              <a:t>无</a:t>
+            </a:r>
+            <a:endParaRPr lang="zh-CN" altLang="en-US" sz="1400"/>
+          </a:p>
+        </p:txBody>
+      </p:sp>
+    </p:spTree>
+  </p:cSld>
+  <p:clrMapOvr>
+    <a:masterClrMapping/>
+  </p:clrMapOvr>
+</p:sld>
+</file>
+
+<file path=ppt/slides/slide13.xml><?xml version="1.0" encoding="utf-8"?>
+<p:sld xmlns:a="http://schemas.openxmlformats.org/drawingml/2006/main" xmlns:r="http://schemas.openxmlformats.org/officeDocument/2006/relationships" xmlns:p="http://schemas.openxmlformats.org/presentationml/2006/main">
+  <p:cSld>
+    <p:spTree>
+      <p:nvGrpSpPr>
+        <p:cNvPr id="1" name=""/>
+        <p:cNvGrpSpPr/>
+        <p:nvPr/>
+      </p:nvGrpSpPr>
+      <p:grpSpPr>
+        <a:xfrm>
+          <a:off x="0" y="0"/>
+          <a:ext cx="0" cy="0"/>
+          <a:chOff x="0" y="0"/>
+          <a:chExt cx="0" cy="0"/>
+        </a:xfrm>
+      </p:grpSpPr>
+      <p:sp>
+        <p:nvSpPr>
+          <p:cNvPr id="4" name="矩形 3"/>
+          <p:cNvSpPr/>
+          <p:nvPr/>
+        </p:nvSpPr>
+        <p:spPr>
+          <a:xfrm>
+            <a:off x="3350419" y="38101"/>
+            <a:ext cx="2085975" cy="628650"/>
+          </a:xfrm>
+          <a:prstGeom prst="rect">
+            <a:avLst/>
+          </a:prstGeom>
+          <a:solidFill>
+            <a:schemeClr val="bg1"/>
+          </a:solidFill>
+          <a:ln w="12700">
+            <a:solidFill>
+              <a:schemeClr val="tx1"/>
+            </a:solidFill>
+            <a:prstDash val="solid"/>
+          </a:ln>
+          <a:effectLst/>
+        </p:spPr>
+        <p:style>
+          <a:lnRef idx="1">
+            <a:schemeClr val="accent1"/>
+          </a:lnRef>
+          <a:fillRef idx="3">
+            <a:schemeClr val="accent1"/>
+          </a:fillRef>
+          <a:effectRef idx="2">
+            <a:schemeClr val="accent1"/>
+          </a:effectRef>
+          <a:fontRef idx="minor">
+            <a:schemeClr val="lt1"/>
+          </a:fontRef>
+        </p:style>
+        <p:txBody>
+          <a:bodyPr rtlCol="0" anchor="ctr"/>
+          <a:lstStyle/>
+          <a:p>
+            <a:pPr algn="ctr"/>
+            <a:r>
+              <a:rPr lang="zh-CN" altLang="en-US" sz="1600" smtClean="0">
+                <a:solidFill>
+                  <a:schemeClr val="tx1"/>
+                </a:solidFill>
+              </a:rPr>
+              <a:t>从定位区域</a:t>
+            </a:r>
+            <a:r>
+              <a:rPr lang="zh-CN" altLang="en-US" sz="1600" smtClean="0">
+                <a:solidFill>
+                  <a:schemeClr val="tx1"/>
+                </a:solidFill>
+              </a:rPr>
+              <a:t>数据</a:t>
+            </a:r>
+            <a:r>
+              <a:rPr lang="zh-CN" altLang="en-US" sz="1600" smtClean="0">
+                <a:solidFill>
+                  <a:schemeClr val="tx1"/>
+                </a:solidFill>
+              </a:rPr>
+              <a:t>表中查找出所有区域的</a:t>
+            </a:r>
+            <a:r>
+              <a:rPr lang="en-US" altLang="zh-CN" sz="1600" smtClean="0">
+                <a:solidFill>
+                  <a:schemeClr val="tx1"/>
+                </a:solidFill>
+              </a:rPr>
+              <a:t>ID</a:t>
+            </a:r>
+            <a:endParaRPr lang="zh-CN" altLang="en-US" sz="1600"/>
+          </a:p>
+        </p:txBody>
+      </p:sp>
+      <p:sp>
+        <p:nvSpPr>
+          <p:cNvPr id="5" name="矩形 4"/>
+          <p:cNvSpPr/>
+          <p:nvPr/>
+        </p:nvSpPr>
+        <p:spPr>
+          <a:xfrm>
+            <a:off x="3350419" y="2400300"/>
+            <a:ext cx="2085975" cy="828675"/>
+          </a:xfrm>
+          <a:prstGeom prst="rect">
+            <a:avLst/>
+          </a:prstGeom>
+          <a:solidFill>
+            <a:schemeClr val="bg1"/>
+          </a:solidFill>
+          <a:ln w="12700">
+            <a:solidFill>
+              <a:schemeClr val="tx1"/>
+            </a:solidFill>
+            <a:prstDash val="solid"/>
+          </a:ln>
+          <a:effectLst/>
+        </p:spPr>
+        <p:style>
+          <a:lnRef idx="1">
+            <a:schemeClr val="accent1"/>
+          </a:lnRef>
+          <a:fillRef idx="3">
+            <a:schemeClr val="accent1"/>
+          </a:fillRef>
+          <a:effectRef idx="2">
+            <a:schemeClr val="accent1"/>
+          </a:effectRef>
+          <a:fontRef idx="minor">
+            <a:schemeClr val="lt1"/>
+          </a:fontRef>
+        </p:style>
+        <p:txBody>
+          <a:bodyPr rtlCol="0" anchor="ctr"/>
+          <a:lstStyle/>
+          <a:p>
+            <a:pPr algn="ctr"/>
+            <a:r>
+              <a:rPr lang="zh-CN" altLang="en-US" sz="1600" smtClean="0">
+                <a:solidFill>
+                  <a:schemeClr val="tx1"/>
+                </a:solidFill>
+              </a:rPr>
+              <a:t>根据每个</a:t>
+            </a:r>
+            <a:r>
+              <a:rPr lang="en-US" altLang="zh-CN" sz="1600" smtClean="0">
+                <a:solidFill>
+                  <a:schemeClr val="tx1"/>
+                </a:solidFill>
+              </a:rPr>
+              <a:t>AP</a:t>
+            </a:r>
+            <a:r>
+              <a:rPr lang="zh-CN" altLang="en-US" sz="1600" smtClean="0">
+                <a:solidFill>
+                  <a:schemeClr val="tx1"/>
+                </a:solidFill>
+              </a:rPr>
+              <a:t>出现的数量计算出该</a:t>
+            </a:r>
+            <a:r>
+              <a:rPr lang="en-US" altLang="zh-CN" sz="1600" smtClean="0">
+                <a:solidFill>
+                  <a:schemeClr val="tx1"/>
+                </a:solidFill>
+              </a:rPr>
+              <a:t>AP</a:t>
+            </a:r>
+            <a:r>
+              <a:rPr lang="zh-CN" altLang="en-US" sz="1600" smtClean="0">
+                <a:solidFill>
+                  <a:schemeClr val="tx1"/>
+                </a:solidFill>
+              </a:rPr>
+              <a:t>的</a:t>
+            </a:r>
+            <a:r>
+              <a:rPr lang="en-US" altLang="zh-CN" sz="1600" smtClean="0">
+                <a:solidFill>
+                  <a:schemeClr val="tx1"/>
+                </a:solidFill>
+              </a:rPr>
+              <a:t>mRSS</a:t>
+            </a:r>
+            <a:endParaRPr lang="zh-CN" altLang="en-US" sz="1600">
+              <a:solidFill>
+                <a:schemeClr val="tx1"/>
+              </a:solidFill>
+            </a:endParaRPr>
+          </a:p>
+        </p:txBody>
+      </p:sp>
+      <p:sp>
+        <p:nvSpPr>
+          <p:cNvPr id="6" name="菱形 5"/>
+          <p:cNvSpPr/>
+          <p:nvPr/>
+        </p:nvSpPr>
+        <p:spPr>
+          <a:xfrm>
+            <a:off x="2907506" y="957263"/>
+            <a:ext cx="2971800" cy="1152525"/>
+          </a:xfrm>
+          <a:prstGeom prst="diamond">
+            <a:avLst/>
+          </a:prstGeom>
+          <a:solidFill>
+            <a:schemeClr val="bg1"/>
+          </a:solidFill>
+          <a:ln w="12700">
+            <a:solidFill>
+              <a:schemeClr val="tx1"/>
+            </a:solidFill>
+            <a:prstDash val="solid"/>
+          </a:ln>
+          <a:effectLst/>
+        </p:spPr>
+        <p:style>
+          <a:lnRef idx="1">
+            <a:schemeClr val="accent1"/>
+          </a:lnRef>
+          <a:fillRef idx="3">
+            <a:schemeClr val="accent1"/>
+          </a:fillRef>
+          <a:effectRef idx="2">
+            <a:schemeClr val="accent1"/>
+          </a:effectRef>
+          <a:fontRef idx="minor">
+            <a:schemeClr val="lt1"/>
+          </a:fontRef>
+        </p:style>
+        <p:txBody>
+          <a:bodyPr rtlCol="0" anchor="ctr"/>
+          <a:lstStyle/>
+          <a:p>
+            <a:pPr algn="ctr"/>
+            <a:r>
+              <a:rPr lang="zh-CN" altLang="en-US" sz="1600" smtClean="0">
+                <a:solidFill>
+                  <a:schemeClr val="tx1"/>
+                </a:solidFill>
+              </a:rPr>
+              <a:t>依次根据一个</a:t>
+            </a:r>
+            <a:r>
+              <a:rPr lang="en-US" altLang="zh-CN" sz="1600" smtClean="0">
+                <a:solidFill>
+                  <a:schemeClr val="tx1"/>
+                </a:solidFill>
+              </a:rPr>
+              <a:t>ID</a:t>
+            </a:r>
+            <a:r>
+              <a:rPr lang="zh-CN" altLang="en-US" sz="1600" smtClean="0">
+                <a:solidFill>
+                  <a:schemeClr val="tx1"/>
+                </a:solidFill>
+              </a:rPr>
+              <a:t>查找出其对应的所有</a:t>
+            </a:r>
+            <a:r>
+              <a:rPr lang="en-US" altLang="zh-CN" sz="1600" smtClean="0">
+                <a:solidFill>
+                  <a:schemeClr val="tx1"/>
+                </a:solidFill>
+              </a:rPr>
+              <a:t>AP</a:t>
+            </a:r>
+            <a:endParaRPr lang="zh-CN" altLang="en-US" sz="1600">
+              <a:solidFill>
+                <a:schemeClr val="tx1"/>
+              </a:solidFill>
+            </a:endParaRPr>
+          </a:p>
+        </p:txBody>
+      </p:sp>
+      <p:sp>
+        <p:nvSpPr>
+          <p:cNvPr id="7" name="矩形 6"/>
+          <p:cNvSpPr/>
+          <p:nvPr/>
+        </p:nvSpPr>
+        <p:spPr>
+          <a:xfrm>
+            <a:off x="3350419" y="3519487"/>
+            <a:ext cx="2085975" cy="914400"/>
+          </a:xfrm>
+          <a:prstGeom prst="rect">
+            <a:avLst/>
+          </a:prstGeom>
+          <a:solidFill>
+            <a:schemeClr val="bg1"/>
+          </a:solidFill>
+          <a:ln w="12700">
+            <a:solidFill>
+              <a:schemeClr val="tx1"/>
+            </a:solidFill>
+            <a:prstDash val="solid"/>
+          </a:ln>
+          <a:effectLst/>
+        </p:spPr>
+        <p:style>
+          <a:lnRef idx="1">
+            <a:schemeClr val="accent1"/>
+          </a:lnRef>
+          <a:fillRef idx="3">
+            <a:schemeClr val="accent1"/>
+          </a:fillRef>
+          <a:effectRef idx="2">
+            <a:schemeClr val="accent1"/>
+          </a:effectRef>
+          <a:fontRef idx="minor">
+            <a:schemeClr val="lt1"/>
+          </a:fontRef>
+        </p:style>
+        <p:txBody>
+          <a:bodyPr rtlCol="0" anchor="ctr"/>
+          <a:lstStyle/>
+          <a:p>
+            <a:pPr algn="ctr"/>
+            <a:r>
+              <a:rPr lang="zh-CN" altLang="en-US" sz="1600" smtClean="0">
+                <a:solidFill>
+                  <a:schemeClr val="tx1"/>
+                </a:solidFill>
+              </a:rPr>
+              <a:t>根据每个</a:t>
+            </a:r>
+            <a:r>
+              <a:rPr lang="en-US" altLang="zh-CN" sz="1600" smtClean="0">
+                <a:solidFill>
+                  <a:schemeClr val="tx1"/>
+                </a:solidFill>
+              </a:rPr>
+              <a:t>AP</a:t>
+            </a:r>
+            <a:r>
+              <a:rPr lang="zh-CN" altLang="en-US" sz="1600" smtClean="0">
+                <a:solidFill>
+                  <a:schemeClr val="tx1"/>
+                </a:solidFill>
+              </a:rPr>
+              <a:t>的</a:t>
+            </a:r>
+            <a:r>
+              <a:rPr lang="en-US" altLang="zh-CN" sz="1600" smtClean="0">
+                <a:solidFill>
+                  <a:schemeClr val="tx1"/>
+                </a:solidFill>
+              </a:rPr>
+              <a:t>mRSS</a:t>
+            </a:r>
+            <a:r>
+              <a:rPr lang="zh-CN" altLang="en-US" sz="1600" smtClean="0">
+                <a:solidFill>
+                  <a:schemeClr val="tx1"/>
+                </a:solidFill>
+              </a:rPr>
+              <a:t>计算出该</a:t>
+            </a:r>
+            <a:r>
+              <a:rPr lang="en-US" altLang="zh-CN" sz="1600" smtClean="0">
+                <a:solidFill>
+                  <a:schemeClr val="tx1"/>
+                </a:solidFill>
+              </a:rPr>
+              <a:t>AP</a:t>
+            </a:r>
+            <a:r>
+              <a:rPr lang="zh-CN" altLang="en-US" sz="1600" smtClean="0">
+                <a:solidFill>
+                  <a:schemeClr val="tx1"/>
+                </a:solidFill>
+              </a:rPr>
+              <a:t>的信号离散度（标准差）</a:t>
+            </a:r>
+            <a:endParaRPr lang="zh-CN" altLang="en-US" sz="1600">
+              <a:solidFill>
+                <a:schemeClr val="tx1"/>
+              </a:solidFill>
+            </a:endParaRPr>
+          </a:p>
+        </p:txBody>
+      </p:sp>
+      <p:cxnSp>
+        <p:nvCxnSpPr>
+          <p:cNvPr id="9" name="直接箭头连接符 8"/>
+          <p:cNvCxnSpPr>
+            <a:stCxn id="4" idx="2"/>
+            <a:endCxn id="6" idx="0"/>
+          </p:cNvCxnSpPr>
+          <p:nvPr/>
+        </p:nvCxnSpPr>
+        <p:spPr>
+          <a:xfrm rot="5400000">
+            <a:off x="4244182" y="815976"/>
+            <a:ext cx="298450" cy="1"/>
+          </a:xfrm>
+          <a:prstGeom prst="straightConnector1">
+            <a:avLst/>
+          </a:prstGeom>
+          <a:ln w="12700">
+            <a:solidFill>
+              <a:schemeClr val="tx1"/>
+            </a:solidFill>
+            <a:tailEnd type="arrow"/>
+          </a:ln>
+        </p:spPr>
+        <p:style>
+          <a:lnRef idx="2">
+            <a:schemeClr val="accent1"/>
+          </a:lnRef>
+          <a:fillRef idx="0">
+            <a:schemeClr val="accent1"/>
+          </a:fillRef>
+          <a:effectRef idx="1">
+            <a:schemeClr val="accent1"/>
+          </a:effectRef>
+          <a:fontRef idx="minor">
+            <a:schemeClr val="tx1"/>
+          </a:fontRef>
+        </p:style>
+      </p:cxnSp>
+      <p:cxnSp>
+        <p:nvCxnSpPr>
+          <p:cNvPr id="11" name="直接箭头连接符 10"/>
+          <p:cNvCxnSpPr>
+            <a:stCxn id="6" idx="2"/>
+            <a:endCxn id="5" idx="0"/>
+          </p:cNvCxnSpPr>
+          <p:nvPr/>
+        </p:nvCxnSpPr>
+        <p:spPr>
+          <a:xfrm rot="16200000" flipH="1">
+            <a:off x="4244181" y="2266950"/>
+            <a:ext cx="298450" cy="1"/>
+          </a:xfrm>
+          <a:prstGeom prst="straightConnector1">
+            <a:avLst/>
+          </a:prstGeom>
+          <a:ln w="12700">
+            <a:solidFill>
+              <a:schemeClr val="tx1"/>
+            </a:solidFill>
+            <a:tailEnd type="arrow"/>
+          </a:ln>
+        </p:spPr>
+        <p:style>
+          <a:lnRef idx="2">
+            <a:schemeClr val="accent1"/>
+          </a:lnRef>
+          <a:fillRef idx="0">
+            <a:schemeClr val="accent1"/>
+          </a:fillRef>
+          <a:effectRef idx="1">
+            <a:schemeClr val="accent1"/>
+          </a:effectRef>
+          <a:fontRef idx="minor">
+            <a:schemeClr val="tx1"/>
+          </a:fontRef>
+        </p:style>
+      </p:cxnSp>
+      <p:cxnSp>
+        <p:nvCxnSpPr>
+          <p:cNvPr id="13" name="直接箭头连接符 12"/>
+          <p:cNvCxnSpPr>
+            <a:stCxn id="5" idx="2"/>
+            <a:endCxn id="7" idx="0"/>
+          </p:cNvCxnSpPr>
+          <p:nvPr/>
+        </p:nvCxnSpPr>
+        <p:spPr>
+          <a:xfrm rot="5400000">
+            <a:off x="4244183" y="3394075"/>
+            <a:ext cx="298449" cy="1588"/>
+          </a:xfrm>
+          <a:prstGeom prst="straightConnector1">
+            <a:avLst/>
+          </a:prstGeom>
+          <a:ln w="12700">
+            <a:solidFill>
+              <a:schemeClr val="tx1"/>
+            </a:solidFill>
+            <a:tailEnd type="arrow"/>
+          </a:ln>
+        </p:spPr>
+        <p:style>
+          <a:lnRef idx="2">
+            <a:schemeClr val="accent1"/>
+          </a:lnRef>
+          <a:fillRef idx="0">
+            <a:schemeClr val="accent1"/>
+          </a:fillRef>
+          <a:effectRef idx="1">
+            <a:schemeClr val="accent1"/>
+          </a:effectRef>
+          <a:fontRef idx="minor">
+            <a:schemeClr val="tx1"/>
+          </a:fontRef>
+        </p:style>
+      </p:cxnSp>
+      <p:cxnSp>
+        <p:nvCxnSpPr>
+          <p:cNvPr id="15" name="形状 14"/>
+          <p:cNvCxnSpPr>
+            <a:stCxn id="30" idx="1"/>
+            <a:endCxn id="6" idx="1"/>
+          </p:cNvCxnSpPr>
+          <p:nvPr/>
+        </p:nvCxnSpPr>
+        <p:spPr>
+          <a:xfrm rot="10800000" flipH="1">
+            <a:off x="2890838" y="1541465"/>
+            <a:ext cx="16668" cy="3654423"/>
+          </a:xfrm>
+          <a:prstGeom prst="bentConnector3">
+            <a:avLst>
+              <a:gd name="adj1" fmla="val -1371490"/>
+            </a:avLst>
+          </a:prstGeom>
+          <a:ln w="12700">
+            <a:solidFill>
+              <a:schemeClr val="tx1"/>
+            </a:solidFill>
+            <a:tailEnd type="arrow"/>
+          </a:ln>
+        </p:spPr>
+        <p:style>
+          <a:lnRef idx="2">
+            <a:schemeClr val="accent1"/>
+          </a:lnRef>
+          <a:fillRef idx="0">
+            <a:schemeClr val="accent1"/>
+          </a:fillRef>
+          <a:effectRef idx="1">
+            <a:schemeClr val="accent1"/>
+          </a:effectRef>
+          <a:fontRef idx="minor">
+            <a:schemeClr val="tx1"/>
+          </a:fontRef>
+        </p:style>
+      </p:cxnSp>
+      <p:sp>
+        <p:nvSpPr>
+          <p:cNvPr id="23" name="椭圆 22"/>
+          <p:cNvSpPr/>
+          <p:nvPr/>
+        </p:nvSpPr>
+        <p:spPr>
+          <a:xfrm>
+            <a:off x="3924300" y="6257925"/>
+            <a:ext cx="933450" cy="885825"/>
+          </a:xfrm>
+          <a:prstGeom prst="ellipse">
+            <a:avLst/>
+          </a:prstGeom>
+          <a:solidFill>
+            <a:schemeClr val="bg1"/>
+          </a:solidFill>
+          <a:ln w="12700">
+            <a:solidFill>
+              <a:schemeClr val="tx1"/>
+            </a:solidFill>
+            <a:prstDash val="solid"/>
+          </a:ln>
+          <a:effectLst/>
+        </p:spPr>
+        <p:style>
+          <a:lnRef idx="1">
+            <a:schemeClr val="accent1"/>
+          </a:lnRef>
+          <a:fillRef idx="3">
+            <a:schemeClr val="accent1"/>
+          </a:fillRef>
+          <a:effectRef idx="2">
+            <a:schemeClr val="accent1"/>
+          </a:effectRef>
+          <a:fontRef idx="minor">
+            <a:schemeClr val="lt1"/>
+          </a:fontRef>
+        </p:style>
+        <p:txBody>
+          <a:bodyPr rtlCol="0" anchor="ctr"/>
+          <a:lstStyle/>
+          <a:p>
+            <a:pPr algn="ctr"/>
+            <a:r>
+              <a:rPr lang="zh-CN" altLang="en-US" sz="1600" smtClean="0">
+                <a:solidFill>
+                  <a:schemeClr val="tx1"/>
+                </a:solidFill>
+              </a:rPr>
+              <a:t>结束</a:t>
+            </a:r>
+            <a:endParaRPr lang="zh-CN" altLang="en-US" sz="1600">
+              <a:solidFill>
+                <a:schemeClr val="tx1"/>
+              </a:solidFill>
+            </a:endParaRPr>
+          </a:p>
+        </p:txBody>
+      </p:sp>
+      <p:cxnSp>
+        <p:nvCxnSpPr>
+          <p:cNvPr id="25" name="形状 24"/>
+          <p:cNvCxnSpPr>
+            <a:stCxn id="6" idx="3"/>
+            <a:endCxn id="23" idx="0"/>
+          </p:cNvCxnSpPr>
+          <p:nvPr/>
+        </p:nvCxnSpPr>
+        <p:spPr>
+          <a:xfrm flipH="1">
+            <a:off x="4391025" y="1541464"/>
+            <a:ext cx="1488281" cy="4716461"/>
+          </a:xfrm>
+          <a:prstGeom prst="bentConnector4">
+            <a:avLst>
+              <a:gd name="adj1" fmla="val -15360"/>
+              <a:gd name="adj2" fmla="val 94076"/>
+            </a:avLst>
+          </a:prstGeom>
+          <a:ln w="12700">
+            <a:solidFill>
+              <a:schemeClr val="tx1"/>
+            </a:solidFill>
+            <a:tailEnd type="arrow"/>
+          </a:ln>
+        </p:spPr>
+        <p:style>
+          <a:lnRef idx="2">
+            <a:schemeClr val="accent1"/>
+          </a:lnRef>
+          <a:fillRef idx="0">
+            <a:schemeClr val="accent1"/>
+          </a:fillRef>
+          <a:effectRef idx="1">
+            <a:schemeClr val="accent1"/>
+          </a:effectRef>
+          <a:fontRef idx="minor">
+            <a:schemeClr val="tx1"/>
+          </a:fontRef>
+        </p:style>
+      </p:cxnSp>
+      <p:sp>
+        <p:nvSpPr>
+          <p:cNvPr id="27" name="TextBox 26"/>
+          <p:cNvSpPr txBox="1"/>
+          <p:nvPr/>
+        </p:nvSpPr>
+        <p:spPr>
+          <a:xfrm>
+            <a:off x="4486275" y="2077622"/>
+            <a:ext cx="371475" cy="338554"/>
+          </a:xfrm>
+          <a:prstGeom prst="rect">
+            <a:avLst/>
+          </a:prstGeom>
+          <a:noFill/>
+        </p:spPr>
+        <p:txBody>
+          <a:bodyPr wrap="square" rtlCol="0">
+            <a:spAutoFit/>
+          </a:bodyPr>
+          <a:lstStyle/>
+          <a:p>
+            <a:r>
+              <a:rPr lang="zh-CN" altLang="en-US" sz="1600" smtClean="0"/>
+              <a:t>有</a:t>
+            </a:r>
+            <a:endParaRPr lang="zh-CN" altLang="en-US" sz="1600"/>
+          </a:p>
+        </p:txBody>
+      </p:sp>
+      <p:sp>
+        <p:nvSpPr>
+          <p:cNvPr id="28" name="TextBox 27"/>
+          <p:cNvSpPr txBox="1"/>
+          <p:nvPr/>
+        </p:nvSpPr>
+        <p:spPr>
+          <a:xfrm>
+            <a:off x="5691187" y="1202910"/>
+            <a:ext cx="371475" cy="338554"/>
+          </a:xfrm>
+          <a:prstGeom prst="rect">
+            <a:avLst/>
+          </a:prstGeom>
+          <a:noFill/>
+        </p:spPr>
+        <p:txBody>
+          <a:bodyPr wrap="square" rtlCol="0">
+            <a:spAutoFit/>
+          </a:bodyPr>
+          <a:lstStyle/>
+          <a:p>
+            <a:r>
+              <a:rPr lang="zh-CN" altLang="en-US" sz="1600" smtClean="0"/>
+              <a:t>无</a:t>
+            </a:r>
+            <a:endParaRPr lang="zh-CN" altLang="en-US" sz="1600"/>
+          </a:p>
+        </p:txBody>
+      </p:sp>
+      <p:sp>
+        <p:nvSpPr>
+          <p:cNvPr id="30" name="矩形 29"/>
+          <p:cNvSpPr/>
+          <p:nvPr/>
+        </p:nvSpPr>
+        <p:spPr>
+          <a:xfrm>
+            <a:off x="2890838" y="4724400"/>
+            <a:ext cx="3005137" cy="942974"/>
+          </a:xfrm>
+          <a:prstGeom prst="rect">
+            <a:avLst/>
+          </a:prstGeom>
+          <a:solidFill>
+            <a:schemeClr val="bg1"/>
+          </a:solidFill>
+          <a:ln w="12700">
+            <a:solidFill>
+              <a:schemeClr val="tx1"/>
+            </a:solidFill>
+            <a:prstDash val="solid"/>
+          </a:ln>
+          <a:effectLst/>
+        </p:spPr>
+        <p:style>
+          <a:lnRef idx="1">
+            <a:schemeClr val="accent1"/>
+          </a:lnRef>
+          <a:fillRef idx="3">
+            <a:schemeClr val="accent1"/>
+          </a:fillRef>
+          <a:effectRef idx="2">
+            <a:schemeClr val="accent1"/>
+          </a:effectRef>
+          <a:fontRef idx="minor">
+            <a:schemeClr val="lt1"/>
+          </a:fontRef>
+        </p:style>
+        <p:txBody>
+          <a:bodyPr rtlCol="0" anchor="ctr"/>
+          <a:lstStyle/>
+          <a:p>
+            <a:pPr algn="ctr"/>
+            <a:r>
+              <a:rPr lang="zh-CN" altLang="en-US" sz="1600" smtClean="0">
+                <a:solidFill>
+                  <a:schemeClr val="tx1"/>
+                </a:solidFill>
+              </a:rPr>
+              <a:t>将每个 </a:t>
+            </a:r>
+            <a:r>
+              <a:rPr lang="en-US" altLang="zh-CN" sz="1600" smtClean="0">
+                <a:solidFill>
+                  <a:schemeClr val="tx1"/>
+                </a:solidFill>
+              </a:rPr>
+              <a:t>AP </a:t>
+            </a:r>
+            <a:r>
+              <a:rPr lang="zh-CN" altLang="en-US" sz="1600" smtClean="0">
+                <a:solidFill>
+                  <a:schemeClr val="tx1"/>
+                </a:solidFill>
+              </a:rPr>
+              <a:t>对应的 </a:t>
+            </a:r>
+            <a:r>
+              <a:rPr lang="en-US" altLang="zh-CN" sz="1600" smtClean="0">
+                <a:solidFill>
+                  <a:schemeClr val="tx1"/>
+                </a:solidFill>
+              </a:rPr>
+              <a:t>CP value</a:t>
+            </a:r>
+            <a:r>
+              <a:rPr lang="zh-CN" altLang="en-US" sz="1600" smtClean="0">
+                <a:solidFill>
+                  <a:schemeClr val="tx1"/>
+                </a:solidFill>
+              </a:rPr>
+              <a:t>、</a:t>
+            </a:r>
+            <a:r>
+              <a:rPr lang="en-US" altLang="zh-CN" sz="1600" smtClean="0">
+                <a:solidFill>
+                  <a:schemeClr val="tx1"/>
+                </a:solidFill>
+              </a:rPr>
+              <a:t>AP </a:t>
+            </a:r>
+            <a:r>
+              <a:rPr lang="zh-CN" altLang="en-US" sz="1600" smtClean="0">
+                <a:solidFill>
+                  <a:schemeClr val="tx1"/>
+                </a:solidFill>
+              </a:rPr>
+              <a:t>的</a:t>
+            </a:r>
+            <a:r>
+              <a:rPr lang="en-US" altLang="zh-CN" sz="1600" smtClean="0">
+                <a:solidFill>
+                  <a:schemeClr val="tx1"/>
+                </a:solidFill>
+              </a:rPr>
+              <a:t>MAC </a:t>
+            </a:r>
+            <a:r>
+              <a:rPr lang="zh-CN" altLang="en-US" sz="1600" smtClean="0">
+                <a:solidFill>
+                  <a:schemeClr val="tx1"/>
+                </a:solidFill>
+              </a:rPr>
+              <a:t>地址 </a:t>
+            </a:r>
+            <a:r>
+              <a:rPr lang="en-US" altLang="zh-CN" sz="1600" smtClean="0">
+                <a:solidFill>
+                  <a:schemeClr val="tx1"/>
+                </a:solidFill>
+              </a:rPr>
+              <a:t>(bssid)</a:t>
+            </a:r>
+            <a:r>
+              <a:rPr lang="zh-CN" altLang="en-US" sz="1600" smtClean="0">
+                <a:solidFill>
+                  <a:schemeClr val="tx1"/>
+                </a:solidFill>
+              </a:rPr>
+              <a:t>、</a:t>
+            </a:r>
+            <a:r>
+              <a:rPr lang="en-US" altLang="zh-CN" sz="1600" smtClean="0">
+                <a:solidFill>
+                  <a:schemeClr val="tx1"/>
+                </a:solidFill>
+              </a:rPr>
+              <a:t>mRSS</a:t>
+            </a:r>
+            <a:r>
+              <a:rPr lang="zh-CN" altLang="en-US" sz="1600" smtClean="0">
+                <a:solidFill>
+                  <a:schemeClr val="tx1"/>
+                </a:solidFill>
+              </a:rPr>
+              <a:t>、</a:t>
+            </a:r>
+            <a:r>
+              <a:rPr lang="en-US" altLang="zh-CN" sz="1600" smtClean="0">
+                <a:solidFill>
+                  <a:schemeClr val="tx1"/>
+                </a:solidFill>
+              </a:rPr>
+              <a:t>σ^2 </a:t>
+            </a:r>
+            <a:r>
+              <a:rPr lang="zh-CN" altLang="en-US" sz="1600" smtClean="0">
+                <a:solidFill>
+                  <a:schemeClr val="tx1"/>
+                </a:solidFill>
+              </a:rPr>
+              <a:t>，</a:t>
+            </a:r>
+            <a:r>
+              <a:rPr lang="zh-CN" altLang="en-US" sz="1600" smtClean="0">
+                <a:solidFill>
+                  <a:schemeClr val="tx1"/>
+                </a:solidFill>
+              </a:rPr>
+              <a:t>存入</a:t>
+            </a:r>
+            <a:r>
+              <a:rPr lang="zh-CN" altLang="en-US" sz="1600" smtClean="0">
+                <a:solidFill>
+                  <a:schemeClr val="tx1"/>
+                </a:solidFill>
+              </a:rPr>
+              <a:t>数据库</a:t>
+            </a:r>
+            <a:r>
+              <a:rPr lang="zh-CN" altLang="en-US" sz="1600" smtClean="0">
+                <a:solidFill>
+                  <a:schemeClr val="tx1"/>
+                </a:solidFill>
+              </a:rPr>
+              <a:t>，形成定位校准表</a:t>
+            </a:r>
+            <a:endParaRPr lang="zh-CN" altLang="en-US" sz="1600">
+              <a:solidFill>
+                <a:schemeClr val="tx1"/>
+              </a:solidFill>
+            </a:endParaRPr>
+          </a:p>
+        </p:txBody>
+      </p:sp>
+      <p:cxnSp>
+        <p:nvCxnSpPr>
+          <p:cNvPr id="32" name="直接箭头连接符 31"/>
+          <p:cNvCxnSpPr>
+            <a:stCxn id="7" idx="2"/>
+            <a:endCxn id="30" idx="0"/>
+          </p:cNvCxnSpPr>
+          <p:nvPr/>
+        </p:nvCxnSpPr>
+        <p:spPr>
+          <a:xfrm rot="5400000">
+            <a:off x="4260057" y="4591050"/>
+            <a:ext cx="266700" cy="1588"/>
+          </a:xfrm>
+          <a:prstGeom prst="straightConnector1">
+            <a:avLst/>
+          </a:prstGeom>
+          <a:ln w="12700">
+            <a:solidFill>
+              <a:schemeClr val="tx1"/>
+            </a:solidFill>
+            <a:tailEnd type="arrow"/>
+          </a:ln>
+        </p:spPr>
+        <p:style>
+          <a:lnRef idx="2">
+            <a:schemeClr val="accent1"/>
+          </a:lnRef>
+          <a:fillRef idx="0">
+            <a:schemeClr val="accent1"/>
+          </a:fillRef>
+          <a:effectRef idx="1">
+            <a:schemeClr val="accent1"/>
+          </a:effectRef>
+          <a:fontRef idx="minor">
+            <a:schemeClr val="tx1"/>
+          </a:fontRef>
+        </p:style>
+      </p:cxnSp>
+    </p:spTree>
+  </p:cSld>
+  <p:clrMapOvr>
+    <a:masterClrMapping/>
+  </p:clrMapOvr>
+</p:sld>
+</file>
+
+<file path=ppt/slides/slide14.xml><?xml version="1.0" encoding="utf-8"?>
+<p:sld xmlns:a="http://schemas.openxmlformats.org/drawingml/2006/main" xmlns:r="http://schemas.openxmlformats.org/officeDocument/2006/relationships" xmlns:p="http://schemas.openxmlformats.org/presentationml/2006/main">
+  <p:cSld>
+    <p:spTree>
+      <p:nvGrpSpPr>
+        <p:cNvPr id="1" name=""/>
+        <p:cNvGrpSpPr/>
+        <p:nvPr/>
+      </p:nvGrpSpPr>
+      <p:grpSpPr>
+        <a:xfrm>
+          <a:off x="0" y="0"/>
+          <a:ext cx="0" cy="0"/>
+          <a:chOff x="0" y="0"/>
+          <a:chExt cx="0" cy="0"/>
+        </a:xfrm>
+      </p:grpSpPr>
+      <p:sp>
+        <p:nvSpPr>
+          <p:cNvPr id="4" name="矩形 3"/>
+          <p:cNvSpPr/>
+          <p:nvPr/>
+        </p:nvSpPr>
+        <p:spPr>
+          <a:xfrm>
+            <a:off x="3419474" y="147637"/>
+            <a:ext cx="1752600" cy="504825"/>
+          </a:xfrm>
+          <a:prstGeom prst="rect">
+            <a:avLst/>
+          </a:prstGeom>
+          <a:solidFill>
+            <a:schemeClr val="bg1"/>
+          </a:solidFill>
+          <a:ln w="12700">
+            <a:solidFill>
+              <a:schemeClr val="tx1"/>
+            </a:solidFill>
+            <a:prstDash val="solid"/>
+          </a:ln>
+          <a:effectLst/>
+        </p:spPr>
+        <p:style>
+          <a:lnRef idx="1">
+            <a:schemeClr val="accent1"/>
+          </a:lnRef>
+          <a:fillRef idx="3">
+            <a:schemeClr val="accent1"/>
+          </a:fillRef>
+          <a:effectRef idx="2">
+            <a:schemeClr val="accent1"/>
+          </a:effectRef>
+          <a:fontRef idx="minor">
+            <a:schemeClr val="lt1"/>
+          </a:fontRef>
+        </p:style>
+        <p:txBody>
+          <a:bodyPr rtlCol="0" anchor="ctr"/>
+          <a:lstStyle/>
+          <a:p>
+            <a:pPr algn="ctr"/>
+            <a:r>
+              <a:rPr lang="zh-CN" altLang="en-US" sz="1600" smtClean="0">
+                <a:solidFill>
+                  <a:schemeClr val="tx1"/>
+                </a:solidFill>
+              </a:rPr>
+              <a:t>从校准数据表中查出所有区域</a:t>
+            </a:r>
+            <a:r>
+              <a:rPr lang="en-US" altLang="zh-CN" sz="1600" smtClean="0">
+                <a:solidFill>
+                  <a:schemeClr val="tx1"/>
+                </a:solidFill>
+              </a:rPr>
+              <a:t>ID</a:t>
+            </a:r>
+            <a:endParaRPr lang="zh-CN" altLang="en-US" sz="1600">
+              <a:solidFill>
+                <a:schemeClr val="tx1"/>
+              </a:solidFill>
+            </a:endParaRPr>
+          </a:p>
+        </p:txBody>
+      </p:sp>
+      <p:sp>
+        <p:nvSpPr>
+          <p:cNvPr id="5" name="菱形 4"/>
+          <p:cNvSpPr/>
+          <p:nvPr/>
+        </p:nvSpPr>
+        <p:spPr>
+          <a:xfrm>
+            <a:off x="2105024" y="917575"/>
+            <a:ext cx="4381500" cy="1333500"/>
+          </a:xfrm>
+          <a:prstGeom prst="diamond">
+            <a:avLst/>
+          </a:prstGeom>
+          <a:solidFill>
+            <a:schemeClr val="bg1"/>
+          </a:solidFill>
+          <a:ln w="12700">
+            <a:solidFill>
+              <a:schemeClr val="tx1"/>
+            </a:solidFill>
+            <a:prstDash val="solid"/>
+          </a:ln>
+          <a:effectLst/>
+        </p:spPr>
+        <p:style>
+          <a:lnRef idx="1">
+            <a:schemeClr val="accent1"/>
+          </a:lnRef>
+          <a:fillRef idx="3">
+            <a:schemeClr val="accent1"/>
+          </a:fillRef>
+          <a:effectRef idx="2">
+            <a:schemeClr val="accent1"/>
+          </a:effectRef>
+          <a:fontRef idx="minor">
+            <a:schemeClr val="lt1"/>
+          </a:fontRef>
+        </p:style>
+        <p:txBody>
+          <a:bodyPr rtlCol="0" anchor="ctr"/>
+          <a:lstStyle/>
+          <a:p>
+            <a:pPr algn="ctr"/>
+            <a:r>
+              <a:rPr lang="zh-CN" altLang="en-US" sz="1600" smtClean="0">
+                <a:solidFill>
+                  <a:schemeClr val="tx1"/>
+                </a:solidFill>
+              </a:rPr>
+              <a:t>从校准数据表中根据区域</a:t>
+            </a:r>
+            <a:r>
+              <a:rPr lang="en-US" altLang="zh-CN" sz="1600" smtClean="0">
+                <a:solidFill>
+                  <a:schemeClr val="tx1"/>
+                </a:solidFill>
+              </a:rPr>
+              <a:t>ID</a:t>
+            </a:r>
+            <a:r>
+              <a:rPr lang="zh-CN" altLang="en-US" sz="1600" smtClean="0">
+                <a:solidFill>
+                  <a:schemeClr val="tx1"/>
+                </a:solidFill>
+              </a:rPr>
+              <a:t>查找出该区域中所有的</a:t>
+            </a:r>
+            <a:r>
+              <a:rPr lang="en-US" altLang="zh-CN" sz="1600" smtClean="0">
+                <a:solidFill>
+                  <a:schemeClr val="tx1"/>
+                </a:solidFill>
+              </a:rPr>
+              <a:t>AP</a:t>
+            </a:r>
+            <a:r>
+              <a:rPr lang="zh-CN" altLang="en-US" sz="1600" smtClean="0">
+                <a:solidFill>
+                  <a:schemeClr val="tx1"/>
+                </a:solidFill>
+              </a:rPr>
+              <a:t>的数据</a:t>
+            </a:r>
+            <a:endParaRPr lang="zh-CN" altLang="en-US" sz="1600">
+              <a:solidFill>
+                <a:schemeClr val="tx1"/>
+              </a:solidFill>
+            </a:endParaRPr>
+          </a:p>
+        </p:txBody>
+      </p:sp>
+      <p:sp>
+        <p:nvSpPr>
+          <p:cNvPr id="6" name="菱形 5"/>
+          <p:cNvSpPr/>
+          <p:nvPr/>
+        </p:nvSpPr>
+        <p:spPr>
+          <a:xfrm>
+            <a:off x="2252662" y="2516188"/>
+            <a:ext cx="4086225" cy="1381125"/>
+          </a:xfrm>
+          <a:prstGeom prst="diamond">
+            <a:avLst/>
+          </a:prstGeom>
+          <a:solidFill>
+            <a:schemeClr val="bg1"/>
+          </a:solidFill>
+          <a:ln w="12700">
+            <a:solidFill>
+              <a:schemeClr val="tx1"/>
+            </a:solidFill>
+            <a:prstDash val="solid"/>
+          </a:ln>
+          <a:effectLst/>
+        </p:spPr>
+        <p:style>
+          <a:lnRef idx="1">
+            <a:schemeClr val="accent1"/>
+          </a:lnRef>
+          <a:fillRef idx="3">
+            <a:schemeClr val="accent1"/>
+          </a:fillRef>
+          <a:effectRef idx="2">
+            <a:schemeClr val="accent1"/>
+          </a:effectRef>
+          <a:fontRef idx="minor">
+            <a:schemeClr val="lt1"/>
+          </a:fontRef>
+        </p:style>
+        <p:txBody>
+          <a:bodyPr rtlCol="0" anchor="ctr"/>
+          <a:lstStyle/>
+          <a:p>
+            <a:pPr algn="ctr"/>
+            <a:r>
+              <a:rPr lang="zh-CN" altLang="en-US" sz="1600" smtClean="0">
+                <a:solidFill>
+                  <a:schemeClr val="tx1"/>
+                </a:solidFill>
+              </a:rPr>
+              <a:t>待定位数据与校准表中查找出的数据是否有</a:t>
+            </a:r>
+            <a:r>
+              <a:rPr lang="en-US" altLang="zh-CN" sz="1600" smtClean="0">
+                <a:solidFill>
+                  <a:schemeClr val="tx1"/>
+                </a:solidFill>
+              </a:rPr>
+              <a:t>MAC</a:t>
+            </a:r>
+            <a:r>
+              <a:rPr lang="zh-CN" altLang="en-US" sz="1600" smtClean="0">
+                <a:solidFill>
+                  <a:schemeClr val="tx1"/>
+                </a:solidFill>
+              </a:rPr>
+              <a:t>相同的</a:t>
+            </a:r>
+            <a:r>
+              <a:rPr lang="en-US" altLang="zh-CN" sz="1600" smtClean="0">
+                <a:solidFill>
+                  <a:schemeClr val="tx1"/>
+                </a:solidFill>
+              </a:rPr>
+              <a:t>AP</a:t>
+            </a:r>
+            <a:endParaRPr lang="zh-CN" altLang="en-US" sz="1600">
+              <a:solidFill>
+                <a:schemeClr val="tx1"/>
+              </a:solidFill>
+            </a:endParaRPr>
+          </a:p>
+        </p:txBody>
+      </p:sp>
+      <p:sp>
+        <p:nvSpPr>
+          <p:cNvPr id="7" name="矩形 6"/>
+          <p:cNvSpPr/>
+          <p:nvPr/>
+        </p:nvSpPr>
+        <p:spPr>
+          <a:xfrm>
+            <a:off x="2890837" y="4162425"/>
+            <a:ext cx="2809875" cy="1104900"/>
+          </a:xfrm>
+          <a:prstGeom prst="rect">
+            <a:avLst/>
+          </a:prstGeom>
+          <a:solidFill>
+            <a:schemeClr val="bg1"/>
+          </a:solidFill>
+          <a:ln w="12700">
+            <a:solidFill>
+              <a:schemeClr val="tx1"/>
+            </a:solidFill>
+            <a:prstDash val="solid"/>
+          </a:ln>
+          <a:effectLst/>
+        </p:spPr>
+        <p:style>
+          <a:lnRef idx="1">
+            <a:schemeClr val="accent1"/>
+          </a:lnRef>
+          <a:fillRef idx="3">
+            <a:schemeClr val="accent1"/>
+          </a:fillRef>
+          <a:effectRef idx="2">
+            <a:schemeClr val="accent1"/>
+          </a:effectRef>
+          <a:fontRef idx="minor">
+            <a:schemeClr val="lt1"/>
+          </a:fontRef>
+        </p:style>
+        <p:txBody>
+          <a:bodyPr rtlCol="0" anchor="ctr"/>
+          <a:lstStyle/>
+          <a:p>
+            <a:pPr algn="ctr"/>
+            <a:r>
+              <a:rPr lang="zh-CN" altLang="en-US" sz="1600" smtClean="0">
+                <a:solidFill>
+                  <a:schemeClr val="tx1"/>
+                </a:solidFill>
+              </a:rPr>
+              <a:t>将</a:t>
+            </a:r>
+            <a:r>
+              <a:rPr lang="en-US" altLang="zh-CN" sz="1600" smtClean="0">
+                <a:solidFill>
+                  <a:schemeClr val="tx1"/>
+                </a:solidFill>
+              </a:rPr>
+              <a:t>MAC</a:t>
+            </a:r>
+            <a:r>
+              <a:rPr lang="zh-CN" altLang="en-US" sz="1600" smtClean="0">
+                <a:solidFill>
+                  <a:schemeClr val="tx1"/>
+                </a:solidFill>
+              </a:rPr>
+              <a:t>相同的</a:t>
+            </a:r>
+            <a:r>
+              <a:rPr lang="en-US" altLang="zh-CN" sz="1600" smtClean="0">
+                <a:solidFill>
+                  <a:schemeClr val="tx1"/>
+                </a:solidFill>
+              </a:rPr>
+              <a:t>AP</a:t>
+            </a:r>
+            <a:r>
+              <a:rPr lang="zh-CN" altLang="en-US" sz="1600" smtClean="0">
+                <a:solidFill>
+                  <a:schemeClr val="tx1"/>
+                </a:solidFill>
+              </a:rPr>
+              <a:t>做正态分布概率计算，并将所有</a:t>
+            </a:r>
+            <a:r>
+              <a:rPr lang="en-US" altLang="zh-CN" sz="1600" smtClean="0">
+                <a:solidFill>
+                  <a:schemeClr val="tx1"/>
+                </a:solidFill>
+              </a:rPr>
+              <a:t>AP</a:t>
+            </a:r>
+            <a:r>
+              <a:rPr lang="zh-CN" altLang="en-US" sz="1600" smtClean="0">
+                <a:solidFill>
+                  <a:schemeClr val="tx1"/>
+                </a:solidFill>
+              </a:rPr>
+              <a:t>的概率值相加，成为该区域的概率值</a:t>
+            </a:r>
+            <a:endParaRPr lang="zh-CN" altLang="en-US" sz="1600">
+              <a:solidFill>
+                <a:schemeClr val="tx1"/>
+              </a:solidFill>
+            </a:endParaRPr>
+          </a:p>
+        </p:txBody>
+      </p:sp>
+      <p:cxnSp>
+        <p:nvCxnSpPr>
+          <p:cNvPr id="9" name="直接箭头连接符 8"/>
+          <p:cNvCxnSpPr>
+            <a:stCxn id="4" idx="2"/>
+            <a:endCxn id="5" idx="0"/>
+          </p:cNvCxnSpPr>
+          <p:nvPr/>
+        </p:nvCxnSpPr>
+        <p:spPr>
+          <a:xfrm rot="5400000">
+            <a:off x="4163218" y="785018"/>
+            <a:ext cx="265113" cy="1588"/>
+          </a:xfrm>
+          <a:prstGeom prst="straightConnector1">
+            <a:avLst/>
+          </a:prstGeom>
+          <a:ln w="12700">
+            <a:solidFill>
+              <a:schemeClr val="tx1"/>
+            </a:solidFill>
+            <a:tailEnd type="arrow"/>
+          </a:ln>
+        </p:spPr>
+        <p:style>
+          <a:lnRef idx="2">
+            <a:schemeClr val="accent1"/>
+          </a:lnRef>
+          <a:fillRef idx="0">
+            <a:schemeClr val="accent1"/>
+          </a:fillRef>
+          <a:effectRef idx="1">
+            <a:schemeClr val="accent1"/>
+          </a:effectRef>
+          <a:fontRef idx="minor">
+            <a:schemeClr val="tx1"/>
+          </a:fontRef>
+        </p:style>
+      </p:cxnSp>
+      <p:cxnSp>
+        <p:nvCxnSpPr>
+          <p:cNvPr id="11" name="直接箭头连接符 10"/>
+          <p:cNvCxnSpPr>
+            <a:stCxn id="5" idx="2"/>
+            <a:endCxn id="6" idx="0"/>
+          </p:cNvCxnSpPr>
+          <p:nvPr/>
+        </p:nvCxnSpPr>
+        <p:spPr>
+          <a:xfrm rot="16200000" flipH="1">
+            <a:off x="4163218" y="2383630"/>
+            <a:ext cx="265113" cy="1"/>
+          </a:xfrm>
+          <a:prstGeom prst="straightConnector1">
+            <a:avLst/>
+          </a:prstGeom>
+          <a:ln w="12700">
+            <a:solidFill>
+              <a:schemeClr val="tx1"/>
+            </a:solidFill>
+            <a:tailEnd type="arrow"/>
+          </a:ln>
+        </p:spPr>
+        <p:style>
+          <a:lnRef idx="2">
+            <a:schemeClr val="accent1"/>
+          </a:lnRef>
+          <a:fillRef idx="0">
+            <a:schemeClr val="accent1"/>
+          </a:fillRef>
+          <a:effectRef idx="1">
+            <a:schemeClr val="accent1"/>
+          </a:effectRef>
+          <a:fontRef idx="minor">
+            <a:schemeClr val="tx1"/>
+          </a:fontRef>
+        </p:style>
+      </p:cxnSp>
+      <p:cxnSp>
+        <p:nvCxnSpPr>
+          <p:cNvPr id="13" name="直接箭头连接符 12"/>
+          <p:cNvCxnSpPr>
+            <a:stCxn id="6" idx="2"/>
+            <a:endCxn id="7" idx="0"/>
+          </p:cNvCxnSpPr>
+          <p:nvPr/>
+        </p:nvCxnSpPr>
+        <p:spPr>
+          <a:xfrm rot="5400000">
+            <a:off x="4163219" y="4029869"/>
+            <a:ext cx="265112" cy="1588"/>
+          </a:xfrm>
+          <a:prstGeom prst="straightConnector1">
+            <a:avLst/>
+          </a:prstGeom>
+          <a:ln w="12700">
+            <a:solidFill>
+              <a:schemeClr val="tx1"/>
+            </a:solidFill>
+            <a:tailEnd type="arrow"/>
+          </a:ln>
+        </p:spPr>
+        <p:style>
+          <a:lnRef idx="2">
+            <a:schemeClr val="accent1"/>
+          </a:lnRef>
+          <a:fillRef idx="0">
+            <a:schemeClr val="accent1"/>
+          </a:fillRef>
+          <a:effectRef idx="1">
+            <a:schemeClr val="accent1"/>
+          </a:effectRef>
+          <a:fontRef idx="minor">
+            <a:schemeClr val="tx1"/>
+          </a:fontRef>
+        </p:style>
+      </p:cxnSp>
+      <p:cxnSp>
+        <p:nvCxnSpPr>
+          <p:cNvPr id="15" name="肘形连接符 14"/>
+          <p:cNvCxnSpPr>
+            <a:stCxn id="7" idx="1"/>
+            <a:endCxn id="5" idx="1"/>
+          </p:cNvCxnSpPr>
+          <p:nvPr/>
+        </p:nvCxnSpPr>
+        <p:spPr>
+          <a:xfrm rot="10800000">
+            <a:off x="2105025" y="1584325"/>
+            <a:ext cx="785813" cy="3130550"/>
+          </a:xfrm>
+          <a:prstGeom prst="bentConnector3">
+            <a:avLst>
+              <a:gd name="adj1" fmla="val 129091"/>
+            </a:avLst>
+          </a:prstGeom>
+          <a:ln w="12700">
+            <a:solidFill>
+              <a:schemeClr val="tx1"/>
+            </a:solidFill>
+            <a:tailEnd type="arrow"/>
+          </a:ln>
+        </p:spPr>
+        <p:style>
+          <a:lnRef idx="2">
+            <a:schemeClr val="accent1"/>
+          </a:lnRef>
+          <a:fillRef idx="0">
+            <a:schemeClr val="accent1"/>
+          </a:fillRef>
+          <a:effectRef idx="1">
+            <a:schemeClr val="accent1"/>
+          </a:effectRef>
+          <a:fontRef idx="minor">
+            <a:schemeClr val="tx1"/>
+          </a:fontRef>
+        </p:style>
+      </p:cxnSp>
+      <p:cxnSp>
+        <p:nvCxnSpPr>
+          <p:cNvPr id="19" name="直接箭头连接符 18"/>
+          <p:cNvCxnSpPr>
+            <a:stCxn id="6" idx="1"/>
+          </p:cNvCxnSpPr>
+          <p:nvPr/>
+        </p:nvCxnSpPr>
+        <p:spPr>
+          <a:xfrm rot="10800000">
+            <a:off x="1857376" y="3206751"/>
+            <a:ext cx="395287" cy="1588"/>
+          </a:xfrm>
+          <a:prstGeom prst="straightConnector1">
+            <a:avLst/>
+          </a:prstGeom>
+          <a:ln w="12700">
+            <a:solidFill>
+              <a:schemeClr val="tx1"/>
+            </a:solidFill>
+            <a:tailEnd type="arrow"/>
+          </a:ln>
+        </p:spPr>
+        <p:style>
+          <a:lnRef idx="2">
+            <a:schemeClr val="accent1"/>
+          </a:lnRef>
+          <a:fillRef idx="0">
+            <a:schemeClr val="accent1"/>
+          </a:fillRef>
+          <a:effectRef idx="1">
+            <a:schemeClr val="accent1"/>
+          </a:effectRef>
+          <a:fontRef idx="minor">
+            <a:schemeClr val="tx1"/>
+          </a:fontRef>
+        </p:style>
+      </p:cxnSp>
+      <p:sp>
+        <p:nvSpPr>
+          <p:cNvPr id="20" name="矩形 19"/>
+          <p:cNvSpPr/>
+          <p:nvPr/>
+        </p:nvSpPr>
+        <p:spPr>
+          <a:xfrm>
+            <a:off x="2948781" y="5829301"/>
+            <a:ext cx="2709069" cy="704850"/>
+          </a:xfrm>
+          <a:prstGeom prst="rect">
+            <a:avLst/>
+          </a:prstGeom>
+          <a:solidFill>
+            <a:schemeClr val="bg1"/>
+          </a:solidFill>
+          <a:ln w="12700">
+            <a:solidFill>
+              <a:schemeClr val="tx1"/>
+            </a:solidFill>
+            <a:prstDash val="solid"/>
+          </a:ln>
+          <a:effectLst/>
+        </p:spPr>
+        <p:style>
+          <a:lnRef idx="1">
+            <a:schemeClr val="accent1"/>
+          </a:lnRef>
+          <a:fillRef idx="3">
+            <a:schemeClr val="accent1"/>
+          </a:fillRef>
+          <a:effectRef idx="2">
+            <a:schemeClr val="accent1"/>
+          </a:effectRef>
+          <a:fontRef idx="minor">
+            <a:schemeClr val="lt1"/>
+          </a:fontRef>
+        </p:style>
+        <p:txBody>
+          <a:bodyPr rtlCol="0" anchor="ctr"/>
+          <a:lstStyle/>
+          <a:p>
+            <a:pPr algn="ctr"/>
+            <a:r>
+              <a:rPr lang="zh-CN" altLang="en-US" sz="1600" smtClean="0">
+                <a:solidFill>
+                  <a:schemeClr val="tx1"/>
+                </a:solidFill>
+              </a:rPr>
+              <a:t>将各个区域的概率值排序找出概率值最大的两个区域</a:t>
+            </a:r>
+            <a:r>
+              <a:rPr lang="en-US" altLang="zh-CN" sz="1600" smtClean="0">
+                <a:solidFill>
+                  <a:schemeClr val="tx1"/>
+                </a:solidFill>
+              </a:rPr>
+              <a:t>ID</a:t>
+            </a:r>
+            <a:endParaRPr lang="zh-CN" altLang="en-US" sz="1600">
+              <a:solidFill>
+                <a:schemeClr val="tx1"/>
+              </a:solidFill>
+            </a:endParaRPr>
+          </a:p>
+        </p:txBody>
+      </p:sp>
+      <p:cxnSp>
+        <p:nvCxnSpPr>
+          <p:cNvPr id="22" name="形状 21"/>
+          <p:cNvCxnSpPr>
+            <a:stCxn id="5" idx="3"/>
+          </p:cNvCxnSpPr>
+          <p:nvPr/>
+        </p:nvCxnSpPr>
+        <p:spPr>
+          <a:xfrm flipH="1">
+            <a:off x="4294980" y="1584325"/>
+            <a:ext cx="2191544" cy="4254500"/>
+          </a:xfrm>
+          <a:prstGeom prst="bentConnector4">
+            <a:avLst>
+              <a:gd name="adj1" fmla="val -10431"/>
+              <a:gd name="adj2" fmla="val 91194"/>
+            </a:avLst>
+          </a:prstGeom>
+          <a:ln w="12700">
+            <a:solidFill>
+              <a:schemeClr val="tx1"/>
+            </a:solidFill>
+            <a:tailEnd type="arrow"/>
+          </a:ln>
+        </p:spPr>
+        <p:style>
+          <a:lnRef idx="2">
+            <a:schemeClr val="accent1"/>
+          </a:lnRef>
+          <a:fillRef idx="0">
+            <a:schemeClr val="accent1"/>
+          </a:fillRef>
+          <a:effectRef idx="1">
+            <a:schemeClr val="accent1"/>
+          </a:effectRef>
+          <a:fontRef idx="minor">
+            <a:schemeClr val="tx1"/>
+          </a:fontRef>
+        </p:style>
+      </p:cxnSp>
+      <p:sp>
+        <p:nvSpPr>
+          <p:cNvPr id="26" name="TextBox 25"/>
+          <p:cNvSpPr txBox="1"/>
+          <p:nvPr/>
+        </p:nvSpPr>
+        <p:spPr>
+          <a:xfrm>
+            <a:off x="6327757" y="1237704"/>
+            <a:ext cx="996967" cy="338554"/>
+          </a:xfrm>
+          <a:prstGeom prst="rect">
+            <a:avLst/>
+          </a:prstGeom>
+          <a:noFill/>
+        </p:spPr>
+        <p:txBody>
+          <a:bodyPr vert="horz" wrap="square" rtlCol="0">
+            <a:spAutoFit/>
+          </a:bodyPr>
+          <a:lstStyle/>
+          <a:p>
+            <a:r>
+              <a:rPr lang="zh-CN" altLang="en-US" sz="1600" smtClean="0"/>
+              <a:t>无区域</a:t>
+            </a:r>
+            <a:r>
+              <a:rPr lang="en-US" altLang="zh-CN" sz="1600" smtClean="0"/>
+              <a:t>ID</a:t>
+            </a:r>
+            <a:endParaRPr lang="zh-CN" altLang="en-US" sz="1600"/>
+          </a:p>
+        </p:txBody>
+      </p:sp>
+      <p:sp>
+        <p:nvSpPr>
+          <p:cNvPr id="27" name="TextBox 26"/>
+          <p:cNvSpPr txBox="1"/>
+          <p:nvPr/>
+        </p:nvSpPr>
+        <p:spPr>
+          <a:xfrm>
+            <a:off x="1893882" y="2860845"/>
+            <a:ext cx="422284" cy="338554"/>
+          </a:xfrm>
+          <a:prstGeom prst="rect">
+            <a:avLst/>
+          </a:prstGeom>
+          <a:noFill/>
+        </p:spPr>
+        <p:txBody>
+          <a:bodyPr vert="horz" wrap="square" rtlCol="0">
+            <a:spAutoFit/>
+          </a:bodyPr>
+          <a:lstStyle/>
+          <a:p>
+            <a:r>
+              <a:rPr lang="zh-CN" altLang="en-US" sz="1600" smtClean="0"/>
+              <a:t>无</a:t>
+            </a:r>
+            <a:endParaRPr lang="zh-CN" altLang="en-US" sz="1600"/>
+          </a:p>
+        </p:txBody>
+      </p:sp>
+      <p:sp>
+        <p:nvSpPr>
+          <p:cNvPr id="28" name="TextBox 27"/>
+          <p:cNvSpPr txBox="1"/>
+          <p:nvPr/>
+        </p:nvSpPr>
+        <p:spPr>
+          <a:xfrm>
+            <a:off x="4359266" y="3834190"/>
+            <a:ext cx="422284" cy="338554"/>
+          </a:xfrm>
+          <a:prstGeom prst="rect">
+            <a:avLst/>
+          </a:prstGeom>
+          <a:noFill/>
+        </p:spPr>
+        <p:txBody>
+          <a:bodyPr vert="horz" wrap="square" rtlCol="0">
+            <a:spAutoFit/>
+          </a:bodyPr>
+          <a:lstStyle/>
+          <a:p>
+            <a:r>
+              <a:rPr lang="zh-CN" altLang="en-US" sz="1600" smtClean="0"/>
+              <a:t>有</a:t>
+            </a:r>
+            <a:endParaRPr lang="zh-CN" altLang="en-US" sz="1600"/>
+          </a:p>
+        </p:txBody>
+      </p:sp>
+    </p:spTree>
   </p:cSld>
   <p:clrMapOvr>
     <a:masterClrMapping/>
@@ -4805,7 +11508,7 @@
     </p:spTree>
     <p:extLst>
       <p:ext uri="{BB962C8B-B14F-4D97-AF65-F5344CB8AC3E}">
-        <p14:creationId xmlns="" xmlns:p14="http://schemas.microsoft.com/office/powerpoint/2010/main" val="3872163230"/>
+        <p14:creationId xmlns:p14="http://schemas.microsoft.com/office/powerpoint/2010/main" xmlns="" val="3872163230"/>
       </p:ext>
     </p:extLst>
   </p:cSld>
@@ -6205,7 +12908,7 @@
     </p:spTree>
     <p:extLst>
       <p:ext uri="{BB962C8B-B14F-4D97-AF65-F5344CB8AC3E}">
-        <p14:creationId xmlns="" xmlns:p14="http://schemas.microsoft.com/office/powerpoint/2010/main" val="3010439243"/>
+        <p14:creationId xmlns:p14="http://schemas.microsoft.com/office/powerpoint/2010/main" xmlns="" val="3010439243"/>
       </p:ext>
     </p:extLst>
   </p:cSld>
@@ -6241,7 +12944,7 @@
           <p:nvPr>
             <p:extLst>
               <p:ext uri="{D42A27DB-BD31-4B8C-83A1-F6EECF244321}">
-                <p14:modId xmlns="" xmlns:p14="http://schemas.microsoft.com/office/powerpoint/2010/main" val="3670557893"/>
+                <p14:modId xmlns:p14="http://schemas.microsoft.com/office/powerpoint/2010/main" xmlns="" val="3670557893"/>
               </p:ext>
             </p:extLst>
           </p:nvPr>
@@ -9612,7 +16315,7 @@
     </p:spTree>
     <p:extLst>
       <p:ext uri="{BB962C8B-B14F-4D97-AF65-F5344CB8AC3E}">
-        <p14:creationId xmlns="" xmlns:p14="http://schemas.microsoft.com/office/powerpoint/2010/main" val="1675870990"/>
+        <p14:creationId xmlns:p14="http://schemas.microsoft.com/office/powerpoint/2010/main" xmlns="" val="1675870990"/>
       </p:ext>
     </p:extLst>
   </p:cSld>
@@ -10237,11 +16940,7 @@
             <a:pPr algn="ctr"/>
             <a:r>
               <a:rPr lang="zh-CN" altLang="en-US" smtClean="0"/>
-              <a:t>高斯</a:t>
-            </a:r>
-            <a:r>
-              <a:rPr lang="zh-CN" altLang="en-US" smtClean="0"/>
-              <a:t>核</a:t>
+              <a:t>高斯核</a:t>
             </a:r>
             <a:r>
               <a:rPr lang="az-Cyrl-AZ" altLang="zh-CN" smtClean="0"/>
@@ -12724,6 +19423,1683 @@
           </a:fontRef>
         </p:style>
       </p:cxnSp>
+    </p:spTree>
+  </p:cSld>
+  <p:clrMapOvr>
+    <a:masterClrMapping/>
+  </p:clrMapOvr>
+</p:sld>
+</file>
+
+<file path=ppt/slides/slide8.xml><?xml version="1.0" encoding="utf-8"?>
+<p:sld xmlns:a="http://schemas.openxmlformats.org/drawingml/2006/main" xmlns:r="http://schemas.openxmlformats.org/officeDocument/2006/relationships" xmlns:p="http://schemas.openxmlformats.org/presentationml/2006/main">
+  <p:cSld>
+    <p:spTree>
+      <p:nvGrpSpPr>
+        <p:cNvPr id="1" name=""/>
+        <p:cNvGrpSpPr/>
+        <p:nvPr/>
+      </p:nvGrpSpPr>
+      <p:grpSpPr>
+        <a:xfrm>
+          <a:off x="0" y="0"/>
+          <a:ext cx="0" cy="0"/>
+          <a:chOff x="0" y="0"/>
+          <a:chExt cx="0" cy="0"/>
+        </a:xfrm>
+      </p:grpSpPr>
+      <p:sp>
+        <p:nvSpPr>
+          <p:cNvPr id="8" name="椭圆 7"/>
+          <p:cNvSpPr/>
+          <p:nvPr/>
+        </p:nvSpPr>
+        <p:spPr>
+          <a:xfrm>
+            <a:off x="1292771" y="811924"/>
+            <a:ext cx="2160000" cy="2160000"/>
+          </a:xfrm>
+          <a:prstGeom prst="ellipse">
+            <a:avLst/>
+          </a:prstGeom>
+          <a:noFill/>
+          <a:ln w="12700">
+            <a:solidFill>
+              <a:schemeClr val="tx1"/>
+            </a:solidFill>
+            <a:prstDash val="dash"/>
+          </a:ln>
+          <a:effectLst/>
+        </p:spPr>
+        <p:style>
+          <a:lnRef idx="1">
+            <a:schemeClr val="accent1"/>
+          </a:lnRef>
+          <a:fillRef idx="3">
+            <a:schemeClr val="accent1"/>
+          </a:fillRef>
+          <a:effectRef idx="2">
+            <a:schemeClr val="accent1"/>
+          </a:effectRef>
+          <a:fontRef idx="minor">
+            <a:schemeClr val="lt1"/>
+          </a:fontRef>
+        </p:style>
+        <p:txBody>
+          <a:bodyPr rtlCol="0" anchor="ctr"/>
+          <a:lstStyle/>
+          <a:p>
+            <a:pPr algn="ctr"/>
+            <a:endParaRPr lang="zh-CN" altLang="en-US"/>
+          </a:p>
+        </p:txBody>
+      </p:sp>
+      <p:sp>
+        <p:nvSpPr>
+          <p:cNvPr id="9" name="椭圆 8"/>
+          <p:cNvSpPr/>
+          <p:nvPr/>
+        </p:nvSpPr>
+        <p:spPr>
+          <a:xfrm>
+            <a:off x="2879831" y="1726324"/>
+            <a:ext cx="2880000" cy="2880000"/>
+          </a:xfrm>
+          <a:prstGeom prst="ellipse">
+            <a:avLst/>
+          </a:prstGeom>
+          <a:noFill/>
+          <a:ln w="12700">
+            <a:solidFill>
+              <a:schemeClr val="tx1"/>
+            </a:solidFill>
+            <a:prstDash val="dash"/>
+          </a:ln>
+          <a:effectLst/>
+        </p:spPr>
+        <p:style>
+          <a:lnRef idx="1">
+            <a:schemeClr val="accent1"/>
+          </a:lnRef>
+          <a:fillRef idx="3">
+            <a:schemeClr val="accent1"/>
+          </a:fillRef>
+          <a:effectRef idx="2">
+            <a:schemeClr val="accent1"/>
+          </a:effectRef>
+          <a:fontRef idx="minor">
+            <a:schemeClr val="lt1"/>
+          </a:fontRef>
+        </p:style>
+        <p:txBody>
+          <a:bodyPr rtlCol="0" anchor="ctr"/>
+          <a:lstStyle/>
+          <a:p>
+            <a:pPr algn="ctr"/>
+            <a:endParaRPr lang="zh-CN" altLang="en-US"/>
+          </a:p>
+        </p:txBody>
+      </p:sp>
+      <p:sp>
+        <p:nvSpPr>
+          <p:cNvPr id="10" name="椭圆 9"/>
+          <p:cNvSpPr/>
+          <p:nvPr/>
+        </p:nvSpPr>
+        <p:spPr>
+          <a:xfrm>
+            <a:off x="1555529" y="2806262"/>
+            <a:ext cx="2520000" cy="2520000"/>
+          </a:xfrm>
+          <a:prstGeom prst="ellipse">
+            <a:avLst/>
+          </a:prstGeom>
+          <a:noFill/>
+          <a:ln w="12700">
+            <a:solidFill>
+              <a:schemeClr val="tx1"/>
+            </a:solidFill>
+            <a:prstDash val="dash"/>
+          </a:ln>
+          <a:effectLst/>
+        </p:spPr>
+        <p:style>
+          <a:lnRef idx="1">
+            <a:schemeClr val="accent1"/>
+          </a:lnRef>
+          <a:fillRef idx="3">
+            <a:schemeClr val="accent1"/>
+          </a:fillRef>
+          <a:effectRef idx="2">
+            <a:schemeClr val="accent1"/>
+          </a:effectRef>
+          <a:fontRef idx="minor">
+            <a:schemeClr val="lt1"/>
+          </a:fontRef>
+        </p:style>
+        <p:txBody>
+          <a:bodyPr rtlCol="0" anchor="ctr"/>
+          <a:lstStyle/>
+          <a:p>
+            <a:pPr algn="ctr"/>
+            <a:endParaRPr lang="zh-CN" altLang="en-US"/>
+          </a:p>
+        </p:txBody>
+      </p:sp>
+      <p:sp>
+        <p:nvSpPr>
+          <p:cNvPr id="11" name="椭圆 10"/>
+          <p:cNvSpPr/>
+          <p:nvPr/>
+        </p:nvSpPr>
+        <p:spPr>
+          <a:xfrm>
+            <a:off x="2345772" y="1888572"/>
+            <a:ext cx="90000" cy="90000"/>
+          </a:xfrm>
+          <a:prstGeom prst="ellipse">
+            <a:avLst/>
+          </a:prstGeom>
+          <a:solidFill>
+            <a:schemeClr val="tx1"/>
+          </a:solidFill>
+          <a:ln>
+            <a:solidFill>
+              <a:schemeClr val="tx1"/>
+            </a:solidFill>
+          </a:ln>
+          <a:effectLst/>
+        </p:spPr>
+        <p:style>
+          <a:lnRef idx="1">
+            <a:schemeClr val="accent1"/>
+          </a:lnRef>
+          <a:fillRef idx="3">
+            <a:schemeClr val="accent1"/>
+          </a:fillRef>
+          <a:effectRef idx="2">
+            <a:schemeClr val="accent1"/>
+          </a:effectRef>
+          <a:fontRef idx="minor">
+            <a:schemeClr val="lt1"/>
+          </a:fontRef>
+        </p:style>
+        <p:txBody>
+          <a:bodyPr rtlCol="0" anchor="ctr"/>
+          <a:lstStyle/>
+          <a:p>
+            <a:pPr algn="ctr"/>
+            <a:endParaRPr lang="zh-CN" altLang="en-US"/>
+          </a:p>
+        </p:txBody>
+      </p:sp>
+      <p:sp>
+        <p:nvSpPr>
+          <p:cNvPr id="12" name="椭圆 11"/>
+          <p:cNvSpPr/>
+          <p:nvPr/>
+        </p:nvSpPr>
+        <p:spPr>
+          <a:xfrm>
+            <a:off x="4272455" y="3153103"/>
+            <a:ext cx="90000" cy="90000"/>
+          </a:xfrm>
+          <a:prstGeom prst="ellipse">
+            <a:avLst/>
+          </a:prstGeom>
+          <a:solidFill>
+            <a:schemeClr val="tx1"/>
+          </a:solidFill>
+          <a:ln>
+            <a:solidFill>
+              <a:schemeClr val="tx1"/>
+            </a:solidFill>
+          </a:ln>
+          <a:effectLst/>
+        </p:spPr>
+        <p:style>
+          <a:lnRef idx="1">
+            <a:schemeClr val="accent1"/>
+          </a:lnRef>
+          <a:fillRef idx="3">
+            <a:schemeClr val="accent1"/>
+          </a:fillRef>
+          <a:effectRef idx="2">
+            <a:schemeClr val="accent1"/>
+          </a:effectRef>
+          <a:fontRef idx="minor">
+            <a:schemeClr val="lt1"/>
+          </a:fontRef>
+        </p:style>
+        <p:txBody>
+          <a:bodyPr rtlCol="0" anchor="ctr"/>
+          <a:lstStyle/>
+          <a:p>
+            <a:pPr algn="ctr"/>
+            <a:endParaRPr lang="zh-CN" altLang="en-US"/>
+          </a:p>
+        </p:txBody>
+      </p:sp>
+      <p:sp>
+        <p:nvSpPr>
+          <p:cNvPr id="13" name="椭圆 12"/>
+          <p:cNvSpPr/>
+          <p:nvPr/>
+        </p:nvSpPr>
+        <p:spPr>
+          <a:xfrm>
+            <a:off x="2789831" y="4051738"/>
+            <a:ext cx="90000" cy="90000"/>
+          </a:xfrm>
+          <a:prstGeom prst="ellipse">
+            <a:avLst/>
+          </a:prstGeom>
+          <a:solidFill>
+            <a:schemeClr val="tx1"/>
+          </a:solidFill>
+          <a:ln>
+            <a:solidFill>
+              <a:schemeClr val="tx1"/>
+            </a:solidFill>
+          </a:ln>
+          <a:effectLst/>
+        </p:spPr>
+        <p:style>
+          <a:lnRef idx="1">
+            <a:schemeClr val="accent1"/>
+          </a:lnRef>
+          <a:fillRef idx="3">
+            <a:schemeClr val="accent1"/>
+          </a:fillRef>
+          <a:effectRef idx="2">
+            <a:schemeClr val="accent1"/>
+          </a:effectRef>
+          <a:fontRef idx="minor">
+            <a:schemeClr val="lt1"/>
+          </a:fontRef>
+        </p:style>
+        <p:txBody>
+          <a:bodyPr rtlCol="0" anchor="ctr"/>
+          <a:lstStyle/>
+          <a:p>
+            <a:pPr algn="ctr"/>
+            <a:endParaRPr lang="zh-CN" altLang="en-US"/>
+          </a:p>
+        </p:txBody>
+      </p:sp>
+      <p:sp>
+        <p:nvSpPr>
+          <p:cNvPr id="14" name="椭圆 13"/>
+          <p:cNvSpPr/>
+          <p:nvPr/>
+        </p:nvSpPr>
+        <p:spPr>
+          <a:xfrm>
+            <a:off x="2832533" y="2716262"/>
+            <a:ext cx="180000" cy="180000"/>
+          </a:xfrm>
+          <a:prstGeom prst="ellipse">
+            <a:avLst/>
+          </a:prstGeom>
+          <a:solidFill>
+            <a:schemeClr val="tx1"/>
+          </a:solidFill>
+          <a:ln w="12700">
+            <a:solidFill>
+              <a:schemeClr val="tx1"/>
+            </a:solidFill>
+          </a:ln>
+          <a:effectLst/>
+        </p:spPr>
+        <p:style>
+          <a:lnRef idx="1">
+            <a:schemeClr val="accent1"/>
+          </a:lnRef>
+          <a:fillRef idx="3">
+            <a:schemeClr val="accent1"/>
+          </a:fillRef>
+          <a:effectRef idx="2">
+            <a:schemeClr val="accent1"/>
+          </a:effectRef>
+          <a:fontRef idx="minor">
+            <a:schemeClr val="lt1"/>
+          </a:fontRef>
+        </p:style>
+        <p:txBody>
+          <a:bodyPr rtlCol="0" anchor="ctr"/>
+          <a:lstStyle/>
+          <a:p>
+            <a:pPr algn="ctr"/>
+            <a:endParaRPr lang="zh-CN" altLang="en-US"/>
+          </a:p>
+        </p:txBody>
+      </p:sp>
+      <p:sp>
+        <p:nvSpPr>
+          <p:cNvPr id="15" name="TextBox 14"/>
+          <p:cNvSpPr txBox="1"/>
+          <p:nvPr/>
+        </p:nvSpPr>
+        <p:spPr>
+          <a:xfrm>
+            <a:off x="1765739" y="1726324"/>
+            <a:ext cx="580034" cy="369332"/>
+          </a:xfrm>
+          <a:prstGeom prst="rect">
+            <a:avLst/>
+          </a:prstGeom>
+          <a:noFill/>
+          <a:effectLst/>
+        </p:spPr>
+        <p:txBody>
+          <a:bodyPr wrap="square" rtlCol="0">
+            <a:spAutoFit/>
+          </a:bodyPr>
+          <a:lstStyle/>
+          <a:p>
+            <a:r>
+              <a:rPr lang="en-US" altLang="zh-CN" smtClean="0"/>
+              <a:t>AP1</a:t>
+            </a:r>
+            <a:endParaRPr lang="zh-CN" altLang="en-US"/>
+          </a:p>
+        </p:txBody>
+      </p:sp>
+      <p:sp>
+        <p:nvSpPr>
+          <p:cNvPr id="16" name="TextBox 15"/>
+          <p:cNvSpPr txBox="1"/>
+          <p:nvPr/>
+        </p:nvSpPr>
+        <p:spPr>
+          <a:xfrm>
+            <a:off x="4362455" y="3058437"/>
+            <a:ext cx="580034" cy="369332"/>
+          </a:xfrm>
+          <a:prstGeom prst="rect">
+            <a:avLst/>
+          </a:prstGeom>
+          <a:noFill/>
+          <a:effectLst/>
+        </p:spPr>
+        <p:txBody>
+          <a:bodyPr wrap="square" rtlCol="0">
+            <a:spAutoFit/>
+          </a:bodyPr>
+          <a:lstStyle/>
+          <a:p>
+            <a:r>
+              <a:rPr lang="en-US" altLang="zh-CN" smtClean="0"/>
+              <a:t>AP2</a:t>
+            </a:r>
+            <a:endParaRPr lang="zh-CN" altLang="en-US"/>
+          </a:p>
+        </p:txBody>
+      </p:sp>
+      <p:sp>
+        <p:nvSpPr>
+          <p:cNvPr id="17" name="TextBox 16"/>
+          <p:cNvSpPr txBox="1"/>
+          <p:nvPr/>
+        </p:nvSpPr>
+        <p:spPr>
+          <a:xfrm>
+            <a:off x="2208156" y="3957072"/>
+            <a:ext cx="580034" cy="369332"/>
+          </a:xfrm>
+          <a:prstGeom prst="rect">
+            <a:avLst/>
+          </a:prstGeom>
+          <a:noFill/>
+          <a:effectLst/>
+        </p:spPr>
+        <p:txBody>
+          <a:bodyPr wrap="square" rtlCol="0">
+            <a:spAutoFit/>
+          </a:bodyPr>
+          <a:lstStyle/>
+          <a:p>
+            <a:r>
+              <a:rPr lang="en-US" altLang="zh-CN" smtClean="0"/>
+              <a:t>AP3</a:t>
+            </a:r>
+            <a:endParaRPr lang="zh-CN" altLang="en-US"/>
+          </a:p>
+        </p:txBody>
+      </p:sp>
+      <p:sp>
+        <p:nvSpPr>
+          <p:cNvPr id="18" name="线形标注 1(带强调线) 17"/>
+          <p:cNvSpPr/>
+          <p:nvPr/>
+        </p:nvSpPr>
+        <p:spPr>
+          <a:xfrm>
+            <a:off x="4708471" y="4863662"/>
+            <a:ext cx="2496369" cy="646386"/>
+          </a:xfrm>
+          <a:prstGeom prst="accentCallout1">
+            <a:avLst>
+              <a:gd name="adj1" fmla="val 67531"/>
+              <a:gd name="adj2" fmla="val -3333"/>
+              <a:gd name="adj3" fmla="val -311891"/>
+              <a:gd name="adj4" fmla="val -70410"/>
+            </a:avLst>
+          </a:prstGeom>
+          <a:noFill/>
+          <a:ln w="12700">
+            <a:solidFill>
+              <a:schemeClr val="tx1"/>
+            </a:solidFill>
+          </a:ln>
+          <a:effectLst/>
+        </p:spPr>
+        <p:style>
+          <a:lnRef idx="1">
+            <a:schemeClr val="accent1"/>
+          </a:lnRef>
+          <a:fillRef idx="3">
+            <a:schemeClr val="accent1"/>
+          </a:fillRef>
+          <a:effectRef idx="2">
+            <a:schemeClr val="accent1"/>
+          </a:effectRef>
+          <a:fontRef idx="minor">
+            <a:schemeClr val="lt1"/>
+          </a:fontRef>
+        </p:style>
+        <p:txBody>
+          <a:bodyPr rtlCol="0" anchor="ctr"/>
+          <a:lstStyle/>
+          <a:p>
+            <a:pPr algn="ctr"/>
+            <a:r>
+              <a:rPr lang="zh-CN" altLang="en-US" smtClean="0">
+                <a:solidFill>
+                  <a:schemeClr val="tx1"/>
+                </a:solidFill>
+              </a:rPr>
+              <a:t>移动终端设备的位置</a:t>
+            </a:r>
+            <a:endParaRPr lang="zh-CN" altLang="en-US">
+              <a:solidFill>
+                <a:schemeClr val="tx1"/>
+              </a:solidFill>
+            </a:endParaRPr>
+          </a:p>
+        </p:txBody>
+      </p:sp>
+    </p:spTree>
+  </p:cSld>
+  <p:clrMapOvr>
+    <a:masterClrMapping/>
+  </p:clrMapOvr>
+</p:sld>
+</file>
+
+<file path=ppt/slides/slide9.xml><?xml version="1.0" encoding="utf-8"?>
+<p:sld xmlns:a="http://schemas.openxmlformats.org/drawingml/2006/main" xmlns:r="http://schemas.openxmlformats.org/officeDocument/2006/relationships" xmlns:p="http://schemas.openxmlformats.org/presentationml/2006/main">
+  <p:cSld>
+    <p:bg>
+      <p:bgPr>
+        <a:solidFill>
+          <a:schemeClr val="bg1"/>
+        </a:solidFill>
+        <a:effectLst/>
+      </p:bgPr>
+    </p:bg>
+    <p:spTree>
+      <p:nvGrpSpPr>
+        <p:cNvPr id="1" name=""/>
+        <p:cNvGrpSpPr/>
+        <p:nvPr/>
+      </p:nvGrpSpPr>
+      <p:grpSpPr>
+        <a:xfrm>
+          <a:off x="0" y="0"/>
+          <a:ext cx="0" cy="0"/>
+          <a:chOff x="0" y="0"/>
+          <a:chExt cx="0" cy="0"/>
+        </a:xfrm>
+      </p:grpSpPr>
+      <p:sp>
+        <p:nvSpPr>
+          <p:cNvPr id="10" name="椭圆 9"/>
+          <p:cNvSpPr/>
+          <p:nvPr/>
+        </p:nvSpPr>
+        <p:spPr>
+          <a:xfrm>
+            <a:off x="1545020" y="977462"/>
+            <a:ext cx="2554014" cy="2522483"/>
+          </a:xfrm>
+          <a:prstGeom prst="ellipse">
+            <a:avLst/>
+          </a:prstGeom>
+          <a:noFill/>
+          <a:ln w="12700">
+            <a:solidFill>
+              <a:schemeClr val="tx1"/>
+            </a:solidFill>
+            <a:prstDash val="sysDot"/>
+          </a:ln>
+          <a:effectLst/>
+        </p:spPr>
+        <p:style>
+          <a:lnRef idx="1">
+            <a:schemeClr val="accent1"/>
+          </a:lnRef>
+          <a:fillRef idx="3">
+            <a:schemeClr val="accent1"/>
+          </a:fillRef>
+          <a:effectRef idx="2">
+            <a:schemeClr val="accent1"/>
+          </a:effectRef>
+          <a:fontRef idx="minor">
+            <a:schemeClr val="lt1"/>
+          </a:fontRef>
+        </p:style>
+        <p:txBody>
+          <a:bodyPr rtlCol="0" anchor="ctr"/>
+          <a:lstStyle/>
+          <a:p>
+            <a:pPr algn="ctr"/>
+            <a:endParaRPr lang="zh-CN" altLang="en-US"/>
+          </a:p>
+        </p:txBody>
+      </p:sp>
+      <p:sp>
+        <p:nvSpPr>
+          <p:cNvPr id="11" name="椭圆 10"/>
+          <p:cNvSpPr/>
+          <p:nvPr/>
+        </p:nvSpPr>
+        <p:spPr>
+          <a:xfrm>
+            <a:off x="2183524" y="1608082"/>
+            <a:ext cx="1277007" cy="1261242"/>
+          </a:xfrm>
+          <a:prstGeom prst="ellipse">
+            <a:avLst/>
+          </a:prstGeom>
+          <a:noFill/>
+          <a:ln w="12700">
+            <a:solidFill>
+              <a:schemeClr val="tx1"/>
+            </a:solidFill>
+            <a:prstDash val="dash"/>
+          </a:ln>
+          <a:effectLst/>
+        </p:spPr>
+        <p:style>
+          <a:lnRef idx="1">
+            <a:schemeClr val="accent1"/>
+          </a:lnRef>
+          <a:fillRef idx="3">
+            <a:schemeClr val="accent1"/>
+          </a:fillRef>
+          <a:effectRef idx="2">
+            <a:schemeClr val="accent1"/>
+          </a:effectRef>
+          <a:fontRef idx="minor">
+            <a:schemeClr val="lt1"/>
+          </a:fontRef>
+        </p:style>
+        <p:txBody>
+          <a:bodyPr rtlCol="0" anchor="ctr"/>
+          <a:lstStyle/>
+          <a:p>
+            <a:pPr algn="ctr"/>
+            <a:endParaRPr lang="zh-CN" altLang="en-US"/>
+          </a:p>
+        </p:txBody>
+      </p:sp>
+      <p:sp>
+        <p:nvSpPr>
+          <p:cNvPr id="12" name="椭圆 11"/>
+          <p:cNvSpPr/>
+          <p:nvPr/>
+        </p:nvSpPr>
+        <p:spPr>
+          <a:xfrm>
+            <a:off x="2502775" y="1923393"/>
+            <a:ext cx="638504" cy="630621"/>
+          </a:xfrm>
+          <a:prstGeom prst="ellipse">
+            <a:avLst/>
+          </a:prstGeom>
+          <a:solidFill>
+            <a:schemeClr val="bg1">
+              <a:lumMod val="95000"/>
+            </a:schemeClr>
+          </a:solidFill>
+          <a:ln w="12700">
+            <a:solidFill>
+              <a:schemeClr val="tx1"/>
+            </a:solidFill>
+            <a:prstDash val="lgDash"/>
+          </a:ln>
+          <a:effectLst/>
+        </p:spPr>
+        <p:style>
+          <a:lnRef idx="1">
+            <a:schemeClr val="accent1"/>
+          </a:lnRef>
+          <a:fillRef idx="3">
+            <a:schemeClr val="accent1"/>
+          </a:fillRef>
+          <a:effectRef idx="2">
+            <a:schemeClr val="accent1"/>
+          </a:effectRef>
+          <a:fontRef idx="minor">
+            <a:schemeClr val="lt1"/>
+          </a:fontRef>
+        </p:style>
+        <p:txBody>
+          <a:bodyPr rtlCol="0" anchor="ctr"/>
+          <a:lstStyle/>
+          <a:p>
+            <a:pPr algn="ctr"/>
+            <a:endParaRPr lang="zh-CN" altLang="en-US"/>
+          </a:p>
+        </p:txBody>
+      </p:sp>
+      <p:sp>
+        <p:nvSpPr>
+          <p:cNvPr id="13" name="椭圆 12"/>
+          <p:cNvSpPr/>
+          <p:nvPr/>
+        </p:nvSpPr>
+        <p:spPr>
+          <a:xfrm>
+            <a:off x="2662401" y="2081048"/>
+            <a:ext cx="319252" cy="315310"/>
+          </a:xfrm>
+          <a:prstGeom prst="ellipse">
+            <a:avLst/>
+          </a:prstGeom>
+          <a:solidFill>
+            <a:schemeClr val="bg1">
+              <a:lumMod val="75000"/>
+            </a:schemeClr>
+          </a:solidFill>
+          <a:ln w="12700">
+            <a:solidFill>
+              <a:schemeClr val="tx1"/>
+            </a:solidFill>
+            <a:prstDash val="solid"/>
+          </a:ln>
+          <a:effectLst/>
+        </p:spPr>
+        <p:style>
+          <a:lnRef idx="1">
+            <a:schemeClr val="accent1"/>
+          </a:lnRef>
+          <a:fillRef idx="3">
+            <a:schemeClr val="accent1"/>
+          </a:fillRef>
+          <a:effectRef idx="2">
+            <a:schemeClr val="accent1"/>
+          </a:effectRef>
+          <a:fontRef idx="minor">
+            <a:schemeClr val="lt1"/>
+          </a:fontRef>
+        </p:style>
+        <p:txBody>
+          <a:bodyPr rtlCol="0" anchor="ctr"/>
+          <a:lstStyle/>
+          <a:p>
+            <a:pPr algn="ctr"/>
+            <a:endParaRPr lang="zh-CN" altLang="en-US"/>
+          </a:p>
+        </p:txBody>
+      </p:sp>
+      <p:sp>
+        <p:nvSpPr>
+          <p:cNvPr id="14" name="椭圆 13"/>
+          <p:cNvSpPr/>
+          <p:nvPr/>
+        </p:nvSpPr>
+        <p:spPr>
+          <a:xfrm>
+            <a:off x="2758177" y="2175641"/>
+            <a:ext cx="127701" cy="126124"/>
+          </a:xfrm>
+          <a:prstGeom prst="ellipse">
+            <a:avLst/>
+          </a:prstGeom>
+          <a:solidFill>
+            <a:schemeClr val="tx1"/>
+          </a:solidFill>
+          <a:ln w="12700">
+            <a:solidFill>
+              <a:schemeClr val="tx1"/>
+            </a:solidFill>
+            <a:prstDash val="sysDot"/>
+          </a:ln>
+          <a:effectLst/>
+        </p:spPr>
+        <p:style>
+          <a:lnRef idx="1">
+            <a:schemeClr val="accent1"/>
+          </a:lnRef>
+          <a:fillRef idx="3">
+            <a:schemeClr val="accent1"/>
+          </a:fillRef>
+          <a:effectRef idx="2">
+            <a:schemeClr val="accent1"/>
+          </a:effectRef>
+          <a:fontRef idx="minor">
+            <a:schemeClr val="lt1"/>
+          </a:fontRef>
+        </p:style>
+        <p:txBody>
+          <a:bodyPr rtlCol="0" anchor="ctr"/>
+          <a:lstStyle/>
+          <a:p>
+            <a:pPr algn="ctr"/>
+            <a:endParaRPr lang="zh-CN" altLang="en-US"/>
+          </a:p>
+        </p:txBody>
+      </p:sp>
+      <p:sp>
+        <p:nvSpPr>
+          <p:cNvPr id="15" name="椭圆 14"/>
+          <p:cNvSpPr/>
+          <p:nvPr/>
+        </p:nvSpPr>
+        <p:spPr>
+          <a:xfrm>
+            <a:off x="5489065" y="1221825"/>
+            <a:ext cx="2554014" cy="2522483"/>
+          </a:xfrm>
+          <a:prstGeom prst="ellipse">
+            <a:avLst/>
+          </a:prstGeom>
+          <a:noFill/>
+          <a:ln w="12700">
+            <a:solidFill>
+              <a:schemeClr val="tx1"/>
+            </a:solidFill>
+            <a:prstDash val="sysDot"/>
+          </a:ln>
+          <a:effectLst/>
+        </p:spPr>
+        <p:style>
+          <a:lnRef idx="1">
+            <a:schemeClr val="accent1"/>
+          </a:lnRef>
+          <a:fillRef idx="3">
+            <a:schemeClr val="accent1"/>
+          </a:fillRef>
+          <a:effectRef idx="2">
+            <a:schemeClr val="accent1"/>
+          </a:effectRef>
+          <a:fontRef idx="minor">
+            <a:schemeClr val="lt1"/>
+          </a:fontRef>
+        </p:style>
+        <p:txBody>
+          <a:bodyPr rtlCol="0" anchor="ctr"/>
+          <a:lstStyle/>
+          <a:p>
+            <a:pPr algn="ctr"/>
+            <a:endParaRPr lang="zh-CN" altLang="en-US"/>
+          </a:p>
+        </p:txBody>
+      </p:sp>
+      <p:sp>
+        <p:nvSpPr>
+          <p:cNvPr id="16" name="椭圆 15"/>
+          <p:cNvSpPr/>
+          <p:nvPr/>
+        </p:nvSpPr>
+        <p:spPr>
+          <a:xfrm>
+            <a:off x="6127569" y="1852445"/>
+            <a:ext cx="1277007" cy="1261242"/>
+          </a:xfrm>
+          <a:prstGeom prst="ellipse">
+            <a:avLst/>
+          </a:prstGeom>
+          <a:noFill/>
+          <a:ln w="12700">
+            <a:solidFill>
+              <a:schemeClr val="tx1"/>
+            </a:solidFill>
+            <a:prstDash val="dash"/>
+          </a:ln>
+          <a:effectLst/>
+        </p:spPr>
+        <p:style>
+          <a:lnRef idx="1">
+            <a:schemeClr val="accent1"/>
+          </a:lnRef>
+          <a:fillRef idx="3">
+            <a:schemeClr val="accent1"/>
+          </a:fillRef>
+          <a:effectRef idx="2">
+            <a:schemeClr val="accent1"/>
+          </a:effectRef>
+          <a:fontRef idx="minor">
+            <a:schemeClr val="lt1"/>
+          </a:fontRef>
+        </p:style>
+        <p:txBody>
+          <a:bodyPr rtlCol="0" anchor="ctr"/>
+          <a:lstStyle/>
+          <a:p>
+            <a:pPr algn="ctr"/>
+            <a:endParaRPr lang="zh-CN" altLang="en-US"/>
+          </a:p>
+        </p:txBody>
+      </p:sp>
+      <p:sp>
+        <p:nvSpPr>
+          <p:cNvPr id="17" name="椭圆 16"/>
+          <p:cNvSpPr/>
+          <p:nvPr/>
+        </p:nvSpPr>
+        <p:spPr>
+          <a:xfrm>
+            <a:off x="6446820" y="2167756"/>
+            <a:ext cx="638504" cy="630621"/>
+          </a:xfrm>
+          <a:prstGeom prst="ellipse">
+            <a:avLst/>
+          </a:prstGeom>
+          <a:solidFill>
+            <a:schemeClr val="bg1">
+              <a:lumMod val="95000"/>
+            </a:schemeClr>
+          </a:solidFill>
+          <a:ln w="12700">
+            <a:solidFill>
+              <a:schemeClr val="tx1"/>
+            </a:solidFill>
+            <a:prstDash val="lgDash"/>
+          </a:ln>
+          <a:effectLst/>
+        </p:spPr>
+        <p:style>
+          <a:lnRef idx="1">
+            <a:schemeClr val="accent1"/>
+          </a:lnRef>
+          <a:fillRef idx="3">
+            <a:schemeClr val="accent1"/>
+          </a:fillRef>
+          <a:effectRef idx="2">
+            <a:schemeClr val="accent1"/>
+          </a:effectRef>
+          <a:fontRef idx="minor">
+            <a:schemeClr val="lt1"/>
+          </a:fontRef>
+        </p:style>
+        <p:txBody>
+          <a:bodyPr rtlCol="0" anchor="ctr"/>
+          <a:lstStyle/>
+          <a:p>
+            <a:pPr algn="ctr"/>
+            <a:endParaRPr lang="zh-CN" altLang="en-US"/>
+          </a:p>
+        </p:txBody>
+      </p:sp>
+      <p:sp>
+        <p:nvSpPr>
+          <p:cNvPr id="18" name="椭圆 17"/>
+          <p:cNvSpPr/>
+          <p:nvPr/>
+        </p:nvSpPr>
+        <p:spPr>
+          <a:xfrm>
+            <a:off x="6606446" y="2325411"/>
+            <a:ext cx="319252" cy="315310"/>
+          </a:xfrm>
+          <a:prstGeom prst="ellipse">
+            <a:avLst/>
+          </a:prstGeom>
+          <a:solidFill>
+            <a:schemeClr val="bg1">
+              <a:lumMod val="75000"/>
+            </a:schemeClr>
+          </a:solidFill>
+          <a:ln w="12700">
+            <a:solidFill>
+              <a:schemeClr val="tx1"/>
+            </a:solidFill>
+            <a:prstDash val="solid"/>
+          </a:ln>
+          <a:effectLst/>
+        </p:spPr>
+        <p:style>
+          <a:lnRef idx="1">
+            <a:schemeClr val="accent1"/>
+          </a:lnRef>
+          <a:fillRef idx="3">
+            <a:schemeClr val="accent1"/>
+          </a:fillRef>
+          <a:effectRef idx="2">
+            <a:schemeClr val="accent1"/>
+          </a:effectRef>
+          <a:fontRef idx="minor">
+            <a:schemeClr val="lt1"/>
+          </a:fontRef>
+        </p:style>
+        <p:txBody>
+          <a:bodyPr rtlCol="0" anchor="ctr"/>
+          <a:lstStyle/>
+          <a:p>
+            <a:pPr algn="ctr"/>
+            <a:endParaRPr lang="zh-CN" altLang="en-US"/>
+          </a:p>
+        </p:txBody>
+      </p:sp>
+      <p:sp>
+        <p:nvSpPr>
+          <p:cNvPr id="19" name="椭圆 18"/>
+          <p:cNvSpPr/>
+          <p:nvPr/>
+        </p:nvSpPr>
+        <p:spPr>
+          <a:xfrm>
+            <a:off x="6702222" y="2420004"/>
+            <a:ext cx="127701" cy="126124"/>
+          </a:xfrm>
+          <a:prstGeom prst="ellipse">
+            <a:avLst/>
+          </a:prstGeom>
+          <a:solidFill>
+            <a:schemeClr val="tx1"/>
+          </a:solidFill>
+          <a:ln w="12700">
+            <a:solidFill>
+              <a:schemeClr val="tx1"/>
+            </a:solidFill>
+            <a:prstDash val="sysDot"/>
+          </a:ln>
+          <a:effectLst/>
+        </p:spPr>
+        <p:style>
+          <a:lnRef idx="1">
+            <a:schemeClr val="accent1"/>
+          </a:lnRef>
+          <a:fillRef idx="3">
+            <a:schemeClr val="accent1"/>
+          </a:fillRef>
+          <a:effectRef idx="2">
+            <a:schemeClr val="accent1"/>
+          </a:effectRef>
+          <a:fontRef idx="minor">
+            <a:schemeClr val="lt1"/>
+          </a:fontRef>
+        </p:style>
+        <p:txBody>
+          <a:bodyPr rtlCol="0" anchor="ctr"/>
+          <a:lstStyle/>
+          <a:p>
+            <a:pPr algn="ctr"/>
+            <a:endParaRPr lang="zh-CN" altLang="en-US"/>
+          </a:p>
+        </p:txBody>
+      </p:sp>
+      <p:sp>
+        <p:nvSpPr>
+          <p:cNvPr id="20" name="椭圆 19"/>
+          <p:cNvSpPr/>
+          <p:nvPr/>
+        </p:nvSpPr>
+        <p:spPr>
+          <a:xfrm>
+            <a:off x="2416062" y="4075413"/>
+            <a:ext cx="2554014" cy="2522483"/>
+          </a:xfrm>
+          <a:prstGeom prst="ellipse">
+            <a:avLst/>
+          </a:prstGeom>
+          <a:noFill/>
+          <a:ln w="12700">
+            <a:solidFill>
+              <a:schemeClr val="tx1"/>
+            </a:solidFill>
+            <a:prstDash val="sysDot"/>
+          </a:ln>
+          <a:effectLst/>
+        </p:spPr>
+        <p:style>
+          <a:lnRef idx="1">
+            <a:schemeClr val="accent1"/>
+          </a:lnRef>
+          <a:fillRef idx="3">
+            <a:schemeClr val="accent1"/>
+          </a:fillRef>
+          <a:effectRef idx="2">
+            <a:schemeClr val="accent1"/>
+          </a:effectRef>
+          <a:fontRef idx="minor">
+            <a:schemeClr val="lt1"/>
+          </a:fontRef>
+        </p:style>
+        <p:txBody>
+          <a:bodyPr rtlCol="0" anchor="ctr"/>
+          <a:lstStyle/>
+          <a:p>
+            <a:pPr algn="ctr"/>
+            <a:endParaRPr lang="zh-CN" altLang="en-US"/>
+          </a:p>
+        </p:txBody>
+      </p:sp>
+      <p:sp>
+        <p:nvSpPr>
+          <p:cNvPr id="21" name="椭圆 20"/>
+          <p:cNvSpPr/>
+          <p:nvPr/>
+        </p:nvSpPr>
+        <p:spPr>
+          <a:xfrm>
+            <a:off x="3054566" y="4706033"/>
+            <a:ext cx="1277007" cy="1261242"/>
+          </a:xfrm>
+          <a:prstGeom prst="ellipse">
+            <a:avLst/>
+          </a:prstGeom>
+          <a:noFill/>
+          <a:ln w="12700">
+            <a:solidFill>
+              <a:schemeClr val="tx1"/>
+            </a:solidFill>
+            <a:prstDash val="dash"/>
+          </a:ln>
+          <a:effectLst/>
+        </p:spPr>
+        <p:style>
+          <a:lnRef idx="1">
+            <a:schemeClr val="accent1"/>
+          </a:lnRef>
+          <a:fillRef idx="3">
+            <a:schemeClr val="accent1"/>
+          </a:fillRef>
+          <a:effectRef idx="2">
+            <a:schemeClr val="accent1"/>
+          </a:effectRef>
+          <a:fontRef idx="minor">
+            <a:schemeClr val="lt1"/>
+          </a:fontRef>
+        </p:style>
+        <p:txBody>
+          <a:bodyPr rtlCol="0" anchor="ctr"/>
+          <a:lstStyle/>
+          <a:p>
+            <a:pPr algn="ctr"/>
+            <a:endParaRPr lang="zh-CN" altLang="en-US"/>
+          </a:p>
+        </p:txBody>
+      </p:sp>
+      <p:sp>
+        <p:nvSpPr>
+          <p:cNvPr id="22" name="椭圆 21"/>
+          <p:cNvSpPr/>
+          <p:nvPr/>
+        </p:nvSpPr>
+        <p:spPr>
+          <a:xfrm>
+            <a:off x="3373817" y="5021344"/>
+            <a:ext cx="638504" cy="630621"/>
+          </a:xfrm>
+          <a:prstGeom prst="ellipse">
+            <a:avLst/>
+          </a:prstGeom>
+          <a:solidFill>
+            <a:schemeClr val="bg1">
+              <a:lumMod val="95000"/>
+            </a:schemeClr>
+          </a:solidFill>
+          <a:ln w="12700">
+            <a:solidFill>
+              <a:schemeClr val="tx1"/>
+            </a:solidFill>
+            <a:prstDash val="lgDash"/>
+          </a:ln>
+          <a:effectLst/>
+        </p:spPr>
+        <p:style>
+          <a:lnRef idx="1">
+            <a:schemeClr val="accent1"/>
+          </a:lnRef>
+          <a:fillRef idx="3">
+            <a:schemeClr val="accent1"/>
+          </a:fillRef>
+          <a:effectRef idx="2">
+            <a:schemeClr val="accent1"/>
+          </a:effectRef>
+          <a:fontRef idx="minor">
+            <a:schemeClr val="lt1"/>
+          </a:fontRef>
+        </p:style>
+        <p:txBody>
+          <a:bodyPr rtlCol="0" anchor="ctr"/>
+          <a:lstStyle/>
+          <a:p>
+            <a:pPr algn="ctr"/>
+            <a:endParaRPr lang="zh-CN" altLang="en-US"/>
+          </a:p>
+        </p:txBody>
+      </p:sp>
+      <p:sp>
+        <p:nvSpPr>
+          <p:cNvPr id="23" name="椭圆 22"/>
+          <p:cNvSpPr/>
+          <p:nvPr/>
+        </p:nvSpPr>
+        <p:spPr>
+          <a:xfrm>
+            <a:off x="3533443" y="5178999"/>
+            <a:ext cx="319252" cy="315310"/>
+          </a:xfrm>
+          <a:prstGeom prst="ellipse">
+            <a:avLst/>
+          </a:prstGeom>
+          <a:solidFill>
+            <a:schemeClr val="bg1">
+              <a:lumMod val="75000"/>
+            </a:schemeClr>
+          </a:solidFill>
+          <a:ln w="12700">
+            <a:solidFill>
+              <a:schemeClr val="tx1"/>
+            </a:solidFill>
+            <a:prstDash val="solid"/>
+          </a:ln>
+          <a:effectLst/>
+        </p:spPr>
+        <p:style>
+          <a:lnRef idx="1">
+            <a:schemeClr val="accent1"/>
+          </a:lnRef>
+          <a:fillRef idx="3">
+            <a:schemeClr val="accent1"/>
+          </a:fillRef>
+          <a:effectRef idx="2">
+            <a:schemeClr val="accent1"/>
+          </a:effectRef>
+          <a:fontRef idx="minor">
+            <a:schemeClr val="lt1"/>
+          </a:fontRef>
+        </p:style>
+        <p:txBody>
+          <a:bodyPr rtlCol="0" anchor="ctr"/>
+          <a:lstStyle/>
+          <a:p>
+            <a:pPr algn="ctr"/>
+            <a:endParaRPr lang="zh-CN" altLang="en-US"/>
+          </a:p>
+        </p:txBody>
+      </p:sp>
+      <p:sp>
+        <p:nvSpPr>
+          <p:cNvPr id="24" name="椭圆 23"/>
+          <p:cNvSpPr/>
+          <p:nvPr/>
+        </p:nvSpPr>
+        <p:spPr>
+          <a:xfrm>
+            <a:off x="3629219" y="5273592"/>
+            <a:ext cx="127701" cy="126124"/>
+          </a:xfrm>
+          <a:prstGeom prst="ellipse">
+            <a:avLst/>
+          </a:prstGeom>
+          <a:solidFill>
+            <a:schemeClr val="tx1"/>
+          </a:solidFill>
+          <a:ln w="12700">
+            <a:solidFill>
+              <a:schemeClr val="tx1"/>
+            </a:solidFill>
+            <a:prstDash val="sysDot"/>
+          </a:ln>
+          <a:effectLst/>
+        </p:spPr>
+        <p:style>
+          <a:lnRef idx="1">
+            <a:schemeClr val="accent1"/>
+          </a:lnRef>
+          <a:fillRef idx="3">
+            <a:schemeClr val="accent1"/>
+          </a:fillRef>
+          <a:effectRef idx="2">
+            <a:schemeClr val="accent1"/>
+          </a:effectRef>
+          <a:fontRef idx="minor">
+            <a:schemeClr val="lt1"/>
+          </a:fontRef>
+        </p:style>
+        <p:txBody>
+          <a:bodyPr rtlCol="0" anchor="ctr"/>
+          <a:lstStyle/>
+          <a:p>
+            <a:pPr algn="ctr"/>
+            <a:endParaRPr lang="zh-CN" altLang="en-US"/>
+          </a:p>
+        </p:txBody>
+      </p:sp>
+      <p:sp>
+        <p:nvSpPr>
+          <p:cNvPr id="25" name="椭圆 24"/>
+          <p:cNvSpPr/>
+          <p:nvPr/>
+        </p:nvSpPr>
+        <p:spPr>
+          <a:xfrm>
+            <a:off x="4970076" y="3606360"/>
+            <a:ext cx="275896" cy="275895"/>
+          </a:xfrm>
+          <a:prstGeom prst="ellipse">
+            <a:avLst/>
+          </a:prstGeom>
+          <a:solidFill>
+            <a:schemeClr val="tx1"/>
+          </a:solidFill>
+          <a:ln w="0">
+            <a:solidFill>
+              <a:schemeClr val="tx1"/>
+            </a:solidFill>
+            <a:prstDash val="sysDot"/>
+          </a:ln>
+          <a:effectLst/>
+        </p:spPr>
+        <p:style>
+          <a:lnRef idx="1">
+            <a:schemeClr val="accent1"/>
+          </a:lnRef>
+          <a:fillRef idx="3">
+            <a:schemeClr val="accent1"/>
+          </a:fillRef>
+          <a:effectRef idx="2">
+            <a:schemeClr val="accent1"/>
+          </a:effectRef>
+          <a:fontRef idx="minor">
+            <a:schemeClr val="lt1"/>
+          </a:fontRef>
+        </p:style>
+        <p:txBody>
+          <a:bodyPr rtlCol="0" anchor="ctr"/>
+          <a:lstStyle/>
+          <a:p>
+            <a:pPr algn="ctr"/>
+            <a:endParaRPr lang="zh-CN" altLang="en-US"/>
+          </a:p>
+        </p:txBody>
+      </p:sp>
+      <p:cxnSp>
+        <p:nvCxnSpPr>
+          <p:cNvPr id="27" name="直接连接符 26"/>
+          <p:cNvCxnSpPr>
+            <a:stCxn id="14" idx="5"/>
+          </p:cNvCxnSpPr>
+          <p:nvPr/>
+        </p:nvCxnSpPr>
+        <p:spPr>
+          <a:xfrm rot="16200000" flipH="1">
+            <a:off x="3257094" y="1893377"/>
+            <a:ext cx="1323065" cy="2102899"/>
+          </a:xfrm>
+          <a:prstGeom prst="line">
+            <a:avLst/>
+          </a:prstGeom>
+          <a:ln w="76200">
+            <a:solidFill>
+              <a:schemeClr val="tx1"/>
+            </a:solidFill>
+            <a:prstDash val="sysDot"/>
+          </a:ln>
+          <a:effectLst/>
+        </p:spPr>
+        <p:style>
+          <a:lnRef idx="2">
+            <a:schemeClr val="accent1"/>
+          </a:lnRef>
+          <a:fillRef idx="0">
+            <a:schemeClr val="accent1"/>
+          </a:fillRef>
+          <a:effectRef idx="1">
+            <a:schemeClr val="accent1"/>
+          </a:effectRef>
+          <a:fontRef idx="minor">
+            <a:schemeClr val="tx1"/>
+          </a:fontRef>
+        </p:style>
+      </p:cxnSp>
+      <p:cxnSp>
+        <p:nvCxnSpPr>
+          <p:cNvPr id="29" name="直接连接符 28"/>
+          <p:cNvCxnSpPr>
+            <a:stCxn id="24" idx="7"/>
+          </p:cNvCxnSpPr>
+          <p:nvPr/>
+        </p:nvCxnSpPr>
+        <p:spPr>
+          <a:xfrm rot="5400000" flipH="1" flipV="1">
+            <a:off x="3649244" y="3971231"/>
+            <a:ext cx="1409807" cy="1231857"/>
+          </a:xfrm>
+          <a:prstGeom prst="line">
+            <a:avLst/>
+          </a:prstGeom>
+          <a:ln w="76200">
+            <a:solidFill>
+              <a:schemeClr val="tx1"/>
+            </a:solidFill>
+            <a:prstDash val="sysDot"/>
+          </a:ln>
+          <a:effectLst/>
+        </p:spPr>
+        <p:style>
+          <a:lnRef idx="2">
+            <a:schemeClr val="accent1"/>
+          </a:lnRef>
+          <a:fillRef idx="0">
+            <a:schemeClr val="accent1"/>
+          </a:fillRef>
+          <a:effectRef idx="1">
+            <a:schemeClr val="accent1"/>
+          </a:effectRef>
+          <a:fontRef idx="minor">
+            <a:schemeClr val="tx1"/>
+          </a:fontRef>
+        </p:style>
+      </p:cxnSp>
+      <p:cxnSp>
+        <p:nvCxnSpPr>
+          <p:cNvPr id="31" name="直接连接符 30"/>
+          <p:cNvCxnSpPr>
+            <a:stCxn id="19" idx="3"/>
+            <a:endCxn id="25" idx="7"/>
+          </p:cNvCxnSpPr>
+          <p:nvPr/>
+        </p:nvCxnSpPr>
+        <p:spPr>
+          <a:xfrm rot="5400000">
+            <a:off x="5403693" y="2329534"/>
+            <a:ext cx="1119106" cy="1515355"/>
+          </a:xfrm>
+          <a:prstGeom prst="line">
+            <a:avLst/>
+          </a:prstGeom>
+          <a:ln w="76200">
+            <a:solidFill>
+              <a:schemeClr val="tx1"/>
+            </a:solidFill>
+            <a:prstDash val="sysDot"/>
+          </a:ln>
+          <a:effectLst/>
+        </p:spPr>
+        <p:style>
+          <a:lnRef idx="2">
+            <a:schemeClr val="accent1"/>
+          </a:lnRef>
+          <a:fillRef idx="0">
+            <a:schemeClr val="accent1"/>
+          </a:fillRef>
+          <a:effectRef idx="1">
+            <a:schemeClr val="accent1"/>
+          </a:effectRef>
+          <a:fontRef idx="minor">
+            <a:schemeClr val="tx1"/>
+          </a:fontRef>
+        </p:style>
+      </p:cxnSp>
+      <p:sp>
+        <p:nvSpPr>
+          <p:cNvPr id="35" name="线形标注 1(带强调线) 34"/>
+          <p:cNvSpPr/>
+          <p:nvPr/>
+        </p:nvSpPr>
+        <p:spPr>
+          <a:xfrm>
+            <a:off x="5935717" y="4706033"/>
+            <a:ext cx="1639614" cy="693683"/>
+          </a:xfrm>
+          <a:prstGeom prst="accentCallout1">
+            <a:avLst>
+              <a:gd name="adj1" fmla="val 18750"/>
+              <a:gd name="adj2" fmla="val -8333"/>
+              <a:gd name="adj3" fmla="val -132955"/>
+              <a:gd name="adj4" fmla="val -47948"/>
+            </a:avLst>
+          </a:prstGeom>
+          <a:noFill/>
+          <a:ln w="12700">
+            <a:solidFill>
+              <a:schemeClr val="tx1"/>
+            </a:solidFill>
+            <a:prstDash val="solid"/>
+          </a:ln>
+          <a:effectLst/>
+        </p:spPr>
+        <p:style>
+          <a:lnRef idx="1">
+            <a:schemeClr val="accent1"/>
+          </a:lnRef>
+          <a:fillRef idx="3">
+            <a:schemeClr val="accent1"/>
+          </a:fillRef>
+          <a:effectRef idx="2">
+            <a:schemeClr val="accent1"/>
+          </a:effectRef>
+          <a:fontRef idx="minor">
+            <a:schemeClr val="lt1"/>
+          </a:fontRef>
+        </p:style>
+        <p:txBody>
+          <a:bodyPr rtlCol="0" anchor="ctr"/>
+          <a:lstStyle/>
+          <a:p>
+            <a:pPr algn="ctr"/>
+            <a:r>
+              <a:rPr lang="zh-CN" altLang="en-US" smtClean="0">
+                <a:solidFill>
+                  <a:schemeClr val="tx1"/>
+                </a:solidFill>
+              </a:rPr>
+              <a:t>移动终端设备</a:t>
+            </a:r>
+            <a:endParaRPr lang="zh-CN" altLang="en-US">
+              <a:solidFill>
+                <a:schemeClr val="tx1"/>
+              </a:solidFill>
+            </a:endParaRPr>
+          </a:p>
+        </p:txBody>
+      </p:sp>
+      <p:sp>
+        <p:nvSpPr>
+          <p:cNvPr id="36" name="线形标注 1(带强调线) 35"/>
+          <p:cNvSpPr/>
+          <p:nvPr/>
+        </p:nvSpPr>
+        <p:spPr>
+          <a:xfrm>
+            <a:off x="4044791" y="1229709"/>
+            <a:ext cx="573564" cy="378373"/>
+          </a:xfrm>
+          <a:prstGeom prst="accentCallout1">
+            <a:avLst>
+              <a:gd name="adj1" fmla="val 18750"/>
+              <a:gd name="adj2" fmla="val -8333"/>
+              <a:gd name="adj3" fmla="val 250000"/>
+              <a:gd name="adj4" fmla="val -210126"/>
+            </a:avLst>
+          </a:prstGeom>
+          <a:noFill/>
+          <a:ln w="0">
+            <a:solidFill>
+              <a:schemeClr val="tx1"/>
+            </a:solidFill>
+            <a:prstDash val="sysDot"/>
+          </a:ln>
+          <a:effectLst/>
+        </p:spPr>
+        <p:style>
+          <a:lnRef idx="1">
+            <a:schemeClr val="accent1"/>
+          </a:lnRef>
+          <a:fillRef idx="3">
+            <a:schemeClr val="accent1"/>
+          </a:fillRef>
+          <a:effectRef idx="2">
+            <a:schemeClr val="accent1"/>
+          </a:effectRef>
+          <a:fontRef idx="minor">
+            <a:schemeClr val="lt1"/>
+          </a:fontRef>
+        </p:style>
+        <p:txBody>
+          <a:bodyPr rtlCol="0" anchor="ctr"/>
+          <a:lstStyle/>
+          <a:p>
+            <a:pPr algn="ctr"/>
+            <a:r>
+              <a:rPr lang="en-US" altLang="zh-CN" smtClean="0">
+                <a:solidFill>
+                  <a:schemeClr val="tx1"/>
+                </a:solidFill>
+              </a:rPr>
+              <a:t>AP1</a:t>
+            </a:r>
+            <a:endParaRPr lang="zh-CN" altLang="en-US">
+              <a:solidFill>
+                <a:schemeClr val="tx1"/>
+              </a:solidFill>
+            </a:endParaRPr>
+          </a:p>
+        </p:txBody>
+      </p:sp>
+      <p:sp>
+        <p:nvSpPr>
+          <p:cNvPr id="42" name="线形标注 1(带强调线) 41"/>
+          <p:cNvSpPr/>
+          <p:nvPr/>
+        </p:nvSpPr>
+        <p:spPr>
+          <a:xfrm>
+            <a:off x="7756297" y="1192922"/>
+            <a:ext cx="573564" cy="378373"/>
+          </a:xfrm>
+          <a:prstGeom prst="accentCallout1">
+            <a:avLst>
+              <a:gd name="adj1" fmla="val 18750"/>
+              <a:gd name="adj2" fmla="val -8333"/>
+              <a:gd name="adj3" fmla="val 335416"/>
+              <a:gd name="adj4" fmla="val -167521"/>
+            </a:avLst>
+          </a:prstGeom>
+          <a:noFill/>
+          <a:ln w="0">
+            <a:solidFill>
+              <a:schemeClr val="tx1"/>
+            </a:solidFill>
+            <a:prstDash val="sysDot"/>
+          </a:ln>
+          <a:effectLst/>
+        </p:spPr>
+        <p:style>
+          <a:lnRef idx="1">
+            <a:schemeClr val="accent1"/>
+          </a:lnRef>
+          <a:fillRef idx="3">
+            <a:schemeClr val="accent1"/>
+          </a:fillRef>
+          <a:effectRef idx="2">
+            <a:schemeClr val="accent1"/>
+          </a:effectRef>
+          <a:fontRef idx="minor">
+            <a:schemeClr val="lt1"/>
+          </a:fontRef>
+        </p:style>
+        <p:txBody>
+          <a:bodyPr rtlCol="0" anchor="ctr"/>
+          <a:lstStyle/>
+          <a:p>
+            <a:pPr algn="ctr"/>
+            <a:r>
+              <a:rPr lang="en-US" altLang="zh-CN" smtClean="0">
+                <a:solidFill>
+                  <a:schemeClr val="tx1"/>
+                </a:solidFill>
+              </a:rPr>
+              <a:t>AP2</a:t>
+            </a:r>
+            <a:endParaRPr lang="zh-CN" altLang="en-US">
+              <a:solidFill>
+                <a:schemeClr val="tx1"/>
+              </a:solidFill>
+            </a:endParaRPr>
+          </a:p>
+        </p:txBody>
+      </p:sp>
+      <p:sp>
+        <p:nvSpPr>
+          <p:cNvPr id="43" name="线形标注 1(带强调线) 42"/>
+          <p:cNvSpPr/>
+          <p:nvPr/>
+        </p:nvSpPr>
+        <p:spPr>
+          <a:xfrm>
+            <a:off x="4970076" y="5778088"/>
+            <a:ext cx="573564" cy="378373"/>
+          </a:xfrm>
+          <a:prstGeom prst="accentCallout1">
+            <a:avLst>
+              <a:gd name="adj1" fmla="val 18750"/>
+              <a:gd name="adj2" fmla="val -8333"/>
+              <a:gd name="adj3" fmla="val -108333"/>
+              <a:gd name="adj4" fmla="val -221121"/>
+            </a:avLst>
+          </a:prstGeom>
+          <a:noFill/>
+          <a:ln w="0">
+            <a:solidFill>
+              <a:schemeClr val="tx1"/>
+            </a:solidFill>
+            <a:prstDash val="sysDot"/>
+          </a:ln>
+          <a:effectLst/>
+        </p:spPr>
+        <p:style>
+          <a:lnRef idx="1">
+            <a:schemeClr val="accent1"/>
+          </a:lnRef>
+          <a:fillRef idx="3">
+            <a:schemeClr val="accent1"/>
+          </a:fillRef>
+          <a:effectRef idx="2">
+            <a:schemeClr val="accent1"/>
+          </a:effectRef>
+          <a:fontRef idx="minor">
+            <a:schemeClr val="lt1"/>
+          </a:fontRef>
+        </p:style>
+        <p:txBody>
+          <a:bodyPr rtlCol="0" anchor="ctr"/>
+          <a:lstStyle/>
+          <a:p>
+            <a:pPr algn="ctr"/>
+            <a:r>
+              <a:rPr lang="en-US" altLang="zh-CN" smtClean="0">
+                <a:solidFill>
+                  <a:schemeClr val="tx1"/>
+                </a:solidFill>
+              </a:rPr>
+              <a:t>AP3</a:t>
+            </a:r>
+            <a:endParaRPr lang="zh-CN" altLang="en-US">
+              <a:solidFill>
+                <a:schemeClr val="tx1"/>
+              </a:solidFill>
+            </a:endParaRPr>
+          </a:p>
+        </p:txBody>
+      </p:sp>
     </p:spTree>
   </p:cSld>
   <p:clrMapOvr>
@@ -13010,9 +21386,37 @@
   </a:themeElements>
   <a:objectDefaults>
     <a:spDef>
-      <a:spPr/>
-      <a:bodyPr/>
-      <a:lstStyle/>
+      <a:spPr>
+        <a:gradFill flip="none" rotWithShape="1">
+          <a:gsLst>
+            <a:gs pos="10000">
+              <a:schemeClr val="tx1">
+                <a:alpha val="90000"/>
+              </a:schemeClr>
+            </a:gs>
+            <a:gs pos="94000">
+              <a:schemeClr val="bg1"/>
+            </a:gs>
+          </a:gsLst>
+          <a:path path="shape">
+            <a:fillToRect l="50000" t="50000" r="50000" b="50000"/>
+          </a:path>
+          <a:tileRect/>
+        </a:gradFill>
+        <a:ln w="0">
+          <a:solidFill>
+            <a:schemeClr val="tx1"/>
+          </a:solidFill>
+          <a:prstDash val="sysDot"/>
+        </a:ln>
+        <a:effectLst/>
+      </a:spPr>
+      <a:bodyPr rtlCol="0" anchor="ctr"/>
+      <a:lstStyle>
+        <a:defPPr algn="ctr">
+          <a:defRPr/>
+        </a:defPPr>
+      </a:lstStyle>
       <a:style>
         <a:lnRef idx="1">
           <a:schemeClr val="accent1"/>
